--- a/就職指導週間（大橋校講義用PP）.pptx
+++ b/就職指導週間（大橋校講義用PP）.pptx
@@ -2,32 +2,39 @@
 <file path=ppt/presentation.xml><?xml version="1.0" encoding="utf-8"?>
 <p:presentation xmlns:a="http://schemas.openxmlformats.org/drawingml/2006/main" xmlns:r="http://schemas.openxmlformats.org/officeDocument/2006/relationships" xmlns:p="http://schemas.openxmlformats.org/presentationml/2006/main" saveSubsetFonts="1">
   <p:sldMasterIdLst>
-    <p:sldMasterId id="2147483648" r:id="rId1"/>
+    <p:sldMasterId id="2147483732" r:id="rId1"/>
   </p:sldMasterIdLst>
+  <p:notesMasterIdLst>
+    <p:notesMasterId r:id="rId29"/>
+  </p:notesMasterIdLst>
   <p:sldIdLst>
     <p:sldId id="256" r:id="rId2"/>
-    <p:sldId id="257" r:id="rId3"/>
-    <p:sldId id="264" r:id="rId4"/>
-    <p:sldId id="258" r:id="rId5"/>
-    <p:sldId id="259" r:id="rId6"/>
-    <p:sldId id="260" r:id="rId7"/>
-    <p:sldId id="265" r:id="rId8"/>
-    <p:sldId id="261" r:id="rId9"/>
-    <p:sldId id="262" r:id="rId10"/>
-    <p:sldId id="263" r:id="rId11"/>
-    <p:sldId id="278" r:id="rId12"/>
-    <p:sldId id="279" r:id="rId13"/>
-    <p:sldId id="266" r:id="rId14"/>
-    <p:sldId id="267" r:id="rId15"/>
-    <p:sldId id="268" r:id="rId16"/>
-    <p:sldId id="274" r:id="rId17"/>
-    <p:sldId id="270" r:id="rId18"/>
-    <p:sldId id="271" r:id="rId19"/>
-    <p:sldId id="273" r:id="rId20"/>
-    <p:sldId id="277" r:id="rId21"/>
-    <p:sldId id="272" r:id="rId22"/>
-    <p:sldId id="275" r:id="rId23"/>
-    <p:sldId id="276" r:id="rId24"/>
+    <p:sldId id="281" r:id="rId3"/>
+    <p:sldId id="280" r:id="rId4"/>
+    <p:sldId id="257" r:id="rId5"/>
+    <p:sldId id="282" r:id="rId6"/>
+    <p:sldId id="283" r:id="rId7"/>
+    <p:sldId id="264" r:id="rId8"/>
+    <p:sldId id="265" r:id="rId9"/>
+    <p:sldId id="260" r:id="rId10"/>
+    <p:sldId id="259" r:id="rId11"/>
+    <p:sldId id="261" r:id="rId12"/>
+    <p:sldId id="262" r:id="rId13"/>
+    <p:sldId id="263" r:id="rId14"/>
+    <p:sldId id="278" r:id="rId15"/>
+    <p:sldId id="279" r:id="rId16"/>
+    <p:sldId id="266" r:id="rId17"/>
+    <p:sldId id="267" r:id="rId18"/>
+    <p:sldId id="268" r:id="rId19"/>
+    <p:sldId id="274" r:id="rId20"/>
+    <p:sldId id="270" r:id="rId21"/>
+    <p:sldId id="271" r:id="rId22"/>
+    <p:sldId id="273" r:id="rId23"/>
+    <p:sldId id="258" r:id="rId24"/>
+    <p:sldId id="277" r:id="rId25"/>
+    <p:sldId id="272" r:id="rId26"/>
+    <p:sldId id="275" r:id="rId27"/>
+    <p:sldId id="276" r:id="rId28"/>
   </p:sldIdLst>
   <p:sldSz cx="9144000" cy="6858000" type="screen4x3"/>
   <p:notesSz cx="6858000" cy="9144000"/>
@@ -132,12 +139,19 @@
         <p14:section name="既定のセクション" id="{8D2000E4-EB06-4B51-97E6-4E1F222E75EF}">
           <p14:sldIdLst>
             <p14:sldId id="256"/>
+            <p14:sldId id="281"/>
+            <p14:sldId id="280"/>
             <p14:sldId id="257"/>
+            <p14:sldId id="282"/>
+            <p14:sldId id="283"/>
             <p14:sldId id="264"/>
-            <p14:sldId id="258"/>
+          </p14:sldIdLst>
+        </p14:section>
+        <p14:section name="タイトルなしのセクション" id="{B3D920F1-7EDC-47B8-8167-D1AE14591E27}">
+          <p14:sldIdLst>
+            <p14:sldId id="265"/>
+            <p14:sldId id="260"/>
             <p14:sldId id="259"/>
-            <p14:sldId id="260"/>
-            <p14:sldId id="265"/>
             <p14:sldId id="261"/>
             <p14:sldId id="262"/>
             <p14:sldId id="263"/>
@@ -145,11 +159,20 @@
             <p14:sldId id="279"/>
             <p14:sldId id="266"/>
             <p14:sldId id="267"/>
+          </p14:sldIdLst>
+        </p14:section>
+        <p14:section name="タイトルなしのセクション" id="{088C8658-5CFD-445F-87BD-0917CD9629BF}">
+          <p14:sldIdLst>
             <p14:sldId id="268"/>
+          </p14:sldIdLst>
+        </p14:section>
+        <p14:section name="タイトルなしのセクション" id="{F3F94779-3944-450F-BA9A-E7FC644D27D9}">
+          <p14:sldIdLst>
             <p14:sldId id="274"/>
             <p14:sldId id="270"/>
             <p14:sldId id="271"/>
             <p14:sldId id="273"/>
+            <p14:sldId id="258"/>
             <p14:sldId id="277"/>
           </p14:sldIdLst>
         </p14:section>
@@ -166,8 +189,559 @@
 </p:presentation>
 </file>
 
+<file path=ppt/notesMasters/notesMaster1.xml><?xml version="1.0" encoding="utf-8"?>
+<p:notesMaster xmlns:a="http://schemas.openxmlformats.org/drawingml/2006/main" xmlns:r="http://schemas.openxmlformats.org/officeDocument/2006/relationships" xmlns:p="http://schemas.openxmlformats.org/presentationml/2006/main">
+  <p:cSld>
+    <p:bg>
+      <p:bgRef idx="1001">
+        <a:schemeClr val="bg1"/>
+      </p:bgRef>
+    </p:bg>
+    <p:spTree>
+      <p:nvGrpSpPr>
+        <p:cNvPr id="1" name=""/>
+        <p:cNvGrpSpPr/>
+        <p:nvPr/>
+      </p:nvGrpSpPr>
+      <p:grpSpPr>
+        <a:xfrm>
+          <a:off x="0" y="0"/>
+          <a:ext cx="0" cy="0"/>
+          <a:chOff x="0" y="0"/>
+          <a:chExt cx="0" cy="0"/>
+        </a:xfrm>
+      </p:grpSpPr>
+      <p:sp>
+        <p:nvSpPr>
+          <p:cNvPr id="2" name="ヘッダー プレースホルダー 1"/>
+          <p:cNvSpPr>
+            <a:spLocks noGrp="1"/>
+          </p:cNvSpPr>
+          <p:nvPr>
+            <p:ph type="hdr" sz="quarter"/>
+          </p:nvPr>
+        </p:nvSpPr>
+        <p:spPr>
+          <a:xfrm>
+            <a:off x="0" y="0"/>
+            <a:ext cx="2971800" cy="457200"/>
+          </a:xfrm>
+          <a:prstGeom prst="rect">
+            <a:avLst/>
+          </a:prstGeom>
+        </p:spPr>
+        <p:txBody>
+          <a:bodyPr vert="horz" lIns="91440" tIns="45720" rIns="91440" bIns="45720" rtlCol="0"/>
+          <a:lstStyle>
+            <a:lvl1pPr algn="l">
+              <a:defRPr sz="1200"/>
+            </a:lvl1pPr>
+          </a:lstStyle>
+          <a:p>
+            <a:endParaRPr kumimoji="1" lang="ja-JP" altLang="en-US"/>
+          </a:p>
+        </p:txBody>
+      </p:sp>
+      <p:sp>
+        <p:nvSpPr>
+          <p:cNvPr id="3" name="日付プレースホルダー 2"/>
+          <p:cNvSpPr>
+            <a:spLocks noGrp="1"/>
+          </p:cNvSpPr>
+          <p:nvPr>
+            <p:ph type="dt" idx="1"/>
+          </p:nvPr>
+        </p:nvSpPr>
+        <p:spPr>
+          <a:xfrm>
+            <a:off x="3884613" y="0"/>
+            <a:ext cx="2971800" cy="457200"/>
+          </a:xfrm>
+          <a:prstGeom prst="rect">
+            <a:avLst/>
+          </a:prstGeom>
+        </p:spPr>
+        <p:txBody>
+          <a:bodyPr vert="horz" lIns="91440" tIns="45720" rIns="91440" bIns="45720" rtlCol="0"/>
+          <a:lstStyle>
+            <a:lvl1pPr algn="r">
+              <a:defRPr sz="1200"/>
+            </a:lvl1pPr>
+          </a:lstStyle>
+          <a:p>
+            <a:fld id="{1F11B848-51EE-41C4-9BC1-9271389BA10F}" type="datetimeFigureOut">
+              <a:rPr kumimoji="1" lang="ja-JP" altLang="en-US" smtClean="0"/>
+              <a:t>2018/1/27</a:t>
+            </a:fld>
+            <a:endParaRPr kumimoji="1" lang="ja-JP" altLang="en-US"/>
+          </a:p>
+        </p:txBody>
+      </p:sp>
+      <p:sp>
+        <p:nvSpPr>
+          <p:cNvPr id="4" name="スライド イメージ プレースホルダー 3"/>
+          <p:cNvSpPr>
+            <a:spLocks noGrp="1" noRot="1" noChangeAspect="1"/>
+          </p:cNvSpPr>
+          <p:nvPr>
+            <p:ph type="sldImg" idx="2"/>
+          </p:nvPr>
+        </p:nvSpPr>
+        <p:spPr>
+          <a:xfrm>
+            <a:off x="1143000" y="685800"/>
+            <a:ext cx="4572000" cy="3429000"/>
+          </a:xfrm>
+          <a:prstGeom prst="rect">
+            <a:avLst/>
+          </a:prstGeom>
+          <a:noFill/>
+          <a:ln w="12700">
+            <a:solidFill>
+              <a:prstClr val="black"/>
+            </a:solidFill>
+          </a:ln>
+        </p:spPr>
+        <p:txBody>
+          <a:bodyPr vert="horz" lIns="91440" tIns="45720" rIns="91440" bIns="45720" rtlCol="0" anchor="ctr"/>
+          <a:lstStyle/>
+          <a:p>
+            <a:endParaRPr lang="ja-JP" altLang="en-US"/>
+          </a:p>
+        </p:txBody>
+      </p:sp>
+      <p:sp>
+        <p:nvSpPr>
+          <p:cNvPr id="5" name="ノート プレースホルダー 4"/>
+          <p:cNvSpPr>
+            <a:spLocks noGrp="1"/>
+          </p:cNvSpPr>
+          <p:nvPr>
+            <p:ph type="body" sz="quarter" idx="3"/>
+          </p:nvPr>
+        </p:nvSpPr>
+        <p:spPr>
+          <a:xfrm>
+            <a:off x="685800" y="4343400"/>
+            <a:ext cx="5486400" cy="4114800"/>
+          </a:xfrm>
+          <a:prstGeom prst="rect">
+            <a:avLst/>
+          </a:prstGeom>
+        </p:spPr>
+        <p:txBody>
+          <a:bodyPr vert="horz" lIns="91440" tIns="45720" rIns="91440" bIns="45720" rtlCol="0"/>
+          <a:lstStyle/>
+          <a:p>
+            <a:pPr lvl="0"/>
+            <a:r>
+              <a:rPr kumimoji="1" lang="ja-JP" altLang="en-US" smtClean="0"/>
+              <a:t>マスター テキストの書式設定</a:t>
+            </a:r>
+          </a:p>
+          <a:p>
+            <a:pPr lvl="1"/>
+            <a:r>
+              <a:rPr kumimoji="1" lang="ja-JP" altLang="en-US" smtClean="0"/>
+              <a:t>第 </a:t>
+            </a:r>
+            <a:r>
+              <a:rPr kumimoji="1" lang="en-US" altLang="ja-JP" smtClean="0"/>
+              <a:t>2 </a:t>
+            </a:r>
+            <a:r>
+              <a:rPr kumimoji="1" lang="ja-JP" altLang="en-US" smtClean="0"/>
+              <a:t>レベル</a:t>
+            </a:r>
+          </a:p>
+          <a:p>
+            <a:pPr lvl="2"/>
+            <a:r>
+              <a:rPr kumimoji="1" lang="ja-JP" altLang="en-US" smtClean="0"/>
+              <a:t>第 </a:t>
+            </a:r>
+            <a:r>
+              <a:rPr kumimoji="1" lang="en-US" altLang="ja-JP" smtClean="0"/>
+              <a:t>3 </a:t>
+            </a:r>
+            <a:r>
+              <a:rPr kumimoji="1" lang="ja-JP" altLang="en-US" smtClean="0"/>
+              <a:t>レベル</a:t>
+            </a:r>
+          </a:p>
+          <a:p>
+            <a:pPr lvl="3"/>
+            <a:r>
+              <a:rPr kumimoji="1" lang="ja-JP" altLang="en-US" smtClean="0"/>
+              <a:t>第 </a:t>
+            </a:r>
+            <a:r>
+              <a:rPr kumimoji="1" lang="en-US" altLang="ja-JP" smtClean="0"/>
+              <a:t>4 </a:t>
+            </a:r>
+            <a:r>
+              <a:rPr kumimoji="1" lang="ja-JP" altLang="en-US" smtClean="0"/>
+              <a:t>レベル</a:t>
+            </a:r>
+          </a:p>
+          <a:p>
+            <a:pPr lvl="4"/>
+            <a:r>
+              <a:rPr kumimoji="1" lang="ja-JP" altLang="en-US" smtClean="0"/>
+              <a:t>第 </a:t>
+            </a:r>
+            <a:r>
+              <a:rPr kumimoji="1" lang="en-US" altLang="ja-JP" smtClean="0"/>
+              <a:t>5 </a:t>
+            </a:r>
+            <a:r>
+              <a:rPr kumimoji="1" lang="ja-JP" altLang="en-US" smtClean="0"/>
+              <a:t>レベル</a:t>
+            </a:r>
+            <a:endParaRPr kumimoji="1" lang="ja-JP" altLang="en-US"/>
+          </a:p>
+        </p:txBody>
+      </p:sp>
+      <p:sp>
+        <p:nvSpPr>
+          <p:cNvPr id="6" name="フッター プレースホルダー 5"/>
+          <p:cNvSpPr>
+            <a:spLocks noGrp="1"/>
+          </p:cNvSpPr>
+          <p:nvPr>
+            <p:ph type="ftr" sz="quarter" idx="4"/>
+          </p:nvPr>
+        </p:nvSpPr>
+        <p:spPr>
+          <a:xfrm>
+            <a:off x="0" y="8685213"/>
+            <a:ext cx="2971800" cy="457200"/>
+          </a:xfrm>
+          <a:prstGeom prst="rect">
+            <a:avLst/>
+          </a:prstGeom>
+        </p:spPr>
+        <p:txBody>
+          <a:bodyPr vert="horz" lIns="91440" tIns="45720" rIns="91440" bIns="45720" rtlCol="0" anchor="b"/>
+          <a:lstStyle>
+            <a:lvl1pPr algn="l">
+              <a:defRPr sz="1200"/>
+            </a:lvl1pPr>
+          </a:lstStyle>
+          <a:p>
+            <a:endParaRPr kumimoji="1" lang="ja-JP" altLang="en-US"/>
+          </a:p>
+        </p:txBody>
+      </p:sp>
+      <p:sp>
+        <p:nvSpPr>
+          <p:cNvPr id="7" name="スライド番号プレースホルダー 6"/>
+          <p:cNvSpPr>
+            <a:spLocks noGrp="1"/>
+          </p:cNvSpPr>
+          <p:nvPr>
+            <p:ph type="sldNum" sz="quarter" idx="5"/>
+          </p:nvPr>
+        </p:nvSpPr>
+        <p:spPr>
+          <a:xfrm>
+            <a:off x="3884613" y="8685213"/>
+            <a:ext cx="2971800" cy="457200"/>
+          </a:xfrm>
+          <a:prstGeom prst="rect">
+            <a:avLst/>
+          </a:prstGeom>
+        </p:spPr>
+        <p:txBody>
+          <a:bodyPr vert="horz" lIns="91440" tIns="45720" rIns="91440" bIns="45720" rtlCol="0" anchor="b"/>
+          <a:lstStyle>
+            <a:lvl1pPr algn="r">
+              <a:defRPr sz="1200"/>
+            </a:lvl1pPr>
+          </a:lstStyle>
+          <a:p>
+            <a:fld id="{E0D6C3B6-21C1-4ADD-9223-BCF9122763F1}" type="slidenum">
+              <a:rPr kumimoji="1" lang="ja-JP" altLang="en-US" smtClean="0"/>
+              <a:t>‹#›</a:t>
+            </a:fld>
+            <a:endParaRPr kumimoji="1" lang="ja-JP" altLang="en-US"/>
+          </a:p>
+        </p:txBody>
+      </p:sp>
+    </p:spTree>
+    <p:extLst>
+      <p:ext uri="{BB962C8B-B14F-4D97-AF65-F5344CB8AC3E}">
+        <p14:creationId xmlns:p14="http://schemas.microsoft.com/office/powerpoint/2010/main" val="683445985"/>
+      </p:ext>
+    </p:extLst>
+  </p:cSld>
+  <p:clrMap bg1="lt1" tx1="dk1" bg2="lt2" tx2="dk2" accent1="accent1" accent2="accent2" accent3="accent3" accent4="accent4" accent5="accent5" accent6="accent6" hlink="hlink" folHlink="folHlink"/>
+  <p:notesStyle>
+    <a:lvl1pPr marL="0" algn="l" defTabSz="914400" rtl="0" eaLnBrk="1" latinLnBrk="0" hangingPunct="1">
+      <a:defRPr kumimoji="1" sz="1200" kern="1200">
+        <a:solidFill>
+          <a:schemeClr val="tx1"/>
+        </a:solidFill>
+        <a:latin typeface="+mn-lt"/>
+        <a:ea typeface="+mn-ea"/>
+        <a:cs typeface="+mn-cs"/>
+      </a:defRPr>
+    </a:lvl1pPr>
+    <a:lvl2pPr marL="457200" algn="l" defTabSz="914400" rtl="0" eaLnBrk="1" latinLnBrk="0" hangingPunct="1">
+      <a:defRPr kumimoji="1" sz="1200" kern="1200">
+        <a:solidFill>
+          <a:schemeClr val="tx1"/>
+        </a:solidFill>
+        <a:latin typeface="+mn-lt"/>
+        <a:ea typeface="+mn-ea"/>
+        <a:cs typeface="+mn-cs"/>
+      </a:defRPr>
+    </a:lvl2pPr>
+    <a:lvl3pPr marL="914400" algn="l" defTabSz="914400" rtl="0" eaLnBrk="1" latinLnBrk="0" hangingPunct="1">
+      <a:defRPr kumimoji="1" sz="1200" kern="1200">
+        <a:solidFill>
+          <a:schemeClr val="tx1"/>
+        </a:solidFill>
+        <a:latin typeface="+mn-lt"/>
+        <a:ea typeface="+mn-ea"/>
+        <a:cs typeface="+mn-cs"/>
+      </a:defRPr>
+    </a:lvl3pPr>
+    <a:lvl4pPr marL="1371600" algn="l" defTabSz="914400" rtl="0" eaLnBrk="1" latinLnBrk="0" hangingPunct="1">
+      <a:defRPr kumimoji="1" sz="1200" kern="1200">
+        <a:solidFill>
+          <a:schemeClr val="tx1"/>
+        </a:solidFill>
+        <a:latin typeface="+mn-lt"/>
+        <a:ea typeface="+mn-ea"/>
+        <a:cs typeface="+mn-cs"/>
+      </a:defRPr>
+    </a:lvl4pPr>
+    <a:lvl5pPr marL="1828800" algn="l" defTabSz="914400" rtl="0" eaLnBrk="1" latinLnBrk="0" hangingPunct="1">
+      <a:defRPr kumimoji="1" sz="1200" kern="1200">
+        <a:solidFill>
+          <a:schemeClr val="tx1"/>
+        </a:solidFill>
+        <a:latin typeface="+mn-lt"/>
+        <a:ea typeface="+mn-ea"/>
+        <a:cs typeface="+mn-cs"/>
+      </a:defRPr>
+    </a:lvl5pPr>
+    <a:lvl6pPr marL="2286000" algn="l" defTabSz="914400" rtl="0" eaLnBrk="1" latinLnBrk="0" hangingPunct="1">
+      <a:defRPr kumimoji="1" sz="1200" kern="1200">
+        <a:solidFill>
+          <a:schemeClr val="tx1"/>
+        </a:solidFill>
+        <a:latin typeface="+mn-lt"/>
+        <a:ea typeface="+mn-ea"/>
+        <a:cs typeface="+mn-cs"/>
+      </a:defRPr>
+    </a:lvl6pPr>
+    <a:lvl7pPr marL="2743200" algn="l" defTabSz="914400" rtl="0" eaLnBrk="1" latinLnBrk="0" hangingPunct="1">
+      <a:defRPr kumimoji="1" sz="1200" kern="1200">
+        <a:solidFill>
+          <a:schemeClr val="tx1"/>
+        </a:solidFill>
+        <a:latin typeface="+mn-lt"/>
+        <a:ea typeface="+mn-ea"/>
+        <a:cs typeface="+mn-cs"/>
+      </a:defRPr>
+    </a:lvl7pPr>
+    <a:lvl8pPr marL="3200400" algn="l" defTabSz="914400" rtl="0" eaLnBrk="1" latinLnBrk="0" hangingPunct="1">
+      <a:defRPr kumimoji="1" sz="1200" kern="1200">
+        <a:solidFill>
+          <a:schemeClr val="tx1"/>
+        </a:solidFill>
+        <a:latin typeface="+mn-lt"/>
+        <a:ea typeface="+mn-ea"/>
+        <a:cs typeface="+mn-cs"/>
+      </a:defRPr>
+    </a:lvl8pPr>
+    <a:lvl9pPr marL="3657600" algn="l" defTabSz="914400" rtl="0" eaLnBrk="1" latinLnBrk="0" hangingPunct="1">
+      <a:defRPr kumimoji="1" sz="1200" kern="1200">
+        <a:solidFill>
+          <a:schemeClr val="tx1"/>
+        </a:solidFill>
+        <a:latin typeface="+mn-lt"/>
+        <a:ea typeface="+mn-ea"/>
+        <a:cs typeface="+mn-cs"/>
+      </a:defRPr>
+    </a:lvl9pPr>
+  </p:notesStyle>
+</p:notesMaster>
+</file>
+
+<file path=ppt/notesSlides/notesSlide1.xml><?xml version="1.0" encoding="utf-8"?>
+<p:notes xmlns:a="http://schemas.openxmlformats.org/drawingml/2006/main" xmlns:r="http://schemas.openxmlformats.org/officeDocument/2006/relationships" xmlns:p="http://schemas.openxmlformats.org/presentationml/2006/main">
+  <p:cSld>
+    <p:spTree>
+      <p:nvGrpSpPr>
+        <p:cNvPr id="1" name=""/>
+        <p:cNvGrpSpPr/>
+        <p:nvPr/>
+      </p:nvGrpSpPr>
+      <p:grpSpPr>
+        <a:xfrm>
+          <a:off x="0" y="0"/>
+          <a:ext cx="0" cy="0"/>
+          <a:chOff x="0" y="0"/>
+          <a:chExt cx="0" cy="0"/>
+        </a:xfrm>
+      </p:grpSpPr>
+      <p:sp>
+        <p:nvSpPr>
+          <p:cNvPr id="2" name="スライド イメージ プレースホルダー 1"/>
+          <p:cNvSpPr>
+            <a:spLocks noGrp="1" noRot="1" noChangeAspect="1"/>
+          </p:cNvSpPr>
+          <p:nvPr>
+            <p:ph type="sldImg"/>
+          </p:nvPr>
+        </p:nvSpPr>
+        <p:spPr/>
+      </p:sp>
+      <p:sp>
+        <p:nvSpPr>
+          <p:cNvPr id="3" name="ノート プレースホルダー 2"/>
+          <p:cNvSpPr>
+            <a:spLocks noGrp="1"/>
+          </p:cNvSpPr>
+          <p:nvPr>
+            <p:ph type="body" idx="1"/>
+          </p:nvPr>
+        </p:nvSpPr>
+        <p:spPr/>
+        <p:txBody>
+          <a:bodyPr/>
+          <a:lstStyle/>
+          <a:p>
+            <a:r>
+              <a:rPr kumimoji="1" lang="ja-JP" altLang="en-US" dirty="0" smtClean="0"/>
+              <a:t>・あいさつ</a:t>
+            </a:r>
+            <a:endParaRPr kumimoji="1" lang="en-US" altLang="ja-JP" dirty="0" smtClean="0"/>
+          </a:p>
+          <a:p>
+            <a:r>
+              <a:rPr kumimoji="1" lang="ja-JP" altLang="en-US" dirty="0" smtClean="0"/>
+              <a:t>　訪問した会社、学校に来られた面接の人など、自分が入りたい会社の人とどこで会うかわからない。</a:t>
+            </a:r>
+            <a:endParaRPr kumimoji="1" lang="en-US" altLang="ja-JP" dirty="0" smtClean="0"/>
+          </a:p>
+          <a:p>
+            <a:r>
+              <a:rPr kumimoji="1" lang="ja-JP" altLang="en-US" dirty="0" smtClean="0"/>
+              <a:t>　人間の印象は、初対面で８０％決定し、その後変わる為にはものすごい努力が必要になる。　⇒理解させる</a:t>
+            </a:r>
+            <a:endParaRPr kumimoji="1" lang="en-US" altLang="ja-JP" dirty="0" smtClean="0"/>
+          </a:p>
+          <a:p>
+            <a:endParaRPr kumimoji="1" lang="en-US" altLang="ja-JP" dirty="0" smtClean="0"/>
+          </a:p>
+          <a:p>
+            <a:r>
+              <a:rPr kumimoji="1" lang="ja-JP" altLang="en-US" dirty="0" smtClean="0"/>
+              <a:t>・えが</a:t>
+            </a:r>
+            <a:r>
+              <a:rPr kumimoji="1" lang="ja-JP" altLang="en-US" dirty="0" err="1" smtClean="0"/>
+              <a:t>お</a:t>
+            </a:r>
+            <a:endParaRPr kumimoji="1" lang="en-US" altLang="ja-JP" dirty="0" smtClean="0"/>
+          </a:p>
+          <a:p>
+            <a:r>
+              <a:rPr kumimoji="1" lang="ja-JP" altLang="en-US" dirty="0" smtClean="0"/>
+              <a:t>　苦手な人もいる。</a:t>
+            </a:r>
+            <a:endParaRPr kumimoji="1" lang="en-US" altLang="ja-JP" dirty="0" smtClean="0"/>
+          </a:p>
+          <a:p>
+            <a:r>
+              <a:rPr kumimoji="1" lang="ja-JP" altLang="en-US" dirty="0" smtClean="0"/>
+              <a:t>　だけど、最初から距離を取ると、話せない。</a:t>
+            </a:r>
+            <a:endParaRPr kumimoji="1" lang="en-US" altLang="ja-JP" dirty="0" smtClean="0"/>
+          </a:p>
+          <a:p>
+            <a:r>
+              <a:rPr kumimoji="1" lang="ja-JP" altLang="en-US" dirty="0" smtClean="0"/>
+              <a:t>　面接で、誰と話しやすいかをグループワークで考えさせる。</a:t>
+            </a:r>
+            <a:endParaRPr kumimoji="1" lang="en-US" altLang="ja-JP" dirty="0" smtClean="0"/>
+          </a:p>
+          <a:p>
+            <a:r>
+              <a:rPr kumimoji="1" lang="ja-JP" altLang="en-US" dirty="0" smtClean="0"/>
+              <a:t>　</a:t>
+            </a:r>
+            <a:r>
+              <a:rPr kumimoji="1" lang="en-US" altLang="ja-JP" dirty="0" smtClean="0"/>
+              <a:t>ex)</a:t>
+            </a:r>
+            <a:r>
+              <a:rPr kumimoji="1" lang="ja-JP" altLang="en-US" dirty="0" smtClean="0"/>
+              <a:t>先生の中で誰が話しやすかったか。それはなぜ？など。</a:t>
+            </a:r>
+            <a:endParaRPr kumimoji="1" lang="en-US" altLang="ja-JP" dirty="0" smtClean="0"/>
+          </a:p>
+          <a:p>
+            <a:endParaRPr kumimoji="1" lang="en-US" altLang="ja-JP" dirty="0" smtClean="0"/>
+          </a:p>
+          <a:p>
+            <a:r>
+              <a:rPr kumimoji="1" lang="ja-JP" altLang="en-US" dirty="0" smtClean="0"/>
+              <a:t>・自己中心的なことが、集団面接でデメリットになる事を理解させる。</a:t>
+            </a:r>
+            <a:endParaRPr kumimoji="1" lang="en-US" altLang="ja-JP" dirty="0" smtClean="0"/>
+          </a:p>
+          <a:p>
+            <a:r>
+              <a:rPr kumimoji="1" lang="ja-JP" altLang="en-US" dirty="0" smtClean="0"/>
+              <a:t>　</a:t>
+            </a:r>
+            <a:endParaRPr kumimoji="1" lang="ja-JP" altLang="en-US" dirty="0"/>
+          </a:p>
+        </p:txBody>
+      </p:sp>
+      <p:sp>
+        <p:nvSpPr>
+          <p:cNvPr id="4" name="スライド番号プレースホルダー 3"/>
+          <p:cNvSpPr>
+            <a:spLocks noGrp="1"/>
+          </p:cNvSpPr>
+          <p:nvPr>
+            <p:ph type="sldNum" sz="quarter" idx="10"/>
+          </p:nvPr>
+        </p:nvSpPr>
+        <p:spPr/>
+        <p:txBody>
+          <a:bodyPr/>
+          <a:lstStyle/>
+          <a:p>
+            <a:fld id="{E0D6C3B6-21C1-4ADD-9223-BCF9122763F1}" type="slidenum">
+              <a:rPr kumimoji="1" lang="ja-JP" altLang="en-US" smtClean="0"/>
+              <a:t>5</a:t>
+            </a:fld>
+            <a:endParaRPr kumimoji="1" lang="ja-JP" altLang="en-US"/>
+          </a:p>
+        </p:txBody>
+      </p:sp>
+    </p:spTree>
+    <p:extLst>
+      <p:ext uri="{BB962C8B-B14F-4D97-AF65-F5344CB8AC3E}">
+        <p14:creationId xmlns:p14="http://schemas.microsoft.com/office/powerpoint/2010/main" val="1767889036"/>
+      </p:ext>
+    </p:extLst>
+  </p:cSld>
+  <p:clrMapOvr>
+    <a:masterClrMapping/>
+  </p:clrMapOvr>
+</p:notes>
+</file>
+
 <file path=ppt/slideLayouts/slideLayout1.xml><?xml version="1.0" encoding="utf-8"?>
-<p:sldLayout xmlns:a="http://schemas.openxmlformats.org/drawingml/2006/main" xmlns:r="http://schemas.openxmlformats.org/officeDocument/2006/relationships" xmlns:p="http://schemas.openxmlformats.org/presentationml/2006/main" type="title" preserve="1">
+<p:sldLayout xmlns:a="http://schemas.openxmlformats.org/drawingml/2006/main" xmlns:r="http://schemas.openxmlformats.org/officeDocument/2006/relationships" xmlns:p="http://schemas.openxmlformats.org/presentationml/2006/main" showMasterSp="0" type="title" preserve="1">
   <p:cSld name="タイトル スライド">
     <p:spTree>
       <p:nvGrpSpPr>
@@ -185,35 +759,565 @@
       </p:grpSpPr>
       <p:sp>
         <p:nvSpPr>
-          <p:cNvPr id="2" name="タイトル 1"/>
-          <p:cNvSpPr>
-            <a:spLocks noGrp="1"/>
-          </p:cNvSpPr>
-          <p:nvPr>
-            <p:ph type="ctrTitle"/>
-          </p:nvPr>
+          <p:cNvPr id="23" name="正方形/長方形 22"/>
+          <p:cNvSpPr/>
+          <p:nvPr/>
+        </p:nvSpPr>
+        <p:spPr>
+          <a:xfrm flipV="1">
+            <a:off x="5410182" y="3810000"/>
+            <a:ext cx="3733819" cy="91087"/>
+          </a:xfrm>
+          <a:prstGeom prst="rect">
+            <a:avLst/>
+          </a:prstGeom>
+          <a:solidFill>
+            <a:schemeClr val="accent2">
+              <a:alpha val="100000"/>
+            </a:schemeClr>
+          </a:solidFill>
+          <a:ln w="50800" cap="rnd" cmpd="thickThin" algn="ctr">
+            <a:noFill/>
+            <a:prstDash val="solid"/>
+          </a:ln>
+          <a:effectLst/>
+        </p:spPr>
+        <p:style>
+          <a:lnRef idx="3">
+            <a:schemeClr val="lt1"/>
+          </a:lnRef>
+          <a:fillRef idx="1">
+            <a:schemeClr val="accent1"/>
+          </a:fillRef>
+          <a:effectRef idx="1">
+            <a:schemeClr val="accent1"/>
+          </a:effectRef>
+          <a:fontRef idx="minor">
+            <a:schemeClr val="lt1"/>
+          </a:fontRef>
+        </p:style>
+        <p:txBody>
+          <a:bodyPr anchor="ctr"/>
+          <a:lstStyle/>
+          <a:p>
+            <a:pPr algn="ctr" eaLnBrk="1" latinLnBrk="0" hangingPunct="1"/>
+            <a:endParaRPr kumimoji="0" lang="en-US"/>
+          </a:p>
+        </p:txBody>
+      </p:sp>
+      <p:sp>
+        <p:nvSpPr>
+          <p:cNvPr id="24" name="正方形/長方形 23"/>
+          <p:cNvSpPr/>
+          <p:nvPr/>
+        </p:nvSpPr>
+        <p:spPr>
+          <a:xfrm flipV="1">
+            <a:off x="5410200" y="3897010"/>
+            <a:ext cx="3733801" cy="192024"/>
+          </a:xfrm>
+          <a:prstGeom prst="rect">
+            <a:avLst/>
+          </a:prstGeom>
+          <a:solidFill>
+            <a:schemeClr val="accent2">
+              <a:alpha val="50000"/>
+            </a:schemeClr>
+          </a:solidFill>
+          <a:ln w="50800" cap="rnd" cmpd="thickThin" algn="ctr">
+            <a:noFill/>
+            <a:prstDash val="solid"/>
+          </a:ln>
+          <a:effectLst/>
+        </p:spPr>
+        <p:style>
+          <a:lnRef idx="3">
+            <a:schemeClr val="lt1"/>
+          </a:lnRef>
+          <a:fillRef idx="1">
+            <a:schemeClr val="accent1"/>
+          </a:fillRef>
+          <a:effectRef idx="1">
+            <a:schemeClr val="accent1"/>
+          </a:effectRef>
+          <a:fontRef idx="minor">
+            <a:schemeClr val="lt1"/>
+          </a:fontRef>
+        </p:style>
+        <p:txBody>
+          <a:bodyPr anchor="ctr"/>
+          <a:lstStyle/>
+          <a:p>
+            <a:pPr algn="ctr" eaLnBrk="1" latinLnBrk="0" hangingPunct="1"/>
+            <a:endParaRPr kumimoji="0" lang="en-US"/>
+          </a:p>
+        </p:txBody>
+      </p:sp>
+      <p:sp>
+        <p:nvSpPr>
+          <p:cNvPr id="25" name="正方形/長方形 24"/>
+          <p:cNvSpPr/>
+          <p:nvPr/>
+        </p:nvSpPr>
+        <p:spPr>
+          <a:xfrm flipV="1">
+            <a:off x="5410200" y="4115167"/>
+            <a:ext cx="3733801" cy="9144"/>
+          </a:xfrm>
+          <a:prstGeom prst="rect">
+            <a:avLst/>
+          </a:prstGeom>
+          <a:solidFill>
+            <a:schemeClr val="accent2">
+              <a:alpha val="65000"/>
+            </a:schemeClr>
+          </a:solidFill>
+          <a:ln w="50800" cap="rnd" cmpd="thickThin" algn="ctr">
+            <a:noFill/>
+            <a:prstDash val="solid"/>
+          </a:ln>
+          <a:effectLst/>
+        </p:spPr>
+        <p:style>
+          <a:lnRef idx="3">
+            <a:schemeClr val="lt1"/>
+          </a:lnRef>
+          <a:fillRef idx="1">
+            <a:schemeClr val="accent1"/>
+          </a:fillRef>
+          <a:effectRef idx="1">
+            <a:schemeClr val="accent1"/>
+          </a:effectRef>
+          <a:fontRef idx="minor">
+            <a:schemeClr val="lt1"/>
+          </a:fontRef>
+        </p:style>
+        <p:txBody>
+          <a:bodyPr anchor="ctr"/>
+          <a:lstStyle/>
+          <a:p>
+            <a:pPr algn="ctr" eaLnBrk="1" latinLnBrk="0" hangingPunct="1"/>
+            <a:endParaRPr kumimoji="0" lang="en-US"/>
+          </a:p>
+        </p:txBody>
+      </p:sp>
+      <p:sp>
+        <p:nvSpPr>
+          <p:cNvPr id="26" name="正方形/長方形 25"/>
+          <p:cNvSpPr/>
+          <p:nvPr/>
+        </p:nvSpPr>
+        <p:spPr>
+          <a:xfrm flipV="1">
+            <a:off x="5410200" y="4164403"/>
+            <a:ext cx="1965960" cy="18288"/>
+          </a:xfrm>
+          <a:prstGeom prst="rect">
+            <a:avLst/>
+          </a:prstGeom>
+          <a:solidFill>
+            <a:schemeClr val="accent2">
+              <a:alpha val="60000"/>
+            </a:schemeClr>
+          </a:solidFill>
+          <a:ln w="50800" cap="rnd" cmpd="thickThin" algn="ctr">
+            <a:noFill/>
+            <a:prstDash val="solid"/>
+          </a:ln>
+          <a:effectLst/>
+        </p:spPr>
+        <p:style>
+          <a:lnRef idx="3">
+            <a:schemeClr val="lt1"/>
+          </a:lnRef>
+          <a:fillRef idx="1">
+            <a:schemeClr val="accent1"/>
+          </a:fillRef>
+          <a:effectRef idx="1">
+            <a:schemeClr val="accent1"/>
+          </a:effectRef>
+          <a:fontRef idx="minor">
+            <a:schemeClr val="lt1"/>
+          </a:fontRef>
+        </p:style>
+        <p:txBody>
+          <a:bodyPr anchor="ctr"/>
+          <a:lstStyle/>
+          <a:p>
+            <a:pPr algn="ctr" eaLnBrk="1" latinLnBrk="0" hangingPunct="1"/>
+            <a:endParaRPr kumimoji="0" lang="en-US"/>
+          </a:p>
+        </p:txBody>
+      </p:sp>
+      <p:sp>
+        <p:nvSpPr>
+          <p:cNvPr id="27" name="正方形/長方形 26"/>
+          <p:cNvSpPr/>
+          <p:nvPr/>
+        </p:nvSpPr>
+        <p:spPr>
+          <a:xfrm flipV="1">
+            <a:off x="5410200" y="4199572"/>
+            <a:ext cx="1965960" cy="9144"/>
+          </a:xfrm>
+          <a:prstGeom prst="rect">
+            <a:avLst/>
+          </a:prstGeom>
+          <a:solidFill>
+            <a:schemeClr val="accent2">
+              <a:alpha val="65000"/>
+            </a:schemeClr>
+          </a:solidFill>
+          <a:ln w="50800" cap="rnd" cmpd="thickThin" algn="ctr">
+            <a:noFill/>
+            <a:prstDash val="solid"/>
+          </a:ln>
+          <a:effectLst/>
+        </p:spPr>
+        <p:style>
+          <a:lnRef idx="3">
+            <a:schemeClr val="lt1"/>
+          </a:lnRef>
+          <a:fillRef idx="1">
+            <a:schemeClr val="accent1"/>
+          </a:fillRef>
+          <a:effectRef idx="1">
+            <a:schemeClr val="accent1"/>
+          </a:effectRef>
+          <a:fontRef idx="minor">
+            <a:schemeClr val="lt1"/>
+          </a:fontRef>
+        </p:style>
+        <p:txBody>
+          <a:bodyPr anchor="ctr"/>
+          <a:lstStyle/>
+          <a:p>
+            <a:pPr algn="ctr" eaLnBrk="1" latinLnBrk="0" hangingPunct="1"/>
+            <a:endParaRPr kumimoji="0" lang="en-US"/>
+          </a:p>
+        </p:txBody>
+      </p:sp>
+      <p:sp useBgFill="1">
+        <p:nvSpPr>
+          <p:cNvPr id="30" name="角丸四角形 29"/>
+          <p:cNvSpPr/>
+          <p:nvPr/>
+        </p:nvSpPr>
+        <p:spPr bwMode="white">
+          <a:xfrm>
+            <a:off x="5410200" y="3962400"/>
+            <a:ext cx="3063240" cy="27432"/>
+          </a:xfrm>
+          <a:prstGeom prst="roundRect">
+            <a:avLst>
+              <a:gd name="adj" fmla="val 16667"/>
+            </a:avLst>
+          </a:prstGeom>
+          <a:ln w="50800" cap="rnd" cmpd="thickThin" algn="ctr">
+            <a:noFill/>
+            <a:prstDash val="solid"/>
+          </a:ln>
+          <a:effectLst/>
+        </p:spPr>
+        <p:style>
+          <a:lnRef idx="3">
+            <a:schemeClr val="lt1"/>
+          </a:lnRef>
+          <a:fillRef idx="1">
+            <a:schemeClr val="accent1"/>
+          </a:fillRef>
+          <a:effectRef idx="1">
+            <a:schemeClr val="accent1"/>
+          </a:effectRef>
+          <a:fontRef idx="minor">
+            <a:schemeClr val="lt1"/>
+          </a:fontRef>
+        </p:style>
+        <p:txBody>
+          <a:bodyPr anchor="ctr"/>
+          <a:lstStyle/>
+          <a:p>
+            <a:pPr algn="ctr" eaLnBrk="1" latinLnBrk="0" hangingPunct="1"/>
+            <a:endParaRPr kumimoji="0" lang="en-US"/>
+          </a:p>
+        </p:txBody>
+      </p:sp>
+      <p:sp useBgFill="1">
+        <p:nvSpPr>
+          <p:cNvPr id="31" name="角丸四角形 30"/>
+          <p:cNvSpPr/>
+          <p:nvPr/>
+        </p:nvSpPr>
+        <p:spPr bwMode="white">
+          <a:xfrm>
+            <a:off x="7376507" y="4060983"/>
+            <a:ext cx="1600200" cy="36576"/>
+          </a:xfrm>
+          <a:prstGeom prst="roundRect">
+            <a:avLst>
+              <a:gd name="adj" fmla="val 16667"/>
+            </a:avLst>
+          </a:prstGeom>
+          <a:ln w="50800" cap="rnd" cmpd="thickThin" algn="ctr">
+            <a:noFill/>
+            <a:prstDash val="solid"/>
+          </a:ln>
+          <a:effectLst/>
+        </p:spPr>
+        <p:style>
+          <a:lnRef idx="3">
+            <a:schemeClr val="lt1"/>
+          </a:lnRef>
+          <a:fillRef idx="1">
+            <a:schemeClr val="accent1"/>
+          </a:fillRef>
+          <a:effectRef idx="1">
+            <a:schemeClr val="accent1"/>
+          </a:effectRef>
+          <a:fontRef idx="minor">
+            <a:schemeClr val="lt1"/>
+          </a:fontRef>
+        </p:style>
+        <p:txBody>
+          <a:bodyPr anchor="ctr"/>
+          <a:lstStyle/>
+          <a:p>
+            <a:pPr algn="ctr" eaLnBrk="1" latinLnBrk="0" hangingPunct="1"/>
+            <a:endParaRPr kumimoji="0" lang="en-US"/>
+          </a:p>
+        </p:txBody>
+      </p:sp>
+      <p:sp>
+        <p:nvSpPr>
+          <p:cNvPr id="7" name="正方形/長方形 6"/>
+          <p:cNvSpPr/>
+          <p:nvPr/>
         </p:nvSpPr>
         <p:spPr>
           <a:xfrm>
-            <a:off x="685800" y="2130425"/>
-            <a:ext cx="7772400" cy="1470025"/>
+            <a:off x="1" y="3649662"/>
+            <a:ext cx="9144000" cy="244170"/>
+          </a:xfrm>
+          <a:prstGeom prst="rect">
+            <a:avLst/>
+          </a:prstGeom>
+          <a:solidFill>
+            <a:schemeClr val="accent2">
+              <a:alpha val="50000"/>
+            </a:schemeClr>
+          </a:solidFill>
+          <a:ln w="50800" cap="rnd" cmpd="thickThin" algn="ctr">
+            <a:noFill/>
+            <a:prstDash val="solid"/>
+          </a:ln>
+          <a:effectLst/>
+        </p:spPr>
+        <p:style>
+          <a:lnRef idx="3">
+            <a:schemeClr val="lt1"/>
+          </a:lnRef>
+          <a:fillRef idx="1">
+            <a:schemeClr val="accent1"/>
+          </a:fillRef>
+          <a:effectRef idx="1">
+            <a:schemeClr val="accent1"/>
+          </a:effectRef>
+          <a:fontRef idx="minor">
+            <a:schemeClr val="lt1"/>
+          </a:fontRef>
+        </p:style>
+        <p:txBody>
+          <a:bodyPr anchor="ctr"/>
+          <a:lstStyle/>
+          <a:p>
+            <a:pPr algn="ctr" eaLnBrk="1" latinLnBrk="0" hangingPunct="1"/>
+            <a:endParaRPr kumimoji="0" lang="en-US"/>
+          </a:p>
+        </p:txBody>
+      </p:sp>
+      <p:sp>
+        <p:nvSpPr>
+          <p:cNvPr id="10" name="正方形/長方形 9"/>
+          <p:cNvSpPr/>
+          <p:nvPr/>
+        </p:nvSpPr>
+        <p:spPr>
+          <a:xfrm>
+            <a:off x="0" y="3675527"/>
+            <a:ext cx="9144001" cy="140677"/>
+          </a:xfrm>
+          <a:prstGeom prst="rect">
+            <a:avLst/>
+          </a:prstGeom>
+          <a:solidFill>
+            <a:schemeClr val="accent2">
+              <a:alpha val="100000"/>
+            </a:schemeClr>
+          </a:solidFill>
+          <a:ln w="50800" cap="rnd" cmpd="thickThin" algn="ctr">
+            <a:noFill/>
+            <a:prstDash val="solid"/>
+          </a:ln>
+          <a:effectLst/>
+        </p:spPr>
+        <p:style>
+          <a:lnRef idx="3">
+            <a:schemeClr val="lt1"/>
+          </a:lnRef>
+          <a:fillRef idx="1">
+            <a:schemeClr val="accent1"/>
+          </a:fillRef>
+          <a:effectRef idx="1">
+            <a:schemeClr val="accent1"/>
+          </a:effectRef>
+          <a:fontRef idx="minor">
+            <a:schemeClr val="lt1"/>
+          </a:fontRef>
+        </p:style>
+        <p:txBody>
+          <a:bodyPr anchor="ctr"/>
+          <a:lstStyle/>
+          <a:p>
+            <a:pPr algn="ctr" eaLnBrk="1" latinLnBrk="0" hangingPunct="1"/>
+            <a:endParaRPr kumimoji="0" lang="en-US"/>
+          </a:p>
+        </p:txBody>
+      </p:sp>
+      <p:sp>
+        <p:nvSpPr>
+          <p:cNvPr id="11" name="正方形/長方形 10"/>
+          <p:cNvSpPr/>
+          <p:nvPr/>
+        </p:nvSpPr>
+        <p:spPr>
+          <a:xfrm flipV="1">
+            <a:off x="6414051" y="3643090"/>
+            <a:ext cx="2729950" cy="248432"/>
+          </a:xfrm>
+          <a:prstGeom prst="rect">
+            <a:avLst/>
+          </a:prstGeom>
+          <a:solidFill>
+            <a:schemeClr val="accent2">
+              <a:alpha val="100000"/>
+            </a:schemeClr>
+          </a:solidFill>
+          <a:ln w="50800" cap="rnd" cmpd="thickThin" algn="ctr">
+            <a:noFill/>
+            <a:prstDash val="solid"/>
+          </a:ln>
+          <a:effectLst/>
+        </p:spPr>
+        <p:style>
+          <a:lnRef idx="3">
+            <a:schemeClr val="lt1"/>
+          </a:lnRef>
+          <a:fillRef idx="1">
+            <a:schemeClr val="accent1"/>
+          </a:fillRef>
+          <a:effectRef idx="1">
+            <a:schemeClr val="accent1"/>
+          </a:effectRef>
+          <a:fontRef idx="minor">
+            <a:schemeClr val="lt1"/>
+          </a:fontRef>
+        </p:style>
+        <p:txBody>
+          <a:bodyPr anchor="ctr"/>
+          <a:lstStyle/>
+          <a:p>
+            <a:pPr algn="ctr" eaLnBrk="1" latinLnBrk="0" hangingPunct="1"/>
+            <a:endParaRPr kumimoji="0" lang="en-US"/>
+          </a:p>
+        </p:txBody>
+      </p:sp>
+      <p:sp>
+        <p:nvSpPr>
+          <p:cNvPr id="19" name="正方形/長方形 18"/>
+          <p:cNvSpPr/>
+          <p:nvPr/>
+        </p:nvSpPr>
+        <p:spPr>
+          <a:xfrm>
+            <a:off x="0" y="0"/>
+            <a:ext cx="9144000" cy="3701700"/>
+          </a:xfrm>
+          <a:prstGeom prst="rect">
+            <a:avLst/>
+          </a:prstGeom>
+          <a:solidFill>
+            <a:schemeClr val="tx2">
+              <a:alpha val="100000"/>
+            </a:schemeClr>
+          </a:solidFill>
+          <a:ln w="50800" cap="rnd" cmpd="thickThin" algn="ctr">
+            <a:noFill/>
+            <a:prstDash val="solid"/>
+          </a:ln>
+          <a:effectLst/>
+        </p:spPr>
+        <p:style>
+          <a:lnRef idx="3">
+            <a:schemeClr val="lt1"/>
+          </a:lnRef>
+          <a:fillRef idx="1">
+            <a:schemeClr val="accent1"/>
+          </a:fillRef>
+          <a:effectRef idx="1">
+            <a:schemeClr val="accent1"/>
+          </a:effectRef>
+          <a:fontRef idx="minor">
+            <a:schemeClr val="lt1"/>
+          </a:fontRef>
+        </p:style>
+        <p:txBody>
+          <a:bodyPr anchor="ctr"/>
+          <a:lstStyle/>
+          <a:p>
+            <a:pPr algn="ctr" eaLnBrk="1" latinLnBrk="0" hangingPunct="1"/>
+            <a:endParaRPr kumimoji="0" lang="en-US"/>
+          </a:p>
+        </p:txBody>
+      </p:sp>
+      <p:sp>
+        <p:nvSpPr>
+          <p:cNvPr id="8" name="タイトル 7"/>
+          <p:cNvSpPr>
+            <a:spLocks noGrp="1"/>
+          </p:cNvSpPr>
+          <p:nvPr>
+            <p:ph type="ctrTitle"/>
+          </p:nvPr>
+        </p:nvSpPr>
+        <p:spPr>
+          <a:xfrm>
+            <a:off x="457200" y="2401887"/>
+            <a:ext cx="8458200" cy="1470025"/>
           </a:xfrm>
         </p:spPr>
         <p:txBody>
-          <a:bodyPr/>
-          <a:lstStyle/>
-          <a:p>
-            <a:r>
-              <a:rPr kumimoji="1" lang="ja-JP" altLang="en-US" smtClean="0"/>
+          <a:bodyPr anchor="b"/>
+          <a:lstStyle>
+            <a:lvl1pPr>
+              <a:defRPr sz="4400">
+                <a:solidFill>
+                  <a:schemeClr val="bg1"/>
+                </a:solidFill>
+              </a:defRPr>
+            </a:lvl1pPr>
+          </a:lstStyle>
+          <a:p>
+            <a:r>
+              <a:rPr kumimoji="0" lang="ja-JP" altLang="en-US" smtClean="0"/>
               <a:t>マスター タイトルの書式設定</a:t>
             </a:r>
-            <a:endParaRPr kumimoji="1" lang="ja-JP" altLang="en-US"/>
-          </a:p>
-        </p:txBody>
-      </p:sp>
-      <p:sp>
-        <p:nvSpPr>
-          <p:cNvPr id="3" name="サブタイトル 2"/>
+            <a:endParaRPr kumimoji="0" lang="en-US"/>
+          </a:p>
+        </p:txBody>
+      </p:sp>
+      <p:sp>
+        <p:nvSpPr>
+          <p:cNvPr id="9" name="サブタイトル 8"/>
           <p:cNvSpPr>
             <a:spLocks noGrp="1"/>
           </p:cNvSpPr>
@@ -223,116 +1327,58 @@
         </p:nvSpPr>
         <p:spPr>
           <a:xfrm>
-            <a:off x="1371600" y="3886200"/>
-            <a:ext cx="6400800" cy="1752600"/>
+            <a:off x="457200" y="3899938"/>
+            <a:ext cx="4953000" cy="1752600"/>
           </a:xfrm>
         </p:spPr>
         <p:txBody>
           <a:bodyPr/>
           <a:lstStyle>
-            <a:lvl1pPr marL="0" indent="0" algn="ctr">
+            <a:lvl1pPr marL="64008" indent="0" algn="l">
               <a:buNone/>
-              <a:defRPr>
+              <a:defRPr sz="2400">
                 <a:solidFill>
-                  <a:schemeClr val="tx1">
-                    <a:tint val="75000"/>
-                  </a:schemeClr>
+                  <a:schemeClr val="tx2"/>
                 </a:solidFill>
               </a:defRPr>
             </a:lvl1pPr>
             <a:lvl2pPr marL="457200" indent="0" algn="ctr">
               <a:buNone/>
-              <a:defRPr>
-                <a:solidFill>
-                  <a:schemeClr val="tx1">
-                    <a:tint val="75000"/>
-                  </a:schemeClr>
-                </a:solidFill>
-              </a:defRPr>
             </a:lvl2pPr>
             <a:lvl3pPr marL="914400" indent="0" algn="ctr">
               <a:buNone/>
-              <a:defRPr>
-                <a:solidFill>
-                  <a:schemeClr val="tx1">
-                    <a:tint val="75000"/>
-                  </a:schemeClr>
-                </a:solidFill>
-              </a:defRPr>
             </a:lvl3pPr>
             <a:lvl4pPr marL="1371600" indent="0" algn="ctr">
               <a:buNone/>
-              <a:defRPr>
-                <a:solidFill>
-                  <a:schemeClr val="tx1">
-                    <a:tint val="75000"/>
-                  </a:schemeClr>
-                </a:solidFill>
-              </a:defRPr>
             </a:lvl4pPr>
             <a:lvl5pPr marL="1828800" indent="0" algn="ctr">
               <a:buNone/>
-              <a:defRPr>
-                <a:solidFill>
-                  <a:schemeClr val="tx1">
-                    <a:tint val="75000"/>
-                  </a:schemeClr>
-                </a:solidFill>
-              </a:defRPr>
             </a:lvl5pPr>
             <a:lvl6pPr marL="2286000" indent="0" algn="ctr">
               <a:buNone/>
-              <a:defRPr>
-                <a:solidFill>
-                  <a:schemeClr val="tx1">
-                    <a:tint val="75000"/>
-                  </a:schemeClr>
-                </a:solidFill>
-              </a:defRPr>
             </a:lvl6pPr>
             <a:lvl7pPr marL="2743200" indent="0" algn="ctr">
               <a:buNone/>
-              <a:defRPr>
-                <a:solidFill>
-                  <a:schemeClr val="tx1">
-                    <a:tint val="75000"/>
-                  </a:schemeClr>
-                </a:solidFill>
-              </a:defRPr>
             </a:lvl7pPr>
             <a:lvl8pPr marL="3200400" indent="0" algn="ctr">
               <a:buNone/>
-              <a:defRPr>
-                <a:solidFill>
-                  <a:schemeClr val="tx1">
-                    <a:tint val="75000"/>
-                  </a:schemeClr>
-                </a:solidFill>
-              </a:defRPr>
             </a:lvl8pPr>
             <a:lvl9pPr marL="3657600" indent="0" algn="ctr">
               <a:buNone/>
-              <a:defRPr>
-                <a:solidFill>
-                  <a:schemeClr val="tx1">
-                    <a:tint val="75000"/>
-                  </a:schemeClr>
-                </a:solidFill>
-              </a:defRPr>
             </a:lvl9pPr>
           </a:lstStyle>
           <a:p>
             <a:r>
-              <a:rPr kumimoji="1" lang="ja-JP" altLang="en-US" smtClean="0"/>
+              <a:rPr kumimoji="0" lang="ja-JP" altLang="en-US" smtClean="0"/>
               <a:t>マスター サブタイトルの書式設定</a:t>
             </a:r>
-            <a:endParaRPr kumimoji="1" lang="ja-JP" altLang="en-US"/>
-          </a:p>
-        </p:txBody>
-      </p:sp>
-      <p:sp>
-        <p:nvSpPr>
-          <p:cNvPr id="4" name="日付プレースホルダー 3"/>
+            <a:endParaRPr kumimoji="0" lang="en-US"/>
+          </a:p>
+        </p:txBody>
+      </p:sp>
+      <p:sp>
+        <p:nvSpPr>
+          <p:cNvPr id="28" name="日付プレースホルダー 27"/>
           <p:cNvSpPr>
             <a:spLocks noGrp="1"/>
           </p:cNvSpPr>
@@ -340,7 +1386,12 @@
             <p:ph type="dt" sz="half" idx="10"/>
           </p:nvPr>
         </p:nvSpPr>
-        <p:spPr/>
+        <p:spPr>
+          <a:xfrm>
+            <a:off x="6705600" y="4206240"/>
+            <a:ext cx="960120" cy="457200"/>
+          </a:xfrm>
+        </p:spPr>
         <p:txBody>
           <a:bodyPr/>
           <a:lstStyle/>
@@ -355,7 +1406,7 @@
       </p:sp>
       <p:sp>
         <p:nvSpPr>
-          <p:cNvPr id="5" name="フッター プレースホルダー 4"/>
+          <p:cNvPr id="17" name="フッター プレースホルダー 16"/>
           <p:cNvSpPr>
             <a:spLocks noGrp="1"/>
           </p:cNvSpPr>
@@ -363,7 +1414,12 @@
             <p:ph type="ftr" sz="quarter" idx="11"/>
           </p:nvPr>
         </p:nvSpPr>
-        <p:spPr/>
+        <p:spPr>
+          <a:xfrm>
+            <a:off x="5410200" y="4205288"/>
+            <a:ext cx="1295400" cy="457200"/>
+          </a:xfrm>
+        </p:spPr>
         <p:txBody>
           <a:bodyPr/>
           <a:lstStyle/>
@@ -374,7 +1430,7 @@
       </p:sp>
       <p:sp>
         <p:nvSpPr>
-          <p:cNvPr id="6" name="スライド番号プレースホルダー 5"/>
+          <p:cNvPr id="29" name="スライド番号プレースホルダー 28"/>
           <p:cNvSpPr>
             <a:spLocks noGrp="1"/>
           </p:cNvSpPr>
@@ -382,10 +1438,23 @@
             <p:ph type="sldNum" sz="quarter" idx="12"/>
           </p:nvPr>
         </p:nvSpPr>
-        <p:spPr/>
+        <p:spPr>
+          <a:xfrm>
+            <a:off x="8320088" y="1136"/>
+            <a:ext cx="747712" cy="365760"/>
+          </a:xfrm>
+        </p:spPr>
         <p:txBody>
           <a:bodyPr/>
-          <a:lstStyle/>
+          <a:lstStyle>
+            <a:lvl1pPr algn="r">
+              <a:defRPr sz="1800">
+                <a:solidFill>
+                  <a:schemeClr val="bg1"/>
+                </a:solidFill>
+              </a:defRPr>
+            </a:lvl1pPr>
+          </a:lstStyle>
           <a:p>
             <a:fld id="{68BF2E25-267B-4439-953F-BAE069622F0A}" type="slidenum">
               <a:rPr kumimoji="1" lang="ja-JP" altLang="en-US" smtClean="0"/>
@@ -396,11 +1465,6 @@
         </p:txBody>
       </p:sp>
     </p:spTree>
-    <p:extLst>
-      <p:ext uri="{BB962C8B-B14F-4D97-AF65-F5344CB8AC3E}">
-        <p14:creationId xmlns:p14="http://schemas.microsoft.com/office/powerpoint/2010/main" val="253253089"/>
-      </p:ext>
-    </p:extLst>
   </p:cSld>
   <p:clrMapOvr>
     <a:masterClrMapping/>
@@ -441,10 +1505,10 @@
           <a:lstStyle/>
           <a:p>
             <a:r>
-              <a:rPr kumimoji="1" lang="ja-JP" altLang="en-US" smtClean="0"/>
+              <a:rPr kumimoji="0" lang="ja-JP" altLang="en-US" smtClean="0"/>
               <a:t>マスター タイトルの書式設定</a:t>
             </a:r>
-            <a:endParaRPr kumimoji="1" lang="ja-JP" altLang="en-US"/>
+            <a:endParaRPr kumimoji="0" lang="en-US"/>
           </a:p>
         </p:txBody>
       </p:sp>
@@ -463,72 +1527,72 @@
           <a:bodyPr vert="eaVert"/>
           <a:lstStyle/>
           <a:p>
-            <a:pPr lvl="0"/>
-            <a:r>
-              <a:rPr kumimoji="1" lang="ja-JP" altLang="en-US" smtClean="0"/>
+            <a:pPr lvl="0" eaLnBrk="1" latinLnBrk="0" hangingPunct="1"/>
+            <a:r>
+              <a:rPr lang="ja-JP" altLang="en-US" smtClean="0"/>
               <a:t>マスター テキストの書式設定</a:t>
             </a:r>
           </a:p>
           <a:p>
-            <a:pPr lvl="1"/>
-            <a:r>
-              <a:rPr kumimoji="1" lang="ja-JP" altLang="en-US" smtClean="0"/>
+            <a:pPr lvl="1" eaLnBrk="1" latinLnBrk="0" hangingPunct="1"/>
+            <a:r>
+              <a:rPr lang="ja-JP" altLang="en-US" smtClean="0"/>
               <a:t>第 </a:t>
             </a:r>
             <a:r>
-              <a:rPr kumimoji="1" lang="en-US" altLang="ja-JP" smtClean="0"/>
+              <a:rPr lang="en-US" altLang="ja-JP" smtClean="0"/>
               <a:t>2 </a:t>
             </a:r>
             <a:r>
-              <a:rPr kumimoji="1" lang="ja-JP" altLang="en-US" smtClean="0"/>
+              <a:rPr lang="ja-JP" altLang="en-US" smtClean="0"/>
               <a:t>レベル</a:t>
             </a:r>
           </a:p>
           <a:p>
-            <a:pPr lvl="2"/>
-            <a:r>
-              <a:rPr kumimoji="1" lang="ja-JP" altLang="en-US" smtClean="0"/>
+            <a:pPr lvl="2" eaLnBrk="1" latinLnBrk="0" hangingPunct="1"/>
+            <a:r>
+              <a:rPr lang="ja-JP" altLang="en-US" smtClean="0"/>
               <a:t>第 </a:t>
             </a:r>
             <a:r>
-              <a:rPr kumimoji="1" lang="en-US" altLang="ja-JP" smtClean="0"/>
+              <a:rPr lang="en-US" altLang="ja-JP" smtClean="0"/>
               <a:t>3 </a:t>
             </a:r>
             <a:r>
-              <a:rPr kumimoji="1" lang="ja-JP" altLang="en-US" smtClean="0"/>
+              <a:rPr lang="ja-JP" altLang="en-US" smtClean="0"/>
               <a:t>レベル</a:t>
             </a:r>
           </a:p>
           <a:p>
-            <a:pPr lvl="3"/>
-            <a:r>
-              <a:rPr kumimoji="1" lang="ja-JP" altLang="en-US" smtClean="0"/>
+            <a:pPr lvl="3" eaLnBrk="1" latinLnBrk="0" hangingPunct="1"/>
+            <a:r>
+              <a:rPr lang="ja-JP" altLang="en-US" smtClean="0"/>
               <a:t>第 </a:t>
             </a:r>
             <a:r>
-              <a:rPr kumimoji="1" lang="en-US" altLang="ja-JP" smtClean="0"/>
+              <a:rPr lang="en-US" altLang="ja-JP" smtClean="0"/>
               <a:t>4 </a:t>
             </a:r>
             <a:r>
-              <a:rPr kumimoji="1" lang="ja-JP" altLang="en-US" smtClean="0"/>
+              <a:rPr lang="ja-JP" altLang="en-US" smtClean="0"/>
               <a:t>レベル</a:t>
             </a:r>
           </a:p>
           <a:p>
-            <a:pPr lvl="4"/>
-            <a:r>
-              <a:rPr kumimoji="1" lang="ja-JP" altLang="en-US" smtClean="0"/>
+            <a:pPr lvl="4" eaLnBrk="1" latinLnBrk="0" hangingPunct="1"/>
+            <a:r>
+              <a:rPr lang="ja-JP" altLang="en-US" smtClean="0"/>
               <a:t>第 </a:t>
             </a:r>
             <a:r>
-              <a:rPr kumimoji="1" lang="en-US" altLang="ja-JP" smtClean="0"/>
+              <a:rPr lang="en-US" altLang="ja-JP" smtClean="0"/>
               <a:t>5 </a:t>
             </a:r>
             <a:r>
-              <a:rPr kumimoji="1" lang="ja-JP" altLang="en-US" smtClean="0"/>
+              <a:rPr lang="ja-JP" altLang="en-US" smtClean="0"/>
               <a:t>レベル</a:t>
             </a:r>
-            <a:endParaRPr kumimoji="1" lang="ja-JP" altLang="en-US"/>
+            <a:endParaRPr kumimoji="0" lang="en-US"/>
           </a:p>
         </p:txBody>
       </p:sp>
@@ -598,11 +1662,6 @@
         </p:txBody>
       </p:sp>
     </p:spTree>
-    <p:extLst>
-      <p:ext uri="{BB962C8B-B14F-4D97-AF65-F5344CB8AC3E}">
-        <p14:creationId xmlns:p14="http://schemas.microsoft.com/office/powerpoint/2010/main" val="4159715625"/>
-      </p:ext>
-    </p:extLst>
   </p:cSld>
   <p:clrMapOvr>
     <a:masterClrMapping/>
@@ -639,8 +1698,8 @@
         </p:nvSpPr>
         <p:spPr>
           <a:xfrm>
-            <a:off x="6629400" y="274638"/>
-            <a:ext cx="2057400" cy="5851525"/>
+            <a:off x="6781800" y="1143000"/>
+            <a:ext cx="1905000" cy="5486400"/>
           </a:xfrm>
         </p:spPr>
         <p:txBody>
@@ -648,10 +1707,10 @@
           <a:lstStyle/>
           <a:p>
             <a:r>
-              <a:rPr kumimoji="1" lang="ja-JP" altLang="en-US" smtClean="0"/>
+              <a:rPr kumimoji="0" lang="ja-JP" altLang="en-US" smtClean="0"/>
               <a:t>マスター タイトルの書式設定</a:t>
             </a:r>
-            <a:endParaRPr kumimoji="1" lang="ja-JP" altLang="en-US"/>
+            <a:endParaRPr kumimoji="0" lang="en-US"/>
           </a:p>
         </p:txBody>
       </p:sp>
@@ -667,80 +1726,80 @@
         </p:nvSpPr>
         <p:spPr>
           <a:xfrm>
-            <a:off x="457200" y="274638"/>
-            <a:ext cx="6019800" cy="5851525"/>
+            <a:off x="457200" y="1143000"/>
+            <a:ext cx="6248400" cy="5486400"/>
           </a:xfrm>
         </p:spPr>
         <p:txBody>
           <a:bodyPr vert="eaVert"/>
           <a:lstStyle/>
           <a:p>
-            <a:pPr lvl="0"/>
-            <a:r>
-              <a:rPr kumimoji="1" lang="ja-JP" altLang="en-US" smtClean="0"/>
+            <a:pPr lvl="0" eaLnBrk="1" latinLnBrk="0" hangingPunct="1"/>
+            <a:r>
+              <a:rPr lang="ja-JP" altLang="en-US" smtClean="0"/>
               <a:t>マスター テキストの書式設定</a:t>
             </a:r>
           </a:p>
           <a:p>
-            <a:pPr lvl="1"/>
-            <a:r>
-              <a:rPr kumimoji="1" lang="ja-JP" altLang="en-US" smtClean="0"/>
+            <a:pPr lvl="1" eaLnBrk="1" latinLnBrk="0" hangingPunct="1"/>
+            <a:r>
+              <a:rPr lang="ja-JP" altLang="en-US" smtClean="0"/>
               <a:t>第 </a:t>
             </a:r>
             <a:r>
-              <a:rPr kumimoji="1" lang="en-US" altLang="ja-JP" smtClean="0"/>
+              <a:rPr lang="en-US" altLang="ja-JP" smtClean="0"/>
               <a:t>2 </a:t>
             </a:r>
             <a:r>
-              <a:rPr kumimoji="1" lang="ja-JP" altLang="en-US" smtClean="0"/>
+              <a:rPr lang="ja-JP" altLang="en-US" smtClean="0"/>
               <a:t>レベル</a:t>
             </a:r>
           </a:p>
           <a:p>
-            <a:pPr lvl="2"/>
-            <a:r>
-              <a:rPr kumimoji="1" lang="ja-JP" altLang="en-US" smtClean="0"/>
+            <a:pPr lvl="2" eaLnBrk="1" latinLnBrk="0" hangingPunct="1"/>
+            <a:r>
+              <a:rPr lang="ja-JP" altLang="en-US" smtClean="0"/>
               <a:t>第 </a:t>
             </a:r>
             <a:r>
-              <a:rPr kumimoji="1" lang="en-US" altLang="ja-JP" smtClean="0"/>
+              <a:rPr lang="en-US" altLang="ja-JP" smtClean="0"/>
               <a:t>3 </a:t>
             </a:r>
             <a:r>
-              <a:rPr kumimoji="1" lang="ja-JP" altLang="en-US" smtClean="0"/>
+              <a:rPr lang="ja-JP" altLang="en-US" smtClean="0"/>
               <a:t>レベル</a:t>
             </a:r>
           </a:p>
           <a:p>
-            <a:pPr lvl="3"/>
-            <a:r>
-              <a:rPr kumimoji="1" lang="ja-JP" altLang="en-US" smtClean="0"/>
+            <a:pPr lvl="3" eaLnBrk="1" latinLnBrk="0" hangingPunct="1"/>
+            <a:r>
+              <a:rPr lang="ja-JP" altLang="en-US" smtClean="0"/>
               <a:t>第 </a:t>
             </a:r>
             <a:r>
-              <a:rPr kumimoji="1" lang="en-US" altLang="ja-JP" smtClean="0"/>
+              <a:rPr lang="en-US" altLang="ja-JP" smtClean="0"/>
               <a:t>4 </a:t>
             </a:r>
             <a:r>
-              <a:rPr kumimoji="1" lang="ja-JP" altLang="en-US" smtClean="0"/>
+              <a:rPr lang="ja-JP" altLang="en-US" smtClean="0"/>
               <a:t>レベル</a:t>
             </a:r>
           </a:p>
           <a:p>
-            <a:pPr lvl="4"/>
-            <a:r>
-              <a:rPr kumimoji="1" lang="ja-JP" altLang="en-US" smtClean="0"/>
+            <a:pPr lvl="4" eaLnBrk="1" latinLnBrk="0" hangingPunct="1"/>
+            <a:r>
+              <a:rPr lang="ja-JP" altLang="en-US" smtClean="0"/>
               <a:t>第 </a:t>
             </a:r>
             <a:r>
-              <a:rPr kumimoji="1" lang="en-US" altLang="ja-JP" smtClean="0"/>
+              <a:rPr lang="en-US" altLang="ja-JP" smtClean="0"/>
               <a:t>5 </a:t>
             </a:r>
             <a:r>
-              <a:rPr kumimoji="1" lang="ja-JP" altLang="en-US" smtClean="0"/>
+              <a:rPr lang="ja-JP" altLang="en-US" smtClean="0"/>
               <a:t>レベル</a:t>
             </a:r>
-            <a:endParaRPr kumimoji="1" lang="ja-JP" altLang="en-US"/>
+            <a:endParaRPr kumimoji="0" lang="en-US"/>
           </a:p>
         </p:txBody>
       </p:sp>
@@ -810,11 +1869,6 @@
         </p:txBody>
       </p:sp>
     </p:spTree>
-    <p:extLst>
-      <p:ext uri="{BB962C8B-B14F-4D97-AF65-F5344CB8AC3E}">
-        <p14:creationId xmlns:p14="http://schemas.microsoft.com/office/powerpoint/2010/main" val="2451069934"/>
-      </p:ext>
-    </p:extLst>
   </p:cSld>
   <p:clrMapOvr>
     <a:masterClrMapping/>
@@ -855,10 +1909,10 @@
           <a:lstStyle/>
           <a:p>
             <a:r>
-              <a:rPr kumimoji="1" lang="ja-JP" altLang="en-US" smtClean="0"/>
+              <a:rPr kumimoji="0" lang="ja-JP" altLang="en-US" smtClean="0"/>
               <a:t>マスター タイトルの書式設定</a:t>
             </a:r>
-            <a:endParaRPr kumimoji="1" lang="ja-JP" altLang="en-US"/>
+            <a:endParaRPr kumimoji="0" lang="en-US"/>
           </a:p>
         </p:txBody>
       </p:sp>
@@ -877,72 +1931,72 @@
           <a:bodyPr/>
           <a:lstStyle/>
           <a:p>
-            <a:pPr lvl="0"/>
-            <a:r>
-              <a:rPr kumimoji="1" lang="ja-JP" altLang="en-US" smtClean="0"/>
+            <a:pPr lvl="0" eaLnBrk="1" latinLnBrk="0" hangingPunct="1"/>
+            <a:r>
+              <a:rPr lang="ja-JP" altLang="en-US" smtClean="0"/>
               <a:t>マスター テキストの書式設定</a:t>
             </a:r>
           </a:p>
           <a:p>
-            <a:pPr lvl="1"/>
-            <a:r>
-              <a:rPr kumimoji="1" lang="ja-JP" altLang="en-US" smtClean="0"/>
+            <a:pPr lvl="1" eaLnBrk="1" latinLnBrk="0" hangingPunct="1"/>
+            <a:r>
+              <a:rPr lang="ja-JP" altLang="en-US" smtClean="0"/>
               <a:t>第 </a:t>
             </a:r>
             <a:r>
-              <a:rPr kumimoji="1" lang="en-US" altLang="ja-JP" smtClean="0"/>
+              <a:rPr lang="en-US" altLang="ja-JP" smtClean="0"/>
               <a:t>2 </a:t>
             </a:r>
             <a:r>
-              <a:rPr kumimoji="1" lang="ja-JP" altLang="en-US" smtClean="0"/>
+              <a:rPr lang="ja-JP" altLang="en-US" smtClean="0"/>
               <a:t>レベル</a:t>
             </a:r>
           </a:p>
           <a:p>
-            <a:pPr lvl="2"/>
-            <a:r>
-              <a:rPr kumimoji="1" lang="ja-JP" altLang="en-US" smtClean="0"/>
+            <a:pPr lvl="2" eaLnBrk="1" latinLnBrk="0" hangingPunct="1"/>
+            <a:r>
+              <a:rPr lang="ja-JP" altLang="en-US" smtClean="0"/>
               <a:t>第 </a:t>
             </a:r>
             <a:r>
-              <a:rPr kumimoji="1" lang="en-US" altLang="ja-JP" smtClean="0"/>
+              <a:rPr lang="en-US" altLang="ja-JP" smtClean="0"/>
               <a:t>3 </a:t>
             </a:r>
             <a:r>
-              <a:rPr kumimoji="1" lang="ja-JP" altLang="en-US" smtClean="0"/>
+              <a:rPr lang="ja-JP" altLang="en-US" smtClean="0"/>
               <a:t>レベル</a:t>
             </a:r>
           </a:p>
           <a:p>
-            <a:pPr lvl="3"/>
-            <a:r>
-              <a:rPr kumimoji="1" lang="ja-JP" altLang="en-US" smtClean="0"/>
+            <a:pPr lvl="3" eaLnBrk="1" latinLnBrk="0" hangingPunct="1"/>
+            <a:r>
+              <a:rPr lang="ja-JP" altLang="en-US" smtClean="0"/>
               <a:t>第 </a:t>
             </a:r>
             <a:r>
-              <a:rPr kumimoji="1" lang="en-US" altLang="ja-JP" smtClean="0"/>
+              <a:rPr lang="en-US" altLang="ja-JP" smtClean="0"/>
               <a:t>4 </a:t>
             </a:r>
             <a:r>
-              <a:rPr kumimoji="1" lang="ja-JP" altLang="en-US" smtClean="0"/>
+              <a:rPr lang="ja-JP" altLang="en-US" smtClean="0"/>
               <a:t>レベル</a:t>
             </a:r>
           </a:p>
           <a:p>
-            <a:pPr lvl="4"/>
-            <a:r>
-              <a:rPr kumimoji="1" lang="ja-JP" altLang="en-US" smtClean="0"/>
+            <a:pPr lvl="4" eaLnBrk="1" latinLnBrk="0" hangingPunct="1"/>
+            <a:r>
+              <a:rPr lang="ja-JP" altLang="en-US" smtClean="0"/>
               <a:t>第 </a:t>
             </a:r>
             <a:r>
-              <a:rPr kumimoji="1" lang="en-US" altLang="ja-JP" smtClean="0"/>
+              <a:rPr lang="en-US" altLang="ja-JP" smtClean="0"/>
               <a:t>5 </a:t>
             </a:r>
             <a:r>
-              <a:rPr kumimoji="1" lang="ja-JP" altLang="en-US" smtClean="0"/>
+              <a:rPr lang="ja-JP" altLang="en-US" smtClean="0"/>
               <a:t>レベル</a:t>
             </a:r>
-            <a:endParaRPr kumimoji="1" lang="ja-JP" altLang="en-US"/>
+            <a:endParaRPr kumimoji="0" lang="en-US"/>
           </a:p>
         </p:txBody>
       </p:sp>
@@ -1012,11 +2066,6 @@
         </p:txBody>
       </p:sp>
     </p:spTree>
-    <p:extLst>
-      <p:ext uri="{BB962C8B-B14F-4D97-AF65-F5344CB8AC3E}">
-        <p14:creationId xmlns:p14="http://schemas.microsoft.com/office/powerpoint/2010/main" val="4282596323"/>
-      </p:ext>
-    </p:extLst>
   </p:cSld>
   <p:clrMapOvr>
     <a:masterClrMapping/>
@@ -1053,56 +2102,76 @@
         </p:nvSpPr>
         <p:spPr>
           <a:xfrm>
-            <a:off x="722313" y="4406900"/>
+            <a:off x="722313" y="1981200"/>
             <a:ext cx="7772400" cy="1362075"/>
           </a:xfrm>
         </p:spPr>
         <p:txBody>
+          <a:bodyPr anchor="b">
+            <a:noAutofit/>
+          </a:bodyPr>
+          <a:lstStyle>
+            <a:lvl1pPr algn="l">
+              <a:buNone/>
+              <a:defRPr sz="4300" b="1" cap="none" baseline="0">
+                <a:ln w="12700">
+                  <a:solidFill>
+                    <a:schemeClr val="accent2">
+                      <a:shade val="90000"/>
+                      <a:satMod val="150000"/>
+                    </a:schemeClr>
+                  </a:solidFill>
+                </a:ln>
+                <a:solidFill>
+                  <a:srgbClr val="FFFFFF"/>
+                </a:solidFill>
+                <a:effectLst>
+                  <a:outerShdw blurRad="38100" dist="38100" dir="5400000" algn="tl" rotWithShape="0">
+                    <a:srgbClr val="000000">
+                      <a:alpha val="25000"/>
+                    </a:srgbClr>
+                  </a:outerShdw>
+                </a:effectLst>
+              </a:defRPr>
+            </a:lvl1pPr>
+          </a:lstStyle>
+          <a:p>
+            <a:r>
+              <a:rPr kumimoji="0" lang="ja-JP" altLang="en-US" smtClean="0"/>
+              <a:t>マスター タイトルの書式設定</a:t>
+            </a:r>
+            <a:endParaRPr kumimoji="0" lang="en-US"/>
+          </a:p>
+        </p:txBody>
+      </p:sp>
+      <p:sp>
+        <p:nvSpPr>
+          <p:cNvPr id="3" name="テキスト プレースホルダー 2"/>
+          <p:cNvSpPr>
+            <a:spLocks noGrp="1"/>
+          </p:cNvSpPr>
+          <p:nvPr>
+            <p:ph type="body" idx="1"/>
+          </p:nvPr>
+        </p:nvSpPr>
+        <p:spPr>
+          <a:xfrm>
+            <a:off x="722313" y="3367088"/>
+            <a:ext cx="7772400" cy="1509712"/>
+          </a:xfrm>
+        </p:spPr>
+        <p:txBody>
           <a:bodyPr anchor="t"/>
           <a:lstStyle>
-            <a:lvl1pPr algn="l">
-              <a:defRPr sz="4000" b="1" cap="all"/>
-            </a:lvl1pPr>
-          </a:lstStyle>
-          <a:p>
-            <a:r>
-              <a:rPr kumimoji="1" lang="ja-JP" altLang="en-US" smtClean="0"/>
-              <a:t>マスター タイトルの書式設定</a:t>
-            </a:r>
-            <a:endParaRPr kumimoji="1" lang="ja-JP" altLang="en-US"/>
-          </a:p>
-        </p:txBody>
-      </p:sp>
-      <p:sp>
-        <p:nvSpPr>
-          <p:cNvPr id="3" name="テキスト プレースホルダー 2"/>
-          <p:cNvSpPr>
-            <a:spLocks noGrp="1"/>
-          </p:cNvSpPr>
-          <p:nvPr>
-            <p:ph type="body" idx="1"/>
-          </p:nvPr>
-        </p:nvSpPr>
-        <p:spPr>
-          <a:xfrm>
-            <a:off x="722313" y="2906713"/>
-            <a:ext cx="7772400" cy="1500187"/>
-          </a:xfrm>
-        </p:spPr>
-        <p:txBody>
-          <a:bodyPr anchor="b"/>
-          <a:lstStyle>
-            <a:lvl1pPr marL="0" indent="0">
+            <a:lvl1pPr marL="45720" indent="0">
               <a:buNone/>
-              <a:defRPr sz="2000">
+              <a:defRPr sz="2100" b="0">
                 <a:solidFill>
-                  <a:schemeClr val="tx1">
-                    <a:tint val="75000"/>
-                  </a:schemeClr>
+                  <a:schemeClr val="tx2"/>
                 </a:solidFill>
               </a:defRPr>
             </a:lvl1pPr>
-            <a:lvl2pPr marL="457200" indent="0">
+            <a:lvl2pPr>
               <a:buNone/>
               <a:defRPr sz="1800">
                 <a:solidFill>
@@ -1112,7 +2181,7 @@
                 </a:solidFill>
               </a:defRPr>
             </a:lvl2pPr>
-            <a:lvl3pPr marL="914400" indent="0">
+            <a:lvl3pPr>
               <a:buNone/>
               <a:defRPr sz="1600">
                 <a:solidFill>
@@ -1122,7 +2191,7 @@
                 </a:solidFill>
               </a:defRPr>
             </a:lvl3pPr>
-            <a:lvl4pPr marL="1371600" indent="0">
+            <a:lvl4pPr>
               <a:buNone/>
               <a:defRPr sz="1400">
                 <a:solidFill>
@@ -1132,7 +2201,7 @@
                 </a:solidFill>
               </a:defRPr>
             </a:lvl4pPr>
-            <a:lvl5pPr marL="1828800" indent="0">
+            <a:lvl5pPr>
               <a:buNone/>
               <a:defRPr sz="1400">
                 <a:solidFill>
@@ -1142,51 +2211,11 @@
                 </a:solidFill>
               </a:defRPr>
             </a:lvl5pPr>
-            <a:lvl6pPr marL="2286000" indent="0">
-              <a:buNone/>
-              <a:defRPr sz="1400">
-                <a:solidFill>
-                  <a:schemeClr val="tx1">
-                    <a:tint val="75000"/>
-                  </a:schemeClr>
-                </a:solidFill>
-              </a:defRPr>
-            </a:lvl6pPr>
-            <a:lvl7pPr marL="2743200" indent="0">
-              <a:buNone/>
-              <a:defRPr sz="1400">
-                <a:solidFill>
-                  <a:schemeClr val="tx1">
-                    <a:tint val="75000"/>
-                  </a:schemeClr>
-                </a:solidFill>
-              </a:defRPr>
-            </a:lvl7pPr>
-            <a:lvl8pPr marL="3200400" indent="0">
-              <a:buNone/>
-              <a:defRPr sz="1400">
-                <a:solidFill>
-                  <a:schemeClr val="tx1">
-                    <a:tint val="75000"/>
-                  </a:schemeClr>
-                </a:solidFill>
-              </a:defRPr>
-            </a:lvl8pPr>
-            <a:lvl9pPr marL="3657600" indent="0">
-              <a:buNone/>
-              <a:defRPr sz="1400">
-                <a:solidFill>
-                  <a:schemeClr val="tx1">
-                    <a:tint val="75000"/>
-                  </a:schemeClr>
-                </a:solidFill>
-              </a:defRPr>
-            </a:lvl9pPr>
           </a:lstStyle>
           <a:p>
-            <a:pPr lvl="0"/>
-            <a:r>
-              <a:rPr kumimoji="1" lang="ja-JP" altLang="en-US" smtClean="0"/>
+            <a:pPr lvl="0" eaLnBrk="1" latinLnBrk="0" hangingPunct="1"/>
+            <a:r>
+              <a:rPr kumimoji="0" lang="ja-JP" altLang="en-US" smtClean="0"/>
               <a:t>マスター テキストの書式設定</a:t>
             </a:r>
           </a:p>
@@ -1258,11 +2287,6 @@
         </p:txBody>
       </p:sp>
     </p:spTree>
-    <p:extLst>
-      <p:ext uri="{BB962C8B-B14F-4D97-AF65-F5344CB8AC3E}">
-        <p14:creationId xmlns:p14="http://schemas.microsoft.com/office/powerpoint/2010/main" val="3639220756"/>
-      </p:ext>
-    </p:extLst>
   </p:cSld>
   <p:clrMapOvr>
     <a:masterClrMapping/>
@@ -1303,10 +2327,10 @@
           <a:lstStyle/>
           <a:p>
             <a:r>
-              <a:rPr kumimoji="1" lang="ja-JP" altLang="en-US" smtClean="0"/>
+              <a:rPr kumimoji="0" lang="ja-JP" altLang="en-US" smtClean="0"/>
               <a:t>マスター タイトルの書式設定</a:t>
             </a:r>
-            <a:endParaRPr kumimoji="1" lang="ja-JP" altLang="en-US"/>
+            <a:endParaRPr kumimoji="0" lang="en-US"/>
           </a:p>
         </p:txBody>
       </p:sp>
@@ -1322,7 +2346,7 @@
         </p:nvSpPr>
         <p:spPr>
           <a:xfrm>
-            <a:off x="457200" y="1600200"/>
+            <a:off x="457200" y="2249424"/>
             <a:ext cx="4038600" cy="4525963"/>
           </a:xfrm>
         </p:spPr>
@@ -1330,13 +2354,13 @@
           <a:bodyPr/>
           <a:lstStyle>
             <a:lvl1pPr>
-              <a:defRPr sz="2800"/>
+              <a:defRPr sz="2000"/>
             </a:lvl1pPr>
             <a:lvl2pPr>
-              <a:defRPr sz="2400"/>
+              <a:defRPr sz="1900"/>
             </a:lvl2pPr>
             <a:lvl3pPr>
-              <a:defRPr sz="2000"/>
+              <a:defRPr sz="1800"/>
             </a:lvl3pPr>
             <a:lvl4pPr>
               <a:defRPr sz="1800"/>
@@ -1344,86 +2368,74 @@
             <a:lvl5pPr>
               <a:defRPr sz="1800"/>
             </a:lvl5pPr>
-            <a:lvl6pPr>
-              <a:defRPr sz="1800"/>
-            </a:lvl6pPr>
-            <a:lvl7pPr>
-              <a:defRPr sz="1800"/>
-            </a:lvl7pPr>
-            <a:lvl8pPr>
-              <a:defRPr sz="1800"/>
-            </a:lvl8pPr>
-            <a:lvl9pPr>
-              <a:defRPr sz="1800"/>
-            </a:lvl9pPr>
           </a:lstStyle>
           <a:p>
-            <a:pPr lvl="0"/>
-            <a:r>
-              <a:rPr kumimoji="1" lang="ja-JP" altLang="en-US" smtClean="0"/>
+            <a:pPr lvl="0" eaLnBrk="1" latinLnBrk="0" hangingPunct="1"/>
+            <a:r>
+              <a:rPr lang="ja-JP" altLang="en-US" smtClean="0"/>
               <a:t>マスター テキストの書式設定</a:t>
             </a:r>
           </a:p>
           <a:p>
-            <a:pPr lvl="1"/>
-            <a:r>
-              <a:rPr kumimoji="1" lang="ja-JP" altLang="en-US" smtClean="0"/>
+            <a:pPr lvl="1" eaLnBrk="1" latinLnBrk="0" hangingPunct="1"/>
+            <a:r>
+              <a:rPr lang="ja-JP" altLang="en-US" smtClean="0"/>
               <a:t>第 </a:t>
             </a:r>
             <a:r>
-              <a:rPr kumimoji="1" lang="en-US" altLang="ja-JP" smtClean="0"/>
+              <a:rPr lang="en-US" altLang="ja-JP" smtClean="0"/>
               <a:t>2 </a:t>
             </a:r>
             <a:r>
-              <a:rPr kumimoji="1" lang="ja-JP" altLang="en-US" smtClean="0"/>
+              <a:rPr lang="ja-JP" altLang="en-US" smtClean="0"/>
               <a:t>レベル</a:t>
             </a:r>
           </a:p>
           <a:p>
-            <a:pPr lvl="2"/>
-            <a:r>
-              <a:rPr kumimoji="1" lang="ja-JP" altLang="en-US" smtClean="0"/>
+            <a:pPr lvl="2" eaLnBrk="1" latinLnBrk="0" hangingPunct="1"/>
+            <a:r>
+              <a:rPr lang="ja-JP" altLang="en-US" smtClean="0"/>
               <a:t>第 </a:t>
             </a:r>
             <a:r>
-              <a:rPr kumimoji="1" lang="en-US" altLang="ja-JP" smtClean="0"/>
+              <a:rPr lang="en-US" altLang="ja-JP" smtClean="0"/>
               <a:t>3 </a:t>
             </a:r>
             <a:r>
-              <a:rPr kumimoji="1" lang="ja-JP" altLang="en-US" smtClean="0"/>
+              <a:rPr lang="ja-JP" altLang="en-US" smtClean="0"/>
               <a:t>レベル</a:t>
             </a:r>
           </a:p>
           <a:p>
-            <a:pPr lvl="3"/>
-            <a:r>
-              <a:rPr kumimoji="1" lang="ja-JP" altLang="en-US" smtClean="0"/>
+            <a:pPr lvl="3" eaLnBrk="1" latinLnBrk="0" hangingPunct="1"/>
+            <a:r>
+              <a:rPr lang="ja-JP" altLang="en-US" smtClean="0"/>
               <a:t>第 </a:t>
             </a:r>
             <a:r>
-              <a:rPr kumimoji="1" lang="en-US" altLang="ja-JP" smtClean="0"/>
+              <a:rPr lang="en-US" altLang="ja-JP" smtClean="0"/>
               <a:t>4 </a:t>
             </a:r>
             <a:r>
-              <a:rPr kumimoji="1" lang="ja-JP" altLang="en-US" smtClean="0"/>
+              <a:rPr lang="ja-JP" altLang="en-US" smtClean="0"/>
               <a:t>レベル</a:t>
             </a:r>
           </a:p>
           <a:p>
-            <a:pPr lvl="4"/>
-            <a:r>
-              <a:rPr kumimoji="1" lang="ja-JP" altLang="en-US" smtClean="0"/>
+            <a:pPr lvl="4" eaLnBrk="1" latinLnBrk="0" hangingPunct="1"/>
+            <a:r>
+              <a:rPr lang="ja-JP" altLang="en-US" smtClean="0"/>
               <a:t>第 </a:t>
             </a:r>
             <a:r>
-              <a:rPr kumimoji="1" lang="en-US" altLang="ja-JP" smtClean="0"/>
+              <a:rPr lang="en-US" altLang="ja-JP" smtClean="0"/>
               <a:t>5 </a:t>
             </a:r>
             <a:r>
-              <a:rPr kumimoji="1" lang="ja-JP" altLang="en-US" smtClean="0"/>
+              <a:rPr lang="ja-JP" altLang="en-US" smtClean="0"/>
               <a:t>レベル</a:t>
             </a:r>
-            <a:endParaRPr kumimoji="1" lang="ja-JP" altLang="en-US"/>
+            <a:endParaRPr kumimoji="0" lang="en-US"/>
           </a:p>
         </p:txBody>
       </p:sp>
@@ -1439,7 +2451,7 @@
         </p:nvSpPr>
         <p:spPr>
           <a:xfrm>
-            <a:off x="4648200" y="1600200"/>
+            <a:off x="4648200" y="2249424"/>
             <a:ext cx="4038600" cy="4525963"/>
           </a:xfrm>
         </p:spPr>
@@ -1447,13 +2459,13 @@
           <a:bodyPr/>
           <a:lstStyle>
             <a:lvl1pPr>
-              <a:defRPr sz="2800"/>
+              <a:defRPr sz="2000"/>
             </a:lvl1pPr>
             <a:lvl2pPr>
-              <a:defRPr sz="2400"/>
+              <a:defRPr sz="1900"/>
             </a:lvl2pPr>
             <a:lvl3pPr>
-              <a:defRPr sz="2000"/>
+              <a:defRPr sz="1800"/>
             </a:lvl3pPr>
             <a:lvl4pPr>
               <a:defRPr sz="1800"/>
@@ -1461,86 +2473,74 @@
             <a:lvl5pPr>
               <a:defRPr sz="1800"/>
             </a:lvl5pPr>
-            <a:lvl6pPr>
-              <a:defRPr sz="1800"/>
-            </a:lvl6pPr>
-            <a:lvl7pPr>
-              <a:defRPr sz="1800"/>
-            </a:lvl7pPr>
-            <a:lvl8pPr>
-              <a:defRPr sz="1800"/>
-            </a:lvl8pPr>
-            <a:lvl9pPr>
-              <a:defRPr sz="1800"/>
-            </a:lvl9pPr>
           </a:lstStyle>
           <a:p>
-            <a:pPr lvl="0"/>
-            <a:r>
-              <a:rPr kumimoji="1" lang="ja-JP" altLang="en-US" smtClean="0"/>
+            <a:pPr lvl="0" eaLnBrk="1" latinLnBrk="0" hangingPunct="1"/>
+            <a:r>
+              <a:rPr lang="ja-JP" altLang="en-US" smtClean="0"/>
               <a:t>マスター テキストの書式設定</a:t>
             </a:r>
           </a:p>
           <a:p>
-            <a:pPr lvl="1"/>
-            <a:r>
-              <a:rPr kumimoji="1" lang="ja-JP" altLang="en-US" smtClean="0"/>
+            <a:pPr lvl="1" eaLnBrk="1" latinLnBrk="0" hangingPunct="1"/>
+            <a:r>
+              <a:rPr lang="ja-JP" altLang="en-US" smtClean="0"/>
               <a:t>第 </a:t>
             </a:r>
             <a:r>
-              <a:rPr kumimoji="1" lang="en-US" altLang="ja-JP" smtClean="0"/>
+              <a:rPr lang="en-US" altLang="ja-JP" smtClean="0"/>
               <a:t>2 </a:t>
             </a:r>
             <a:r>
-              <a:rPr kumimoji="1" lang="ja-JP" altLang="en-US" smtClean="0"/>
+              <a:rPr lang="ja-JP" altLang="en-US" smtClean="0"/>
               <a:t>レベル</a:t>
             </a:r>
           </a:p>
           <a:p>
-            <a:pPr lvl="2"/>
-            <a:r>
-              <a:rPr kumimoji="1" lang="ja-JP" altLang="en-US" smtClean="0"/>
+            <a:pPr lvl="2" eaLnBrk="1" latinLnBrk="0" hangingPunct="1"/>
+            <a:r>
+              <a:rPr lang="ja-JP" altLang="en-US" smtClean="0"/>
               <a:t>第 </a:t>
             </a:r>
             <a:r>
-              <a:rPr kumimoji="1" lang="en-US" altLang="ja-JP" smtClean="0"/>
+              <a:rPr lang="en-US" altLang="ja-JP" smtClean="0"/>
               <a:t>3 </a:t>
             </a:r>
             <a:r>
-              <a:rPr kumimoji="1" lang="ja-JP" altLang="en-US" smtClean="0"/>
+              <a:rPr lang="ja-JP" altLang="en-US" smtClean="0"/>
               <a:t>レベル</a:t>
             </a:r>
           </a:p>
           <a:p>
-            <a:pPr lvl="3"/>
-            <a:r>
-              <a:rPr kumimoji="1" lang="ja-JP" altLang="en-US" smtClean="0"/>
+            <a:pPr lvl="3" eaLnBrk="1" latinLnBrk="0" hangingPunct="1"/>
+            <a:r>
+              <a:rPr lang="ja-JP" altLang="en-US" smtClean="0"/>
               <a:t>第 </a:t>
             </a:r>
             <a:r>
-              <a:rPr kumimoji="1" lang="en-US" altLang="ja-JP" smtClean="0"/>
+              <a:rPr lang="en-US" altLang="ja-JP" smtClean="0"/>
               <a:t>4 </a:t>
             </a:r>
             <a:r>
-              <a:rPr kumimoji="1" lang="ja-JP" altLang="en-US" smtClean="0"/>
+              <a:rPr lang="ja-JP" altLang="en-US" smtClean="0"/>
               <a:t>レベル</a:t>
             </a:r>
           </a:p>
           <a:p>
-            <a:pPr lvl="4"/>
-            <a:r>
-              <a:rPr kumimoji="1" lang="ja-JP" altLang="en-US" smtClean="0"/>
+            <a:pPr lvl="4" eaLnBrk="1" latinLnBrk="0" hangingPunct="1"/>
+            <a:r>
+              <a:rPr lang="ja-JP" altLang="en-US" smtClean="0"/>
               <a:t>第 </a:t>
             </a:r>
             <a:r>
-              <a:rPr kumimoji="1" lang="en-US" altLang="ja-JP" smtClean="0"/>
+              <a:rPr lang="en-US" altLang="ja-JP" smtClean="0"/>
               <a:t>5 </a:t>
             </a:r>
             <a:r>
-              <a:rPr kumimoji="1" lang="ja-JP" altLang="en-US" smtClean="0"/>
+              <a:rPr lang="ja-JP" altLang="en-US" smtClean="0"/>
               <a:t>レベル</a:t>
             </a:r>
-            <a:endParaRPr kumimoji="1" lang="ja-JP" altLang="en-US"/>
+            <a:endParaRPr kumimoji="0" lang="en-US"/>
           </a:p>
         </p:txBody>
       </p:sp>
@@ -1610,11 +2610,6 @@
         </p:txBody>
       </p:sp>
     </p:spTree>
-    <p:extLst>
-      <p:ext uri="{BB962C8B-B14F-4D97-AF65-F5344CB8AC3E}">
-        <p14:creationId xmlns:p14="http://schemas.microsoft.com/office/powerpoint/2010/main" val="3077538263"/>
-      </p:ext>
-    </p:extLst>
   </p:cSld>
   <p:clrMapOvr>
     <a:masterClrMapping/>
@@ -1649,109 +2644,185 @@
             <p:ph type="title"/>
           </p:nvPr>
         </p:nvSpPr>
-        <p:spPr/>
+        <p:spPr>
+          <a:xfrm>
+            <a:off x="381000" y="1143000"/>
+            <a:ext cx="8382000" cy="1069848"/>
+          </a:xfrm>
+        </p:spPr>
+        <p:txBody>
+          <a:bodyPr anchor="ctr"/>
+          <a:lstStyle>
+            <a:lvl1pPr>
+              <a:defRPr sz="4000" b="0" i="0" cap="none" baseline="0"/>
+            </a:lvl1pPr>
+          </a:lstStyle>
+          <a:p>
+            <a:r>
+              <a:rPr kumimoji="0" lang="ja-JP" altLang="en-US" smtClean="0"/>
+              <a:t>マスター タイトルの書式設定</a:t>
+            </a:r>
+            <a:endParaRPr kumimoji="0" lang="en-US"/>
+          </a:p>
+        </p:txBody>
+      </p:sp>
+      <p:sp>
+        <p:nvSpPr>
+          <p:cNvPr id="3" name="テキスト プレースホルダー 2"/>
+          <p:cNvSpPr>
+            <a:spLocks noGrp="1"/>
+          </p:cNvSpPr>
+          <p:nvPr>
+            <p:ph type="body" idx="1"/>
+          </p:nvPr>
+        </p:nvSpPr>
+        <p:spPr>
+          <a:xfrm>
+            <a:off x="381000" y="2244970"/>
+            <a:ext cx="4041648" cy="457200"/>
+          </a:xfrm>
+          <a:solidFill>
+            <a:schemeClr val="accent2">
+              <a:satMod val="150000"/>
+              <a:alpha val="25000"/>
+            </a:schemeClr>
+          </a:solidFill>
+          <a:ln w="12700">
+            <a:solidFill>
+              <a:schemeClr val="accent2"/>
+            </a:solidFill>
+          </a:ln>
+        </p:spPr>
+        <p:txBody>
+          <a:bodyPr anchor="ctr">
+            <a:noAutofit/>
+          </a:bodyPr>
+          <a:lstStyle>
+            <a:lvl1pPr marL="45720" indent="0">
+              <a:buNone/>
+              <a:defRPr sz="1900" b="1">
+                <a:solidFill>
+                  <a:schemeClr val="tx1">
+                    <a:tint val="95000"/>
+                  </a:schemeClr>
+                </a:solidFill>
+              </a:defRPr>
+            </a:lvl1pPr>
+            <a:lvl2pPr>
+              <a:buNone/>
+              <a:defRPr sz="2000" b="1"/>
+            </a:lvl2pPr>
+            <a:lvl3pPr>
+              <a:buNone/>
+              <a:defRPr sz="1800" b="1"/>
+            </a:lvl3pPr>
+            <a:lvl4pPr>
+              <a:buNone/>
+              <a:defRPr sz="1600" b="1"/>
+            </a:lvl4pPr>
+            <a:lvl5pPr>
+              <a:buNone/>
+              <a:defRPr sz="1600" b="1"/>
+            </a:lvl5pPr>
+          </a:lstStyle>
+          <a:p>
+            <a:pPr lvl="0" eaLnBrk="1" latinLnBrk="0" hangingPunct="1"/>
+            <a:r>
+              <a:rPr kumimoji="0" lang="ja-JP" altLang="en-US" smtClean="0"/>
+              <a:t>マスター テキストの書式設定</a:t>
+            </a:r>
+          </a:p>
+        </p:txBody>
+      </p:sp>
+      <p:sp>
+        <p:nvSpPr>
+          <p:cNvPr id="4" name="テキスト プレースホルダー 3"/>
+          <p:cNvSpPr>
+            <a:spLocks noGrp="1"/>
+          </p:cNvSpPr>
+          <p:nvPr>
+            <p:ph type="body" sz="half" idx="3"/>
+          </p:nvPr>
+        </p:nvSpPr>
+        <p:spPr>
+          <a:xfrm>
+            <a:off x="4721225" y="2244970"/>
+            <a:ext cx="4041775" cy="457200"/>
+          </a:xfrm>
+          <a:solidFill>
+            <a:schemeClr val="accent2">
+              <a:satMod val="150000"/>
+              <a:alpha val="25000"/>
+            </a:schemeClr>
+          </a:solidFill>
+          <a:ln w="12700">
+            <a:solidFill>
+              <a:schemeClr val="accent2"/>
+            </a:solidFill>
+          </a:ln>
+        </p:spPr>
+        <p:txBody>
+          <a:bodyPr anchor="ctr">
+            <a:noAutofit/>
+          </a:bodyPr>
+          <a:lstStyle>
+            <a:lvl1pPr marL="45720" indent="0">
+              <a:buNone/>
+              <a:defRPr sz="1900" b="1">
+                <a:solidFill>
+                  <a:schemeClr val="tx1">
+                    <a:tint val="95000"/>
+                  </a:schemeClr>
+                </a:solidFill>
+              </a:defRPr>
+            </a:lvl1pPr>
+            <a:lvl2pPr>
+              <a:buNone/>
+              <a:defRPr sz="2000" b="1"/>
+            </a:lvl2pPr>
+            <a:lvl3pPr>
+              <a:buNone/>
+              <a:defRPr sz="1800" b="1"/>
+            </a:lvl3pPr>
+            <a:lvl4pPr>
+              <a:buNone/>
+              <a:defRPr sz="1600" b="1"/>
+            </a:lvl4pPr>
+            <a:lvl5pPr>
+              <a:buNone/>
+              <a:defRPr sz="1600" b="1"/>
+            </a:lvl5pPr>
+          </a:lstStyle>
+          <a:p>
+            <a:pPr lvl="0" eaLnBrk="1" latinLnBrk="0" hangingPunct="1"/>
+            <a:r>
+              <a:rPr kumimoji="0" lang="ja-JP" altLang="en-US" smtClean="0"/>
+              <a:t>マスター テキストの書式設定</a:t>
+            </a:r>
+          </a:p>
+        </p:txBody>
+      </p:sp>
+      <p:sp>
+        <p:nvSpPr>
+          <p:cNvPr id="5" name="コンテンツ プレースホルダー 4"/>
+          <p:cNvSpPr>
+            <a:spLocks noGrp="1"/>
+          </p:cNvSpPr>
+          <p:nvPr>
+            <p:ph sz="quarter" idx="2"/>
+          </p:nvPr>
+        </p:nvSpPr>
+        <p:spPr>
+          <a:xfrm>
+            <a:off x="381000" y="2708519"/>
+            <a:ext cx="4041648" cy="3886200"/>
+          </a:xfrm>
+        </p:spPr>
         <p:txBody>
           <a:bodyPr/>
           <a:lstStyle>
             <a:lvl1pPr>
-              <a:defRPr/>
-            </a:lvl1pPr>
-          </a:lstStyle>
-          <a:p>
-            <a:r>
-              <a:rPr kumimoji="1" lang="ja-JP" altLang="en-US" smtClean="0"/>
-              <a:t>マスター タイトルの書式設定</a:t>
-            </a:r>
-            <a:endParaRPr kumimoji="1" lang="ja-JP" altLang="en-US"/>
-          </a:p>
-        </p:txBody>
-      </p:sp>
-      <p:sp>
-        <p:nvSpPr>
-          <p:cNvPr id="3" name="テキスト プレースホルダー 2"/>
-          <p:cNvSpPr>
-            <a:spLocks noGrp="1"/>
-          </p:cNvSpPr>
-          <p:nvPr>
-            <p:ph type="body" idx="1"/>
-          </p:nvPr>
-        </p:nvSpPr>
-        <p:spPr>
-          <a:xfrm>
-            <a:off x="457200" y="1535113"/>
-            <a:ext cx="4040188" cy="639762"/>
-          </a:xfrm>
-        </p:spPr>
-        <p:txBody>
-          <a:bodyPr anchor="b"/>
-          <a:lstStyle>
-            <a:lvl1pPr marL="0" indent="0">
-              <a:buNone/>
-              <a:defRPr sz="2400" b="1"/>
-            </a:lvl1pPr>
-            <a:lvl2pPr marL="457200" indent="0">
-              <a:buNone/>
-              <a:defRPr sz="2000" b="1"/>
-            </a:lvl2pPr>
-            <a:lvl3pPr marL="914400" indent="0">
-              <a:buNone/>
-              <a:defRPr sz="1800" b="1"/>
-            </a:lvl3pPr>
-            <a:lvl4pPr marL="1371600" indent="0">
-              <a:buNone/>
-              <a:defRPr sz="1600" b="1"/>
-            </a:lvl4pPr>
-            <a:lvl5pPr marL="1828800" indent="0">
-              <a:buNone/>
-              <a:defRPr sz="1600" b="1"/>
-            </a:lvl5pPr>
-            <a:lvl6pPr marL="2286000" indent="0">
-              <a:buNone/>
-              <a:defRPr sz="1600" b="1"/>
-            </a:lvl6pPr>
-            <a:lvl7pPr marL="2743200" indent="0">
-              <a:buNone/>
-              <a:defRPr sz="1600" b="1"/>
-            </a:lvl7pPr>
-            <a:lvl8pPr marL="3200400" indent="0">
-              <a:buNone/>
-              <a:defRPr sz="1600" b="1"/>
-            </a:lvl8pPr>
-            <a:lvl9pPr marL="3657600" indent="0">
-              <a:buNone/>
-              <a:defRPr sz="1600" b="1"/>
-            </a:lvl9pPr>
-          </a:lstStyle>
-          <a:p>
-            <a:pPr lvl="0"/>
-            <a:r>
-              <a:rPr kumimoji="1" lang="ja-JP" altLang="en-US" smtClean="0"/>
-              <a:t>マスター テキストの書式設定</a:t>
-            </a:r>
-          </a:p>
-        </p:txBody>
-      </p:sp>
-      <p:sp>
-        <p:nvSpPr>
-          <p:cNvPr id="4" name="コンテンツ プレースホルダー 3"/>
-          <p:cNvSpPr>
-            <a:spLocks noGrp="1"/>
-          </p:cNvSpPr>
-          <p:nvPr>
-            <p:ph sz="half" idx="2"/>
-          </p:nvPr>
-        </p:nvSpPr>
-        <p:spPr>
-          <a:xfrm>
-            <a:off x="457200" y="2174875"/>
-            <a:ext cx="4040188" cy="3951288"/>
-          </a:xfrm>
-        </p:spPr>
-        <p:txBody>
-          <a:bodyPr/>
-          <a:lstStyle>
-            <a:lvl1pPr>
-              <a:defRPr sz="2400"/>
+              <a:defRPr sz="2000"/>
             </a:lvl1pPr>
             <a:lvl2pPr>
               <a:defRPr sz="2000"/>
@@ -1765,175 +2836,98 @@
             <a:lvl5pPr>
               <a:defRPr sz="1600"/>
             </a:lvl5pPr>
-            <a:lvl6pPr>
-              <a:defRPr sz="1600"/>
-            </a:lvl6pPr>
-            <a:lvl7pPr>
-              <a:defRPr sz="1600"/>
-            </a:lvl7pPr>
-            <a:lvl8pPr>
-              <a:defRPr sz="1600"/>
-            </a:lvl8pPr>
-            <a:lvl9pPr>
-              <a:defRPr sz="1600"/>
-            </a:lvl9pPr>
           </a:lstStyle>
           <a:p>
-            <a:pPr lvl="0"/>
-            <a:r>
-              <a:rPr kumimoji="1" lang="ja-JP" altLang="en-US" smtClean="0"/>
+            <a:pPr lvl="0" eaLnBrk="1" latinLnBrk="0" hangingPunct="1"/>
+            <a:r>
+              <a:rPr lang="ja-JP" altLang="en-US" smtClean="0"/>
               <a:t>マスター テキストの書式設定</a:t>
             </a:r>
           </a:p>
           <a:p>
-            <a:pPr lvl="1"/>
-            <a:r>
-              <a:rPr kumimoji="1" lang="ja-JP" altLang="en-US" smtClean="0"/>
+            <a:pPr lvl="1" eaLnBrk="1" latinLnBrk="0" hangingPunct="1"/>
+            <a:r>
+              <a:rPr lang="ja-JP" altLang="en-US" smtClean="0"/>
               <a:t>第 </a:t>
             </a:r>
             <a:r>
-              <a:rPr kumimoji="1" lang="en-US" altLang="ja-JP" smtClean="0"/>
+              <a:rPr lang="en-US" altLang="ja-JP" smtClean="0"/>
               <a:t>2 </a:t>
             </a:r>
             <a:r>
-              <a:rPr kumimoji="1" lang="ja-JP" altLang="en-US" smtClean="0"/>
+              <a:rPr lang="ja-JP" altLang="en-US" smtClean="0"/>
               <a:t>レベル</a:t>
             </a:r>
           </a:p>
           <a:p>
-            <a:pPr lvl="2"/>
-            <a:r>
-              <a:rPr kumimoji="1" lang="ja-JP" altLang="en-US" smtClean="0"/>
+            <a:pPr lvl="2" eaLnBrk="1" latinLnBrk="0" hangingPunct="1"/>
+            <a:r>
+              <a:rPr lang="ja-JP" altLang="en-US" smtClean="0"/>
               <a:t>第 </a:t>
             </a:r>
             <a:r>
-              <a:rPr kumimoji="1" lang="en-US" altLang="ja-JP" smtClean="0"/>
+              <a:rPr lang="en-US" altLang="ja-JP" smtClean="0"/>
               <a:t>3 </a:t>
             </a:r>
             <a:r>
-              <a:rPr kumimoji="1" lang="ja-JP" altLang="en-US" smtClean="0"/>
+              <a:rPr lang="ja-JP" altLang="en-US" smtClean="0"/>
               <a:t>レベル</a:t>
             </a:r>
           </a:p>
           <a:p>
-            <a:pPr lvl="3"/>
-            <a:r>
-              <a:rPr kumimoji="1" lang="ja-JP" altLang="en-US" smtClean="0"/>
+            <a:pPr lvl="3" eaLnBrk="1" latinLnBrk="0" hangingPunct="1"/>
+            <a:r>
+              <a:rPr lang="ja-JP" altLang="en-US" smtClean="0"/>
               <a:t>第 </a:t>
             </a:r>
             <a:r>
-              <a:rPr kumimoji="1" lang="en-US" altLang="ja-JP" smtClean="0"/>
+              <a:rPr lang="en-US" altLang="ja-JP" smtClean="0"/>
               <a:t>4 </a:t>
             </a:r>
             <a:r>
-              <a:rPr kumimoji="1" lang="ja-JP" altLang="en-US" smtClean="0"/>
+              <a:rPr lang="ja-JP" altLang="en-US" smtClean="0"/>
               <a:t>レベル</a:t>
             </a:r>
           </a:p>
           <a:p>
-            <a:pPr lvl="4"/>
-            <a:r>
-              <a:rPr kumimoji="1" lang="ja-JP" altLang="en-US" smtClean="0"/>
+            <a:pPr lvl="4" eaLnBrk="1" latinLnBrk="0" hangingPunct="1"/>
+            <a:r>
+              <a:rPr lang="ja-JP" altLang="en-US" smtClean="0"/>
               <a:t>第 </a:t>
             </a:r>
             <a:r>
-              <a:rPr kumimoji="1" lang="en-US" altLang="ja-JP" smtClean="0"/>
+              <a:rPr lang="en-US" altLang="ja-JP" smtClean="0"/>
               <a:t>5 </a:t>
             </a:r>
             <a:r>
-              <a:rPr kumimoji="1" lang="ja-JP" altLang="en-US" smtClean="0"/>
+              <a:rPr lang="ja-JP" altLang="en-US" smtClean="0"/>
               <a:t>レベル</a:t>
             </a:r>
-            <a:endParaRPr kumimoji="1" lang="ja-JP" altLang="en-US"/>
-          </a:p>
-        </p:txBody>
-      </p:sp>
-      <p:sp>
-        <p:nvSpPr>
-          <p:cNvPr id="5" name="テキスト プレースホルダー 4"/>
-          <p:cNvSpPr>
-            <a:spLocks noGrp="1"/>
-          </p:cNvSpPr>
-          <p:nvPr>
-            <p:ph type="body" sz="quarter" idx="3"/>
+            <a:endParaRPr kumimoji="0" lang="en-US"/>
+          </a:p>
+        </p:txBody>
+      </p:sp>
+      <p:sp>
+        <p:nvSpPr>
+          <p:cNvPr id="6" name="コンテンツ プレースホルダー 5"/>
+          <p:cNvSpPr>
+            <a:spLocks noGrp="1"/>
+          </p:cNvSpPr>
+          <p:nvPr>
+            <p:ph sz="quarter" idx="4"/>
           </p:nvPr>
         </p:nvSpPr>
         <p:spPr>
           <a:xfrm>
-            <a:off x="4645025" y="1535113"/>
-            <a:ext cx="4041775" cy="639762"/>
-          </a:xfrm>
-        </p:spPr>
-        <p:txBody>
-          <a:bodyPr anchor="b"/>
-          <a:lstStyle>
-            <a:lvl1pPr marL="0" indent="0">
-              <a:buNone/>
-              <a:defRPr sz="2400" b="1"/>
-            </a:lvl1pPr>
-            <a:lvl2pPr marL="457200" indent="0">
-              <a:buNone/>
-              <a:defRPr sz="2000" b="1"/>
-            </a:lvl2pPr>
-            <a:lvl3pPr marL="914400" indent="0">
-              <a:buNone/>
-              <a:defRPr sz="1800" b="1"/>
-            </a:lvl3pPr>
-            <a:lvl4pPr marL="1371600" indent="0">
-              <a:buNone/>
-              <a:defRPr sz="1600" b="1"/>
-            </a:lvl4pPr>
-            <a:lvl5pPr marL="1828800" indent="0">
-              <a:buNone/>
-              <a:defRPr sz="1600" b="1"/>
-            </a:lvl5pPr>
-            <a:lvl6pPr marL="2286000" indent="0">
-              <a:buNone/>
-              <a:defRPr sz="1600" b="1"/>
-            </a:lvl6pPr>
-            <a:lvl7pPr marL="2743200" indent="0">
-              <a:buNone/>
-              <a:defRPr sz="1600" b="1"/>
-            </a:lvl7pPr>
-            <a:lvl8pPr marL="3200400" indent="0">
-              <a:buNone/>
-              <a:defRPr sz="1600" b="1"/>
-            </a:lvl8pPr>
-            <a:lvl9pPr marL="3657600" indent="0">
-              <a:buNone/>
-              <a:defRPr sz="1600" b="1"/>
-            </a:lvl9pPr>
-          </a:lstStyle>
-          <a:p>
-            <a:pPr lvl="0"/>
-            <a:r>
-              <a:rPr kumimoji="1" lang="ja-JP" altLang="en-US" smtClean="0"/>
-              <a:t>マスター テキストの書式設定</a:t>
-            </a:r>
-          </a:p>
-        </p:txBody>
-      </p:sp>
-      <p:sp>
-        <p:nvSpPr>
-          <p:cNvPr id="6" name="コンテンツ プレースホルダー 5"/>
-          <p:cNvSpPr>
-            <a:spLocks noGrp="1"/>
-          </p:cNvSpPr>
-          <p:nvPr>
-            <p:ph sz="quarter" idx="4"/>
-          </p:nvPr>
-        </p:nvSpPr>
-        <p:spPr>
-          <a:xfrm>
-            <a:off x="4645025" y="2174875"/>
-            <a:ext cx="4041775" cy="3951288"/>
+            <a:off x="4718304" y="2708519"/>
+            <a:ext cx="4041775" cy="3886200"/>
           </a:xfrm>
         </p:spPr>
         <p:txBody>
           <a:bodyPr/>
           <a:lstStyle>
             <a:lvl1pPr>
-              <a:defRPr sz="2400"/>
+              <a:defRPr sz="2000"/>
             </a:lvl1pPr>
             <a:lvl2pPr>
               <a:defRPr sz="2000"/>
@@ -1947,92 +2941,80 @@
             <a:lvl5pPr>
               <a:defRPr sz="1600"/>
             </a:lvl5pPr>
-            <a:lvl6pPr>
-              <a:defRPr sz="1600"/>
-            </a:lvl6pPr>
-            <a:lvl7pPr>
-              <a:defRPr sz="1600"/>
-            </a:lvl7pPr>
-            <a:lvl8pPr>
-              <a:defRPr sz="1600"/>
-            </a:lvl8pPr>
-            <a:lvl9pPr>
-              <a:defRPr sz="1600"/>
-            </a:lvl9pPr>
           </a:lstStyle>
           <a:p>
-            <a:pPr lvl="0"/>
-            <a:r>
-              <a:rPr kumimoji="1" lang="ja-JP" altLang="en-US" smtClean="0"/>
+            <a:pPr lvl="0" eaLnBrk="1" latinLnBrk="0" hangingPunct="1"/>
+            <a:r>
+              <a:rPr lang="ja-JP" altLang="en-US" smtClean="0"/>
               <a:t>マスター テキストの書式設定</a:t>
             </a:r>
           </a:p>
           <a:p>
-            <a:pPr lvl="1"/>
-            <a:r>
-              <a:rPr kumimoji="1" lang="ja-JP" altLang="en-US" smtClean="0"/>
+            <a:pPr lvl="1" eaLnBrk="1" latinLnBrk="0" hangingPunct="1"/>
+            <a:r>
+              <a:rPr lang="ja-JP" altLang="en-US" smtClean="0"/>
               <a:t>第 </a:t>
             </a:r>
             <a:r>
-              <a:rPr kumimoji="1" lang="en-US" altLang="ja-JP" smtClean="0"/>
+              <a:rPr lang="en-US" altLang="ja-JP" smtClean="0"/>
               <a:t>2 </a:t>
             </a:r>
             <a:r>
-              <a:rPr kumimoji="1" lang="ja-JP" altLang="en-US" smtClean="0"/>
+              <a:rPr lang="ja-JP" altLang="en-US" smtClean="0"/>
               <a:t>レベル</a:t>
             </a:r>
           </a:p>
           <a:p>
-            <a:pPr lvl="2"/>
-            <a:r>
-              <a:rPr kumimoji="1" lang="ja-JP" altLang="en-US" smtClean="0"/>
+            <a:pPr lvl="2" eaLnBrk="1" latinLnBrk="0" hangingPunct="1"/>
+            <a:r>
+              <a:rPr lang="ja-JP" altLang="en-US" smtClean="0"/>
               <a:t>第 </a:t>
             </a:r>
             <a:r>
-              <a:rPr kumimoji="1" lang="en-US" altLang="ja-JP" smtClean="0"/>
+              <a:rPr lang="en-US" altLang="ja-JP" smtClean="0"/>
               <a:t>3 </a:t>
             </a:r>
             <a:r>
-              <a:rPr kumimoji="1" lang="ja-JP" altLang="en-US" smtClean="0"/>
+              <a:rPr lang="ja-JP" altLang="en-US" smtClean="0"/>
               <a:t>レベル</a:t>
             </a:r>
           </a:p>
           <a:p>
-            <a:pPr lvl="3"/>
-            <a:r>
-              <a:rPr kumimoji="1" lang="ja-JP" altLang="en-US" smtClean="0"/>
+            <a:pPr lvl="3" eaLnBrk="1" latinLnBrk="0" hangingPunct="1"/>
+            <a:r>
+              <a:rPr lang="ja-JP" altLang="en-US" smtClean="0"/>
               <a:t>第 </a:t>
             </a:r>
             <a:r>
-              <a:rPr kumimoji="1" lang="en-US" altLang="ja-JP" smtClean="0"/>
+              <a:rPr lang="en-US" altLang="ja-JP" smtClean="0"/>
               <a:t>4 </a:t>
             </a:r>
             <a:r>
-              <a:rPr kumimoji="1" lang="ja-JP" altLang="en-US" smtClean="0"/>
+              <a:rPr lang="ja-JP" altLang="en-US" smtClean="0"/>
               <a:t>レベル</a:t>
             </a:r>
           </a:p>
           <a:p>
-            <a:pPr lvl="4"/>
-            <a:r>
-              <a:rPr kumimoji="1" lang="ja-JP" altLang="en-US" smtClean="0"/>
+            <a:pPr lvl="4" eaLnBrk="1" latinLnBrk="0" hangingPunct="1"/>
+            <a:r>
+              <a:rPr lang="ja-JP" altLang="en-US" smtClean="0"/>
               <a:t>第 </a:t>
             </a:r>
             <a:r>
-              <a:rPr kumimoji="1" lang="en-US" altLang="ja-JP" smtClean="0"/>
+              <a:rPr lang="en-US" altLang="ja-JP" smtClean="0"/>
               <a:t>5 </a:t>
             </a:r>
             <a:r>
-              <a:rPr kumimoji="1" lang="ja-JP" altLang="en-US" smtClean="0"/>
+              <a:rPr lang="ja-JP" altLang="en-US" smtClean="0"/>
               <a:t>レベル</a:t>
             </a:r>
-            <a:endParaRPr kumimoji="1" lang="ja-JP" altLang="en-US"/>
-          </a:p>
-        </p:txBody>
-      </p:sp>
-      <p:sp>
-        <p:nvSpPr>
-          <p:cNvPr id="7" name="日付プレースホルダー 6"/>
+            <a:endParaRPr kumimoji="0" lang="en-US"/>
+          </a:p>
+        </p:txBody>
+      </p:sp>
+      <p:sp>
+        <p:nvSpPr>
+          <p:cNvPr id="26" name="日付プレースホルダー 25"/>
           <p:cNvSpPr>
             <a:spLocks noGrp="1"/>
           </p:cNvSpPr>
@@ -2042,7 +3024,7 @@
         </p:nvSpPr>
         <p:spPr/>
         <p:txBody>
-          <a:bodyPr/>
+          <a:bodyPr rtlCol="0"/>
           <a:lstStyle/>
           <a:p>
             <a:fld id="{29E5DC78-06A6-4530-A362-5F3B4A25C8EC}" type="datetimeFigureOut">
@@ -2055,36 +3037,17 @@
       </p:sp>
       <p:sp>
         <p:nvSpPr>
-          <p:cNvPr id="8" name="フッター プレースホルダー 7"/>
-          <p:cNvSpPr>
-            <a:spLocks noGrp="1"/>
-          </p:cNvSpPr>
-          <p:nvPr>
-            <p:ph type="ftr" sz="quarter" idx="11"/>
-          </p:nvPr>
-        </p:nvSpPr>
-        <p:spPr/>
-        <p:txBody>
-          <a:bodyPr/>
-          <a:lstStyle/>
-          <a:p>
-            <a:endParaRPr kumimoji="1" lang="ja-JP" altLang="en-US"/>
-          </a:p>
-        </p:txBody>
-      </p:sp>
-      <p:sp>
-        <p:nvSpPr>
-          <p:cNvPr id="9" name="スライド番号プレースホルダー 8"/>
-          <p:cNvSpPr>
-            <a:spLocks noGrp="1"/>
-          </p:cNvSpPr>
-          <p:nvPr>
-            <p:ph type="sldNum" sz="quarter" idx="12"/>
-          </p:nvPr>
-        </p:nvSpPr>
-        <p:spPr/>
-        <p:txBody>
-          <a:bodyPr/>
+          <p:cNvPr id="27" name="スライド番号プレースホルダー 26"/>
+          <p:cNvSpPr>
+            <a:spLocks noGrp="1"/>
+          </p:cNvSpPr>
+          <p:nvPr>
+            <p:ph type="sldNum" sz="quarter" idx="11"/>
+          </p:nvPr>
+        </p:nvSpPr>
+        <p:spPr/>
+        <p:txBody>
+          <a:bodyPr rtlCol="0"/>
           <a:lstStyle/>
           <a:p>
             <a:fld id="{68BF2E25-267B-4439-953F-BAE069622F0A}" type="slidenum">
@@ -2095,12 +3058,26 @@
           </a:p>
         </p:txBody>
       </p:sp>
+      <p:sp>
+        <p:nvSpPr>
+          <p:cNvPr id="28" name="フッター プレースホルダー 27"/>
+          <p:cNvSpPr>
+            <a:spLocks noGrp="1"/>
+          </p:cNvSpPr>
+          <p:nvPr>
+            <p:ph type="ftr" sz="quarter" idx="12"/>
+          </p:nvPr>
+        </p:nvSpPr>
+        <p:spPr/>
+        <p:txBody>
+          <a:bodyPr rtlCol="0"/>
+          <a:lstStyle/>
+          <a:p>
+            <a:endParaRPr kumimoji="1" lang="ja-JP" altLang="en-US"/>
+          </a:p>
+        </p:txBody>
+      </p:sp>
     </p:spTree>
-    <p:extLst>
-      <p:ext uri="{BB962C8B-B14F-4D97-AF65-F5344CB8AC3E}">
-        <p14:creationId xmlns:p14="http://schemas.microsoft.com/office/powerpoint/2010/main" val="3918549455"/>
-      </p:ext>
-    </p:extLst>
   </p:cSld>
   <p:clrMapOvr>
     <a:masterClrMapping/>
@@ -2135,16 +3112,29 @@
             <p:ph type="title"/>
           </p:nvPr>
         </p:nvSpPr>
-        <p:spPr/>
-        <p:txBody>
-          <a:bodyPr/>
-          <a:lstStyle/>
-          <a:p>
-            <a:r>
-              <a:rPr kumimoji="1" lang="ja-JP" altLang="en-US" smtClean="0"/>
+        <p:spPr>
+          <a:xfrm>
+            <a:off x="457200" y="1143000"/>
+            <a:ext cx="8229600" cy="1069848"/>
+          </a:xfrm>
+        </p:spPr>
+        <p:txBody>
+          <a:bodyPr anchor="ctr"/>
+          <a:lstStyle>
+            <a:lvl1pPr>
+              <a:defRPr sz="4000">
+                <a:solidFill>
+                  <a:schemeClr val="tx2"/>
+                </a:solidFill>
+              </a:defRPr>
+            </a:lvl1pPr>
+          </a:lstStyle>
+          <a:p>
+            <a:r>
+              <a:rPr kumimoji="0" lang="ja-JP" altLang="en-US" smtClean="0"/>
               <a:t>マスター タイトルの書式設定</a:t>
             </a:r>
-            <a:endParaRPr kumimoji="1" lang="ja-JP" altLang="en-US"/>
+            <a:endParaRPr kumimoji="0" lang="en-US"/>
           </a:p>
         </p:txBody>
       </p:sp>
@@ -2158,7 +3148,12 @@
             <p:ph type="dt" sz="half" idx="10"/>
           </p:nvPr>
         </p:nvSpPr>
-        <p:spPr/>
+        <p:spPr>
+          <a:xfrm>
+            <a:off x="6583680" y="612648"/>
+            <a:ext cx="957264" cy="457200"/>
+          </a:xfrm>
+        </p:spPr>
         <p:txBody>
           <a:bodyPr/>
           <a:lstStyle/>
@@ -2181,7 +3176,12 @@
             <p:ph type="ftr" sz="quarter" idx="11"/>
           </p:nvPr>
         </p:nvSpPr>
-        <p:spPr/>
+        <p:spPr>
+          <a:xfrm>
+            <a:off x="5257800" y="612648"/>
+            <a:ext cx="1325880" cy="457200"/>
+          </a:xfrm>
+        </p:spPr>
         <p:txBody>
           <a:bodyPr/>
           <a:lstStyle/>
@@ -2200,7 +3200,12 @@
             <p:ph type="sldNum" sz="quarter" idx="12"/>
           </p:nvPr>
         </p:nvSpPr>
-        <p:spPr/>
+        <p:spPr>
+          <a:xfrm>
+            <a:off x="8174736" y="2272"/>
+            <a:ext cx="762000" cy="365760"/>
+          </a:xfrm>
+        </p:spPr>
         <p:txBody>
           <a:bodyPr/>
           <a:lstStyle/>
@@ -2214,11 +3219,6 @@
         </p:txBody>
       </p:sp>
     </p:spTree>
-    <p:extLst>
-      <p:ext uri="{BB962C8B-B14F-4D97-AF65-F5344CB8AC3E}">
-        <p14:creationId xmlns:p14="http://schemas.microsoft.com/office/powerpoint/2010/main" val="248832581"/>
-      </p:ext>
-    </p:extLst>
   </p:cSld>
   <p:clrMapOvr>
     <a:masterClrMapping/>
@@ -2309,11 +3309,6 @@
         </p:txBody>
       </p:sp>
     </p:spTree>
-    <p:extLst>
-      <p:ext uri="{BB962C8B-B14F-4D97-AF65-F5344CB8AC3E}">
-        <p14:creationId xmlns:p14="http://schemas.microsoft.com/office/powerpoint/2010/main" val="1393791853"/>
-      </p:ext>
-    </p:extLst>
   </p:cSld>
   <p:clrMapOvr>
     <a:masterClrMapping/>
@@ -2350,40 +3345,90 @@
         </p:nvSpPr>
         <p:spPr>
           <a:xfrm>
-            <a:off x="457200" y="273050"/>
-            <a:ext cx="3008313" cy="1162050"/>
+            <a:off x="5353496" y="1101970"/>
+            <a:ext cx="3383280" cy="877824"/>
           </a:xfrm>
         </p:spPr>
         <p:txBody>
           <a:bodyPr anchor="b"/>
           <a:lstStyle>
             <a:lvl1pPr algn="l">
-              <a:defRPr sz="2000" b="1"/>
+              <a:buNone/>
+              <a:defRPr sz="1800" b="1"/>
             </a:lvl1pPr>
           </a:lstStyle>
           <a:p>
             <a:r>
-              <a:rPr kumimoji="1" lang="ja-JP" altLang="en-US" smtClean="0"/>
+              <a:rPr kumimoji="0" lang="ja-JP" altLang="en-US" smtClean="0"/>
               <a:t>マスター タイトルの書式設定</a:t>
             </a:r>
-            <a:endParaRPr kumimoji="1" lang="ja-JP" altLang="en-US"/>
-          </a:p>
-        </p:txBody>
-      </p:sp>
-      <p:sp>
-        <p:nvSpPr>
-          <p:cNvPr id="3" name="コンテンツ プレースホルダー 2"/>
-          <p:cNvSpPr>
-            <a:spLocks noGrp="1"/>
-          </p:cNvSpPr>
-          <p:nvPr>
-            <p:ph idx="1"/>
+            <a:endParaRPr kumimoji="0" lang="en-US"/>
+          </a:p>
+        </p:txBody>
+      </p:sp>
+      <p:sp>
+        <p:nvSpPr>
+          <p:cNvPr id="3" name="テキスト プレースホルダー 2"/>
+          <p:cNvSpPr>
+            <a:spLocks noGrp="1"/>
+          </p:cNvSpPr>
+          <p:nvPr>
+            <p:ph type="body" idx="2"/>
           </p:nvPr>
         </p:nvSpPr>
         <p:spPr>
           <a:xfrm>
-            <a:off x="3575050" y="273050"/>
-            <a:ext cx="5111750" cy="5853113"/>
+            <a:off x="5353496" y="2010727"/>
+            <a:ext cx="3383280" cy="4617720"/>
+          </a:xfrm>
+        </p:spPr>
+        <p:txBody>
+          <a:bodyPr/>
+          <a:lstStyle>
+            <a:lvl1pPr marL="9144" indent="0">
+              <a:buNone/>
+              <a:defRPr sz="1400"/>
+            </a:lvl1pPr>
+            <a:lvl2pPr>
+              <a:buNone/>
+              <a:defRPr sz="1200"/>
+            </a:lvl2pPr>
+            <a:lvl3pPr>
+              <a:buNone/>
+              <a:defRPr sz="1000"/>
+            </a:lvl3pPr>
+            <a:lvl4pPr>
+              <a:buNone/>
+              <a:defRPr sz="900"/>
+            </a:lvl4pPr>
+            <a:lvl5pPr>
+              <a:buNone/>
+              <a:defRPr sz="900"/>
+            </a:lvl5pPr>
+          </a:lstStyle>
+          <a:p>
+            <a:pPr lvl="0" eaLnBrk="1" latinLnBrk="0" hangingPunct="1"/>
+            <a:r>
+              <a:rPr kumimoji="0" lang="ja-JP" altLang="en-US" smtClean="0"/>
+              <a:t>マスター テキストの書式設定</a:t>
+            </a:r>
+          </a:p>
+        </p:txBody>
+      </p:sp>
+      <p:sp>
+        <p:nvSpPr>
+          <p:cNvPr id="4" name="コンテンツ プレースホルダー 3"/>
+          <p:cNvSpPr>
+            <a:spLocks noGrp="1"/>
+          </p:cNvSpPr>
+          <p:nvPr>
+            <p:ph sz="half" idx="1"/>
+          </p:nvPr>
+        </p:nvSpPr>
+        <p:spPr>
+          <a:xfrm>
+            <a:off x="152400" y="776287"/>
+            <a:ext cx="5102352" cy="5852160"/>
           </a:xfrm>
         </p:spPr>
         <p:txBody>
@@ -2404,151 +3449,74 @@
             <a:lvl5pPr>
               <a:defRPr sz="2000"/>
             </a:lvl5pPr>
-            <a:lvl6pPr>
-              <a:defRPr sz="2000"/>
-            </a:lvl6pPr>
-            <a:lvl7pPr>
-              <a:defRPr sz="2000"/>
-            </a:lvl7pPr>
-            <a:lvl8pPr>
-              <a:defRPr sz="2000"/>
-            </a:lvl8pPr>
-            <a:lvl9pPr>
-              <a:defRPr sz="2000"/>
-            </a:lvl9pPr>
           </a:lstStyle>
           <a:p>
-            <a:pPr lvl="0"/>
-            <a:r>
-              <a:rPr kumimoji="1" lang="ja-JP" altLang="en-US" smtClean="0"/>
+            <a:pPr lvl="0" eaLnBrk="1" latinLnBrk="0" hangingPunct="1"/>
+            <a:r>
+              <a:rPr lang="ja-JP" altLang="en-US" smtClean="0"/>
               <a:t>マスター テキストの書式設定</a:t>
             </a:r>
           </a:p>
           <a:p>
-            <a:pPr lvl="1"/>
-            <a:r>
-              <a:rPr kumimoji="1" lang="ja-JP" altLang="en-US" smtClean="0"/>
+            <a:pPr lvl="1" eaLnBrk="1" latinLnBrk="0" hangingPunct="1"/>
+            <a:r>
+              <a:rPr lang="ja-JP" altLang="en-US" smtClean="0"/>
               <a:t>第 </a:t>
             </a:r>
             <a:r>
-              <a:rPr kumimoji="1" lang="en-US" altLang="ja-JP" smtClean="0"/>
+              <a:rPr lang="en-US" altLang="ja-JP" smtClean="0"/>
               <a:t>2 </a:t>
             </a:r>
             <a:r>
-              <a:rPr kumimoji="1" lang="ja-JP" altLang="en-US" smtClean="0"/>
+              <a:rPr lang="ja-JP" altLang="en-US" smtClean="0"/>
               <a:t>レベル</a:t>
             </a:r>
           </a:p>
           <a:p>
-            <a:pPr lvl="2"/>
-            <a:r>
-              <a:rPr kumimoji="1" lang="ja-JP" altLang="en-US" smtClean="0"/>
+            <a:pPr lvl="2" eaLnBrk="1" latinLnBrk="0" hangingPunct="1"/>
+            <a:r>
+              <a:rPr lang="ja-JP" altLang="en-US" smtClean="0"/>
               <a:t>第 </a:t>
             </a:r>
             <a:r>
-              <a:rPr kumimoji="1" lang="en-US" altLang="ja-JP" smtClean="0"/>
+              <a:rPr lang="en-US" altLang="ja-JP" smtClean="0"/>
               <a:t>3 </a:t>
             </a:r>
             <a:r>
-              <a:rPr kumimoji="1" lang="ja-JP" altLang="en-US" smtClean="0"/>
+              <a:rPr lang="ja-JP" altLang="en-US" smtClean="0"/>
               <a:t>レベル</a:t>
             </a:r>
           </a:p>
           <a:p>
-            <a:pPr lvl="3"/>
-            <a:r>
-              <a:rPr kumimoji="1" lang="ja-JP" altLang="en-US" smtClean="0"/>
+            <a:pPr lvl="3" eaLnBrk="1" latinLnBrk="0" hangingPunct="1"/>
+            <a:r>
+              <a:rPr lang="ja-JP" altLang="en-US" smtClean="0"/>
               <a:t>第 </a:t>
             </a:r>
             <a:r>
-              <a:rPr kumimoji="1" lang="en-US" altLang="ja-JP" smtClean="0"/>
+              <a:rPr lang="en-US" altLang="ja-JP" smtClean="0"/>
               <a:t>4 </a:t>
             </a:r>
             <a:r>
-              <a:rPr kumimoji="1" lang="ja-JP" altLang="en-US" smtClean="0"/>
+              <a:rPr lang="ja-JP" altLang="en-US" smtClean="0"/>
               <a:t>レベル</a:t>
             </a:r>
           </a:p>
           <a:p>
-            <a:pPr lvl="4"/>
-            <a:r>
-              <a:rPr kumimoji="1" lang="ja-JP" altLang="en-US" smtClean="0"/>
+            <a:pPr lvl="4" eaLnBrk="1" latinLnBrk="0" hangingPunct="1"/>
+            <a:r>
+              <a:rPr lang="ja-JP" altLang="en-US" smtClean="0"/>
               <a:t>第 </a:t>
             </a:r>
             <a:r>
-              <a:rPr kumimoji="1" lang="en-US" altLang="ja-JP" smtClean="0"/>
+              <a:rPr lang="en-US" altLang="ja-JP" smtClean="0"/>
               <a:t>5 </a:t>
             </a:r>
             <a:r>
-              <a:rPr kumimoji="1" lang="ja-JP" altLang="en-US" smtClean="0"/>
+              <a:rPr lang="ja-JP" altLang="en-US" smtClean="0"/>
               <a:t>レベル</a:t>
             </a:r>
-            <a:endParaRPr kumimoji="1" lang="ja-JP" altLang="en-US"/>
-          </a:p>
-        </p:txBody>
-      </p:sp>
-      <p:sp>
-        <p:nvSpPr>
-          <p:cNvPr id="4" name="テキスト プレースホルダー 3"/>
-          <p:cNvSpPr>
-            <a:spLocks noGrp="1"/>
-          </p:cNvSpPr>
-          <p:nvPr>
-            <p:ph type="body" sz="half" idx="2"/>
-          </p:nvPr>
-        </p:nvSpPr>
-        <p:spPr>
-          <a:xfrm>
-            <a:off x="457200" y="1435100"/>
-            <a:ext cx="3008313" cy="4691063"/>
-          </a:xfrm>
-        </p:spPr>
-        <p:txBody>
-          <a:bodyPr/>
-          <a:lstStyle>
-            <a:lvl1pPr marL="0" indent="0">
-              <a:buNone/>
-              <a:defRPr sz="1400"/>
-            </a:lvl1pPr>
-            <a:lvl2pPr marL="457200" indent="0">
-              <a:buNone/>
-              <a:defRPr sz="1200"/>
-            </a:lvl2pPr>
-            <a:lvl3pPr marL="914400" indent="0">
-              <a:buNone/>
-              <a:defRPr sz="1000"/>
-            </a:lvl3pPr>
-            <a:lvl4pPr marL="1371600" indent="0">
-              <a:buNone/>
-              <a:defRPr sz="900"/>
-            </a:lvl4pPr>
-            <a:lvl5pPr marL="1828800" indent="0">
-              <a:buNone/>
-              <a:defRPr sz="900"/>
-            </a:lvl5pPr>
-            <a:lvl6pPr marL="2286000" indent="0">
-              <a:buNone/>
-              <a:defRPr sz="900"/>
-            </a:lvl6pPr>
-            <a:lvl7pPr marL="2743200" indent="0">
-              <a:buNone/>
-              <a:defRPr sz="900"/>
-            </a:lvl7pPr>
-            <a:lvl8pPr marL="3200400" indent="0">
-              <a:buNone/>
-              <a:defRPr sz="900"/>
-            </a:lvl8pPr>
-            <a:lvl9pPr marL="3657600" indent="0">
-              <a:buNone/>
-              <a:defRPr sz="900"/>
-            </a:lvl9pPr>
-          </a:lstStyle>
-          <a:p>
-            <a:pPr lvl="0"/>
-            <a:r>
-              <a:rPr kumimoji="1" lang="ja-JP" altLang="en-US" smtClean="0"/>
-              <a:t>マスター テキストの書式設定</a:t>
-            </a:r>
+            <a:endParaRPr kumimoji="0" lang="en-US"/>
           </a:p>
         </p:txBody>
       </p:sp>
@@ -2618,11 +3586,6 @@
         </p:txBody>
       </p:sp>
     </p:spTree>
-    <p:extLst>
-      <p:ext uri="{BB962C8B-B14F-4D97-AF65-F5344CB8AC3E}">
-        <p14:creationId xmlns:p14="http://schemas.microsoft.com/office/powerpoint/2010/main" val="689886900"/>
-      </p:ext>
-    </p:extLst>
   </p:cSld>
   <p:clrMapOvr>
     <a:masterClrMapping/>
@@ -2659,23 +3622,24 @@
         </p:nvSpPr>
         <p:spPr>
           <a:xfrm>
-            <a:off x="1792288" y="4800600"/>
-            <a:ext cx="5486400" cy="566738"/>
+            <a:off x="5440434" y="1109160"/>
+            <a:ext cx="586803" cy="4681637"/>
           </a:xfrm>
         </p:spPr>
         <p:txBody>
-          <a:bodyPr anchor="b"/>
+          <a:bodyPr vert="vert270" lIns="45720" tIns="0" rIns="45720" anchor="t"/>
           <a:lstStyle>
-            <a:lvl1pPr algn="l">
+            <a:lvl1pPr algn="ctr">
+              <a:buNone/>
               <a:defRPr sz="2000" b="1"/>
             </a:lvl1pPr>
           </a:lstStyle>
           <a:p>
             <a:r>
-              <a:rPr kumimoji="1" lang="ja-JP" altLang="en-US" smtClean="0"/>
+              <a:rPr kumimoji="0" lang="ja-JP" altLang="en-US" smtClean="0"/>
               <a:t>マスター タイトルの書式設定</a:t>
             </a:r>
-            <a:endParaRPr kumimoji="1" lang="ja-JP" altLang="en-US"/>
+            <a:endParaRPr kumimoji="0" lang="en-US"/>
           </a:p>
         </p:txBody>
       </p:sp>
@@ -2691,9 +3655,37 @@
         </p:nvSpPr>
         <p:spPr>
           <a:xfrm>
-            <a:off x="1792288" y="612775"/>
-            <a:ext cx="5486400" cy="4114800"/>
+            <a:off x="403671" y="1143000"/>
+            <a:ext cx="4572000" cy="4572000"/>
           </a:xfrm>
+          <a:solidFill>
+            <a:srgbClr val="EAEAEA"/>
+          </a:solidFill>
+          <a:ln w="50800">
+            <a:solidFill>
+              <a:srgbClr val="FFFFFF"/>
+            </a:solidFill>
+            <a:miter lim="800000"/>
+          </a:ln>
+          <a:effectLst>
+            <a:outerShdw blurRad="57150" dist="31750" dir="4800000" algn="tl" rotWithShape="0">
+              <a:srgbClr val="000000">
+                <a:alpha val="25000"/>
+              </a:srgbClr>
+            </a:outerShdw>
+          </a:effectLst>
+          <a:scene3d>
+            <a:camera prst="orthographicFront"/>
+            <a:lightRig rig="twoPt" dir="t">
+              <a:rot lat="0" lon="0" rev="7200000"/>
+            </a:lightRig>
+          </a:scene3d>
+          <a:sp3d contourW="2540">
+            <a:bevelT w="25400" h="19050"/>
+            <a:contourClr>
+              <a:srgbClr val="AEAEAE"/>
+            </a:contourClr>
+          </a:sp3d>
         </p:spPr>
         <p:txBody>
           <a:bodyPr/>
@@ -2702,41 +3694,13 @@
               <a:buNone/>
               <a:defRPr sz="3200"/>
             </a:lvl1pPr>
-            <a:lvl2pPr marL="457200" indent="0">
-              <a:buNone/>
-              <a:defRPr sz="2800"/>
-            </a:lvl2pPr>
-            <a:lvl3pPr marL="914400" indent="0">
-              <a:buNone/>
-              <a:defRPr sz="2400"/>
-            </a:lvl3pPr>
-            <a:lvl4pPr marL="1371600" indent="0">
-              <a:buNone/>
-              <a:defRPr sz="2000"/>
-            </a:lvl4pPr>
-            <a:lvl5pPr marL="1828800" indent="0">
-              <a:buNone/>
-              <a:defRPr sz="2000"/>
-            </a:lvl5pPr>
-            <a:lvl6pPr marL="2286000" indent="0">
-              <a:buNone/>
-              <a:defRPr sz="2000"/>
-            </a:lvl6pPr>
-            <a:lvl7pPr marL="2743200" indent="0">
-              <a:buNone/>
-              <a:defRPr sz="2000"/>
-            </a:lvl7pPr>
-            <a:lvl8pPr marL="3200400" indent="0">
-              <a:buNone/>
-              <a:defRPr sz="2000"/>
-            </a:lvl8pPr>
-            <a:lvl9pPr marL="3657600" indent="0">
-              <a:buNone/>
-              <a:defRPr sz="2000"/>
-            </a:lvl9pPr>
           </a:lstStyle>
           <a:p>
-            <a:endParaRPr kumimoji="1" lang="ja-JP" altLang="en-US"/>
+            <a:r>
+              <a:rPr kumimoji="0" lang="ja-JP" altLang="en-US" smtClean="0"/>
+              <a:t>アイコンをクリックして図を追加</a:t>
+            </a:r>
+            <a:endParaRPr kumimoji="0" lang="en-US" dirty="0"/>
           </a:p>
         </p:txBody>
       </p:sp>
@@ -2752,54 +3716,49 @@
         </p:nvSpPr>
         <p:spPr>
           <a:xfrm>
-            <a:off x="1792288" y="5367338"/>
-            <a:ext cx="5486400" cy="804862"/>
+            <a:off x="6088443" y="3274308"/>
+            <a:ext cx="2590800" cy="2516489"/>
           </a:xfrm>
         </p:spPr>
         <p:txBody>
-          <a:bodyPr/>
+          <a:bodyPr lIns="0" tIns="0" rIns="45720" anchor="t"/>
           <a:lstStyle>
             <a:lvl1pPr marL="0" indent="0">
+              <a:lnSpc>
+                <a:spcPct val="100000"/>
+              </a:lnSpc>
+              <a:spcBef>
+                <a:spcPts val="0"/>
+              </a:spcBef>
+              <a:buFontTx/>
               <a:buNone/>
-              <a:defRPr sz="1400"/>
+              <a:defRPr sz="1300"/>
             </a:lvl1pPr>
-            <a:lvl2pPr marL="457200" indent="0">
+            <a:lvl2pPr>
+              <a:buFontTx/>
               <a:buNone/>
               <a:defRPr sz="1200"/>
             </a:lvl2pPr>
-            <a:lvl3pPr marL="914400" indent="0">
+            <a:lvl3pPr>
+              <a:buFontTx/>
               <a:buNone/>
               <a:defRPr sz="1000"/>
             </a:lvl3pPr>
-            <a:lvl4pPr marL="1371600" indent="0">
+            <a:lvl4pPr>
+              <a:buFontTx/>
               <a:buNone/>
               <a:defRPr sz="900"/>
             </a:lvl4pPr>
-            <a:lvl5pPr marL="1828800" indent="0">
+            <a:lvl5pPr>
+              <a:buFontTx/>
               <a:buNone/>
               <a:defRPr sz="900"/>
             </a:lvl5pPr>
-            <a:lvl6pPr marL="2286000" indent="0">
-              <a:buNone/>
-              <a:defRPr sz="900"/>
-            </a:lvl6pPr>
-            <a:lvl7pPr marL="2743200" indent="0">
-              <a:buNone/>
-              <a:defRPr sz="900"/>
-            </a:lvl7pPr>
-            <a:lvl8pPr marL="3200400" indent="0">
-              <a:buNone/>
-              <a:defRPr sz="900"/>
-            </a:lvl8pPr>
-            <a:lvl9pPr marL="3657600" indent="0">
-              <a:buNone/>
-              <a:defRPr sz="900"/>
-            </a:lvl9pPr>
           </a:lstStyle>
           <a:p>
-            <a:pPr lvl="0"/>
-            <a:r>
-              <a:rPr kumimoji="1" lang="ja-JP" altLang="en-US" smtClean="0"/>
+            <a:pPr lvl="0" eaLnBrk="1" latinLnBrk="0" hangingPunct="1"/>
+            <a:r>
+              <a:rPr kumimoji="0" lang="ja-JP" altLang="en-US" smtClean="0"/>
               <a:t>マスター テキストの書式設定</a:t>
             </a:r>
           </a:p>
@@ -2871,11 +3830,6 @@
         </p:txBody>
       </p:sp>
     </p:spTree>
-    <p:extLst>
-      <p:ext uri="{BB962C8B-B14F-4D97-AF65-F5344CB8AC3E}">
-        <p14:creationId xmlns:p14="http://schemas.microsoft.com/office/powerpoint/2010/main" val="1702211997"/>
-      </p:ext>
-    </p:extLst>
   </p:cSld>
   <p:clrMapOvr>
     <a:masterClrMapping/>
@@ -2907,40 +3861,658 @@
       </p:grpSpPr>
       <p:sp>
         <p:nvSpPr>
-          <p:cNvPr id="2" name="タイトル プレースホルダー 1"/>
-          <p:cNvSpPr>
-            <a:spLocks noGrp="1"/>
-          </p:cNvSpPr>
-          <p:nvPr>
-            <p:ph type="title"/>
-          </p:nvPr>
+          <p:cNvPr id="28" name="正方形/長方形 27"/>
+          <p:cNvSpPr/>
+          <p:nvPr/>
         </p:nvSpPr>
         <p:spPr>
           <a:xfrm>
-            <a:off x="457200" y="274638"/>
-            <a:ext cx="8229600" cy="1143000"/>
+            <a:off x="1" y="366818"/>
+            <a:ext cx="9144000" cy="84407"/>
+          </a:xfrm>
+          <a:prstGeom prst="rect">
+            <a:avLst/>
+          </a:prstGeom>
+          <a:solidFill>
+            <a:schemeClr val="accent2">
+              <a:alpha val="50000"/>
+            </a:schemeClr>
+          </a:solidFill>
+          <a:ln w="50800" cap="rnd" cmpd="thickThin" algn="ctr">
+            <a:noFill/>
+            <a:prstDash val="solid"/>
+          </a:ln>
+          <a:effectLst/>
+        </p:spPr>
+        <p:style>
+          <a:lnRef idx="3">
+            <a:schemeClr val="lt1"/>
+          </a:lnRef>
+          <a:fillRef idx="1">
+            <a:schemeClr val="accent1"/>
+          </a:fillRef>
+          <a:effectRef idx="1">
+            <a:schemeClr val="accent1"/>
+          </a:effectRef>
+          <a:fontRef idx="minor">
+            <a:schemeClr val="lt1"/>
+          </a:fontRef>
+        </p:style>
+        <p:txBody>
+          <a:bodyPr anchor="ctr"/>
+          <a:lstStyle/>
+          <a:p>
+            <a:pPr algn="ctr" eaLnBrk="1" latinLnBrk="0" hangingPunct="1"/>
+            <a:endParaRPr kumimoji="0" lang="en-US"/>
+          </a:p>
+        </p:txBody>
+      </p:sp>
+      <p:sp>
+        <p:nvSpPr>
+          <p:cNvPr id="29" name="正方形/長方形 28"/>
+          <p:cNvSpPr/>
+          <p:nvPr/>
+        </p:nvSpPr>
+        <p:spPr>
+          <a:xfrm>
+            <a:off x="0" y="-1"/>
+            <a:ext cx="9144000" cy="310663"/>
+          </a:xfrm>
+          <a:prstGeom prst="rect">
+            <a:avLst/>
+          </a:prstGeom>
+          <a:solidFill>
+            <a:schemeClr val="tx2">
+              <a:alpha val="100000"/>
+            </a:schemeClr>
+          </a:solidFill>
+          <a:ln w="50800" cap="rnd" cmpd="thickThin" algn="ctr">
+            <a:noFill/>
+            <a:prstDash val="solid"/>
+          </a:ln>
+          <a:effectLst/>
+        </p:spPr>
+        <p:style>
+          <a:lnRef idx="3">
+            <a:schemeClr val="lt1"/>
+          </a:lnRef>
+          <a:fillRef idx="1">
+            <a:schemeClr val="accent1"/>
+          </a:fillRef>
+          <a:effectRef idx="1">
+            <a:schemeClr val="accent1"/>
+          </a:effectRef>
+          <a:fontRef idx="minor">
+            <a:schemeClr val="lt1"/>
+          </a:fontRef>
+        </p:style>
+        <p:txBody>
+          <a:bodyPr anchor="ctr"/>
+          <a:lstStyle/>
+          <a:p>
+            <a:pPr algn="ctr" eaLnBrk="1" latinLnBrk="0" hangingPunct="1"/>
+            <a:endParaRPr kumimoji="0" lang="en-US"/>
+          </a:p>
+        </p:txBody>
+      </p:sp>
+      <p:sp>
+        <p:nvSpPr>
+          <p:cNvPr id="30" name="正方形/長方形 29"/>
+          <p:cNvSpPr/>
+          <p:nvPr/>
+        </p:nvSpPr>
+        <p:spPr>
+          <a:xfrm>
+            <a:off x="0" y="308276"/>
+            <a:ext cx="9144001" cy="91441"/>
+          </a:xfrm>
+          <a:prstGeom prst="rect">
+            <a:avLst/>
+          </a:prstGeom>
+          <a:solidFill>
+            <a:schemeClr val="accent2">
+              <a:alpha val="100000"/>
+            </a:schemeClr>
+          </a:solidFill>
+          <a:ln w="50800" cap="rnd" cmpd="thickThin" algn="ctr">
+            <a:noFill/>
+            <a:prstDash val="solid"/>
+          </a:ln>
+          <a:effectLst/>
+        </p:spPr>
+        <p:style>
+          <a:lnRef idx="3">
+            <a:schemeClr val="lt1"/>
+          </a:lnRef>
+          <a:fillRef idx="1">
+            <a:schemeClr val="accent1"/>
+          </a:fillRef>
+          <a:effectRef idx="1">
+            <a:schemeClr val="accent1"/>
+          </a:effectRef>
+          <a:fontRef idx="minor">
+            <a:schemeClr val="lt1"/>
+          </a:fontRef>
+        </p:style>
+        <p:txBody>
+          <a:bodyPr anchor="ctr"/>
+          <a:lstStyle/>
+          <a:p>
+            <a:pPr algn="ctr" eaLnBrk="1" latinLnBrk="0" hangingPunct="1"/>
+            <a:endParaRPr kumimoji="0" lang="en-US"/>
+          </a:p>
+        </p:txBody>
+      </p:sp>
+      <p:sp>
+        <p:nvSpPr>
+          <p:cNvPr id="31" name="正方形/長方形 30"/>
+          <p:cNvSpPr/>
+          <p:nvPr/>
+        </p:nvSpPr>
+        <p:spPr>
+          <a:xfrm flipV="1">
+            <a:off x="5410182" y="360246"/>
+            <a:ext cx="3733819" cy="91087"/>
+          </a:xfrm>
+          <a:prstGeom prst="rect">
+            <a:avLst/>
+          </a:prstGeom>
+          <a:solidFill>
+            <a:schemeClr val="accent2">
+              <a:alpha val="100000"/>
+            </a:schemeClr>
+          </a:solidFill>
+          <a:ln w="50800" cap="rnd" cmpd="thickThin" algn="ctr">
+            <a:noFill/>
+            <a:prstDash val="solid"/>
+          </a:ln>
+          <a:effectLst/>
+        </p:spPr>
+        <p:style>
+          <a:lnRef idx="3">
+            <a:schemeClr val="lt1"/>
+          </a:lnRef>
+          <a:fillRef idx="1">
+            <a:schemeClr val="accent1"/>
+          </a:fillRef>
+          <a:effectRef idx="1">
+            <a:schemeClr val="accent1"/>
+          </a:effectRef>
+          <a:fontRef idx="minor">
+            <a:schemeClr val="lt1"/>
+          </a:fontRef>
+        </p:style>
+        <p:txBody>
+          <a:bodyPr anchor="ctr"/>
+          <a:lstStyle/>
+          <a:p>
+            <a:pPr algn="ctr" eaLnBrk="1" latinLnBrk="0" hangingPunct="1"/>
+            <a:endParaRPr kumimoji="0" lang="en-US"/>
+          </a:p>
+        </p:txBody>
+      </p:sp>
+      <p:sp>
+        <p:nvSpPr>
+          <p:cNvPr id="32" name="正方形/長方形 31"/>
+          <p:cNvSpPr/>
+          <p:nvPr/>
+        </p:nvSpPr>
+        <p:spPr>
+          <a:xfrm flipV="1">
+            <a:off x="5410200" y="440112"/>
+            <a:ext cx="3733801" cy="180035"/>
+          </a:xfrm>
+          <a:prstGeom prst="rect">
+            <a:avLst/>
+          </a:prstGeom>
+          <a:solidFill>
+            <a:schemeClr val="accent2">
+              <a:alpha val="50000"/>
+            </a:schemeClr>
+          </a:solidFill>
+          <a:ln w="50800" cap="rnd" cmpd="thickThin" algn="ctr">
+            <a:noFill/>
+            <a:prstDash val="solid"/>
+          </a:ln>
+          <a:effectLst/>
+        </p:spPr>
+        <p:style>
+          <a:lnRef idx="3">
+            <a:schemeClr val="lt1"/>
+          </a:lnRef>
+          <a:fillRef idx="1">
+            <a:schemeClr val="accent1"/>
+          </a:fillRef>
+          <a:effectRef idx="1">
+            <a:schemeClr val="accent1"/>
+          </a:effectRef>
+          <a:fontRef idx="minor">
+            <a:schemeClr val="lt1"/>
+          </a:fontRef>
+        </p:style>
+        <p:txBody>
+          <a:bodyPr anchor="ctr"/>
+          <a:lstStyle/>
+          <a:p>
+            <a:pPr algn="ctr" eaLnBrk="1" latinLnBrk="0" hangingPunct="1"/>
+            <a:endParaRPr kumimoji="0" lang="en-US"/>
+          </a:p>
+        </p:txBody>
+      </p:sp>
+      <p:sp useBgFill="1">
+        <p:nvSpPr>
+          <p:cNvPr id="33" name="角丸四角形 32"/>
+          <p:cNvSpPr/>
+          <p:nvPr/>
+        </p:nvSpPr>
+        <p:spPr bwMode="white">
+          <a:xfrm>
+            <a:off x="5407339" y="497504"/>
+            <a:ext cx="3063240" cy="27432"/>
+          </a:xfrm>
+          <a:prstGeom prst="roundRect">
+            <a:avLst>
+              <a:gd name="adj" fmla="val 16667"/>
+            </a:avLst>
+          </a:prstGeom>
+          <a:ln w="50800" cap="rnd" cmpd="thickThin" algn="ctr">
+            <a:noFill/>
+            <a:prstDash val="solid"/>
+          </a:ln>
+          <a:effectLst/>
+        </p:spPr>
+        <p:style>
+          <a:lnRef idx="3">
+            <a:schemeClr val="lt1"/>
+          </a:lnRef>
+          <a:fillRef idx="1">
+            <a:schemeClr val="accent1"/>
+          </a:fillRef>
+          <a:effectRef idx="1">
+            <a:schemeClr val="accent1"/>
+          </a:effectRef>
+          <a:fontRef idx="minor">
+            <a:schemeClr val="lt1"/>
+          </a:fontRef>
+        </p:style>
+        <p:txBody>
+          <a:bodyPr anchor="ctr"/>
+          <a:lstStyle/>
+          <a:p>
+            <a:pPr algn="ctr" eaLnBrk="1" latinLnBrk="0" hangingPunct="1"/>
+            <a:endParaRPr kumimoji="0" lang="en-US"/>
+          </a:p>
+        </p:txBody>
+      </p:sp>
+      <p:sp useBgFill="1">
+        <p:nvSpPr>
+          <p:cNvPr id="34" name="角丸四角形 33"/>
+          <p:cNvSpPr/>
+          <p:nvPr/>
+        </p:nvSpPr>
+        <p:spPr bwMode="white">
+          <a:xfrm>
+            <a:off x="7373646" y="588943"/>
+            <a:ext cx="1600200" cy="36576"/>
+          </a:xfrm>
+          <a:prstGeom prst="roundRect">
+            <a:avLst>
+              <a:gd name="adj" fmla="val 16667"/>
+            </a:avLst>
+          </a:prstGeom>
+          <a:ln w="50800" cap="rnd" cmpd="thickThin" algn="ctr">
+            <a:noFill/>
+            <a:prstDash val="solid"/>
+          </a:ln>
+          <a:effectLst/>
+        </p:spPr>
+        <p:style>
+          <a:lnRef idx="3">
+            <a:schemeClr val="lt1"/>
+          </a:lnRef>
+          <a:fillRef idx="1">
+            <a:schemeClr val="accent1"/>
+          </a:fillRef>
+          <a:effectRef idx="1">
+            <a:schemeClr val="accent1"/>
+          </a:effectRef>
+          <a:fontRef idx="minor">
+            <a:schemeClr val="lt1"/>
+          </a:fontRef>
+        </p:style>
+        <p:txBody>
+          <a:bodyPr anchor="ctr"/>
+          <a:lstStyle/>
+          <a:p>
+            <a:pPr algn="ctr" eaLnBrk="1" latinLnBrk="0" hangingPunct="1"/>
+            <a:endParaRPr kumimoji="0" lang="en-US"/>
+          </a:p>
+        </p:txBody>
+      </p:sp>
+      <p:sp>
+        <p:nvSpPr>
+          <p:cNvPr id="35" name="正方形/長方形 34"/>
+          <p:cNvSpPr/>
+          <p:nvPr/>
+        </p:nvSpPr>
+        <p:spPr bwMode="invGray">
+          <a:xfrm>
+            <a:off x="9084966" y="-2001"/>
+            <a:ext cx="57626" cy="621792"/>
+          </a:xfrm>
+          <a:prstGeom prst="rect">
+            <a:avLst/>
+          </a:prstGeom>
+          <a:solidFill>
+            <a:srgbClr val="FFFFFF">
+              <a:alpha val="65098"/>
+            </a:srgbClr>
+          </a:solidFill>
+          <a:ln w="50800" cap="rnd" cmpd="thickThin" algn="ctr">
+            <a:noFill/>
+            <a:prstDash val="solid"/>
+          </a:ln>
+          <a:effectLst/>
+        </p:spPr>
+        <p:style>
+          <a:lnRef idx="3">
+            <a:schemeClr val="lt1"/>
+          </a:lnRef>
+          <a:fillRef idx="1">
+            <a:schemeClr val="accent1"/>
+          </a:fillRef>
+          <a:effectRef idx="1">
+            <a:schemeClr val="accent1"/>
+          </a:effectRef>
+          <a:fontRef idx="minor">
+            <a:schemeClr val="lt1"/>
+          </a:fontRef>
+        </p:style>
+        <p:txBody>
+          <a:bodyPr anchor="ctr"/>
+          <a:lstStyle/>
+          <a:p>
+            <a:pPr algn="ctr" eaLnBrk="1" latinLnBrk="0" hangingPunct="1"/>
+            <a:endParaRPr kumimoji="0" lang="en-US" dirty="0"/>
+          </a:p>
+        </p:txBody>
+      </p:sp>
+      <p:sp>
+        <p:nvSpPr>
+          <p:cNvPr id="36" name="正方形/長方形 35"/>
+          <p:cNvSpPr/>
+          <p:nvPr/>
+        </p:nvSpPr>
+        <p:spPr bwMode="invGray">
+          <a:xfrm>
+            <a:off x="9044481" y="-2001"/>
+            <a:ext cx="27432" cy="621792"/>
+          </a:xfrm>
+          <a:prstGeom prst="rect">
+            <a:avLst/>
+          </a:prstGeom>
+          <a:solidFill>
+            <a:srgbClr val="FFFFFF">
+              <a:alpha val="65098"/>
+            </a:srgbClr>
+          </a:solidFill>
+          <a:ln w="50800" cap="rnd" cmpd="thickThin" algn="ctr">
+            <a:noFill/>
+            <a:prstDash val="solid"/>
+          </a:ln>
+          <a:effectLst/>
+        </p:spPr>
+        <p:style>
+          <a:lnRef idx="3">
+            <a:schemeClr val="lt1"/>
+          </a:lnRef>
+          <a:fillRef idx="1">
+            <a:schemeClr val="accent1"/>
+          </a:fillRef>
+          <a:effectRef idx="1">
+            <a:schemeClr val="accent1"/>
+          </a:effectRef>
+          <a:fontRef idx="minor">
+            <a:schemeClr val="lt1"/>
+          </a:fontRef>
+        </p:style>
+        <p:txBody>
+          <a:bodyPr anchor="ctr"/>
+          <a:lstStyle/>
+          <a:p>
+            <a:pPr algn="ctr" eaLnBrk="1" latinLnBrk="0" hangingPunct="1"/>
+            <a:endParaRPr kumimoji="0" lang="en-US" dirty="0"/>
+          </a:p>
+        </p:txBody>
+      </p:sp>
+      <p:sp>
+        <p:nvSpPr>
+          <p:cNvPr id="37" name="正方形/長方形 36"/>
+          <p:cNvSpPr/>
+          <p:nvPr/>
+        </p:nvSpPr>
+        <p:spPr bwMode="invGray">
+          <a:xfrm>
+            <a:off x="9025428" y="-2001"/>
+            <a:ext cx="9144" cy="621792"/>
+          </a:xfrm>
+          <a:prstGeom prst="rect">
+            <a:avLst/>
+          </a:prstGeom>
+          <a:solidFill>
+            <a:srgbClr val="FFFFFF">
+              <a:alpha val="60000"/>
+            </a:srgbClr>
+          </a:solidFill>
+          <a:ln w="50800" cap="rnd" cmpd="thickThin" algn="ctr">
+            <a:noFill/>
+            <a:prstDash val="solid"/>
+          </a:ln>
+          <a:effectLst/>
+        </p:spPr>
+        <p:style>
+          <a:lnRef idx="3">
+            <a:schemeClr val="lt1"/>
+          </a:lnRef>
+          <a:fillRef idx="1">
+            <a:schemeClr val="accent1"/>
+          </a:fillRef>
+          <a:effectRef idx="1">
+            <a:schemeClr val="accent1"/>
+          </a:effectRef>
+          <a:fontRef idx="minor">
+            <a:schemeClr val="lt1"/>
+          </a:fontRef>
+        </p:style>
+        <p:txBody>
+          <a:bodyPr anchor="ctr"/>
+          <a:lstStyle/>
+          <a:p>
+            <a:pPr algn="ctr" eaLnBrk="1" latinLnBrk="0" hangingPunct="1"/>
+            <a:endParaRPr kumimoji="0" lang="en-US"/>
+          </a:p>
+        </p:txBody>
+      </p:sp>
+      <p:sp>
+        <p:nvSpPr>
+          <p:cNvPr id="38" name="正方形/長方形 37"/>
+          <p:cNvSpPr/>
+          <p:nvPr/>
+        </p:nvSpPr>
+        <p:spPr bwMode="invGray">
+          <a:xfrm>
+            <a:off x="8975423" y="-2001"/>
+            <a:ext cx="27432" cy="621792"/>
+          </a:xfrm>
+          <a:prstGeom prst="rect">
+            <a:avLst/>
+          </a:prstGeom>
+          <a:solidFill>
+            <a:srgbClr val="FFFFFF">
+              <a:alpha val="40000"/>
+            </a:srgbClr>
+          </a:solidFill>
+          <a:ln w="50800" cap="rnd" cmpd="thickThin" algn="ctr">
+            <a:noFill/>
+            <a:prstDash val="solid"/>
+          </a:ln>
+          <a:effectLst/>
+        </p:spPr>
+        <p:style>
+          <a:lnRef idx="3">
+            <a:schemeClr val="lt1"/>
+          </a:lnRef>
+          <a:fillRef idx="1">
+            <a:schemeClr val="accent1"/>
+          </a:fillRef>
+          <a:effectRef idx="1">
+            <a:schemeClr val="accent1"/>
+          </a:effectRef>
+          <a:fontRef idx="minor">
+            <a:schemeClr val="lt1"/>
+          </a:fontRef>
+        </p:style>
+        <p:txBody>
+          <a:bodyPr anchor="ctr"/>
+          <a:lstStyle/>
+          <a:p>
+            <a:pPr algn="ctr" eaLnBrk="1" latinLnBrk="0" hangingPunct="1"/>
+            <a:endParaRPr kumimoji="0" lang="en-US"/>
+          </a:p>
+        </p:txBody>
+      </p:sp>
+      <p:sp>
+        <p:nvSpPr>
+          <p:cNvPr id="39" name="正方形/長方形 38"/>
+          <p:cNvSpPr/>
+          <p:nvPr/>
+        </p:nvSpPr>
+        <p:spPr bwMode="invGray">
+          <a:xfrm>
+            <a:off x="8915677" y="380"/>
+            <a:ext cx="54864" cy="585216"/>
+          </a:xfrm>
+          <a:prstGeom prst="rect">
+            <a:avLst/>
+          </a:prstGeom>
+          <a:solidFill>
+            <a:srgbClr val="FFFFFF">
+              <a:alpha val="20000"/>
+            </a:srgbClr>
+          </a:solidFill>
+          <a:ln w="50800" cap="rnd" cmpd="thickThin" algn="ctr">
+            <a:noFill/>
+            <a:prstDash val="solid"/>
+          </a:ln>
+          <a:effectLst/>
+        </p:spPr>
+        <p:style>
+          <a:lnRef idx="3">
+            <a:schemeClr val="lt1"/>
+          </a:lnRef>
+          <a:fillRef idx="1">
+            <a:schemeClr val="accent1"/>
+          </a:fillRef>
+          <a:effectRef idx="1">
+            <a:schemeClr val="accent1"/>
+          </a:effectRef>
+          <a:fontRef idx="minor">
+            <a:schemeClr val="lt1"/>
+          </a:fontRef>
+        </p:style>
+        <p:txBody>
+          <a:bodyPr anchor="ctr"/>
+          <a:lstStyle/>
+          <a:p>
+            <a:pPr algn="ctr" eaLnBrk="1" latinLnBrk="0" hangingPunct="1"/>
+            <a:endParaRPr kumimoji="0" lang="en-US"/>
+          </a:p>
+        </p:txBody>
+      </p:sp>
+      <p:sp>
+        <p:nvSpPr>
+          <p:cNvPr id="40" name="正方形/長方形 39"/>
+          <p:cNvSpPr/>
+          <p:nvPr/>
+        </p:nvSpPr>
+        <p:spPr bwMode="invGray">
+          <a:xfrm>
+            <a:off x="8873475" y="380"/>
+            <a:ext cx="9144" cy="585216"/>
+          </a:xfrm>
+          <a:prstGeom prst="rect">
+            <a:avLst/>
+          </a:prstGeom>
+          <a:solidFill>
+            <a:srgbClr val="FFFFFF">
+              <a:alpha val="30196"/>
+            </a:srgbClr>
+          </a:solidFill>
+          <a:ln w="50800" cap="rnd" cmpd="thickThin" algn="ctr">
+            <a:noFill/>
+            <a:prstDash val="solid"/>
+          </a:ln>
+          <a:effectLst/>
+        </p:spPr>
+        <p:style>
+          <a:lnRef idx="3">
+            <a:schemeClr val="lt1"/>
+          </a:lnRef>
+          <a:fillRef idx="1">
+            <a:schemeClr val="accent1"/>
+          </a:fillRef>
+          <a:effectRef idx="1">
+            <a:schemeClr val="accent1"/>
+          </a:effectRef>
+          <a:fontRef idx="minor">
+            <a:schemeClr val="lt1"/>
+          </a:fontRef>
+        </p:style>
+        <p:txBody>
+          <a:bodyPr anchor="ctr"/>
+          <a:lstStyle/>
+          <a:p>
+            <a:pPr algn="ctr" eaLnBrk="1" latinLnBrk="0" hangingPunct="1"/>
+            <a:endParaRPr kumimoji="0" lang="en-US" dirty="0"/>
+          </a:p>
+        </p:txBody>
+      </p:sp>
+      <p:sp>
+        <p:nvSpPr>
+          <p:cNvPr id="22" name="タイトル プレースホルダー 21"/>
+          <p:cNvSpPr>
+            <a:spLocks noGrp="1"/>
+          </p:cNvSpPr>
+          <p:nvPr>
+            <p:ph type="title"/>
+          </p:nvPr>
+        </p:nvSpPr>
+        <p:spPr>
+          <a:xfrm>
+            <a:off x="457200" y="1143000"/>
+            <a:ext cx="8229600" cy="1066800"/>
           </a:xfrm>
           <a:prstGeom prst="rect">
             <a:avLst/>
           </a:prstGeom>
         </p:spPr>
         <p:txBody>
-          <a:bodyPr vert="horz" lIns="91440" tIns="45720" rIns="91440" bIns="45720" rtlCol="0" anchor="ctr">
+          <a:bodyPr vert="horz" anchor="ctr">
             <a:normAutofit/>
           </a:bodyPr>
           <a:lstStyle/>
           <a:p>
             <a:r>
-              <a:rPr kumimoji="1" lang="ja-JP" altLang="en-US" smtClean="0"/>
+              <a:rPr kumimoji="0" lang="ja-JP" altLang="en-US" smtClean="0"/>
               <a:t>マスター タイトルの書式設定</a:t>
             </a:r>
-            <a:endParaRPr kumimoji="1" lang="ja-JP" altLang="en-US"/>
-          </a:p>
-        </p:txBody>
-      </p:sp>
-      <p:sp>
-        <p:nvSpPr>
-          <p:cNvPr id="3" name="テキスト プレースホルダー 2"/>
+            <a:endParaRPr kumimoji="0" lang="en-US"/>
+          </a:p>
+        </p:txBody>
+      </p:sp>
+      <p:sp>
+        <p:nvSpPr>
+          <p:cNvPr id="13" name="テキスト プレースホルダー 12"/>
           <p:cNvSpPr>
             <a:spLocks noGrp="1"/>
           </p:cNvSpPr>
@@ -2950,91 +4522,91 @@
         </p:nvSpPr>
         <p:spPr>
           <a:xfrm>
-            <a:off x="457200" y="1600200"/>
-            <a:ext cx="8229600" cy="4525963"/>
+            <a:off x="457200" y="2249424"/>
+            <a:ext cx="8229600" cy="4325112"/>
           </a:xfrm>
           <a:prstGeom prst="rect">
             <a:avLst/>
           </a:prstGeom>
         </p:spPr>
         <p:txBody>
-          <a:bodyPr vert="horz" lIns="91440" tIns="45720" rIns="91440" bIns="45720" rtlCol="0">
+          <a:bodyPr vert="horz">
             <a:normAutofit/>
           </a:bodyPr>
           <a:lstStyle/>
           <a:p>
-            <a:pPr lvl="0"/>
-            <a:r>
-              <a:rPr kumimoji="1" lang="ja-JP" altLang="en-US" smtClean="0"/>
+            <a:pPr lvl="0" eaLnBrk="1" latinLnBrk="0" hangingPunct="1"/>
+            <a:r>
+              <a:rPr kumimoji="0" lang="ja-JP" altLang="en-US" smtClean="0"/>
               <a:t>マスター テキストの書式設定</a:t>
             </a:r>
           </a:p>
           <a:p>
-            <a:pPr lvl="1"/>
-            <a:r>
-              <a:rPr kumimoji="1" lang="ja-JP" altLang="en-US" smtClean="0"/>
+            <a:pPr lvl="1" eaLnBrk="1" latinLnBrk="0" hangingPunct="1"/>
+            <a:r>
+              <a:rPr kumimoji="0" lang="ja-JP" altLang="en-US" smtClean="0"/>
               <a:t>第 </a:t>
             </a:r>
             <a:r>
-              <a:rPr kumimoji="1" lang="en-US" altLang="ja-JP" smtClean="0"/>
+              <a:rPr kumimoji="0" lang="en-US" altLang="ja-JP" smtClean="0"/>
               <a:t>2 </a:t>
             </a:r>
             <a:r>
-              <a:rPr kumimoji="1" lang="ja-JP" altLang="en-US" smtClean="0"/>
+              <a:rPr kumimoji="0" lang="ja-JP" altLang="en-US" smtClean="0"/>
               <a:t>レベル</a:t>
             </a:r>
           </a:p>
           <a:p>
-            <a:pPr lvl="2"/>
-            <a:r>
-              <a:rPr kumimoji="1" lang="ja-JP" altLang="en-US" smtClean="0"/>
+            <a:pPr lvl="2" eaLnBrk="1" latinLnBrk="0" hangingPunct="1"/>
+            <a:r>
+              <a:rPr kumimoji="0" lang="ja-JP" altLang="en-US" smtClean="0"/>
               <a:t>第 </a:t>
             </a:r>
             <a:r>
-              <a:rPr kumimoji="1" lang="en-US" altLang="ja-JP" smtClean="0"/>
+              <a:rPr kumimoji="0" lang="en-US" altLang="ja-JP" smtClean="0"/>
               <a:t>3 </a:t>
             </a:r>
             <a:r>
-              <a:rPr kumimoji="1" lang="ja-JP" altLang="en-US" smtClean="0"/>
+              <a:rPr kumimoji="0" lang="ja-JP" altLang="en-US" smtClean="0"/>
               <a:t>レベル</a:t>
             </a:r>
           </a:p>
           <a:p>
-            <a:pPr lvl="3"/>
-            <a:r>
-              <a:rPr kumimoji="1" lang="ja-JP" altLang="en-US" smtClean="0"/>
+            <a:pPr lvl="3" eaLnBrk="1" latinLnBrk="0" hangingPunct="1"/>
+            <a:r>
+              <a:rPr kumimoji="0" lang="ja-JP" altLang="en-US" smtClean="0"/>
               <a:t>第 </a:t>
             </a:r>
             <a:r>
-              <a:rPr kumimoji="1" lang="en-US" altLang="ja-JP" smtClean="0"/>
+              <a:rPr kumimoji="0" lang="en-US" altLang="ja-JP" smtClean="0"/>
               <a:t>4 </a:t>
             </a:r>
             <a:r>
-              <a:rPr kumimoji="1" lang="ja-JP" altLang="en-US" smtClean="0"/>
+              <a:rPr kumimoji="0" lang="ja-JP" altLang="en-US" smtClean="0"/>
               <a:t>レベル</a:t>
             </a:r>
           </a:p>
           <a:p>
-            <a:pPr lvl="4"/>
-            <a:r>
-              <a:rPr kumimoji="1" lang="ja-JP" altLang="en-US" smtClean="0"/>
+            <a:pPr lvl="4" eaLnBrk="1" latinLnBrk="0" hangingPunct="1"/>
+            <a:r>
+              <a:rPr kumimoji="0" lang="ja-JP" altLang="en-US" smtClean="0"/>
               <a:t>第 </a:t>
             </a:r>
             <a:r>
-              <a:rPr kumimoji="1" lang="en-US" altLang="ja-JP" smtClean="0"/>
+              <a:rPr kumimoji="0" lang="en-US" altLang="ja-JP" smtClean="0"/>
               <a:t>5 </a:t>
             </a:r>
             <a:r>
-              <a:rPr kumimoji="1" lang="ja-JP" altLang="en-US" smtClean="0"/>
+              <a:rPr kumimoji="0" lang="ja-JP" altLang="en-US" smtClean="0"/>
               <a:t>レベル</a:t>
             </a:r>
-            <a:endParaRPr kumimoji="1" lang="ja-JP" altLang="en-US"/>
-          </a:p>
-        </p:txBody>
-      </p:sp>
-      <p:sp>
-        <p:nvSpPr>
-          <p:cNvPr id="4" name="日付プレースホルダー 3"/>
+            <a:endParaRPr kumimoji="0" lang="en-US"/>
+          </a:p>
+        </p:txBody>
+      </p:sp>
+      <p:sp>
+        <p:nvSpPr>
+          <p:cNvPr id="14" name="日付プレースホルダー 13"/>
           <p:cNvSpPr>
             <a:spLocks noGrp="1"/>
           </p:cNvSpPr>
@@ -3044,22 +4616,20 @@
         </p:nvSpPr>
         <p:spPr>
           <a:xfrm>
-            <a:off x="457200" y="6356350"/>
-            <a:ext cx="2133600" cy="365125"/>
+            <a:off x="6586536" y="612648"/>
+            <a:ext cx="957264" cy="457200"/>
           </a:xfrm>
           <a:prstGeom prst="rect">
             <a:avLst/>
           </a:prstGeom>
         </p:spPr>
         <p:txBody>
-          <a:bodyPr vert="horz" lIns="91440" tIns="45720" rIns="91440" bIns="45720" rtlCol="0" anchor="ctr"/>
+          <a:bodyPr vert="horz"/>
           <a:lstStyle>
-            <a:lvl1pPr algn="l">
-              <a:defRPr sz="1200">
+            <a:lvl1pPr algn="l" eaLnBrk="1" latinLnBrk="0" hangingPunct="1">
+              <a:defRPr kumimoji="0" sz="800">
                 <a:solidFill>
-                  <a:schemeClr val="tx1">
-                    <a:tint val="75000"/>
-                  </a:schemeClr>
+                  <a:schemeClr val="accent2"/>
                 </a:solidFill>
               </a:defRPr>
             </a:lvl1pPr>
@@ -3075,7 +4645,7 @@
       </p:sp>
       <p:sp>
         <p:nvSpPr>
-          <p:cNvPr id="5" name="フッター プレースホルダー 4"/>
+          <p:cNvPr id="3" name="フッター プレースホルダー 2"/>
           <p:cNvSpPr>
             <a:spLocks noGrp="1"/>
           </p:cNvSpPr>
@@ -3085,22 +4655,20 @@
         </p:nvSpPr>
         <p:spPr>
           <a:xfrm>
-            <a:off x="3124200" y="6356350"/>
-            <a:ext cx="2895600" cy="365125"/>
+            <a:off x="5257800" y="612648"/>
+            <a:ext cx="1325880" cy="457200"/>
           </a:xfrm>
           <a:prstGeom prst="rect">
             <a:avLst/>
           </a:prstGeom>
         </p:spPr>
         <p:txBody>
-          <a:bodyPr vert="horz" lIns="91440" tIns="45720" rIns="91440" bIns="45720" rtlCol="0" anchor="ctr"/>
+          <a:bodyPr vert="horz"/>
           <a:lstStyle>
-            <a:lvl1pPr algn="ctr">
-              <a:defRPr sz="1200">
+            <a:lvl1pPr algn="r" eaLnBrk="1" latinLnBrk="0" hangingPunct="1">
+              <a:defRPr kumimoji="0" sz="800">
                 <a:solidFill>
-                  <a:schemeClr val="tx1">
-                    <a:tint val="75000"/>
-                  </a:schemeClr>
+                  <a:schemeClr val="accent2"/>
                 </a:solidFill>
               </a:defRPr>
             </a:lvl1pPr>
@@ -3112,7 +4680,7 @@
       </p:sp>
       <p:sp>
         <p:nvSpPr>
-          <p:cNvPr id="6" name="スライド番号プレースホルダー 5"/>
+          <p:cNvPr id="23" name="スライド番号プレースホルダー 22"/>
           <p:cNvSpPr>
             <a:spLocks noGrp="1"/>
           </p:cNvSpPr>
@@ -3122,22 +4690,20 @@
         </p:nvSpPr>
         <p:spPr>
           <a:xfrm>
-            <a:off x="6553200" y="6356350"/>
-            <a:ext cx="2133600" cy="365125"/>
+            <a:off x="8174736" y="2272"/>
+            <a:ext cx="762000" cy="365760"/>
           </a:xfrm>
           <a:prstGeom prst="rect">
             <a:avLst/>
           </a:prstGeom>
         </p:spPr>
         <p:txBody>
-          <a:bodyPr vert="horz" lIns="91440" tIns="45720" rIns="91440" bIns="45720" rtlCol="0" anchor="ctr"/>
+          <a:bodyPr vert="horz" anchor="b"/>
           <a:lstStyle>
-            <a:lvl1pPr algn="r">
-              <a:defRPr sz="1200">
+            <a:lvl1pPr algn="r" eaLnBrk="1" latinLnBrk="0" hangingPunct="1">
+              <a:defRPr kumimoji="0" sz="1800">
                 <a:solidFill>
-                  <a:schemeClr val="tx1">
-                    <a:tint val="75000"/>
-                  </a:schemeClr>
+                  <a:srgbClr val="FFFFFF"/>
                 </a:solidFill>
               </a:defRPr>
             </a:lvl1pPr>
@@ -3152,36 +4718,31 @@
         </p:txBody>
       </p:sp>
     </p:spTree>
-    <p:extLst>
-      <p:ext uri="{BB962C8B-B14F-4D97-AF65-F5344CB8AC3E}">
-        <p14:creationId xmlns:p14="http://schemas.microsoft.com/office/powerpoint/2010/main" val="2643895784"/>
-      </p:ext>
-    </p:extLst>
   </p:cSld>
   <p:clrMap bg1="lt1" tx1="dk1" bg2="lt2" tx2="dk2" accent1="accent1" accent2="accent2" accent3="accent3" accent4="accent4" accent5="accent5" accent6="accent6" hlink="hlink" folHlink="folHlink"/>
   <p:sldLayoutIdLst>
-    <p:sldLayoutId id="2147483649" r:id="rId1"/>
-    <p:sldLayoutId id="2147483650" r:id="rId2"/>
-    <p:sldLayoutId id="2147483651" r:id="rId3"/>
-    <p:sldLayoutId id="2147483652" r:id="rId4"/>
-    <p:sldLayoutId id="2147483653" r:id="rId5"/>
-    <p:sldLayoutId id="2147483654" r:id="rId6"/>
-    <p:sldLayoutId id="2147483655" r:id="rId7"/>
-    <p:sldLayoutId id="2147483656" r:id="rId8"/>
-    <p:sldLayoutId id="2147483657" r:id="rId9"/>
-    <p:sldLayoutId id="2147483658" r:id="rId10"/>
-    <p:sldLayoutId id="2147483659" r:id="rId11"/>
+    <p:sldLayoutId id="2147483733" r:id="rId1"/>
+    <p:sldLayoutId id="2147483734" r:id="rId2"/>
+    <p:sldLayoutId id="2147483735" r:id="rId3"/>
+    <p:sldLayoutId id="2147483736" r:id="rId4"/>
+    <p:sldLayoutId id="2147483737" r:id="rId5"/>
+    <p:sldLayoutId id="2147483738" r:id="rId6"/>
+    <p:sldLayoutId id="2147483739" r:id="rId7"/>
+    <p:sldLayoutId id="2147483740" r:id="rId8"/>
+    <p:sldLayoutId id="2147483741" r:id="rId9"/>
+    <p:sldLayoutId id="2147483742" r:id="rId10"/>
+    <p:sldLayoutId id="2147483743" r:id="rId11"/>
   </p:sldLayoutIdLst>
   <p:txStyles>
     <p:titleStyle>
-      <a:lvl1pPr algn="ctr" defTabSz="914400" rtl="0" eaLnBrk="1" latinLnBrk="0" hangingPunct="1">
+      <a:lvl1pPr algn="l" rtl="0" eaLnBrk="1" latinLnBrk="0" hangingPunct="1">
         <a:spcBef>
           <a:spcPct val="0"/>
         </a:spcBef>
         <a:buNone/>
-        <a:defRPr kumimoji="1" sz="4400" kern="1200">
+        <a:defRPr kumimoji="1" sz="4000" kern="1200">
           <a:solidFill>
-            <a:schemeClr val="tx1"/>
+            <a:schemeClr val="tx2"/>
           </a:solidFill>
           <a:latin typeface="+mj-lt"/>
           <a:ea typeface="+mj-ea"/>
@@ -3190,13 +4751,16 @@
       </a:lvl1pPr>
     </p:titleStyle>
     <p:bodyStyle>
-      <a:lvl1pPr marL="342900" indent="-342900" algn="l" defTabSz="914400" rtl="0" eaLnBrk="1" latinLnBrk="0" hangingPunct="1">
+      <a:lvl1pPr marL="365760" indent="-256032" algn="l" rtl="0" eaLnBrk="1" latinLnBrk="0" hangingPunct="1">
         <a:spcBef>
-          <a:spcPct val="20000"/>
+          <a:spcPts val="300"/>
         </a:spcBef>
-        <a:buFont typeface="Arial" panose="020B0604020202020204" pitchFamily="34" charset="0"/>
+        <a:buClr>
+          <a:schemeClr val="accent3"/>
+        </a:buClr>
+        <a:buFont typeface="Georgia"/>
         <a:buChar char="•"/>
-        <a:defRPr kumimoji="1" sz="3200" kern="1200">
+        <a:defRPr kumimoji="1" sz="2800" kern="1200">
           <a:solidFill>
             <a:schemeClr val="tx1"/>
           </a:solidFill>
@@ -3205,13 +4769,164 @@
           <a:cs typeface="+mn-cs"/>
         </a:defRPr>
       </a:lvl1pPr>
-      <a:lvl2pPr marL="742950" indent="-285750" algn="l" defTabSz="914400" rtl="0" eaLnBrk="1" latinLnBrk="0" hangingPunct="1">
+      <a:lvl2pPr marL="658368" indent="-246888" algn="l" rtl="0" eaLnBrk="1" latinLnBrk="0" hangingPunct="1">
         <a:spcBef>
-          <a:spcPct val="20000"/>
+          <a:spcPts val="300"/>
         </a:spcBef>
-        <a:buFont typeface="Arial" panose="020B0604020202020204" pitchFamily="34" charset="0"/>
-        <a:buChar char="–"/>
-        <a:defRPr kumimoji="1" sz="2800" kern="1200">
+        <a:buClr>
+          <a:schemeClr val="accent2"/>
+        </a:buClr>
+        <a:buFont typeface="Georgia"/>
+        <a:buChar char="▫"/>
+        <a:defRPr kumimoji="1" sz="2600" kern="1200">
+          <a:solidFill>
+            <a:schemeClr val="accent2"/>
+          </a:solidFill>
+          <a:latin typeface="+mn-lt"/>
+          <a:ea typeface="+mn-ea"/>
+          <a:cs typeface="+mn-cs"/>
+        </a:defRPr>
+      </a:lvl2pPr>
+      <a:lvl3pPr marL="923544" indent="-219456" algn="l" rtl="0" eaLnBrk="1" latinLnBrk="0" hangingPunct="1">
+        <a:spcBef>
+          <a:spcPts val="300"/>
+        </a:spcBef>
+        <a:buClr>
+          <a:schemeClr val="accent1"/>
+        </a:buClr>
+        <a:buFont typeface="Wingdings 2"/>
+        <a:buChar char=""/>
+        <a:defRPr kumimoji="1" sz="2400" kern="1200">
+          <a:solidFill>
+            <a:schemeClr val="accent1"/>
+          </a:solidFill>
+          <a:latin typeface="+mn-lt"/>
+          <a:ea typeface="+mn-ea"/>
+          <a:cs typeface="+mn-cs"/>
+        </a:defRPr>
+      </a:lvl3pPr>
+      <a:lvl4pPr marL="1179576" indent="-201168" algn="l" rtl="0" eaLnBrk="1" latinLnBrk="0" hangingPunct="1">
+        <a:spcBef>
+          <a:spcPts val="300"/>
+        </a:spcBef>
+        <a:buClr>
+          <a:schemeClr val="accent1"/>
+        </a:buClr>
+        <a:buFont typeface="Wingdings 2"/>
+        <a:buChar char=""/>
+        <a:defRPr kumimoji="1" sz="2200" kern="1200">
+          <a:solidFill>
+            <a:schemeClr val="accent1"/>
+          </a:solidFill>
+          <a:latin typeface="+mn-lt"/>
+          <a:ea typeface="+mn-ea"/>
+          <a:cs typeface="+mn-cs"/>
+        </a:defRPr>
+      </a:lvl4pPr>
+      <a:lvl5pPr marL="1389888" indent="-182880" algn="l" rtl="0" eaLnBrk="1" latinLnBrk="0" hangingPunct="1">
+        <a:spcBef>
+          <a:spcPts val="300"/>
+        </a:spcBef>
+        <a:buClr>
+          <a:schemeClr val="accent3"/>
+        </a:buClr>
+        <a:buFont typeface="Georgia"/>
+        <a:buChar char="▫"/>
+        <a:defRPr kumimoji="1" sz="2000" kern="1200">
+          <a:solidFill>
+            <a:schemeClr val="accent3"/>
+          </a:solidFill>
+          <a:latin typeface="+mn-lt"/>
+          <a:ea typeface="+mn-ea"/>
+          <a:cs typeface="+mn-cs"/>
+        </a:defRPr>
+      </a:lvl5pPr>
+      <a:lvl6pPr marL="1609344" indent="-182880" algn="l" rtl="0" eaLnBrk="1" latinLnBrk="0" hangingPunct="1">
+        <a:spcBef>
+          <a:spcPts val="300"/>
+        </a:spcBef>
+        <a:buClr>
+          <a:schemeClr val="accent3"/>
+        </a:buClr>
+        <a:buFont typeface="Georgia"/>
+        <a:buChar char="▫"/>
+        <a:defRPr kumimoji="1" sz="1800" kern="1200">
+          <a:solidFill>
+            <a:schemeClr val="accent3"/>
+          </a:solidFill>
+          <a:latin typeface="+mn-lt"/>
+          <a:ea typeface="+mn-ea"/>
+          <a:cs typeface="+mn-cs"/>
+        </a:defRPr>
+      </a:lvl6pPr>
+      <a:lvl7pPr marL="1828800" indent="-182880" algn="l" rtl="0" eaLnBrk="1" latinLnBrk="0" hangingPunct="1">
+        <a:spcBef>
+          <a:spcPts val="300"/>
+        </a:spcBef>
+        <a:buClr>
+          <a:schemeClr val="accent3"/>
+        </a:buClr>
+        <a:buFont typeface="Georgia"/>
+        <a:buChar char="▫"/>
+        <a:defRPr kumimoji="1" sz="1600" kern="1200">
+          <a:solidFill>
+            <a:schemeClr val="accent3"/>
+          </a:solidFill>
+          <a:latin typeface="+mn-lt"/>
+          <a:ea typeface="+mn-ea"/>
+          <a:cs typeface="+mn-cs"/>
+        </a:defRPr>
+      </a:lvl7pPr>
+      <a:lvl8pPr marL="2029968" indent="-182880" algn="l" rtl="0" eaLnBrk="1" latinLnBrk="0" hangingPunct="1">
+        <a:spcBef>
+          <a:spcPts val="300"/>
+        </a:spcBef>
+        <a:buClr>
+          <a:schemeClr val="accent3"/>
+        </a:buClr>
+        <a:buFont typeface="Georgia"/>
+        <a:buChar char="◦"/>
+        <a:defRPr kumimoji="1" sz="1500" kern="1200">
+          <a:solidFill>
+            <a:schemeClr val="accent3"/>
+          </a:solidFill>
+          <a:latin typeface="+mn-lt"/>
+          <a:ea typeface="+mn-ea"/>
+          <a:cs typeface="+mn-cs"/>
+        </a:defRPr>
+      </a:lvl8pPr>
+      <a:lvl9pPr marL="2240280" indent="-182880" algn="l" rtl="0" eaLnBrk="1" latinLnBrk="0" hangingPunct="1">
+        <a:spcBef>
+          <a:spcPts val="300"/>
+        </a:spcBef>
+        <a:buClr>
+          <a:schemeClr val="accent3"/>
+        </a:buClr>
+        <a:buFont typeface="Georgia"/>
+        <a:buChar char="◦"/>
+        <a:defRPr kumimoji="1" sz="1400" kern="1200" baseline="0">
+          <a:solidFill>
+            <a:schemeClr val="accent3"/>
+          </a:solidFill>
+          <a:latin typeface="+mn-lt"/>
+          <a:ea typeface="+mn-ea"/>
+          <a:cs typeface="+mn-cs"/>
+        </a:defRPr>
+      </a:lvl9pPr>
+    </p:bodyStyle>
+    <p:otherStyle>
+      <a:lvl1pPr marL="0" algn="l" rtl="0" eaLnBrk="1" latinLnBrk="0" hangingPunct="1">
+        <a:defRPr kumimoji="1" kern="1200">
+          <a:solidFill>
+            <a:schemeClr val="tx1"/>
+          </a:solidFill>
+          <a:latin typeface="+mn-lt"/>
+          <a:ea typeface="+mn-ea"/>
+          <a:cs typeface="+mn-cs"/>
+        </a:defRPr>
+      </a:lvl1pPr>
+      <a:lvl2pPr marL="457200" algn="l" rtl="0" eaLnBrk="1" latinLnBrk="0" hangingPunct="1">
+        <a:defRPr kumimoji="1" kern="1200">
           <a:solidFill>
             <a:schemeClr val="tx1"/>
           </a:solidFill>
@@ -3220,13 +4935,8 @@
           <a:cs typeface="+mn-cs"/>
         </a:defRPr>
       </a:lvl2pPr>
-      <a:lvl3pPr marL="1143000" indent="-228600" algn="l" defTabSz="914400" rtl="0" eaLnBrk="1" latinLnBrk="0" hangingPunct="1">
-        <a:spcBef>
-          <a:spcPct val="20000"/>
-        </a:spcBef>
-        <a:buFont typeface="Arial" panose="020B0604020202020204" pitchFamily="34" charset="0"/>
-        <a:buChar char="•"/>
-        <a:defRPr kumimoji="1" sz="2400" kern="1200">
+      <a:lvl3pPr marL="914400" algn="l" rtl="0" eaLnBrk="1" latinLnBrk="0" hangingPunct="1">
+        <a:defRPr kumimoji="1" kern="1200">
           <a:solidFill>
             <a:schemeClr val="tx1"/>
           </a:solidFill>
@@ -3235,13 +4945,8 @@
           <a:cs typeface="+mn-cs"/>
         </a:defRPr>
       </a:lvl3pPr>
-      <a:lvl4pPr marL="1600200" indent="-228600" algn="l" defTabSz="914400" rtl="0" eaLnBrk="1" latinLnBrk="0" hangingPunct="1">
-        <a:spcBef>
-          <a:spcPct val="20000"/>
-        </a:spcBef>
-        <a:buFont typeface="Arial" panose="020B0604020202020204" pitchFamily="34" charset="0"/>
-        <a:buChar char="–"/>
-        <a:defRPr kumimoji="1" sz="2000" kern="1200">
+      <a:lvl4pPr marL="1371600" algn="l" rtl="0" eaLnBrk="1" latinLnBrk="0" hangingPunct="1">
+        <a:defRPr kumimoji="1" kern="1200">
           <a:solidFill>
             <a:schemeClr val="tx1"/>
           </a:solidFill>
@@ -3250,13 +4955,8 @@
           <a:cs typeface="+mn-cs"/>
         </a:defRPr>
       </a:lvl4pPr>
-      <a:lvl5pPr marL="2057400" indent="-228600" algn="l" defTabSz="914400" rtl="0" eaLnBrk="1" latinLnBrk="0" hangingPunct="1">
-        <a:spcBef>
-          <a:spcPct val="20000"/>
-        </a:spcBef>
-        <a:buFont typeface="Arial" panose="020B0604020202020204" pitchFamily="34" charset="0"/>
-        <a:buChar char="»"/>
-        <a:defRPr kumimoji="1" sz="2000" kern="1200">
+      <a:lvl5pPr marL="1828800" algn="l" rtl="0" eaLnBrk="1" latinLnBrk="0" hangingPunct="1">
+        <a:defRPr kumimoji="1" kern="1200">
           <a:solidFill>
             <a:schemeClr val="tx1"/>
           </a:solidFill>
@@ -3265,13 +4965,8 @@
           <a:cs typeface="+mn-cs"/>
         </a:defRPr>
       </a:lvl5pPr>
-      <a:lvl6pPr marL="2514600" indent="-228600" algn="l" defTabSz="914400" rtl="0" eaLnBrk="1" latinLnBrk="0" hangingPunct="1">
-        <a:spcBef>
-          <a:spcPct val="20000"/>
-        </a:spcBef>
-        <a:buFont typeface="Arial" panose="020B0604020202020204" pitchFamily="34" charset="0"/>
-        <a:buChar char="•"/>
-        <a:defRPr kumimoji="1" sz="2000" kern="1200">
+      <a:lvl6pPr marL="2286000" algn="l" rtl="0" eaLnBrk="1" latinLnBrk="0" hangingPunct="1">
+        <a:defRPr kumimoji="1" kern="1200">
           <a:solidFill>
             <a:schemeClr val="tx1"/>
           </a:solidFill>
@@ -3280,13 +4975,8 @@
           <a:cs typeface="+mn-cs"/>
         </a:defRPr>
       </a:lvl6pPr>
-      <a:lvl7pPr marL="2971800" indent="-228600" algn="l" defTabSz="914400" rtl="0" eaLnBrk="1" latinLnBrk="0" hangingPunct="1">
-        <a:spcBef>
-          <a:spcPct val="20000"/>
-        </a:spcBef>
-        <a:buFont typeface="Arial" panose="020B0604020202020204" pitchFamily="34" charset="0"/>
-        <a:buChar char="•"/>
-        <a:defRPr kumimoji="1" sz="2000" kern="1200">
+      <a:lvl7pPr marL="2743200" algn="l" rtl="0" eaLnBrk="1" latinLnBrk="0" hangingPunct="1">
+        <a:defRPr kumimoji="1" kern="1200">
           <a:solidFill>
             <a:schemeClr val="tx1"/>
           </a:solidFill>
@@ -3295,13 +4985,8 @@
           <a:cs typeface="+mn-cs"/>
         </a:defRPr>
       </a:lvl7pPr>
-      <a:lvl8pPr marL="3429000" indent="-228600" algn="l" defTabSz="914400" rtl="0" eaLnBrk="1" latinLnBrk="0" hangingPunct="1">
-        <a:spcBef>
-          <a:spcPct val="20000"/>
-        </a:spcBef>
-        <a:buFont typeface="Arial" panose="020B0604020202020204" pitchFamily="34" charset="0"/>
-        <a:buChar char="•"/>
-        <a:defRPr kumimoji="1" sz="2000" kern="1200">
+      <a:lvl8pPr marL="3200400" algn="l" rtl="0" eaLnBrk="1" latinLnBrk="0" hangingPunct="1">
+        <a:defRPr kumimoji="1" kern="1200">
           <a:solidFill>
             <a:schemeClr val="tx1"/>
           </a:solidFill>
@@ -3310,108 +4995,8 @@
           <a:cs typeface="+mn-cs"/>
         </a:defRPr>
       </a:lvl8pPr>
-      <a:lvl9pPr marL="3886200" indent="-228600" algn="l" defTabSz="914400" rtl="0" eaLnBrk="1" latinLnBrk="0" hangingPunct="1">
-        <a:spcBef>
-          <a:spcPct val="20000"/>
-        </a:spcBef>
-        <a:buFont typeface="Arial" panose="020B0604020202020204" pitchFamily="34" charset="0"/>
-        <a:buChar char="•"/>
-        <a:defRPr kumimoji="1" sz="2000" kern="1200">
-          <a:solidFill>
-            <a:schemeClr val="tx1"/>
-          </a:solidFill>
-          <a:latin typeface="+mn-lt"/>
-          <a:ea typeface="+mn-ea"/>
-          <a:cs typeface="+mn-cs"/>
-        </a:defRPr>
-      </a:lvl9pPr>
-    </p:bodyStyle>
-    <p:otherStyle>
-      <a:defPPr>
-        <a:defRPr lang="ja-JP"/>
-      </a:defPPr>
-      <a:lvl1pPr marL="0" algn="l" defTabSz="914400" rtl="0" eaLnBrk="1" latinLnBrk="0" hangingPunct="1">
-        <a:defRPr kumimoji="1" sz="1800" kern="1200">
-          <a:solidFill>
-            <a:schemeClr val="tx1"/>
-          </a:solidFill>
-          <a:latin typeface="+mn-lt"/>
-          <a:ea typeface="+mn-ea"/>
-          <a:cs typeface="+mn-cs"/>
-        </a:defRPr>
-      </a:lvl1pPr>
-      <a:lvl2pPr marL="457200" algn="l" defTabSz="914400" rtl="0" eaLnBrk="1" latinLnBrk="0" hangingPunct="1">
-        <a:defRPr kumimoji="1" sz="1800" kern="1200">
-          <a:solidFill>
-            <a:schemeClr val="tx1"/>
-          </a:solidFill>
-          <a:latin typeface="+mn-lt"/>
-          <a:ea typeface="+mn-ea"/>
-          <a:cs typeface="+mn-cs"/>
-        </a:defRPr>
-      </a:lvl2pPr>
-      <a:lvl3pPr marL="914400" algn="l" defTabSz="914400" rtl="0" eaLnBrk="1" latinLnBrk="0" hangingPunct="1">
-        <a:defRPr kumimoji="1" sz="1800" kern="1200">
-          <a:solidFill>
-            <a:schemeClr val="tx1"/>
-          </a:solidFill>
-          <a:latin typeface="+mn-lt"/>
-          <a:ea typeface="+mn-ea"/>
-          <a:cs typeface="+mn-cs"/>
-        </a:defRPr>
-      </a:lvl3pPr>
-      <a:lvl4pPr marL="1371600" algn="l" defTabSz="914400" rtl="0" eaLnBrk="1" latinLnBrk="0" hangingPunct="1">
-        <a:defRPr kumimoji="1" sz="1800" kern="1200">
-          <a:solidFill>
-            <a:schemeClr val="tx1"/>
-          </a:solidFill>
-          <a:latin typeface="+mn-lt"/>
-          <a:ea typeface="+mn-ea"/>
-          <a:cs typeface="+mn-cs"/>
-        </a:defRPr>
-      </a:lvl4pPr>
-      <a:lvl5pPr marL="1828800" algn="l" defTabSz="914400" rtl="0" eaLnBrk="1" latinLnBrk="0" hangingPunct="1">
-        <a:defRPr kumimoji="1" sz="1800" kern="1200">
-          <a:solidFill>
-            <a:schemeClr val="tx1"/>
-          </a:solidFill>
-          <a:latin typeface="+mn-lt"/>
-          <a:ea typeface="+mn-ea"/>
-          <a:cs typeface="+mn-cs"/>
-        </a:defRPr>
-      </a:lvl5pPr>
-      <a:lvl6pPr marL="2286000" algn="l" defTabSz="914400" rtl="0" eaLnBrk="1" latinLnBrk="0" hangingPunct="1">
-        <a:defRPr kumimoji="1" sz="1800" kern="1200">
-          <a:solidFill>
-            <a:schemeClr val="tx1"/>
-          </a:solidFill>
-          <a:latin typeface="+mn-lt"/>
-          <a:ea typeface="+mn-ea"/>
-          <a:cs typeface="+mn-cs"/>
-        </a:defRPr>
-      </a:lvl6pPr>
-      <a:lvl7pPr marL="2743200" algn="l" defTabSz="914400" rtl="0" eaLnBrk="1" latinLnBrk="0" hangingPunct="1">
-        <a:defRPr kumimoji="1" sz="1800" kern="1200">
-          <a:solidFill>
-            <a:schemeClr val="tx1"/>
-          </a:solidFill>
-          <a:latin typeface="+mn-lt"/>
-          <a:ea typeface="+mn-ea"/>
-          <a:cs typeface="+mn-cs"/>
-        </a:defRPr>
-      </a:lvl7pPr>
-      <a:lvl8pPr marL="3200400" algn="l" defTabSz="914400" rtl="0" eaLnBrk="1" latinLnBrk="0" hangingPunct="1">
-        <a:defRPr kumimoji="1" sz="1800" kern="1200">
-          <a:solidFill>
-            <a:schemeClr val="tx1"/>
-          </a:solidFill>
-          <a:latin typeface="+mn-lt"/>
-          <a:ea typeface="+mn-ea"/>
-          <a:cs typeface="+mn-cs"/>
-        </a:defRPr>
-      </a:lvl8pPr>
-      <a:lvl9pPr marL="3657600" algn="l" defTabSz="914400" rtl="0" eaLnBrk="1" latinLnBrk="0" hangingPunct="1">
-        <a:defRPr kumimoji="1" sz="1800" kern="1200">
+      <a:lvl9pPr marL="3657600" algn="l" rtl="0" eaLnBrk="1" latinLnBrk="0" hangingPunct="1">
+        <a:defRPr kumimoji="1" kern="1200">
           <a:solidFill>
             <a:schemeClr val="tx1"/>
           </a:solidFill>
@@ -3454,7 +5039,9 @@
         </p:nvSpPr>
         <p:spPr/>
         <p:txBody>
-          <a:bodyPr/>
+          <a:bodyPr>
+            <a:normAutofit/>
+          </a:bodyPr>
           <a:lstStyle/>
           <a:p>
             <a:r>
@@ -3488,7 +5075,9 @@
         </p:nvSpPr>
         <p:spPr/>
         <p:txBody>
-          <a:bodyPr/>
+          <a:bodyPr>
+            <a:normAutofit/>
+          </a:bodyPr>
           <a:lstStyle/>
           <a:p>
             <a:r>
@@ -3499,10 +5088,10 @@
           </a:p>
           <a:p>
             <a:r>
-              <a:rPr lang="ja-JP" altLang="en-US" dirty="0"/>
+              <a:rPr lang="ja-JP" altLang="en-US" dirty="0" smtClean="0"/>
               <a:t>大橋校</a:t>
             </a:r>
-            <a:endParaRPr kumimoji="1" lang="ja-JP" altLang="en-US" dirty="0"/>
+            <a:endParaRPr lang="en-US" altLang="ja-JP" dirty="0" smtClean="0"/>
           </a:p>
         </p:txBody>
       </p:sp>
@@ -3553,7 +5142,7 @@
           <a:p>
             <a:r>
               <a:rPr kumimoji="1" lang="ja-JP" altLang="en-US" dirty="0" smtClean="0"/>
-              <a:t>就職の応募時に注意する事</a:t>
+              <a:t>学内求人の基準</a:t>
             </a:r>
             <a:endParaRPr kumimoji="1" lang="ja-JP" altLang="en-US" dirty="0"/>
           </a:p>
@@ -3581,7 +5170,7 @@
     </p:spTree>
     <p:extLst>
       <p:ext uri="{BB962C8B-B14F-4D97-AF65-F5344CB8AC3E}">
-        <p14:creationId xmlns:p14="http://schemas.microsoft.com/office/powerpoint/2010/main" val="1520507147"/>
+        <p14:creationId xmlns:p14="http://schemas.microsoft.com/office/powerpoint/2010/main" val="3506621631"/>
       </p:ext>
     </p:extLst>
   </p:cSld>
@@ -3620,44 +5209,46 @@
         </p:nvSpPr>
         <p:spPr/>
         <p:txBody>
+          <a:bodyPr>
+            <a:normAutofit/>
+          </a:bodyPr>
+          <a:lstStyle/>
+          <a:p>
+            <a:r>
+              <a:rPr kumimoji="1" lang="ja-JP" altLang="en-US" dirty="0" smtClean="0"/>
+              <a:t>学校求人応募の流れ</a:t>
+            </a:r>
+            <a:endParaRPr kumimoji="1" lang="ja-JP" altLang="en-US" dirty="0"/>
+          </a:p>
+        </p:txBody>
+      </p:sp>
+      <p:sp>
+        <p:nvSpPr>
+          <p:cNvPr id="3" name="コンテンツ プレースホルダー 2"/>
+          <p:cNvSpPr>
+            <a:spLocks noGrp="1"/>
+          </p:cNvSpPr>
+          <p:nvPr>
+            <p:ph idx="1"/>
+          </p:nvPr>
+        </p:nvSpPr>
+        <p:spPr/>
+        <p:txBody>
           <a:bodyPr/>
           <a:lstStyle/>
           <a:p>
             <a:r>
               <a:rPr kumimoji="1" lang="ja-JP" altLang="en-US" dirty="0" smtClean="0"/>
-              <a:t>早期出社について</a:t>
+              <a:t>応募から試験まで</a:t>
             </a:r>
             <a:endParaRPr kumimoji="1" lang="ja-JP" altLang="en-US" dirty="0"/>
-          </a:p>
-        </p:txBody>
-      </p:sp>
-      <p:sp>
-        <p:nvSpPr>
-          <p:cNvPr id="3" name="コンテンツ プレースホルダー 2"/>
-          <p:cNvSpPr>
-            <a:spLocks noGrp="1"/>
-          </p:cNvSpPr>
-          <p:nvPr>
-            <p:ph idx="1"/>
-          </p:nvPr>
-        </p:nvSpPr>
-        <p:spPr/>
-        <p:txBody>
-          <a:bodyPr/>
-          <a:lstStyle/>
-          <a:p>
-            <a:r>
-              <a:rPr kumimoji="1" lang="ja-JP" altLang="en-US" dirty="0" smtClean="0"/>
-              <a:t>早期出社はできない為、就職応募時に担任に相談する事。</a:t>
-            </a:r>
-            <a:endParaRPr kumimoji="1" lang="en-US" altLang="ja-JP" dirty="0" smtClean="0"/>
           </a:p>
         </p:txBody>
       </p:sp>
     </p:spTree>
     <p:extLst>
       <p:ext uri="{BB962C8B-B14F-4D97-AF65-F5344CB8AC3E}">
-        <p14:creationId xmlns:p14="http://schemas.microsoft.com/office/powerpoint/2010/main" val="1436563834"/>
+        <p14:creationId xmlns:p14="http://schemas.microsoft.com/office/powerpoint/2010/main" val="291963588"/>
       </p:ext>
     </p:extLst>
   </p:cSld>
@@ -3699,10 +5290,9 @@
           <a:bodyPr/>
           <a:lstStyle/>
           <a:p>
-            <a:pPr lvl="0"/>
             <a:r>
               <a:rPr kumimoji="1" lang="ja-JP" altLang="en-US" dirty="0" smtClean="0"/>
-              <a:t>証明書の発行期間・条件</a:t>
+              <a:t>学校求人応募の流れ（２）</a:t>
             </a:r>
             <a:endParaRPr kumimoji="1" lang="ja-JP" altLang="en-US" dirty="0"/>
           </a:p>
@@ -3725,31 +5315,16 @@
           <a:p>
             <a:r>
               <a:rPr kumimoji="1" lang="ja-JP" altLang="en-US" dirty="0" smtClean="0"/>
-              <a:t>発行に関する期間は最短</a:t>
-            </a:r>
-            <a:r>
-              <a:rPr kumimoji="1" lang="en-US" altLang="ja-JP" dirty="0" smtClean="0"/>
-              <a:t>1</a:t>
-            </a:r>
-            <a:r>
-              <a:rPr kumimoji="1" lang="ja-JP" altLang="en-US" dirty="0" smtClean="0"/>
-              <a:t>週間</a:t>
+              <a:t>内定後の処理</a:t>
             </a:r>
             <a:endParaRPr kumimoji="1" lang="en-US" altLang="ja-JP" dirty="0" smtClean="0"/>
-          </a:p>
-          <a:p>
-            <a:r>
-              <a:rPr kumimoji="1" lang="ja-JP" altLang="en-US" dirty="0" smtClean="0"/>
-              <a:t>学費が支払われている事</a:t>
-            </a:r>
-            <a:endParaRPr kumimoji="1" lang="ja-JP" altLang="en-US" dirty="0"/>
           </a:p>
         </p:txBody>
       </p:sp>
     </p:spTree>
     <p:extLst>
       <p:ext uri="{BB962C8B-B14F-4D97-AF65-F5344CB8AC3E}">
-        <p14:creationId xmlns:p14="http://schemas.microsoft.com/office/powerpoint/2010/main" val="4073903063"/>
+        <p14:creationId xmlns:p14="http://schemas.microsoft.com/office/powerpoint/2010/main" val="679332612"/>
       </p:ext>
     </p:extLst>
   </p:cSld>
@@ -3788,25 +5363,12 @@
         </p:nvSpPr>
         <p:spPr/>
         <p:txBody>
-          <a:bodyPr>
-            <a:normAutofit fontScale="90000"/>
-          </a:bodyPr>
+          <a:bodyPr/>
           <a:lstStyle/>
           <a:p>
             <a:r>
               <a:rPr kumimoji="1" lang="ja-JP" altLang="en-US" dirty="0" smtClean="0"/>
-              <a:t>書類の記入の仕方</a:t>
-            </a:r>
-            <a:r>
-              <a:rPr kumimoji="1" lang="en-US" altLang="ja-JP" dirty="0" smtClean="0"/>
-              <a:t/>
-            </a:r>
-            <a:br>
-              <a:rPr kumimoji="1" lang="en-US" altLang="ja-JP" dirty="0" smtClean="0"/>
-            </a:br>
-            <a:r>
-              <a:rPr kumimoji="1" lang="ja-JP" altLang="en-US" dirty="0" smtClean="0"/>
-              <a:t>証明書の申込</a:t>
+              <a:t>就職の応募時に注意する事</a:t>
             </a:r>
             <a:endParaRPr kumimoji="1" lang="ja-JP" altLang="en-US" dirty="0"/>
           </a:p>
@@ -3834,7 +5396,7 @@
     </p:spTree>
     <p:extLst>
       <p:ext uri="{BB962C8B-B14F-4D97-AF65-F5344CB8AC3E}">
-        <p14:creationId xmlns:p14="http://schemas.microsoft.com/office/powerpoint/2010/main" val="2308500024"/>
+        <p14:creationId xmlns:p14="http://schemas.microsoft.com/office/powerpoint/2010/main" val="1520507147"/>
       </p:ext>
     </p:extLst>
   </p:cSld>
@@ -3873,53 +5435,44 @@
         </p:nvSpPr>
         <p:spPr/>
         <p:txBody>
-          <a:bodyPr>
-            <a:normAutofit fontScale="90000"/>
-          </a:bodyPr>
+          <a:bodyPr/>
           <a:lstStyle/>
           <a:p>
             <a:r>
               <a:rPr kumimoji="1" lang="ja-JP" altLang="en-US" dirty="0" smtClean="0"/>
-              <a:t>書類の記入の仕方</a:t>
-            </a:r>
-            <a:r>
-              <a:rPr kumimoji="1" lang="en-US" altLang="ja-JP" dirty="0" smtClean="0"/>
-              <a:t/>
-            </a:r>
-            <a:br>
-              <a:rPr kumimoji="1" lang="en-US" altLang="ja-JP" dirty="0" smtClean="0"/>
-            </a:br>
+              <a:t>早期出社について</a:t>
+            </a:r>
+            <a:endParaRPr kumimoji="1" lang="ja-JP" altLang="en-US" dirty="0"/>
+          </a:p>
+        </p:txBody>
+      </p:sp>
+      <p:sp>
+        <p:nvSpPr>
+          <p:cNvPr id="3" name="コンテンツ プレースホルダー 2"/>
+          <p:cNvSpPr>
+            <a:spLocks noGrp="1"/>
+          </p:cNvSpPr>
+          <p:nvPr>
+            <p:ph idx="1"/>
+          </p:nvPr>
+        </p:nvSpPr>
+        <p:spPr/>
+        <p:txBody>
+          <a:bodyPr/>
+          <a:lstStyle/>
+          <a:p>
             <a:r>
               <a:rPr kumimoji="1" lang="ja-JP" altLang="en-US" dirty="0" smtClean="0"/>
-              <a:t>就職申込票</a:t>
-            </a:r>
-            <a:endParaRPr kumimoji="1" lang="ja-JP" altLang="en-US" dirty="0"/>
-          </a:p>
-        </p:txBody>
-      </p:sp>
-      <p:sp>
-        <p:nvSpPr>
-          <p:cNvPr id="3" name="コンテンツ プレースホルダー 2"/>
-          <p:cNvSpPr>
-            <a:spLocks noGrp="1"/>
-          </p:cNvSpPr>
-          <p:nvPr>
-            <p:ph idx="1"/>
-          </p:nvPr>
-        </p:nvSpPr>
-        <p:spPr/>
-        <p:txBody>
-          <a:bodyPr/>
-          <a:lstStyle/>
-          <a:p>
-            <a:endParaRPr kumimoji="1" lang="ja-JP" altLang="en-US"/>
+              <a:t>早期出社はできない為、就職応募時に担任に相談する事。</a:t>
+            </a:r>
+            <a:endParaRPr kumimoji="1" lang="en-US" altLang="ja-JP" dirty="0" smtClean="0"/>
           </a:p>
         </p:txBody>
       </p:sp>
     </p:spTree>
     <p:extLst>
       <p:ext uri="{BB962C8B-B14F-4D97-AF65-F5344CB8AC3E}">
-        <p14:creationId xmlns:p14="http://schemas.microsoft.com/office/powerpoint/2010/main" val="3255243437"/>
+        <p14:creationId xmlns:p14="http://schemas.microsoft.com/office/powerpoint/2010/main" val="1436563834"/>
       </p:ext>
     </p:extLst>
   </p:cSld>
@@ -3958,53 +5511,60 @@
         </p:nvSpPr>
         <p:spPr/>
         <p:txBody>
-          <a:bodyPr>
-            <a:normAutofit fontScale="90000"/>
-          </a:bodyPr>
-          <a:lstStyle/>
-          <a:p>
+          <a:bodyPr/>
+          <a:lstStyle/>
+          <a:p>
+            <a:pPr lvl="0"/>
             <a:r>
               <a:rPr kumimoji="1" lang="ja-JP" altLang="en-US" dirty="0" smtClean="0"/>
-              <a:t>書類の記入の仕方</a:t>
+              <a:t>証明書の発行期間・条件</a:t>
+            </a:r>
+            <a:endParaRPr kumimoji="1" lang="ja-JP" altLang="en-US" dirty="0"/>
+          </a:p>
+        </p:txBody>
+      </p:sp>
+      <p:sp>
+        <p:nvSpPr>
+          <p:cNvPr id="3" name="コンテンツ プレースホルダー 2"/>
+          <p:cNvSpPr>
+            <a:spLocks noGrp="1"/>
+          </p:cNvSpPr>
+          <p:nvPr>
+            <p:ph idx="1"/>
+          </p:nvPr>
+        </p:nvSpPr>
+        <p:spPr/>
+        <p:txBody>
+          <a:bodyPr/>
+          <a:lstStyle/>
+          <a:p>
+            <a:r>
+              <a:rPr kumimoji="1" lang="ja-JP" altLang="en-US" dirty="0" smtClean="0"/>
+              <a:t>発行に関する期間は最短</a:t>
             </a:r>
             <a:r>
               <a:rPr kumimoji="1" lang="en-US" altLang="ja-JP" dirty="0" smtClean="0"/>
-              <a:t/>
-            </a:r>
-            <a:br>
-              <a:rPr kumimoji="1" lang="en-US" altLang="ja-JP" dirty="0" smtClean="0"/>
-            </a:br>
+              <a:t>1</a:t>
+            </a:r>
             <a:r>
               <a:rPr kumimoji="1" lang="ja-JP" altLang="en-US" dirty="0" smtClean="0"/>
-              <a:t>履歴書の記入について</a:t>
+              <a:t>週間</a:t>
+            </a:r>
+            <a:endParaRPr kumimoji="1" lang="en-US" altLang="ja-JP" dirty="0" smtClean="0"/>
+          </a:p>
+          <a:p>
+            <a:r>
+              <a:rPr kumimoji="1" lang="ja-JP" altLang="en-US" dirty="0" smtClean="0"/>
+              <a:t>学費が支払われている事</a:t>
             </a:r>
             <a:endParaRPr kumimoji="1" lang="ja-JP" altLang="en-US" dirty="0"/>
-          </a:p>
-        </p:txBody>
-      </p:sp>
-      <p:sp>
-        <p:nvSpPr>
-          <p:cNvPr id="3" name="コンテンツ プレースホルダー 2"/>
-          <p:cNvSpPr>
-            <a:spLocks noGrp="1"/>
-          </p:cNvSpPr>
-          <p:nvPr>
-            <p:ph idx="1"/>
-          </p:nvPr>
-        </p:nvSpPr>
-        <p:spPr/>
-        <p:txBody>
-          <a:bodyPr/>
-          <a:lstStyle/>
-          <a:p>
-            <a:endParaRPr kumimoji="1" lang="ja-JP" altLang="en-US"/>
           </a:p>
         </p:txBody>
       </p:sp>
     </p:spTree>
     <p:extLst>
       <p:ext uri="{BB962C8B-B14F-4D97-AF65-F5344CB8AC3E}">
-        <p14:creationId xmlns:p14="http://schemas.microsoft.com/office/powerpoint/2010/main" val="3421337624"/>
+        <p14:creationId xmlns:p14="http://schemas.microsoft.com/office/powerpoint/2010/main" val="4073903063"/>
       </p:ext>
     </p:extLst>
   </p:cSld>
@@ -4050,7 +5610,7 @@
           <a:p>
             <a:r>
               <a:rPr kumimoji="1" lang="ja-JP" altLang="en-US" dirty="0" smtClean="0"/>
-              <a:t>就職の身だしなみ</a:t>
+              <a:t>書類の記入の仕方</a:t>
             </a:r>
             <a:r>
               <a:rPr kumimoji="1" lang="en-US" altLang="ja-JP" dirty="0" smtClean="0"/>
@@ -4061,7 +5621,7 @@
             </a:br>
             <a:r>
               <a:rPr kumimoji="1" lang="ja-JP" altLang="en-US" dirty="0" smtClean="0"/>
-              <a:t>服装・持ち物について</a:t>
+              <a:t>証明書の申込</a:t>
             </a:r>
             <a:endParaRPr kumimoji="1" lang="ja-JP" altLang="en-US" dirty="0"/>
           </a:p>
@@ -4089,7 +5649,7 @@
     </p:spTree>
     <p:extLst>
       <p:ext uri="{BB962C8B-B14F-4D97-AF65-F5344CB8AC3E}">
-        <p14:creationId xmlns:p14="http://schemas.microsoft.com/office/powerpoint/2010/main" val="751743570"/>
+        <p14:creationId xmlns:p14="http://schemas.microsoft.com/office/powerpoint/2010/main" val="2308500024"/>
       </p:ext>
     </p:extLst>
   </p:cSld>
@@ -4135,7 +5695,7 @@
           <a:p>
             <a:r>
               <a:rPr kumimoji="1" lang="ja-JP" altLang="en-US" dirty="0" smtClean="0"/>
-              <a:t>就職の身だしなみ</a:t>
+              <a:t>書類の記入の仕方</a:t>
             </a:r>
             <a:r>
               <a:rPr kumimoji="1" lang="en-US" altLang="ja-JP" dirty="0" smtClean="0"/>
@@ -4146,7 +5706,7 @@
             </a:br>
             <a:r>
               <a:rPr kumimoji="1" lang="ja-JP" altLang="en-US" dirty="0" smtClean="0"/>
-              <a:t>男子の服装</a:t>
+              <a:t>就職申込票</a:t>
             </a:r>
             <a:endParaRPr kumimoji="1" lang="ja-JP" altLang="en-US" dirty="0"/>
           </a:p>
@@ -4167,17 +5727,14 @@
           <a:bodyPr/>
           <a:lstStyle/>
           <a:p>
-            <a:pPr marL="0" indent="0">
-              <a:buNone/>
-            </a:pPr>
-            <a:endParaRPr kumimoji="1" lang="ja-JP" altLang="en-US" dirty="0"/>
+            <a:endParaRPr kumimoji="1" lang="ja-JP" altLang="en-US"/>
           </a:p>
         </p:txBody>
       </p:sp>
     </p:spTree>
     <p:extLst>
       <p:ext uri="{BB962C8B-B14F-4D97-AF65-F5344CB8AC3E}">
-        <p14:creationId xmlns:p14="http://schemas.microsoft.com/office/powerpoint/2010/main" val="1140429650"/>
+        <p14:creationId xmlns:p14="http://schemas.microsoft.com/office/powerpoint/2010/main" val="3255243437"/>
       </p:ext>
     </p:extLst>
   </p:cSld>
@@ -4223,7 +5780,7 @@
           <a:p>
             <a:r>
               <a:rPr kumimoji="1" lang="ja-JP" altLang="en-US" dirty="0" smtClean="0"/>
-              <a:t>就職の身だしなみ</a:t>
+              <a:t>書類の記入の仕方</a:t>
             </a:r>
             <a:r>
               <a:rPr kumimoji="1" lang="en-US" altLang="ja-JP" dirty="0" smtClean="0"/>
@@ -4234,7 +5791,7 @@
             </a:br>
             <a:r>
               <a:rPr kumimoji="1" lang="ja-JP" altLang="en-US" dirty="0" smtClean="0"/>
-              <a:t>女子の服装</a:t>
+              <a:t>履歴書の記入について</a:t>
             </a:r>
             <a:endParaRPr kumimoji="1" lang="ja-JP" altLang="en-US" dirty="0"/>
           </a:p>
@@ -4262,7 +5819,7 @@
     </p:spTree>
     <p:extLst>
       <p:ext uri="{BB962C8B-B14F-4D97-AF65-F5344CB8AC3E}">
-        <p14:creationId xmlns:p14="http://schemas.microsoft.com/office/powerpoint/2010/main" val="468214323"/>
+        <p14:creationId xmlns:p14="http://schemas.microsoft.com/office/powerpoint/2010/main" val="3421337624"/>
       </p:ext>
     </p:extLst>
   </p:cSld>
@@ -4301,12 +5858,25 @@
         </p:nvSpPr>
         <p:spPr/>
         <p:txBody>
-          <a:bodyPr/>
+          <a:bodyPr>
+            <a:normAutofit fontScale="90000"/>
+          </a:bodyPr>
           <a:lstStyle/>
           <a:p>
             <a:r>
               <a:rPr kumimoji="1" lang="ja-JP" altLang="en-US" dirty="0" smtClean="0"/>
               <a:t>就職の身だしなみ</a:t>
+            </a:r>
+            <a:r>
+              <a:rPr kumimoji="1" lang="en-US" altLang="ja-JP" dirty="0" smtClean="0"/>
+              <a:t/>
+            </a:r>
+            <a:br>
+              <a:rPr kumimoji="1" lang="en-US" altLang="ja-JP" dirty="0" smtClean="0"/>
+            </a:br>
+            <a:r>
+              <a:rPr kumimoji="1" lang="ja-JP" altLang="en-US" dirty="0" smtClean="0"/>
+              <a:t>服装・持ち物について</a:t>
             </a:r>
             <a:endParaRPr kumimoji="1" lang="ja-JP" altLang="en-US" dirty="0"/>
           </a:p>
@@ -4334,7 +5904,7 @@
     </p:spTree>
     <p:extLst>
       <p:ext uri="{BB962C8B-B14F-4D97-AF65-F5344CB8AC3E}">
-        <p14:creationId xmlns:p14="http://schemas.microsoft.com/office/powerpoint/2010/main" val="2135424682"/>
+        <p14:creationId xmlns:p14="http://schemas.microsoft.com/office/powerpoint/2010/main" val="751743570"/>
       </p:ext>
     </p:extLst>
   </p:cSld>
@@ -4373,42 +5943,382 @@
         </p:nvSpPr>
         <p:spPr/>
         <p:txBody>
-          <a:bodyPr>
-            <a:normAutofit/>
-          </a:bodyPr>
+          <a:bodyPr/>
           <a:lstStyle/>
           <a:p>
             <a:r>
               <a:rPr kumimoji="1" lang="ja-JP" altLang="en-US" dirty="0" smtClean="0"/>
-              <a:t>就職活動に意識について</a:t>
+              <a:t>就職指導週間スケジュール</a:t>
             </a:r>
             <a:endParaRPr kumimoji="1" lang="ja-JP" altLang="en-US" dirty="0"/>
           </a:p>
         </p:txBody>
       </p:sp>
-      <p:sp>
-        <p:nvSpPr>
-          <p:cNvPr id="3" name="コンテンツ プレースホルダー 2"/>
-          <p:cNvSpPr>
-            <a:spLocks noGrp="1"/>
-          </p:cNvSpPr>
+      <p:graphicFrame>
+        <p:nvGraphicFramePr>
+          <p:cNvPr id="4" name="コンテンツ プレースホルダー 3"/>
+          <p:cNvGraphicFramePr>
+            <a:graphicFrameLocks noGrp="1"/>
+          </p:cNvGraphicFramePr>
           <p:nvPr>
             <p:ph idx="1"/>
-          </p:nvPr>
-        </p:nvSpPr>
-        <p:spPr/>
+            <p:extLst>
+              <p:ext uri="{D42A27DB-BD31-4B8C-83A1-F6EECF244321}">
+                <p14:modId xmlns:p14="http://schemas.microsoft.com/office/powerpoint/2010/main" val="2462555972"/>
+              </p:ext>
+            </p:extLst>
+          </p:nvPr>
+        </p:nvGraphicFramePr>
+        <p:xfrm>
+          <a:off x="457200" y="2249488"/>
+          <a:ext cx="8229600" cy="1854200"/>
+        </p:xfrm>
+        <a:graphic>
+          <a:graphicData uri="http://schemas.openxmlformats.org/drawingml/2006/table">
+            <a:tbl>
+              <a:tblPr firstRow="1" bandRow="1">
+                <a:tableStyleId>{5C22544A-7EE6-4342-B048-85BDC9FD1C3A}</a:tableStyleId>
+              </a:tblPr>
+              <a:tblGrid>
+                <a:gridCol w="2057400"/>
+                <a:gridCol w="2057400"/>
+                <a:gridCol w="2057400"/>
+                <a:gridCol w="2057400"/>
+              </a:tblGrid>
+              <a:tr h="370840">
+                <a:tc>
+                  <a:txBody>
+                    <a:bodyPr/>
+                    <a:lstStyle/>
+                    <a:p>
+                      <a:pPr algn="ctr"/>
+                      <a:r>
+                        <a:rPr kumimoji="1" lang="ja-JP" altLang="en-US" dirty="0" smtClean="0"/>
+                        <a:t>日付</a:t>
+                      </a:r>
+                      <a:endParaRPr kumimoji="1" lang="ja-JP" altLang="en-US" dirty="0"/>
+                    </a:p>
+                  </a:txBody>
+                  <a:tcPr/>
+                </a:tc>
+                <a:tc>
+                  <a:txBody>
+                    <a:bodyPr/>
+                    <a:lstStyle/>
+                    <a:p>
+                      <a:pPr algn="ctr"/>
+                      <a:r>
+                        <a:rPr kumimoji="1" lang="ja-JP" altLang="en-US" dirty="0" smtClean="0"/>
+                        <a:t>２９日</a:t>
+                      </a:r>
+                      <a:endParaRPr kumimoji="1" lang="ja-JP" altLang="en-US" dirty="0"/>
+                    </a:p>
+                  </a:txBody>
+                  <a:tcPr/>
+                </a:tc>
+                <a:tc>
+                  <a:txBody>
+                    <a:bodyPr/>
+                    <a:lstStyle/>
+                    <a:p>
+                      <a:pPr algn="ctr"/>
+                      <a:r>
+                        <a:rPr kumimoji="1" lang="ja-JP" altLang="en-US" dirty="0" smtClean="0"/>
+                        <a:t>３０日</a:t>
+                      </a:r>
+                      <a:endParaRPr kumimoji="1" lang="ja-JP" altLang="en-US" dirty="0"/>
+                    </a:p>
+                  </a:txBody>
+                  <a:tcPr/>
+                </a:tc>
+                <a:tc>
+                  <a:txBody>
+                    <a:bodyPr/>
+                    <a:lstStyle/>
+                    <a:p>
+                      <a:pPr algn="ctr"/>
+                      <a:r>
+                        <a:rPr kumimoji="1" lang="ja-JP" altLang="en-US" dirty="0" smtClean="0"/>
+                        <a:t>３１日</a:t>
+                      </a:r>
+                      <a:endParaRPr kumimoji="1" lang="ja-JP" altLang="en-US" dirty="0"/>
+                    </a:p>
+                  </a:txBody>
+                  <a:tcPr/>
+                </a:tc>
+              </a:tr>
+              <a:tr h="370840">
+                <a:tc>
+                  <a:txBody>
+                    <a:bodyPr/>
+                    <a:lstStyle/>
+                    <a:p>
+                      <a:pPr algn="ctr"/>
+                      <a:r>
+                        <a:rPr kumimoji="1" lang="ja-JP" altLang="en-US" dirty="0" smtClean="0"/>
+                        <a:t>１時限目</a:t>
+                      </a:r>
+                      <a:endParaRPr kumimoji="1" lang="ja-JP" altLang="en-US" dirty="0"/>
+                    </a:p>
+                  </a:txBody>
+                  <a:tcPr/>
+                </a:tc>
+                <a:tc rowSpan="2">
+                  <a:txBody>
+                    <a:bodyPr/>
+                    <a:lstStyle/>
+                    <a:p>
+                      <a:pPr algn="ctr"/>
+                      <a:r>
+                        <a:rPr kumimoji="1" lang="ja-JP" altLang="en-US" dirty="0" smtClean="0"/>
+                        <a:t>概要（講義）</a:t>
+                      </a:r>
+                      <a:endParaRPr kumimoji="1" lang="ja-JP" altLang="en-US" dirty="0"/>
+                    </a:p>
+                  </a:txBody>
+                  <a:tcPr anchor="ctr"/>
+                </a:tc>
+                <a:tc rowSpan="2">
+                  <a:txBody>
+                    <a:bodyPr/>
+                    <a:lstStyle/>
+                    <a:p>
+                      <a:pPr algn="ctr"/>
+                      <a:r>
+                        <a:rPr kumimoji="1" lang="ja-JP" altLang="en-US" dirty="0" smtClean="0"/>
+                        <a:t>概要（講義）</a:t>
+                      </a:r>
+                      <a:endParaRPr kumimoji="1" lang="ja-JP" altLang="en-US" dirty="0"/>
+                    </a:p>
+                  </a:txBody>
+                  <a:tcPr anchor="ctr"/>
+                </a:tc>
+                <a:tc rowSpan="2">
+                  <a:txBody>
+                    <a:bodyPr/>
+                    <a:lstStyle/>
+                    <a:p>
+                      <a:pPr algn="ctr"/>
+                      <a:r>
+                        <a:rPr kumimoji="1" lang="ja-JP" altLang="en-US" dirty="0" smtClean="0"/>
+                        <a:t>面接について</a:t>
+                      </a:r>
+                      <a:endParaRPr kumimoji="1" lang="ja-JP" altLang="en-US" dirty="0"/>
+                    </a:p>
+                  </a:txBody>
+                  <a:tcPr anchor="ctr"/>
+                </a:tc>
+              </a:tr>
+              <a:tr h="370840">
+                <a:tc>
+                  <a:txBody>
+                    <a:bodyPr/>
+                    <a:lstStyle/>
+                    <a:p>
+                      <a:pPr algn="ctr"/>
+                      <a:r>
+                        <a:rPr kumimoji="1" lang="ja-JP" altLang="en-US" dirty="0" smtClean="0"/>
+                        <a:t>２時限目</a:t>
+                      </a:r>
+                      <a:endParaRPr kumimoji="1" lang="ja-JP" altLang="en-US" dirty="0"/>
+                    </a:p>
+                  </a:txBody>
+                  <a:tcPr/>
+                </a:tc>
+                <a:tc vMerge="1">
+                  <a:txBody>
+                    <a:bodyPr/>
+                    <a:lstStyle/>
+                    <a:p>
+                      <a:pPr algn="ctr"/>
+                      <a:endParaRPr kumimoji="1" lang="ja-JP" altLang="en-US" dirty="0"/>
+                    </a:p>
+                  </a:txBody>
+                  <a:tcPr/>
+                </a:tc>
+                <a:tc vMerge="1">
+                  <a:txBody>
+                    <a:bodyPr/>
+                    <a:lstStyle/>
+                    <a:p>
+                      <a:pPr algn="ctr"/>
+                      <a:endParaRPr kumimoji="1" lang="ja-JP" altLang="en-US" dirty="0"/>
+                    </a:p>
+                  </a:txBody>
+                  <a:tcPr anchor="ctr"/>
+                </a:tc>
+                <a:tc vMerge="1">
+                  <a:txBody>
+                    <a:bodyPr/>
+                    <a:lstStyle/>
+                    <a:p>
+                      <a:pPr algn="ctr"/>
+                      <a:endParaRPr kumimoji="1" lang="ja-JP" altLang="en-US" dirty="0"/>
+                    </a:p>
+                  </a:txBody>
+                  <a:tcPr anchor="ctr"/>
+                </a:tc>
+              </a:tr>
+              <a:tr h="370840">
+                <a:tc>
+                  <a:txBody>
+                    <a:bodyPr/>
+                    <a:lstStyle/>
+                    <a:p>
+                      <a:pPr algn="ctr"/>
+                      <a:r>
+                        <a:rPr kumimoji="1" lang="ja-JP" altLang="en-US" dirty="0" smtClean="0"/>
+                        <a:t>３時限目</a:t>
+                      </a:r>
+                      <a:endParaRPr kumimoji="1" lang="en-US" altLang="ja-JP" dirty="0" smtClean="0"/>
+                    </a:p>
+                  </a:txBody>
+                  <a:tcPr/>
+                </a:tc>
+                <a:tc rowSpan="2">
+                  <a:txBody>
+                    <a:bodyPr/>
+                    <a:lstStyle/>
+                    <a:p>
+                      <a:pPr algn="ctr"/>
+                      <a:r>
+                        <a:rPr kumimoji="1" lang="ja-JP" altLang="en-US" dirty="0" smtClean="0"/>
+                        <a:t>履歴書指導</a:t>
+                      </a:r>
+                      <a:endParaRPr kumimoji="1" lang="ja-JP" altLang="en-US" dirty="0"/>
+                    </a:p>
+                  </a:txBody>
+                  <a:tcPr anchor="ctr"/>
+                </a:tc>
+                <a:tc rowSpan="2">
+                  <a:txBody>
+                    <a:bodyPr/>
+                    <a:lstStyle/>
+                    <a:p>
+                      <a:pPr algn="ctr"/>
+                      <a:r>
+                        <a:rPr kumimoji="1" lang="ja-JP" altLang="en-US" dirty="0" smtClean="0"/>
+                        <a:t>履歴書指導</a:t>
+                      </a:r>
+                      <a:endParaRPr kumimoji="1" lang="en-US" altLang="ja-JP" dirty="0" smtClean="0"/>
+                    </a:p>
+                    <a:p>
+                      <a:pPr algn="ctr"/>
+                      <a:r>
+                        <a:rPr kumimoji="1" lang="ja-JP" altLang="en-US" dirty="0" smtClean="0"/>
+                        <a:t>就職志願表作成</a:t>
+                      </a:r>
+                      <a:endParaRPr kumimoji="1" lang="ja-JP" altLang="en-US" dirty="0"/>
+                    </a:p>
+                  </a:txBody>
+                  <a:tcPr anchor="ctr"/>
+                </a:tc>
+                <a:tc rowSpan="2">
+                  <a:txBody>
+                    <a:bodyPr/>
+                    <a:lstStyle/>
+                    <a:p>
+                      <a:pPr algn="ctr"/>
+                      <a:r>
+                        <a:rPr kumimoji="1" lang="ja-JP" altLang="en-US" dirty="0" smtClean="0"/>
+                        <a:t>服装指導</a:t>
+                      </a:r>
+                      <a:endParaRPr kumimoji="1" lang="ja-JP" altLang="en-US" dirty="0"/>
+                    </a:p>
+                  </a:txBody>
+                  <a:tcPr anchor="ctr"/>
+                </a:tc>
+              </a:tr>
+              <a:tr h="370840">
+                <a:tc>
+                  <a:txBody>
+                    <a:bodyPr/>
+                    <a:lstStyle/>
+                    <a:p>
+                      <a:pPr algn="ctr"/>
+                      <a:r>
+                        <a:rPr kumimoji="1" lang="ja-JP" altLang="en-US" dirty="0" smtClean="0"/>
+                        <a:t>４時限目</a:t>
+                      </a:r>
+                      <a:endParaRPr kumimoji="1" lang="en-US" altLang="ja-JP" dirty="0" smtClean="0"/>
+                    </a:p>
+                  </a:txBody>
+                  <a:tcPr/>
+                </a:tc>
+                <a:tc vMerge="1">
+                  <a:txBody>
+                    <a:bodyPr/>
+                    <a:lstStyle/>
+                    <a:p>
+                      <a:pPr algn="ctr"/>
+                      <a:endParaRPr kumimoji="1" lang="ja-JP" altLang="en-US" dirty="0"/>
+                    </a:p>
+                  </a:txBody>
+                  <a:tcPr anchor="ctr"/>
+                </a:tc>
+                <a:tc vMerge="1">
+                  <a:txBody>
+                    <a:bodyPr/>
+                    <a:lstStyle/>
+                    <a:p>
+                      <a:pPr algn="ctr"/>
+                      <a:endParaRPr kumimoji="1" lang="ja-JP" altLang="en-US" dirty="0"/>
+                    </a:p>
+                  </a:txBody>
+                  <a:tcPr anchor="ctr"/>
+                </a:tc>
+                <a:tc vMerge="1">
+                  <a:txBody>
+                    <a:bodyPr/>
+                    <a:lstStyle/>
+                    <a:p>
+                      <a:pPr algn="ctr"/>
+                      <a:endParaRPr kumimoji="1" lang="ja-JP" altLang="en-US" dirty="0"/>
+                    </a:p>
+                  </a:txBody>
+                  <a:tcPr/>
+                </a:tc>
+              </a:tr>
+            </a:tbl>
+          </a:graphicData>
+        </a:graphic>
+      </p:graphicFrame>
+      <p:sp>
+        <p:nvSpPr>
+          <p:cNvPr id="5" name="テキスト プレースホルダー 4"/>
+          <p:cNvSpPr>
+            <a:spLocks noGrp="1"/>
+          </p:cNvSpPr>
+          <p:nvPr>
+            <p:ph type="body" idx="4294967295"/>
+          </p:nvPr>
+        </p:nvSpPr>
+        <p:spPr>
+          <a:xfrm>
+            <a:off x="914400" y="4365625"/>
+            <a:ext cx="8229600" cy="1644650"/>
+          </a:xfrm>
+        </p:spPr>
         <p:txBody>
           <a:bodyPr/>
           <a:lstStyle/>
           <a:p>
-            <a:endParaRPr kumimoji="1" lang="ja-JP" altLang="en-US"/>
+            <a:r>
+              <a:rPr kumimoji="1" lang="en-US" altLang="ja-JP" dirty="0" smtClean="0"/>
+              <a:t>31</a:t>
+            </a:r>
+            <a:r>
+              <a:rPr kumimoji="1" lang="ja-JP" altLang="en-US" dirty="0" smtClean="0"/>
+              <a:t>日はスーツ着用にて出校</a:t>
+            </a:r>
+            <a:endParaRPr kumimoji="1" lang="ja-JP" altLang="en-US" dirty="0"/>
           </a:p>
         </p:txBody>
       </p:sp>
     </p:spTree>
     <p:extLst>
       <p:ext uri="{BB962C8B-B14F-4D97-AF65-F5344CB8AC3E}">
-        <p14:creationId xmlns:p14="http://schemas.microsoft.com/office/powerpoint/2010/main" val="1799436894"/>
+        <p14:creationId xmlns:p14="http://schemas.microsoft.com/office/powerpoint/2010/main" val="3976988781"/>
       </p:ext>
     </p:extLst>
   </p:cSld>
@@ -4447,36 +6357,56 @@
         </p:nvSpPr>
         <p:spPr/>
         <p:txBody>
+          <a:bodyPr>
+            <a:normAutofit fontScale="90000"/>
+          </a:bodyPr>
+          <a:lstStyle/>
+          <a:p>
+            <a:r>
+              <a:rPr kumimoji="1" lang="ja-JP" altLang="en-US" dirty="0" smtClean="0"/>
+              <a:t>就職の身だしなみ</a:t>
+            </a:r>
+            <a:r>
+              <a:rPr kumimoji="1" lang="en-US" altLang="ja-JP" dirty="0" smtClean="0"/>
+              <a:t/>
+            </a:r>
+            <a:br>
+              <a:rPr kumimoji="1" lang="en-US" altLang="ja-JP" dirty="0" smtClean="0"/>
+            </a:br>
+            <a:r>
+              <a:rPr kumimoji="1" lang="ja-JP" altLang="en-US" dirty="0" smtClean="0"/>
+              <a:t>男子の服装</a:t>
+            </a:r>
+            <a:endParaRPr kumimoji="1" lang="ja-JP" altLang="en-US" dirty="0"/>
+          </a:p>
+        </p:txBody>
+      </p:sp>
+      <p:sp>
+        <p:nvSpPr>
+          <p:cNvPr id="3" name="コンテンツ プレースホルダー 2"/>
+          <p:cNvSpPr>
+            <a:spLocks noGrp="1"/>
+          </p:cNvSpPr>
+          <p:nvPr>
+            <p:ph idx="1"/>
+          </p:nvPr>
+        </p:nvSpPr>
+        <p:spPr/>
+        <p:txBody>
           <a:bodyPr/>
           <a:lstStyle/>
           <a:p>
+            <a:pPr marL="0" indent="0">
+              <a:buNone/>
+            </a:pPr>
             <a:endParaRPr kumimoji="1" lang="ja-JP" altLang="en-US" dirty="0"/>
-          </a:p>
-        </p:txBody>
-      </p:sp>
-      <p:sp>
-        <p:nvSpPr>
-          <p:cNvPr id="3" name="コンテンツ プレースホルダー 2"/>
-          <p:cNvSpPr>
-            <a:spLocks noGrp="1"/>
-          </p:cNvSpPr>
-          <p:nvPr>
-            <p:ph idx="1"/>
-          </p:nvPr>
-        </p:nvSpPr>
-        <p:spPr/>
-        <p:txBody>
-          <a:bodyPr/>
-          <a:lstStyle/>
-          <a:p>
-            <a:endParaRPr kumimoji="1" lang="ja-JP" altLang="en-US"/>
           </a:p>
         </p:txBody>
       </p:sp>
     </p:spTree>
     <p:extLst>
       <p:ext uri="{BB962C8B-B14F-4D97-AF65-F5344CB8AC3E}">
-        <p14:creationId xmlns:p14="http://schemas.microsoft.com/office/powerpoint/2010/main" val="22061644"/>
+        <p14:creationId xmlns:p14="http://schemas.microsoft.com/office/powerpoint/2010/main" val="1140429650"/>
       </p:ext>
     </p:extLst>
   </p:cSld>
@@ -4515,12 +6445,25 @@
         </p:nvSpPr>
         <p:spPr/>
         <p:txBody>
-          <a:bodyPr/>
+          <a:bodyPr>
+            <a:normAutofit fontScale="90000"/>
+          </a:bodyPr>
           <a:lstStyle/>
           <a:p>
             <a:r>
               <a:rPr kumimoji="1" lang="ja-JP" altLang="en-US" dirty="0" smtClean="0"/>
-              <a:t>進学について</a:t>
+              <a:t>就職の身だしなみ</a:t>
+            </a:r>
+            <a:r>
+              <a:rPr kumimoji="1" lang="en-US" altLang="ja-JP" dirty="0" smtClean="0"/>
+              <a:t/>
+            </a:r>
+            <a:br>
+              <a:rPr kumimoji="1" lang="en-US" altLang="ja-JP" dirty="0" smtClean="0"/>
+            </a:br>
+            <a:r>
+              <a:rPr kumimoji="1" lang="ja-JP" altLang="en-US" dirty="0" smtClean="0"/>
+              <a:t>女子の服装</a:t>
             </a:r>
             <a:endParaRPr kumimoji="1" lang="ja-JP" altLang="en-US" dirty="0"/>
           </a:p>
@@ -4548,7 +6491,7 @@
     </p:spTree>
     <p:extLst>
       <p:ext uri="{BB962C8B-B14F-4D97-AF65-F5344CB8AC3E}">
-        <p14:creationId xmlns:p14="http://schemas.microsoft.com/office/powerpoint/2010/main" val="3976710618"/>
+        <p14:creationId xmlns:p14="http://schemas.microsoft.com/office/powerpoint/2010/main" val="468214323"/>
       </p:ext>
     </p:extLst>
   </p:cSld>
@@ -4592,6 +6535,290 @@
           <a:p>
             <a:r>
               <a:rPr kumimoji="1" lang="ja-JP" altLang="en-US" dirty="0" smtClean="0"/>
+              <a:t>就職の身だしなみ</a:t>
+            </a:r>
+            <a:endParaRPr kumimoji="1" lang="ja-JP" altLang="en-US" dirty="0"/>
+          </a:p>
+        </p:txBody>
+      </p:sp>
+      <p:sp>
+        <p:nvSpPr>
+          <p:cNvPr id="3" name="コンテンツ プレースホルダー 2"/>
+          <p:cNvSpPr>
+            <a:spLocks noGrp="1"/>
+          </p:cNvSpPr>
+          <p:nvPr>
+            <p:ph idx="1"/>
+          </p:nvPr>
+        </p:nvSpPr>
+        <p:spPr/>
+        <p:txBody>
+          <a:bodyPr/>
+          <a:lstStyle/>
+          <a:p>
+            <a:endParaRPr kumimoji="1" lang="ja-JP" altLang="en-US"/>
+          </a:p>
+        </p:txBody>
+      </p:sp>
+    </p:spTree>
+    <p:extLst>
+      <p:ext uri="{BB962C8B-B14F-4D97-AF65-F5344CB8AC3E}">
+        <p14:creationId xmlns:p14="http://schemas.microsoft.com/office/powerpoint/2010/main" val="2135424682"/>
+      </p:ext>
+    </p:extLst>
+  </p:cSld>
+  <p:clrMapOvr>
+    <a:masterClrMapping/>
+  </p:clrMapOvr>
+</p:sld>
+</file>
+
+<file path=ppt/slides/slide23.xml><?xml version="1.0" encoding="utf-8"?>
+<p:sld xmlns:a="http://schemas.openxmlformats.org/drawingml/2006/main" xmlns:r="http://schemas.openxmlformats.org/officeDocument/2006/relationships" xmlns:p="http://schemas.openxmlformats.org/presentationml/2006/main">
+  <p:cSld>
+    <p:spTree>
+      <p:nvGrpSpPr>
+        <p:cNvPr id="1" name=""/>
+        <p:cNvGrpSpPr/>
+        <p:nvPr/>
+      </p:nvGrpSpPr>
+      <p:grpSpPr>
+        <a:xfrm>
+          <a:off x="0" y="0"/>
+          <a:ext cx="0" cy="0"/>
+          <a:chOff x="0" y="0"/>
+          <a:chExt cx="0" cy="0"/>
+        </a:xfrm>
+      </p:grpSpPr>
+      <p:sp>
+        <p:nvSpPr>
+          <p:cNvPr id="2" name="タイトル 1"/>
+          <p:cNvSpPr>
+            <a:spLocks noGrp="1"/>
+          </p:cNvSpPr>
+          <p:nvPr>
+            <p:ph type="title"/>
+          </p:nvPr>
+        </p:nvSpPr>
+        <p:spPr/>
+        <p:txBody>
+          <a:bodyPr/>
+          <a:lstStyle/>
+          <a:p>
+            <a:r>
+              <a:rPr kumimoji="1" lang="ja-JP" altLang="en-US" dirty="0" smtClean="0"/>
+              <a:t>特定活動ビザ</a:t>
+            </a:r>
+            <a:endParaRPr kumimoji="1" lang="ja-JP" altLang="en-US" dirty="0"/>
+          </a:p>
+        </p:txBody>
+      </p:sp>
+      <p:sp>
+        <p:nvSpPr>
+          <p:cNvPr id="3" name="コンテンツ プレースホルダー 2"/>
+          <p:cNvSpPr>
+            <a:spLocks noGrp="1"/>
+          </p:cNvSpPr>
+          <p:nvPr>
+            <p:ph idx="1"/>
+          </p:nvPr>
+        </p:nvSpPr>
+        <p:spPr/>
+        <p:txBody>
+          <a:bodyPr/>
+          <a:lstStyle/>
+          <a:p>
+            <a:endParaRPr kumimoji="1" lang="ja-JP" altLang="en-US"/>
+          </a:p>
+        </p:txBody>
+      </p:sp>
+    </p:spTree>
+    <p:extLst>
+      <p:ext uri="{BB962C8B-B14F-4D97-AF65-F5344CB8AC3E}">
+        <p14:creationId xmlns:p14="http://schemas.microsoft.com/office/powerpoint/2010/main" val="2364768434"/>
+      </p:ext>
+    </p:extLst>
+  </p:cSld>
+  <p:clrMapOvr>
+    <a:masterClrMapping/>
+  </p:clrMapOvr>
+</p:sld>
+</file>
+
+<file path=ppt/slides/slide24.xml><?xml version="1.0" encoding="utf-8"?>
+<p:sld xmlns:a="http://schemas.openxmlformats.org/drawingml/2006/main" xmlns:r="http://schemas.openxmlformats.org/officeDocument/2006/relationships" xmlns:p="http://schemas.openxmlformats.org/presentationml/2006/main">
+  <p:cSld>
+    <p:spTree>
+      <p:nvGrpSpPr>
+        <p:cNvPr id="1" name=""/>
+        <p:cNvGrpSpPr/>
+        <p:nvPr/>
+      </p:nvGrpSpPr>
+      <p:grpSpPr>
+        <a:xfrm>
+          <a:off x="0" y="0"/>
+          <a:ext cx="0" cy="0"/>
+          <a:chOff x="0" y="0"/>
+          <a:chExt cx="0" cy="0"/>
+        </a:xfrm>
+      </p:grpSpPr>
+      <p:sp>
+        <p:nvSpPr>
+          <p:cNvPr id="2" name="タイトル 1"/>
+          <p:cNvSpPr>
+            <a:spLocks noGrp="1"/>
+          </p:cNvSpPr>
+          <p:nvPr>
+            <p:ph type="title"/>
+          </p:nvPr>
+        </p:nvSpPr>
+        <p:spPr/>
+        <p:txBody>
+          <a:bodyPr/>
+          <a:lstStyle/>
+          <a:p>
+            <a:endParaRPr kumimoji="1" lang="ja-JP" altLang="en-US" dirty="0"/>
+          </a:p>
+        </p:txBody>
+      </p:sp>
+      <p:sp>
+        <p:nvSpPr>
+          <p:cNvPr id="3" name="コンテンツ プレースホルダー 2"/>
+          <p:cNvSpPr>
+            <a:spLocks noGrp="1"/>
+          </p:cNvSpPr>
+          <p:nvPr>
+            <p:ph idx="1"/>
+          </p:nvPr>
+        </p:nvSpPr>
+        <p:spPr/>
+        <p:txBody>
+          <a:bodyPr/>
+          <a:lstStyle/>
+          <a:p>
+            <a:endParaRPr kumimoji="1" lang="ja-JP" altLang="en-US"/>
+          </a:p>
+        </p:txBody>
+      </p:sp>
+    </p:spTree>
+    <p:extLst>
+      <p:ext uri="{BB962C8B-B14F-4D97-AF65-F5344CB8AC3E}">
+        <p14:creationId xmlns:p14="http://schemas.microsoft.com/office/powerpoint/2010/main" val="22061644"/>
+      </p:ext>
+    </p:extLst>
+  </p:cSld>
+  <p:clrMapOvr>
+    <a:masterClrMapping/>
+  </p:clrMapOvr>
+</p:sld>
+</file>
+
+<file path=ppt/slides/slide25.xml><?xml version="1.0" encoding="utf-8"?>
+<p:sld xmlns:a="http://schemas.openxmlformats.org/drawingml/2006/main" xmlns:r="http://schemas.openxmlformats.org/officeDocument/2006/relationships" xmlns:p="http://schemas.openxmlformats.org/presentationml/2006/main">
+  <p:cSld>
+    <p:spTree>
+      <p:nvGrpSpPr>
+        <p:cNvPr id="1" name=""/>
+        <p:cNvGrpSpPr/>
+        <p:nvPr/>
+      </p:nvGrpSpPr>
+      <p:grpSpPr>
+        <a:xfrm>
+          <a:off x="0" y="0"/>
+          <a:ext cx="0" cy="0"/>
+          <a:chOff x="0" y="0"/>
+          <a:chExt cx="0" cy="0"/>
+        </a:xfrm>
+      </p:grpSpPr>
+      <p:sp>
+        <p:nvSpPr>
+          <p:cNvPr id="2" name="タイトル 1"/>
+          <p:cNvSpPr>
+            <a:spLocks noGrp="1"/>
+          </p:cNvSpPr>
+          <p:nvPr>
+            <p:ph type="title"/>
+          </p:nvPr>
+        </p:nvSpPr>
+        <p:spPr/>
+        <p:txBody>
+          <a:bodyPr/>
+          <a:lstStyle/>
+          <a:p>
+            <a:r>
+              <a:rPr kumimoji="1" lang="ja-JP" altLang="en-US" dirty="0" smtClean="0"/>
+              <a:t>進学について</a:t>
+            </a:r>
+            <a:endParaRPr kumimoji="1" lang="ja-JP" altLang="en-US" dirty="0"/>
+          </a:p>
+        </p:txBody>
+      </p:sp>
+      <p:sp>
+        <p:nvSpPr>
+          <p:cNvPr id="3" name="コンテンツ プレースホルダー 2"/>
+          <p:cNvSpPr>
+            <a:spLocks noGrp="1"/>
+          </p:cNvSpPr>
+          <p:nvPr>
+            <p:ph idx="1"/>
+          </p:nvPr>
+        </p:nvSpPr>
+        <p:spPr/>
+        <p:txBody>
+          <a:bodyPr/>
+          <a:lstStyle/>
+          <a:p>
+            <a:endParaRPr kumimoji="1" lang="ja-JP" altLang="en-US"/>
+          </a:p>
+        </p:txBody>
+      </p:sp>
+    </p:spTree>
+    <p:extLst>
+      <p:ext uri="{BB962C8B-B14F-4D97-AF65-F5344CB8AC3E}">
+        <p14:creationId xmlns:p14="http://schemas.microsoft.com/office/powerpoint/2010/main" val="3976710618"/>
+      </p:ext>
+    </p:extLst>
+  </p:cSld>
+  <p:clrMapOvr>
+    <a:masterClrMapping/>
+  </p:clrMapOvr>
+</p:sld>
+</file>
+
+<file path=ppt/slides/slide26.xml><?xml version="1.0" encoding="utf-8"?>
+<p:sld xmlns:a="http://schemas.openxmlformats.org/drawingml/2006/main" xmlns:r="http://schemas.openxmlformats.org/officeDocument/2006/relationships" xmlns:p="http://schemas.openxmlformats.org/presentationml/2006/main">
+  <p:cSld>
+    <p:spTree>
+      <p:nvGrpSpPr>
+        <p:cNvPr id="1" name=""/>
+        <p:cNvGrpSpPr/>
+        <p:nvPr/>
+      </p:nvGrpSpPr>
+      <p:grpSpPr>
+        <a:xfrm>
+          <a:off x="0" y="0"/>
+          <a:ext cx="0" cy="0"/>
+          <a:chOff x="0" y="0"/>
+          <a:chExt cx="0" cy="0"/>
+        </a:xfrm>
+      </p:grpSpPr>
+      <p:sp>
+        <p:nvSpPr>
+          <p:cNvPr id="2" name="タイトル 1"/>
+          <p:cNvSpPr>
+            <a:spLocks noGrp="1"/>
+          </p:cNvSpPr>
+          <p:nvPr>
+            <p:ph type="title"/>
+          </p:nvPr>
+        </p:nvSpPr>
+        <p:spPr/>
+        <p:txBody>
+          <a:bodyPr/>
+          <a:lstStyle/>
+          <a:p>
+            <a:r>
+              <a:rPr kumimoji="1" lang="ja-JP" altLang="en-US" dirty="0" smtClean="0"/>
               <a:t>受験上有利になる資格</a:t>
             </a:r>
             <a:endParaRPr kumimoji="1" lang="ja-JP" altLang="en-US" dirty="0"/>
@@ -4630,7 +6857,7 @@
 </p:sld>
 </file>
 
-<file path=ppt/slides/slide23.xml><?xml version="1.0" encoding="utf-8"?>
+<file path=ppt/slides/slide27.xml><?xml version="1.0" encoding="utf-8"?>
 <p:sld xmlns:a="http://schemas.openxmlformats.org/drawingml/2006/main" xmlns:r="http://schemas.openxmlformats.org/officeDocument/2006/relationships" xmlns:p="http://schemas.openxmlformats.org/presentationml/2006/main">
   <p:cSld>
     <p:spTree>
@@ -4731,46 +6958,212 @@
         </p:nvSpPr>
         <p:spPr/>
         <p:txBody>
-          <a:bodyPr>
-            <a:normAutofit/>
-          </a:bodyPr>
+          <a:bodyPr/>
           <a:lstStyle/>
           <a:p>
             <a:r>
               <a:rPr kumimoji="1" lang="ja-JP" altLang="en-US" dirty="0" smtClean="0"/>
-              <a:t>就職活動の意識について（２）</a:t>
+              <a:t>就職指導週間のスケジュール</a:t>
             </a:r>
             <a:endParaRPr kumimoji="1" lang="ja-JP" altLang="en-US" dirty="0"/>
           </a:p>
         </p:txBody>
       </p:sp>
-      <p:sp>
-        <p:nvSpPr>
-          <p:cNvPr id="3" name="コンテンツ プレースホルダー 2"/>
-          <p:cNvSpPr>
-            <a:spLocks noGrp="1"/>
-          </p:cNvSpPr>
+      <p:graphicFrame>
+        <p:nvGraphicFramePr>
+          <p:cNvPr id="4" name="コンテンツ プレースホルダー 3"/>
+          <p:cNvGraphicFramePr>
+            <a:graphicFrameLocks noGrp="1"/>
+          </p:cNvGraphicFramePr>
           <p:nvPr>
             <p:ph idx="1"/>
-          </p:nvPr>
-        </p:nvSpPr>
-        <p:spPr/>
-        <p:txBody>
-          <a:bodyPr/>
-          <a:lstStyle/>
-          <a:p>
-            <a:r>
-              <a:rPr kumimoji="1" lang="ja-JP" altLang="en-US" dirty="0" smtClean="0"/>
-              <a:t>帰国のリスクについて</a:t>
-            </a:r>
-            <a:endParaRPr kumimoji="1" lang="ja-JP" altLang="en-US" dirty="0"/>
-          </a:p>
-        </p:txBody>
-      </p:sp>
+            <p:extLst>
+              <p:ext uri="{D42A27DB-BD31-4B8C-83A1-F6EECF244321}">
+                <p14:modId xmlns:p14="http://schemas.microsoft.com/office/powerpoint/2010/main" val="2152457953"/>
+              </p:ext>
+            </p:extLst>
+          </p:nvPr>
+        </p:nvGraphicFramePr>
+        <p:xfrm>
+          <a:off x="457200" y="2249488"/>
+          <a:ext cx="8229600" cy="1112520"/>
+        </p:xfrm>
+        <a:graphic>
+          <a:graphicData uri="http://schemas.openxmlformats.org/drawingml/2006/table">
+            <a:tbl>
+              <a:tblPr firstRow="1" firstCol="1" bandRow="1">
+                <a:tableStyleId>{5C22544A-7EE6-4342-B048-85BDC9FD1C3A}</a:tableStyleId>
+              </a:tblPr>
+              <a:tblGrid>
+                <a:gridCol w="2057400"/>
+                <a:gridCol w="2057400"/>
+                <a:gridCol w="2057400"/>
+                <a:gridCol w="2057400"/>
+              </a:tblGrid>
+              <a:tr h="370840">
+                <a:tc>
+                  <a:txBody>
+                    <a:bodyPr/>
+                    <a:lstStyle/>
+                    <a:p>
+                      <a:pPr algn="ctr"/>
+                      <a:endParaRPr kumimoji="1" lang="ja-JP" altLang="en-US" dirty="0"/>
+                    </a:p>
+                  </a:txBody>
+                  <a:tcPr/>
+                </a:tc>
+                <a:tc>
+                  <a:txBody>
+                    <a:bodyPr/>
+                    <a:lstStyle/>
+                    <a:p>
+                      <a:pPr algn="ctr"/>
+                      <a:r>
+                        <a:rPr kumimoji="1" lang="ja-JP" altLang="en-US" dirty="0" smtClean="0"/>
+                        <a:t>２９日</a:t>
+                      </a:r>
+                      <a:endParaRPr kumimoji="1" lang="ja-JP" altLang="en-US" dirty="0"/>
+                    </a:p>
+                  </a:txBody>
+                  <a:tcPr/>
+                </a:tc>
+                <a:tc>
+                  <a:txBody>
+                    <a:bodyPr/>
+                    <a:lstStyle/>
+                    <a:p>
+                      <a:pPr algn="ctr"/>
+                      <a:r>
+                        <a:rPr kumimoji="1" lang="ja-JP" altLang="en-US" dirty="0" smtClean="0"/>
+                        <a:t>３０日</a:t>
+                      </a:r>
+                      <a:endParaRPr kumimoji="1" lang="ja-JP" altLang="en-US" dirty="0"/>
+                    </a:p>
+                  </a:txBody>
+                  <a:tcPr/>
+                </a:tc>
+                <a:tc>
+                  <a:txBody>
+                    <a:bodyPr/>
+                    <a:lstStyle/>
+                    <a:p>
+                      <a:pPr algn="ctr"/>
+                      <a:r>
+                        <a:rPr kumimoji="1" lang="ja-JP" altLang="en-US" dirty="0" smtClean="0"/>
+                        <a:t>３１日</a:t>
+                      </a:r>
+                      <a:endParaRPr kumimoji="1" lang="ja-JP" altLang="en-US" dirty="0"/>
+                    </a:p>
+                  </a:txBody>
+                  <a:tcPr/>
+                </a:tc>
+              </a:tr>
+              <a:tr h="370840">
+                <a:tc>
+                  <a:txBody>
+                    <a:bodyPr/>
+                    <a:lstStyle/>
+                    <a:p>
+                      <a:pPr algn="ctr"/>
+                      <a:r>
+                        <a:rPr kumimoji="1" lang="ja-JP" altLang="en-US" dirty="0" smtClean="0"/>
+                        <a:t>１、２時限目</a:t>
+                      </a:r>
+                      <a:endParaRPr kumimoji="1" lang="ja-JP" altLang="en-US" dirty="0"/>
+                    </a:p>
+                  </a:txBody>
+                  <a:tcPr/>
+                </a:tc>
+                <a:tc>
+                  <a:txBody>
+                    <a:bodyPr/>
+                    <a:lstStyle/>
+                    <a:p>
+                      <a:r>
+                        <a:rPr kumimoji="1" lang="ja-JP" altLang="en-US" b="1" dirty="0" smtClean="0"/>
+                        <a:t>概論について</a:t>
+                      </a:r>
+                      <a:endParaRPr kumimoji="1" lang="ja-JP" altLang="en-US" b="1" dirty="0"/>
+                    </a:p>
+                  </a:txBody>
+                  <a:tcPr/>
+                </a:tc>
+                <a:tc>
+                  <a:txBody>
+                    <a:bodyPr/>
+                    <a:lstStyle/>
+                    <a:p>
+                      <a:endParaRPr kumimoji="1" lang="ja-JP" altLang="en-US" b="1" dirty="0"/>
+                    </a:p>
+                  </a:txBody>
+                  <a:tcPr/>
+                </a:tc>
+                <a:tc>
+                  <a:txBody>
+                    <a:bodyPr/>
+                    <a:lstStyle/>
+                    <a:p>
+                      <a:endParaRPr kumimoji="1" lang="ja-JP" altLang="en-US" b="1" dirty="0"/>
+                    </a:p>
+                  </a:txBody>
+                  <a:tcPr/>
+                </a:tc>
+              </a:tr>
+              <a:tr h="370840">
+                <a:tc>
+                  <a:txBody>
+                    <a:bodyPr/>
+                    <a:lstStyle/>
+                    <a:p>
+                      <a:pPr algn="ctr"/>
+                      <a:r>
+                        <a:rPr kumimoji="1" lang="ja-JP" altLang="en-US" dirty="0" smtClean="0"/>
+                        <a:t>３、４時限目</a:t>
+                      </a:r>
+                      <a:endParaRPr kumimoji="1" lang="ja-JP" altLang="en-US" dirty="0"/>
+                    </a:p>
+                  </a:txBody>
+                  <a:tcPr/>
+                </a:tc>
+                <a:tc>
+                  <a:txBody>
+                    <a:bodyPr/>
+                    <a:lstStyle/>
+                    <a:p>
+                      <a:endParaRPr kumimoji="1" lang="ja-JP" altLang="en-US" b="1"/>
+                    </a:p>
+                  </a:txBody>
+                  <a:tcPr/>
+                </a:tc>
+                <a:tc>
+                  <a:txBody>
+                    <a:bodyPr/>
+                    <a:lstStyle/>
+                    <a:p>
+                      <a:endParaRPr kumimoji="1" lang="ja-JP" altLang="en-US" b="1"/>
+                    </a:p>
+                  </a:txBody>
+                  <a:tcPr/>
+                </a:tc>
+                <a:tc>
+                  <a:txBody>
+                    <a:bodyPr/>
+                    <a:lstStyle/>
+                    <a:p>
+                      <a:endParaRPr kumimoji="1" lang="ja-JP" altLang="en-US" b="1" dirty="0"/>
+                    </a:p>
+                  </a:txBody>
+                  <a:tcPr/>
+                </a:tc>
+              </a:tr>
+            </a:tbl>
+          </a:graphicData>
+        </a:graphic>
+      </p:graphicFrame>
     </p:spTree>
     <p:extLst>
       <p:ext uri="{BB962C8B-B14F-4D97-AF65-F5344CB8AC3E}">
-        <p14:creationId xmlns:p14="http://schemas.microsoft.com/office/powerpoint/2010/main" val="635348121"/>
+        <p14:creationId xmlns:p14="http://schemas.microsoft.com/office/powerpoint/2010/main" val="1456191197"/>
       </p:ext>
     </p:extLst>
   </p:cSld>
@@ -4809,40 +7202,92 @@
         </p:nvSpPr>
         <p:spPr/>
         <p:txBody>
+          <a:bodyPr>
+            <a:normAutofit/>
+          </a:bodyPr>
+          <a:lstStyle/>
+          <a:p>
+            <a:r>
+              <a:rPr kumimoji="1" lang="ja-JP" altLang="en-US" dirty="0" smtClean="0"/>
+              <a:t>就職指導週間の目的</a:t>
+            </a:r>
+            <a:endParaRPr kumimoji="1" lang="ja-JP" altLang="en-US" dirty="0"/>
+          </a:p>
+        </p:txBody>
+      </p:sp>
+      <p:sp>
+        <p:nvSpPr>
+          <p:cNvPr id="3" name="コンテンツ プレースホルダー 2"/>
+          <p:cNvSpPr>
+            <a:spLocks noGrp="1"/>
+          </p:cNvSpPr>
+          <p:nvPr>
+            <p:ph idx="1"/>
+          </p:nvPr>
+        </p:nvSpPr>
+        <p:spPr/>
+        <p:txBody>
           <a:bodyPr/>
           <a:lstStyle/>
           <a:p>
             <a:r>
               <a:rPr kumimoji="1" lang="ja-JP" altLang="en-US" dirty="0" smtClean="0"/>
-              <a:t>特定活動ビザ</a:t>
-            </a:r>
-            <a:endParaRPr kumimoji="1" lang="ja-JP" altLang="en-US" dirty="0"/>
-          </a:p>
-        </p:txBody>
-      </p:sp>
-      <p:sp>
-        <p:nvSpPr>
-          <p:cNvPr id="3" name="コンテンツ プレースホルダー 2"/>
-          <p:cNvSpPr>
-            <a:spLocks noGrp="1"/>
-          </p:cNvSpPr>
-          <p:nvPr>
-            <p:ph idx="1"/>
-          </p:nvPr>
-        </p:nvSpPr>
-        <p:spPr/>
-        <p:txBody>
-          <a:bodyPr/>
-          <a:lstStyle/>
-          <a:p>
-            <a:endParaRPr kumimoji="1" lang="ja-JP" altLang="en-US"/>
+              <a:t>就職・進学ともに、意識を変える</a:t>
+            </a:r>
+            <a:endParaRPr kumimoji="1" lang="en-US" altLang="ja-JP" dirty="0" smtClean="0"/>
+          </a:p>
+          <a:p>
+            <a:pPr lvl="1"/>
+            <a:r>
+              <a:rPr lang="ja-JP" altLang="en-US" dirty="0"/>
+              <a:t>就職</a:t>
+            </a:r>
+            <a:r>
+              <a:rPr lang="ja-JP" altLang="en-US" dirty="0" smtClean="0"/>
+              <a:t>は、「相手があなたを選ぶ」</a:t>
+            </a:r>
+            <a:endParaRPr kumimoji="1" lang="en-US" altLang="ja-JP" dirty="0" smtClean="0"/>
+          </a:p>
+          <a:p>
+            <a:r>
+              <a:rPr kumimoji="1" lang="ja-JP" altLang="en-US" dirty="0" smtClean="0"/>
+              <a:t>就職に必要な知識を持つ</a:t>
+            </a:r>
+            <a:endParaRPr kumimoji="1" lang="en-US" altLang="ja-JP" dirty="0" smtClean="0"/>
+          </a:p>
+          <a:p>
+            <a:pPr lvl="1"/>
+            <a:r>
+              <a:rPr kumimoji="1" lang="ja-JP" altLang="en-US" dirty="0" smtClean="0"/>
+              <a:t>就職は日本の基準（自分の国の基準ではない）</a:t>
+            </a:r>
+            <a:endParaRPr kumimoji="1" lang="en-US" altLang="ja-JP" dirty="0" smtClean="0"/>
+          </a:p>
+          <a:p>
+            <a:r>
+              <a:rPr kumimoji="1" lang="ja-JP" altLang="en-US" dirty="0" smtClean="0"/>
+              <a:t>書類作成の知識を学ぶ</a:t>
+            </a:r>
+            <a:endParaRPr kumimoji="1" lang="en-US" altLang="ja-JP" dirty="0" smtClean="0"/>
+          </a:p>
+          <a:p>
+            <a:pPr lvl="1"/>
+            <a:r>
+              <a:rPr lang="ja-JP" altLang="en-US" dirty="0"/>
+              <a:t>提出する書類の不備は</a:t>
+            </a:r>
+            <a:r>
+              <a:rPr lang="ja-JP" altLang="en-US" dirty="0" smtClean="0"/>
+              <a:t>不合格</a:t>
+            </a:r>
+            <a:endParaRPr lang="en-US" altLang="ja-JP" dirty="0" smtClean="0"/>
           </a:p>
         </p:txBody>
       </p:sp>
     </p:spTree>
     <p:extLst>
       <p:ext uri="{BB962C8B-B14F-4D97-AF65-F5344CB8AC3E}">
-        <p14:creationId xmlns:p14="http://schemas.microsoft.com/office/powerpoint/2010/main" val="2364768434"/>
+        <p14:creationId xmlns:p14="http://schemas.microsoft.com/office/powerpoint/2010/main" val="1799436894"/>
       </p:ext>
     </p:extLst>
   </p:cSld>
@@ -4881,12 +7326,14 @@
         </p:nvSpPr>
         <p:spPr/>
         <p:txBody>
-          <a:bodyPr/>
+          <a:bodyPr>
+            <a:normAutofit/>
+          </a:bodyPr>
           <a:lstStyle/>
           <a:p>
             <a:r>
               <a:rPr kumimoji="1" lang="ja-JP" altLang="en-US" dirty="0" smtClean="0"/>
-              <a:t>学内求人の基準</a:t>
+              <a:t>就職指導週間の約束</a:t>
             </a:r>
             <a:endParaRPr kumimoji="1" lang="ja-JP" altLang="en-US" dirty="0"/>
           </a:p>
@@ -4904,17 +7351,67 @@
         </p:nvSpPr>
         <p:spPr/>
         <p:txBody>
-          <a:bodyPr/>
-          <a:lstStyle/>
-          <a:p>
-            <a:endParaRPr kumimoji="1" lang="ja-JP" altLang="en-US"/>
+          <a:bodyPr>
+            <a:normAutofit/>
+          </a:bodyPr>
+          <a:lstStyle/>
+          <a:p>
+            <a:r>
+              <a:rPr kumimoji="1" lang="ja-JP" altLang="en-US" dirty="0" smtClean="0"/>
+              <a:t>「あいさつ」をする。</a:t>
+            </a:r>
+            <a:endParaRPr kumimoji="1" lang="en-US" altLang="ja-JP" dirty="0" smtClean="0"/>
+          </a:p>
+          <a:p>
+            <a:endParaRPr kumimoji="1" lang="en-US" altLang="ja-JP" dirty="0" smtClean="0"/>
+          </a:p>
+          <a:p>
+            <a:r>
+              <a:rPr lang="ja-JP" altLang="en-US" dirty="0" smtClean="0"/>
+              <a:t>「えがお」</a:t>
+            </a:r>
+            <a:endParaRPr lang="en-US" altLang="ja-JP" dirty="0" smtClean="0"/>
+          </a:p>
+          <a:p>
+            <a:pPr lvl="1"/>
+            <a:r>
+              <a:rPr lang="ja-JP" altLang="en-US" dirty="0" smtClean="0"/>
+              <a:t>はなしかけやすい人＝面接で有利</a:t>
+            </a:r>
+            <a:endParaRPr lang="en-US" altLang="ja-JP" dirty="0"/>
+          </a:p>
+          <a:p>
+            <a:endParaRPr lang="en-US" altLang="ja-JP" dirty="0" smtClean="0"/>
+          </a:p>
+          <a:p>
+            <a:r>
+              <a:rPr lang="ja-JP" altLang="en-US" dirty="0" smtClean="0"/>
+              <a:t>自己</a:t>
+            </a:r>
+            <a:r>
+              <a:rPr lang="ja-JP" altLang="en-US" dirty="0"/>
+              <a:t>中心的な行動は</a:t>
+            </a:r>
+            <a:r>
+              <a:rPr lang="ja-JP" altLang="en-US" dirty="0" smtClean="0"/>
+              <a:t>慎む</a:t>
+            </a:r>
+            <a:endParaRPr lang="en-US" altLang="ja-JP" dirty="0" smtClean="0"/>
+          </a:p>
+          <a:p>
+            <a:pPr lvl="1"/>
+            <a:r>
+              <a:rPr lang="ja-JP" altLang="en-US" dirty="0" smtClean="0"/>
+              <a:t>面接で嫌われる人</a:t>
+            </a:r>
+            <a:endParaRPr lang="en-US" altLang="ja-JP" dirty="0" smtClean="0"/>
           </a:p>
         </p:txBody>
       </p:sp>
     </p:spTree>
     <p:extLst>
       <p:ext uri="{BB962C8B-B14F-4D97-AF65-F5344CB8AC3E}">
-        <p14:creationId xmlns:p14="http://schemas.microsoft.com/office/powerpoint/2010/main" val="3506621631"/>
+        <p14:creationId xmlns:p14="http://schemas.microsoft.com/office/powerpoint/2010/main" val="4086770370"/>
       </p:ext>
     </p:extLst>
   </p:cSld>
@@ -4953,106 +7450,108 @@
         </p:nvSpPr>
         <p:spPr/>
         <p:txBody>
+          <a:bodyPr>
+            <a:normAutofit/>
+          </a:bodyPr>
+          <a:lstStyle/>
+          <a:p>
+            <a:r>
+              <a:rPr kumimoji="1" lang="ja-JP" altLang="en-US" dirty="0" smtClean="0"/>
+              <a:t>就職指導週間の約束（２）</a:t>
+            </a:r>
+            <a:endParaRPr kumimoji="1" lang="ja-JP" altLang="en-US" dirty="0"/>
+          </a:p>
+        </p:txBody>
+      </p:sp>
+      <p:sp>
+        <p:nvSpPr>
+          <p:cNvPr id="3" name="コンテンツ プレースホルダー 2"/>
+          <p:cNvSpPr>
+            <a:spLocks noGrp="1"/>
+          </p:cNvSpPr>
+          <p:nvPr>
+            <p:ph idx="1"/>
+          </p:nvPr>
+        </p:nvSpPr>
+        <p:spPr/>
+        <p:txBody>
           <a:bodyPr/>
           <a:lstStyle/>
           <a:p>
             <a:r>
-              <a:rPr kumimoji="1" lang="ja-JP" altLang="en-US" dirty="0" smtClean="0"/>
-              <a:t>学校推薦（推薦書）</a:t>
-            </a:r>
-            <a:endParaRPr kumimoji="1" lang="ja-JP" altLang="en-US" dirty="0"/>
-          </a:p>
-        </p:txBody>
-      </p:sp>
-      <p:sp>
-        <p:nvSpPr>
-          <p:cNvPr id="3" name="コンテンツ プレースホルダー 2"/>
-          <p:cNvSpPr>
-            <a:spLocks noGrp="1"/>
-          </p:cNvSpPr>
-          <p:nvPr>
-            <p:ph idx="1"/>
-          </p:nvPr>
-        </p:nvSpPr>
-        <p:spPr/>
-        <p:txBody>
-          <a:bodyPr/>
-          <a:lstStyle/>
-          <a:p>
-            <a:r>
-              <a:rPr kumimoji="1" lang="ja-JP" altLang="en-US" dirty="0" smtClean="0"/>
-              <a:t>出席率８５％以上</a:t>
-            </a:r>
-            <a:endParaRPr kumimoji="1" lang="en-US" altLang="ja-JP" dirty="0" smtClean="0"/>
-          </a:p>
-          <a:p>
-            <a:r>
-              <a:rPr kumimoji="1" lang="ja-JP" altLang="en-US" dirty="0" smtClean="0"/>
-              <a:t>成績の平均３．５以上</a:t>
-            </a:r>
-            <a:endParaRPr kumimoji="1" lang="en-US" altLang="ja-JP" dirty="0" smtClean="0"/>
-          </a:p>
-          <a:p>
-            <a:r>
-              <a:rPr kumimoji="1" lang="ja-JP" altLang="en-US" dirty="0" smtClean="0"/>
-              <a:t>評価点２（４４点がない事）</a:t>
-            </a:r>
-            <a:endParaRPr kumimoji="1" lang="en-US" altLang="ja-JP" dirty="0" smtClean="0"/>
-          </a:p>
-          <a:p>
-            <a:r>
-              <a:rPr kumimoji="1" lang="ja-JP" altLang="en-US" dirty="0" smtClean="0"/>
-              <a:t>日本語能力認定試験</a:t>
-            </a:r>
-            <a:r>
-              <a:rPr kumimoji="1" lang="en-US" altLang="ja-JP" dirty="0" smtClean="0"/>
-              <a:t>N1</a:t>
-            </a:r>
-            <a:r>
-              <a:rPr kumimoji="1" lang="ja-JP" altLang="en-US" dirty="0" err="1" smtClean="0"/>
-              <a:t>、</a:t>
-            </a:r>
-            <a:r>
-              <a:rPr kumimoji="1" lang="en-US" altLang="ja-JP" dirty="0" smtClean="0"/>
-              <a:t>N2</a:t>
-            </a:r>
-            <a:r>
-              <a:rPr kumimoji="1" lang="ja-JP" altLang="en-US" dirty="0" smtClean="0"/>
-              <a:t>に合格している事</a:t>
-            </a:r>
-            <a:endParaRPr kumimoji="1" lang="en-US" altLang="ja-JP" dirty="0" smtClean="0"/>
-          </a:p>
-          <a:p>
-            <a:r>
-              <a:rPr kumimoji="1" lang="ja-JP" altLang="en-US" dirty="0" smtClean="0"/>
-              <a:t>素行に問題が無い事</a:t>
-            </a:r>
-            <a:endParaRPr kumimoji="1" lang="en-US" altLang="ja-JP" dirty="0" smtClean="0"/>
-          </a:p>
-          <a:p>
-            <a:pPr marL="0" indent="0" algn="r">
-              <a:buNone/>
-            </a:pPr>
-            <a:r>
-              <a:rPr kumimoji="1" lang="ja-JP" altLang="en-US" dirty="0" smtClean="0"/>
-              <a:t>学則</a:t>
-            </a:r>
-            <a:r>
-              <a:rPr kumimoji="1" lang="en-US" altLang="ja-JP" dirty="0" smtClean="0"/>
-              <a:t>2016</a:t>
-            </a:r>
-            <a:r>
-              <a:rPr kumimoji="1" lang="ja-JP" altLang="en-US" dirty="0" smtClean="0"/>
-              <a:t>年度版より</a:t>
-            </a:r>
-            <a:endParaRPr kumimoji="1" lang="en-US" altLang="ja-JP" dirty="0" smtClean="0"/>
+              <a:rPr lang="ja-JP" altLang="en-US" dirty="0" smtClean="0"/>
+              <a:t>ルールは守る</a:t>
+            </a:r>
+            <a:endParaRPr lang="en-US" altLang="ja-JP" dirty="0" smtClean="0"/>
+          </a:p>
+          <a:p>
+            <a:pPr lvl="1"/>
+            <a:r>
+              <a:rPr lang="ja-JP" altLang="en-US" dirty="0" smtClean="0"/>
+              <a:t>質問時は挙手で行う</a:t>
+            </a:r>
+            <a:endParaRPr lang="en-US" altLang="ja-JP" dirty="0" smtClean="0"/>
+          </a:p>
+          <a:p>
+            <a:pPr lvl="1"/>
+            <a:r>
+              <a:rPr lang="ja-JP" altLang="en-US" dirty="0" smtClean="0"/>
+              <a:t>提出物の納期</a:t>
+            </a:r>
+            <a:r>
+              <a:rPr lang="en-US" altLang="ja-JP" dirty="0" smtClean="0"/>
+              <a:t>(</a:t>
+            </a:r>
+            <a:r>
+              <a:rPr lang="ja-JP" altLang="en-US" dirty="0" smtClean="0"/>
+              <a:t>課題提出</a:t>
+            </a:r>
+            <a:r>
+              <a:rPr lang="en-US" altLang="ja-JP" dirty="0" smtClean="0"/>
+              <a:t>)</a:t>
+            </a:r>
+          </a:p>
+          <a:p>
+            <a:pPr lvl="1"/>
+            <a:r>
+              <a:rPr lang="ja-JP" altLang="en-US" dirty="0" smtClean="0"/>
+              <a:t>遅刻・欠席時の連絡</a:t>
+            </a:r>
+            <a:r>
+              <a:rPr lang="en-US" altLang="ja-JP" dirty="0" smtClean="0"/>
+              <a:t>(</a:t>
+            </a:r>
+            <a:r>
+              <a:rPr lang="ja-JP" altLang="en-US" dirty="0" smtClean="0"/>
+              <a:t>大橋校へ電話連絡を行い、メールや友人伝達は禁止</a:t>
+            </a:r>
+            <a:r>
+              <a:rPr lang="en-US" altLang="ja-JP" dirty="0" smtClean="0"/>
+              <a:t>)</a:t>
+            </a:r>
+          </a:p>
+          <a:p>
+            <a:pPr lvl="2"/>
+            <a:r>
+              <a:rPr lang="en-US" altLang="ja-JP" dirty="0" smtClean="0">
+                <a:solidFill>
+                  <a:srgbClr val="FF0000"/>
+                </a:solidFill>
+              </a:rPr>
+              <a:t>TEL:092-512-7879</a:t>
+            </a:r>
+            <a:endParaRPr lang="ja-JP" altLang="en-US" dirty="0" smtClean="0">
+              <a:solidFill>
+                <a:srgbClr val="FF0000"/>
+              </a:solidFill>
+            </a:endParaRPr>
           </a:p>
         </p:txBody>
       </p:sp>
     </p:spTree>
     <p:extLst>
       <p:ext uri="{BB962C8B-B14F-4D97-AF65-F5344CB8AC3E}">
-        <p14:creationId xmlns:p14="http://schemas.microsoft.com/office/powerpoint/2010/main" val="3983144682"/>
+        <p14:creationId xmlns:p14="http://schemas.microsoft.com/office/powerpoint/2010/main" val="1674273296"/>
       </p:ext>
     </p:extLst>
   </p:cSld>
@@ -5091,40 +7590,75 @@
         </p:nvSpPr>
         <p:spPr/>
         <p:txBody>
+          <a:bodyPr>
+            <a:normAutofit/>
+          </a:bodyPr>
+          <a:lstStyle/>
+          <a:p>
+            <a:r>
+              <a:rPr kumimoji="1" lang="ja-JP" altLang="en-US" dirty="0" smtClean="0"/>
+              <a:t>就職の</a:t>
+            </a:r>
+            <a:r>
+              <a:rPr kumimoji="1" lang="ja-JP" altLang="en-US" dirty="0" smtClean="0"/>
+              <a:t>意識に</a:t>
+            </a:r>
+            <a:r>
+              <a:rPr kumimoji="1" lang="ja-JP" altLang="en-US" dirty="0" smtClean="0"/>
+              <a:t>ついて</a:t>
+            </a:r>
+            <a:endParaRPr kumimoji="1" lang="ja-JP" altLang="en-US" dirty="0"/>
+          </a:p>
+        </p:txBody>
+      </p:sp>
+      <p:sp>
+        <p:nvSpPr>
+          <p:cNvPr id="3" name="コンテンツ プレースホルダー 2"/>
+          <p:cNvSpPr>
+            <a:spLocks noGrp="1"/>
+          </p:cNvSpPr>
+          <p:nvPr>
+            <p:ph idx="1"/>
+          </p:nvPr>
+        </p:nvSpPr>
+        <p:spPr/>
+        <p:txBody>
           <a:bodyPr/>
           <a:lstStyle/>
           <a:p>
             <a:r>
               <a:rPr kumimoji="1" lang="ja-JP" altLang="en-US" dirty="0" smtClean="0"/>
-              <a:t>学校求人とは</a:t>
-            </a:r>
-            <a:endParaRPr kumimoji="1" lang="ja-JP" altLang="en-US" dirty="0"/>
-          </a:p>
-        </p:txBody>
-      </p:sp>
-      <p:sp>
-        <p:nvSpPr>
-          <p:cNvPr id="3" name="コンテンツ プレースホルダー 2"/>
-          <p:cNvSpPr>
-            <a:spLocks noGrp="1"/>
-          </p:cNvSpPr>
-          <p:nvPr>
-            <p:ph idx="1"/>
-          </p:nvPr>
-        </p:nvSpPr>
-        <p:spPr/>
-        <p:txBody>
-          <a:bodyPr/>
-          <a:lstStyle/>
-          <a:p>
-            <a:endParaRPr kumimoji="1" lang="ja-JP" altLang="en-US"/>
+              <a:t>時間について</a:t>
+            </a:r>
+            <a:endParaRPr kumimoji="1" lang="en-US" altLang="ja-JP" dirty="0" smtClean="0"/>
+          </a:p>
+          <a:p>
+            <a:r>
+              <a:rPr kumimoji="1" lang="ja-JP" altLang="en-US" dirty="0" smtClean="0"/>
+              <a:t>休暇について</a:t>
+            </a:r>
+            <a:endParaRPr kumimoji="1" lang="en-US" altLang="ja-JP" dirty="0" smtClean="0"/>
+          </a:p>
+          <a:p>
+            <a:r>
+              <a:rPr kumimoji="1" lang="ja-JP" altLang="en-US" dirty="0" smtClean="0"/>
+              <a:t>出席について</a:t>
+            </a:r>
+            <a:endParaRPr kumimoji="1" lang="en-US" altLang="ja-JP" dirty="0" smtClean="0"/>
+          </a:p>
+          <a:p>
+            <a:r>
+              <a:rPr kumimoji="1" lang="ja-JP" altLang="en-US" dirty="0" smtClean="0"/>
+              <a:t>帰国のリスクについて</a:t>
+            </a:r>
+            <a:endParaRPr kumimoji="1" lang="en-US" altLang="ja-JP" dirty="0" smtClean="0"/>
           </a:p>
         </p:txBody>
       </p:sp>
     </p:spTree>
     <p:extLst>
       <p:ext uri="{BB962C8B-B14F-4D97-AF65-F5344CB8AC3E}">
-        <p14:creationId xmlns:p14="http://schemas.microsoft.com/office/powerpoint/2010/main" val="1744885755"/>
+        <p14:creationId xmlns:p14="http://schemas.microsoft.com/office/powerpoint/2010/main" val="635348121"/>
       </p:ext>
     </p:extLst>
   </p:cSld>
@@ -5163,14 +7697,12 @@
         </p:nvSpPr>
         <p:spPr/>
         <p:txBody>
-          <a:bodyPr>
-            <a:normAutofit/>
-          </a:bodyPr>
+          <a:bodyPr/>
           <a:lstStyle/>
           <a:p>
             <a:r>
               <a:rPr kumimoji="1" lang="ja-JP" altLang="en-US" dirty="0" smtClean="0"/>
-              <a:t>学校求人応募の流れ</a:t>
+              <a:t>学校求人とは</a:t>
             </a:r>
             <a:endParaRPr kumimoji="1" lang="ja-JP" altLang="en-US" dirty="0"/>
           </a:p>
@@ -5191,18 +7723,14 @@
           <a:bodyPr/>
           <a:lstStyle/>
           <a:p>
-            <a:r>
-              <a:rPr kumimoji="1" lang="ja-JP" altLang="en-US" dirty="0" smtClean="0"/>
-              <a:t>応募から試験まで</a:t>
-            </a:r>
-            <a:endParaRPr kumimoji="1" lang="ja-JP" altLang="en-US" dirty="0"/>
+            <a:endParaRPr kumimoji="1" lang="ja-JP" altLang="en-US"/>
           </a:p>
         </p:txBody>
       </p:sp>
     </p:spTree>
     <p:extLst>
       <p:ext uri="{BB962C8B-B14F-4D97-AF65-F5344CB8AC3E}">
-        <p14:creationId xmlns:p14="http://schemas.microsoft.com/office/powerpoint/2010/main" val="291963588"/>
+        <p14:creationId xmlns:p14="http://schemas.microsoft.com/office/powerpoint/2010/main" val="1744885755"/>
       </p:ext>
     </p:extLst>
   </p:cSld>
@@ -5246,7 +7774,7 @@
           <a:p>
             <a:r>
               <a:rPr kumimoji="1" lang="ja-JP" altLang="en-US" dirty="0" smtClean="0"/>
-              <a:t>学校求人応募の流れ（２）</a:t>
+              <a:t>学校推薦（推薦書）</a:t>
             </a:r>
             <a:endParaRPr kumimoji="1" lang="ja-JP" altLang="en-US" dirty="0"/>
           </a:p>
@@ -5269,7 +7797,69 @@
           <a:p>
             <a:r>
               <a:rPr kumimoji="1" lang="ja-JP" altLang="en-US" dirty="0" smtClean="0"/>
-              <a:t>内定後の処理</a:t>
+              <a:t>出席率８５％以上</a:t>
+            </a:r>
+            <a:endParaRPr kumimoji="1" lang="en-US" altLang="ja-JP" dirty="0" smtClean="0"/>
+          </a:p>
+          <a:p>
+            <a:r>
+              <a:rPr kumimoji="1" lang="ja-JP" altLang="en-US" dirty="0" smtClean="0"/>
+              <a:t>成績の平均３．５以上</a:t>
+            </a:r>
+            <a:endParaRPr kumimoji="1" lang="en-US" altLang="ja-JP" dirty="0" smtClean="0"/>
+          </a:p>
+          <a:p>
+            <a:r>
+              <a:rPr kumimoji="1" lang="ja-JP" altLang="en-US" dirty="0" smtClean="0"/>
+              <a:t>評価点２（４４点がない事）</a:t>
+            </a:r>
+            <a:endParaRPr kumimoji="1" lang="en-US" altLang="ja-JP" dirty="0" smtClean="0"/>
+          </a:p>
+          <a:p>
+            <a:r>
+              <a:rPr kumimoji="1" lang="ja-JP" altLang="en-US" dirty="0" smtClean="0"/>
+              <a:t>日本語能力認定試験</a:t>
+            </a:r>
+            <a:r>
+              <a:rPr kumimoji="1" lang="en-US" altLang="ja-JP" dirty="0" smtClean="0"/>
+              <a:t>N1</a:t>
+            </a:r>
+            <a:r>
+              <a:rPr kumimoji="1" lang="ja-JP" altLang="en-US" dirty="0" err="1" smtClean="0"/>
+              <a:t>、</a:t>
+            </a:r>
+            <a:r>
+              <a:rPr kumimoji="1" lang="en-US" altLang="ja-JP" dirty="0" smtClean="0"/>
+              <a:t>N2</a:t>
+            </a:r>
+            <a:r>
+              <a:rPr kumimoji="1" lang="ja-JP" altLang="en-US" dirty="0" smtClean="0"/>
+              <a:t>に合格している事</a:t>
+            </a:r>
+            <a:endParaRPr kumimoji="1" lang="en-US" altLang="ja-JP" dirty="0" smtClean="0"/>
+          </a:p>
+          <a:p>
+            <a:r>
+              <a:rPr kumimoji="1" lang="ja-JP" altLang="en-US" dirty="0" smtClean="0"/>
+              <a:t>素行に問題が無い事</a:t>
+            </a:r>
+            <a:endParaRPr kumimoji="1" lang="en-US" altLang="ja-JP" dirty="0" smtClean="0"/>
+          </a:p>
+          <a:p>
+            <a:pPr marL="0" indent="0" algn="r">
+              <a:buNone/>
+            </a:pPr>
+            <a:r>
+              <a:rPr kumimoji="1" lang="ja-JP" altLang="en-US" dirty="0" smtClean="0"/>
+              <a:t>学則</a:t>
+            </a:r>
+            <a:r>
+              <a:rPr kumimoji="1" lang="en-US" altLang="ja-JP" dirty="0" smtClean="0"/>
+              <a:t>2016</a:t>
+            </a:r>
+            <a:r>
+              <a:rPr kumimoji="1" lang="ja-JP" altLang="en-US" dirty="0" smtClean="0"/>
+              <a:t>年度版より</a:t>
             </a:r>
             <a:endParaRPr kumimoji="1" lang="en-US" altLang="ja-JP" dirty="0" smtClean="0"/>
           </a:p>
@@ -5278,7 +7868,7 @@
     </p:spTree>
     <p:extLst>
       <p:ext uri="{BB962C8B-B14F-4D97-AF65-F5344CB8AC3E}">
-        <p14:creationId xmlns:p14="http://schemas.microsoft.com/office/powerpoint/2010/main" val="679332612"/>
+        <p14:creationId xmlns:p14="http://schemas.microsoft.com/office/powerpoint/2010/main" val="3983144682"/>
       </p:ext>
     </p:extLst>
   </p:cSld>
@@ -5289,6 +7879,288 @@
 </file>
 
 <file path=ppt/theme/theme1.xml><?xml version="1.0" encoding="utf-8"?>
+<a:theme xmlns:a="http://schemas.openxmlformats.org/drawingml/2006/main" name="アーバン">
+  <a:themeElements>
+    <a:clrScheme name="アーバン">
+      <a:dk1>
+        <a:sysClr val="windowText" lastClr="000000"/>
+      </a:dk1>
+      <a:lt1>
+        <a:sysClr val="window" lastClr="FFFFFF"/>
+      </a:lt1>
+      <a:dk2>
+        <a:srgbClr val="424456"/>
+      </a:dk2>
+      <a:lt2>
+        <a:srgbClr val="DEDEDE"/>
+      </a:lt2>
+      <a:accent1>
+        <a:srgbClr val="53548A"/>
+      </a:accent1>
+      <a:accent2>
+        <a:srgbClr val="438086"/>
+      </a:accent2>
+      <a:accent3>
+        <a:srgbClr val="A04DA3"/>
+      </a:accent3>
+      <a:accent4>
+        <a:srgbClr val="C4652D"/>
+      </a:accent4>
+      <a:accent5>
+        <a:srgbClr val="8B5D3D"/>
+      </a:accent5>
+      <a:accent6>
+        <a:srgbClr val="5C92B5"/>
+      </a:accent6>
+      <a:hlink>
+        <a:srgbClr val="67AFBD"/>
+      </a:hlink>
+      <a:folHlink>
+        <a:srgbClr val="C2A874"/>
+      </a:folHlink>
+    </a:clrScheme>
+    <a:fontScheme name="アーバン">
+      <a:majorFont>
+        <a:latin typeface="Trebuchet MS"/>
+        <a:ea typeface=""/>
+        <a:cs typeface=""/>
+        <a:font script="Jpan" typeface="HGｺﾞｼｯｸM"/>
+        <a:font script="Hang" typeface="맑은 고딕"/>
+        <a:font script="Hans" typeface="方正姚体"/>
+        <a:font script="Hant" typeface="微軟正黑體"/>
+        <a:font script="Arab" typeface="Tahoma"/>
+        <a:font script="Hebr" typeface="Arial"/>
+        <a:font script="Thai" typeface="Cordia New"/>
+        <a:font script="Ethi" typeface="Nyala"/>
+        <a:font script="Beng" typeface="Vrinda"/>
+        <a:font script="Gujr" typeface="Shruti"/>
+        <a:font script="Khmr" typeface="DaunPenh"/>
+        <a:font script="Knda" typeface="Tunga"/>
+        <a:font script="Guru" typeface="Raavi"/>
+        <a:font script="Cans" typeface="Euphemia"/>
+        <a:font script="Cher" typeface="Plantagenet Cherokee"/>
+        <a:font script="Yiii" typeface="Microsoft Yi Baiti"/>
+        <a:font script="Tibt" typeface="Microsoft Himalaya"/>
+        <a:font script="Thaa" typeface="MV Boli"/>
+        <a:font script="Deva" typeface="Mangal"/>
+        <a:font script="Telu" typeface="Gautami"/>
+        <a:font script="Taml" typeface="Latha"/>
+        <a:font script="Syrc" typeface="Estrangelo Edessa"/>
+        <a:font script="Orya" typeface="Kalinga"/>
+        <a:font script="Mlym" typeface="Kartika"/>
+        <a:font script="Laoo" typeface="DokChampa"/>
+        <a:font script="Sinh" typeface="Iskoola Pota"/>
+        <a:font script="Mong" typeface="Mongolian Baiti"/>
+        <a:font script="Viet" typeface="Tahoma"/>
+        <a:font script="Uigh" typeface="Microsoft Uighur"/>
+        <a:font script="Geor" typeface="Sylfaen"/>
+      </a:majorFont>
+      <a:minorFont>
+        <a:latin typeface="Georgia"/>
+        <a:ea typeface=""/>
+        <a:cs typeface=""/>
+        <a:font script="Jpan" typeface="HG明朝B"/>
+        <a:font script="Hang" typeface="맑은 고딕"/>
+        <a:font script="Hans" typeface="宋体"/>
+        <a:font script="Hant" typeface="新細明體"/>
+        <a:font script="Arab" typeface="Arial"/>
+        <a:font script="Hebr" typeface="Times New Roman"/>
+        <a:font script="Thai" typeface="Angsana New"/>
+        <a:font script="Ethi" typeface="Nyala"/>
+        <a:font script="Beng" typeface="Vrinda"/>
+        <a:font script="Gujr" typeface="Shruti"/>
+        <a:font script="Khmr" typeface="MoolBoran"/>
+        <a:font script="Knda" typeface="Tunga"/>
+        <a:font script="Guru" typeface="Raavi"/>
+        <a:font script="Cans" typeface="Euphemia"/>
+        <a:font script="Cher" typeface="Plantagenet Cherokee"/>
+        <a:font script="Yiii" typeface="Microsoft Yi Baiti"/>
+        <a:font script="Tibt" typeface="Microsoft Himalaya"/>
+        <a:font script="Thaa" typeface="MV Boli"/>
+        <a:font script="Deva" typeface="Mangal"/>
+        <a:font script="Telu" typeface="Gautami"/>
+        <a:font script="Taml" typeface="Latha"/>
+        <a:font script="Syrc" typeface="Estrangelo Edessa"/>
+        <a:font script="Orya" typeface="Kalinga"/>
+        <a:font script="Mlym" typeface="Kartika"/>
+        <a:font script="Laoo" typeface="DokChampa"/>
+        <a:font script="Sinh" typeface="Iskoola Pota"/>
+        <a:font script="Mong" typeface="Mongolian Baiti"/>
+        <a:font script="Viet" typeface="Times New Roman"/>
+        <a:font script="Uigh" typeface="Microsoft Uighur"/>
+        <a:font script="Geor" typeface="Sylfaen"/>
+      </a:minorFont>
+    </a:fontScheme>
+    <a:fmtScheme name="アーバン">
+      <a:fillStyleLst>
+        <a:solidFill>
+          <a:schemeClr val="phClr"/>
+        </a:solidFill>
+        <a:gradFill rotWithShape="1">
+          <a:gsLst>
+            <a:gs pos="0">
+              <a:schemeClr val="phClr">
+                <a:tint val="1000"/>
+                <a:satMod val="255000"/>
+              </a:schemeClr>
+            </a:gs>
+            <a:gs pos="55000">
+              <a:schemeClr val="phClr">
+                <a:tint val="12000"/>
+                <a:satMod val="255000"/>
+              </a:schemeClr>
+            </a:gs>
+            <a:gs pos="100000">
+              <a:schemeClr val="phClr">
+                <a:tint val="45000"/>
+                <a:satMod val="250000"/>
+              </a:schemeClr>
+            </a:gs>
+          </a:gsLst>
+          <a:path path="circle">
+            <a:fillToRect l="-40000" t="-90000" r="140000" b="190000"/>
+          </a:path>
+        </a:gradFill>
+        <a:gradFill rotWithShape="1">
+          <a:gsLst>
+            <a:gs pos="0">
+              <a:schemeClr val="phClr">
+                <a:tint val="43000"/>
+                <a:satMod val="165000"/>
+              </a:schemeClr>
+            </a:gs>
+            <a:gs pos="55000">
+              <a:schemeClr val="phClr">
+                <a:tint val="83000"/>
+                <a:satMod val="155000"/>
+              </a:schemeClr>
+            </a:gs>
+            <a:gs pos="100000">
+              <a:schemeClr val="phClr">
+                <a:shade val="85000"/>
+              </a:schemeClr>
+            </a:gs>
+          </a:gsLst>
+          <a:path path="circle">
+            <a:fillToRect l="-40000" t="-90000" r="140000" b="190000"/>
+          </a:path>
+        </a:gradFill>
+      </a:fillStyleLst>
+      <a:lnStyleLst>
+        <a:ln w="9525" cap="flat" cmpd="sng" algn="ctr">
+          <a:solidFill>
+            <a:schemeClr val="phClr"/>
+          </a:solidFill>
+          <a:prstDash val="solid"/>
+        </a:ln>
+        <a:ln w="19050" cap="flat" cmpd="sng" algn="ctr">
+          <a:solidFill>
+            <a:schemeClr val="phClr"/>
+          </a:solidFill>
+          <a:prstDash val="solid"/>
+        </a:ln>
+        <a:ln w="31750" cap="flat" cmpd="sng" algn="ctr">
+          <a:solidFill>
+            <a:schemeClr val="phClr"/>
+          </a:solidFill>
+          <a:prstDash val="solid"/>
+        </a:ln>
+      </a:lnStyleLst>
+      <a:effectStyleLst>
+        <a:effectStyle>
+          <a:effectLst>
+            <a:outerShdw blurRad="51500" dist="25400" dir="5400000" rotWithShape="0">
+              <a:srgbClr val="000000">
+                <a:alpha val="40000"/>
+              </a:srgbClr>
+            </a:outerShdw>
+          </a:effectLst>
+        </a:effectStyle>
+        <a:effectStyle>
+          <a:effectLst>
+            <a:outerShdw blurRad="50800" dist="25400" dir="5400000" rotWithShape="0">
+              <a:srgbClr val="000000">
+                <a:alpha val="45000"/>
+              </a:srgbClr>
+            </a:outerShdw>
+          </a:effectLst>
+        </a:effectStyle>
+        <a:effectStyle>
+          <a:effectLst>
+            <a:outerShdw blurRad="50800" dist="25400" dir="5400000" rotWithShape="0">
+              <a:srgbClr val="000000">
+                <a:alpha val="45000"/>
+              </a:srgbClr>
+            </a:outerShdw>
+          </a:effectLst>
+          <a:scene3d>
+            <a:camera prst="orthographicFront" fov="0">
+              <a:rot lat="0" lon="0" rev="0"/>
+            </a:camera>
+            <a:lightRig rig="flat" dir="t">
+              <a:rot lat="0" lon="0" rev="20040000"/>
+            </a:lightRig>
+          </a:scene3d>
+          <a:sp3d contourW="12700" prstMaterial="dkEdge">
+            <a:bevelT w="25400" h="38100" prst="convex"/>
+            <a:contourClr>
+              <a:schemeClr val="phClr">
+                <a:satMod val="115000"/>
+              </a:schemeClr>
+            </a:contourClr>
+          </a:sp3d>
+        </a:effectStyle>
+      </a:effectStyleLst>
+      <a:bgFillStyleLst>
+        <a:solidFill>
+          <a:schemeClr val="phClr"/>
+        </a:solidFill>
+        <a:gradFill rotWithShape="1">
+          <a:gsLst>
+            <a:gs pos="100000">
+              <a:schemeClr val="phClr">
+                <a:tint val="80000"/>
+                <a:satMod val="250000"/>
+              </a:schemeClr>
+            </a:gs>
+            <a:gs pos="60000">
+              <a:schemeClr val="phClr">
+                <a:shade val="38000"/>
+                <a:satMod val="175000"/>
+              </a:schemeClr>
+            </a:gs>
+            <a:gs pos="0">
+              <a:schemeClr val="phClr">
+                <a:shade val="30000"/>
+                <a:satMod val="175000"/>
+              </a:schemeClr>
+            </a:gs>
+          </a:gsLst>
+          <a:lin ang="5400000" scaled="0"/>
+        </a:gradFill>
+        <a:blipFill>
+          <a:blip xmlns:r="http://schemas.openxmlformats.org/officeDocument/2006/relationships" r:embed="rId1">
+            <a:duotone>
+              <a:schemeClr val="phClr">
+                <a:shade val="48000"/>
+              </a:schemeClr>
+              <a:schemeClr val="phClr">
+                <a:tint val="96000"/>
+                <a:satMod val="150000"/>
+              </a:schemeClr>
+            </a:duotone>
+          </a:blip>
+          <a:tile tx="0" ty="0" sx="80000" sy="80000" flip="none" algn="tl"/>
+        </a:blipFill>
+      </a:bgFillStyleLst>
+    </a:fmtScheme>
+  </a:themeElements>
+  <a:objectDefaults/>
+  <a:extraClrSchemeLst/>
+</a:theme>
+</file>
+
+<file path=ppt/theme/theme2.xml><?xml version="1.0" encoding="utf-8"?>
 <a:theme xmlns:a="http://schemas.openxmlformats.org/drawingml/2006/main" name="Office ​​テーマ">
   <a:themeElements>
     <a:clrScheme name="Office">

--- a/就職指導週間（大橋校講義用PP）.pptx
+++ b/就職指導週間（大橋校講義用PP）.pptx
@@ -7,6 +7,9 @@
   <p:notesMasterIdLst>
     <p:notesMasterId r:id="rId29"/>
   </p:notesMasterIdLst>
+  <p:handoutMasterIdLst>
+    <p:handoutMasterId r:id="rId30"/>
+  </p:handoutMasterIdLst>
   <p:sldIdLst>
     <p:sldId id="256" r:id="rId2"/>
     <p:sldId id="281" r:id="rId3"/>
@@ -37,7 +40,7 @@
     <p:sldId id="276" r:id="rId28"/>
   </p:sldIdLst>
   <p:sldSz cx="9144000" cy="6858000" type="screen4x3"/>
-  <p:notesSz cx="6858000" cy="9144000"/>
+  <p:notesSz cx="6797675" cy="9926638"/>
   <p:defaultTextStyle>
     <a:defPPr>
       <a:defRPr lang="ja-JP"/>
@@ -189,6 +192,171 @@
 </p:presentation>
 </file>
 
+<file path=ppt/handoutMasters/handoutMaster1.xml><?xml version="1.0" encoding="utf-8"?>
+<p:handoutMaster xmlns:a="http://schemas.openxmlformats.org/drawingml/2006/main" xmlns:r="http://schemas.openxmlformats.org/officeDocument/2006/relationships" xmlns:p="http://schemas.openxmlformats.org/presentationml/2006/main">
+  <p:cSld>
+    <p:bg>
+      <p:bgRef idx="1001">
+        <a:schemeClr val="bg1"/>
+      </p:bgRef>
+    </p:bg>
+    <p:spTree>
+      <p:nvGrpSpPr>
+        <p:cNvPr id="1" name=""/>
+        <p:cNvGrpSpPr/>
+        <p:nvPr/>
+      </p:nvGrpSpPr>
+      <p:grpSpPr>
+        <a:xfrm>
+          <a:off x="0" y="0"/>
+          <a:ext cx="0" cy="0"/>
+          <a:chOff x="0" y="0"/>
+          <a:chExt cx="0" cy="0"/>
+        </a:xfrm>
+      </p:grpSpPr>
+      <p:sp>
+        <p:nvSpPr>
+          <p:cNvPr id="2" name="ヘッダー プレースホルダー 1"/>
+          <p:cNvSpPr>
+            <a:spLocks noGrp="1"/>
+          </p:cNvSpPr>
+          <p:nvPr>
+            <p:ph type="hdr" sz="quarter"/>
+          </p:nvPr>
+        </p:nvSpPr>
+        <p:spPr>
+          <a:xfrm>
+            <a:off x="0" y="0"/>
+            <a:ext cx="2945659" cy="496332"/>
+          </a:xfrm>
+          <a:prstGeom prst="rect">
+            <a:avLst/>
+          </a:prstGeom>
+        </p:spPr>
+        <p:txBody>
+          <a:bodyPr vert="horz" lIns="91440" tIns="45720" rIns="91440" bIns="45720" rtlCol="0"/>
+          <a:lstStyle>
+            <a:lvl1pPr algn="l">
+              <a:defRPr sz="1200"/>
+            </a:lvl1pPr>
+          </a:lstStyle>
+          <a:p>
+            <a:endParaRPr kumimoji="1" lang="ja-JP" altLang="en-US"/>
+          </a:p>
+        </p:txBody>
+      </p:sp>
+      <p:sp>
+        <p:nvSpPr>
+          <p:cNvPr id="3" name="日付プレースホルダー 2"/>
+          <p:cNvSpPr>
+            <a:spLocks noGrp="1"/>
+          </p:cNvSpPr>
+          <p:nvPr>
+            <p:ph type="dt" sz="quarter" idx="1"/>
+          </p:nvPr>
+        </p:nvSpPr>
+        <p:spPr>
+          <a:xfrm>
+            <a:off x="3850443" y="0"/>
+            <a:ext cx="2945659" cy="496332"/>
+          </a:xfrm>
+          <a:prstGeom prst="rect">
+            <a:avLst/>
+          </a:prstGeom>
+        </p:spPr>
+        <p:txBody>
+          <a:bodyPr vert="horz" lIns="91440" tIns="45720" rIns="91440" bIns="45720" rtlCol="0"/>
+          <a:lstStyle>
+            <a:lvl1pPr algn="r">
+              <a:defRPr sz="1200"/>
+            </a:lvl1pPr>
+          </a:lstStyle>
+          <a:p>
+            <a:fld id="{087063C6-416F-4F6D-9AA8-D599296D1EFA}" type="datetimeFigureOut">
+              <a:rPr kumimoji="1" lang="ja-JP" altLang="en-US" smtClean="0"/>
+              <a:t>2018/1/27</a:t>
+            </a:fld>
+            <a:endParaRPr kumimoji="1" lang="ja-JP" altLang="en-US"/>
+          </a:p>
+        </p:txBody>
+      </p:sp>
+      <p:sp>
+        <p:nvSpPr>
+          <p:cNvPr id="4" name="フッター プレースホルダー 3"/>
+          <p:cNvSpPr>
+            <a:spLocks noGrp="1"/>
+          </p:cNvSpPr>
+          <p:nvPr>
+            <p:ph type="ftr" sz="quarter" idx="2"/>
+          </p:nvPr>
+        </p:nvSpPr>
+        <p:spPr>
+          <a:xfrm>
+            <a:off x="0" y="9428583"/>
+            <a:ext cx="2945659" cy="496332"/>
+          </a:xfrm>
+          <a:prstGeom prst="rect">
+            <a:avLst/>
+          </a:prstGeom>
+        </p:spPr>
+        <p:txBody>
+          <a:bodyPr vert="horz" lIns="91440" tIns="45720" rIns="91440" bIns="45720" rtlCol="0" anchor="b"/>
+          <a:lstStyle>
+            <a:lvl1pPr algn="l">
+              <a:defRPr sz="1200"/>
+            </a:lvl1pPr>
+          </a:lstStyle>
+          <a:p>
+            <a:endParaRPr kumimoji="1" lang="ja-JP" altLang="en-US"/>
+          </a:p>
+        </p:txBody>
+      </p:sp>
+      <p:sp>
+        <p:nvSpPr>
+          <p:cNvPr id="5" name="スライド番号プレースホルダー 4"/>
+          <p:cNvSpPr>
+            <a:spLocks noGrp="1"/>
+          </p:cNvSpPr>
+          <p:nvPr>
+            <p:ph type="sldNum" sz="quarter" idx="3"/>
+          </p:nvPr>
+        </p:nvSpPr>
+        <p:spPr>
+          <a:xfrm>
+            <a:off x="3850443" y="9428583"/>
+            <a:ext cx="2945659" cy="496332"/>
+          </a:xfrm>
+          <a:prstGeom prst="rect">
+            <a:avLst/>
+          </a:prstGeom>
+        </p:spPr>
+        <p:txBody>
+          <a:bodyPr vert="horz" lIns="91440" tIns="45720" rIns="91440" bIns="45720" rtlCol="0" anchor="b"/>
+          <a:lstStyle>
+            <a:lvl1pPr algn="r">
+              <a:defRPr sz="1200"/>
+            </a:lvl1pPr>
+          </a:lstStyle>
+          <a:p>
+            <a:fld id="{4256E00B-AB8D-4EA7-B6FA-126965F64AE3}" type="slidenum">
+              <a:rPr kumimoji="1" lang="ja-JP" altLang="en-US" smtClean="0"/>
+              <a:t>‹#›</a:t>
+            </a:fld>
+            <a:endParaRPr kumimoji="1" lang="ja-JP" altLang="en-US"/>
+          </a:p>
+        </p:txBody>
+      </p:sp>
+    </p:spTree>
+    <p:extLst>
+      <p:ext uri="{BB962C8B-B14F-4D97-AF65-F5344CB8AC3E}">
+        <p14:creationId xmlns:p14="http://schemas.microsoft.com/office/powerpoint/2010/main" val="563652354"/>
+      </p:ext>
+    </p:extLst>
+  </p:cSld>
+  <p:clrMap bg1="lt1" tx1="dk1" bg2="lt2" tx2="dk2" accent1="accent1" accent2="accent2" accent3="accent3" accent4="accent4" accent5="accent5" accent6="accent6" hlink="hlink" folHlink="folHlink"/>
+</p:handoutMaster>
+</file>
+
 <file path=ppt/notesMasters/notesMaster1.xml><?xml version="1.0" encoding="utf-8"?>
 <p:notesMaster xmlns:a="http://schemas.openxmlformats.org/drawingml/2006/main" xmlns:r="http://schemas.openxmlformats.org/officeDocument/2006/relationships" xmlns:p="http://schemas.openxmlformats.org/presentationml/2006/main">
   <p:cSld>
@@ -224,7 +392,7 @@
         <p:spPr>
           <a:xfrm>
             <a:off x="0" y="0"/>
-            <a:ext cx="2971800" cy="457200"/>
+            <a:ext cx="2945659" cy="496332"/>
           </a:xfrm>
           <a:prstGeom prst="rect">
             <a:avLst/>
@@ -254,8 +422,8 @@
         </p:nvSpPr>
         <p:spPr>
           <a:xfrm>
-            <a:off x="3884613" y="0"/>
-            <a:ext cx="2971800" cy="457200"/>
+            <a:off x="3850443" y="0"/>
+            <a:ext cx="2945659" cy="496332"/>
           </a:xfrm>
           <a:prstGeom prst="rect">
             <a:avLst/>
@@ -289,8 +457,8 @@
         </p:nvSpPr>
         <p:spPr>
           <a:xfrm>
-            <a:off x="1143000" y="685800"/>
-            <a:ext cx="4572000" cy="3429000"/>
+            <a:off x="917575" y="744538"/>
+            <a:ext cx="4962525" cy="3722687"/>
           </a:xfrm>
           <a:prstGeom prst="rect">
             <a:avLst/>
@@ -322,8 +490,8 @@
         </p:nvSpPr>
         <p:spPr>
           <a:xfrm>
-            <a:off x="685800" y="4343400"/>
-            <a:ext cx="5486400" cy="4114800"/>
+            <a:off x="679768" y="4715153"/>
+            <a:ext cx="5438140" cy="4466987"/>
           </a:xfrm>
           <a:prstGeom prst="rect">
             <a:avLst/>
@@ -414,8 +582,8 @@
         </p:nvSpPr>
         <p:spPr>
           <a:xfrm>
-            <a:off x="0" y="8685213"/>
-            <a:ext cx="2971800" cy="457200"/>
+            <a:off x="0" y="9428583"/>
+            <a:ext cx="2945659" cy="496332"/>
           </a:xfrm>
           <a:prstGeom prst="rect">
             <a:avLst/>
@@ -445,8 +613,8 @@
         </p:nvSpPr>
         <p:spPr>
           <a:xfrm>
-            <a:off x="3884613" y="8685213"/>
-            <a:ext cx="2971800" cy="457200"/>
+            <a:off x="3850443" y="9428583"/>
+            <a:ext cx="2945659" cy="496332"/>
           </a:xfrm>
           <a:prstGeom prst="rect">
             <a:avLst/>
@@ -5045,21 +5213,36 @@
           <a:lstStyle/>
           <a:p>
             <a:r>
-              <a:rPr kumimoji="1" lang="ja-JP" altLang="en-US" dirty="0" smtClean="0"/>
+              <a:rPr kumimoji="1" lang="ja-JP" altLang="en-US" baseline="0" dirty="0" smtClean="0">
+                <a:latin typeface="ＭＳ ゴシック" panose="020B0609070205080204" pitchFamily="49" charset="-128"/>
+                <a:ea typeface="ＭＳ ゴシック" panose="020B0609070205080204" pitchFamily="49" charset="-128"/>
+              </a:rPr>
               <a:t>就職指導週間</a:t>
             </a:r>
             <a:r>
-              <a:rPr kumimoji="1" lang="en-US" altLang="ja-JP" dirty="0" smtClean="0"/>
+              <a:rPr kumimoji="1" lang="en-US" altLang="ja-JP" baseline="0" dirty="0" smtClean="0">
+                <a:latin typeface="ＭＳ ゴシック" panose="020B0609070205080204" pitchFamily="49" charset="-128"/>
+                <a:ea typeface="ＭＳ ゴシック" panose="020B0609070205080204" pitchFamily="49" charset="-128"/>
+              </a:rPr>
               <a:t/>
             </a:r>
             <a:br>
-              <a:rPr kumimoji="1" lang="en-US" altLang="ja-JP" dirty="0" smtClean="0"/>
+              <a:rPr kumimoji="1" lang="en-US" altLang="ja-JP" baseline="0" dirty="0" smtClean="0">
+                <a:latin typeface="ＭＳ ゴシック" panose="020B0609070205080204" pitchFamily="49" charset="-128"/>
+                <a:ea typeface="ＭＳ ゴシック" panose="020B0609070205080204" pitchFamily="49" charset="-128"/>
+              </a:rPr>
             </a:br>
             <a:r>
-              <a:rPr lang="ja-JP" altLang="en-US" dirty="0"/>
+              <a:rPr lang="ja-JP" altLang="en-US" baseline="0" dirty="0">
+                <a:latin typeface="ＭＳ ゴシック" panose="020B0609070205080204" pitchFamily="49" charset="-128"/>
+                <a:ea typeface="ＭＳ ゴシック" panose="020B0609070205080204" pitchFamily="49" charset="-128"/>
+              </a:rPr>
               <a:t>講義資料</a:t>
             </a:r>
-            <a:endParaRPr kumimoji="1" lang="ja-JP" altLang="en-US" dirty="0"/>
+            <a:endParaRPr kumimoji="1" lang="ja-JP" altLang="en-US" baseline="0" dirty="0">
+              <a:latin typeface="ＭＳ ゴシック" panose="020B0609070205080204" pitchFamily="49" charset="-128"/>
+              <a:ea typeface="ＭＳ ゴシック" panose="020B0609070205080204" pitchFamily="49" charset="-128"/>
+            </a:endParaRPr>
           </a:p>
         </p:txBody>
       </p:sp>
@@ -5081,17 +5264,29 @@
           <a:lstStyle/>
           <a:p>
             <a:r>
-              <a:rPr kumimoji="1" lang="ja-JP" altLang="en-US" dirty="0" smtClean="0"/>
+              <a:rPr kumimoji="1" lang="ja-JP" altLang="en-US" baseline="0" dirty="0" smtClean="0">
+                <a:latin typeface="ＭＳ ゴシック" panose="020B0609070205080204" pitchFamily="49" charset="-128"/>
+                <a:ea typeface="ＭＳ ゴシック" panose="020B0609070205080204" pitchFamily="49" charset="-128"/>
+              </a:rPr>
               <a:t>専門学校コンピュータ教育学院</a:t>
             </a:r>
-            <a:endParaRPr kumimoji="1" lang="en-US" altLang="ja-JP" dirty="0" smtClean="0"/>
-          </a:p>
-          <a:p>
-            <a:r>
-              <a:rPr lang="ja-JP" altLang="en-US" dirty="0" smtClean="0"/>
+            <a:endParaRPr kumimoji="1" lang="en-US" altLang="ja-JP" baseline="0" dirty="0" smtClean="0">
+              <a:latin typeface="ＭＳ ゴシック" panose="020B0609070205080204" pitchFamily="49" charset="-128"/>
+              <a:ea typeface="ＭＳ ゴシック" panose="020B0609070205080204" pitchFamily="49" charset="-128"/>
+            </a:endParaRPr>
+          </a:p>
+          <a:p>
+            <a:r>
+              <a:rPr lang="ja-JP" altLang="en-US" baseline="0" dirty="0" smtClean="0">
+                <a:latin typeface="ＭＳ ゴシック" panose="020B0609070205080204" pitchFamily="49" charset="-128"/>
+                <a:ea typeface="ＭＳ ゴシック" panose="020B0609070205080204" pitchFamily="49" charset="-128"/>
+              </a:rPr>
               <a:t>大橋校</a:t>
             </a:r>
-            <a:endParaRPr lang="en-US" altLang="ja-JP" dirty="0" smtClean="0"/>
+            <a:endParaRPr lang="en-US" altLang="ja-JP" baseline="0" dirty="0" smtClean="0">
+              <a:latin typeface="ＭＳ ゴシック" panose="020B0609070205080204" pitchFamily="49" charset="-128"/>
+              <a:ea typeface="ＭＳ ゴシック" panose="020B0609070205080204" pitchFamily="49" charset="-128"/>
+            </a:endParaRPr>
           </a:p>
         </p:txBody>
       </p:sp>
@@ -5105,6 +5300,13 @@
   <p:clrMapOvr>
     <a:masterClrMapping/>
   </p:clrMapOvr>
+  <p:timing>
+    <p:tnLst>
+      <p:par>
+        <p:cTn id="1" dur="indefinite" restart="never" nodeType="tmRoot"/>
+      </p:par>
+    </p:tnLst>
+  </p:timing>
 </p:sld>
 </file>
 
@@ -5141,10 +5343,16 @@
           <a:lstStyle/>
           <a:p>
             <a:r>
-              <a:rPr kumimoji="1" lang="ja-JP" altLang="en-US" dirty="0" smtClean="0"/>
+              <a:rPr kumimoji="1" lang="ja-JP" altLang="en-US" baseline="0" dirty="0" smtClean="0">
+                <a:latin typeface="ＭＳ ゴシック" panose="020B0609070205080204" pitchFamily="49" charset="-128"/>
+                <a:ea typeface="ＭＳ ゴシック" panose="020B0609070205080204" pitchFamily="49" charset="-128"/>
+              </a:rPr>
               <a:t>学内求人の基準</a:t>
             </a:r>
-            <a:endParaRPr kumimoji="1" lang="ja-JP" altLang="en-US" dirty="0"/>
+            <a:endParaRPr kumimoji="1" lang="ja-JP" altLang="en-US" baseline="0" dirty="0">
+              <a:latin typeface="ＭＳ ゴシック" panose="020B0609070205080204" pitchFamily="49" charset="-128"/>
+              <a:ea typeface="ＭＳ ゴシック" panose="020B0609070205080204" pitchFamily="49" charset="-128"/>
+            </a:endParaRPr>
           </a:p>
         </p:txBody>
       </p:sp>
@@ -5215,10 +5423,16 @@
           <a:lstStyle/>
           <a:p>
             <a:r>
-              <a:rPr kumimoji="1" lang="ja-JP" altLang="en-US" dirty="0" smtClean="0"/>
+              <a:rPr kumimoji="1" lang="ja-JP" altLang="en-US" baseline="0" dirty="0" smtClean="0">
+                <a:latin typeface="ＭＳ ゴシック" panose="020B0609070205080204" pitchFamily="49" charset="-128"/>
+                <a:ea typeface="ＭＳ ゴシック" panose="020B0609070205080204" pitchFamily="49" charset="-128"/>
+              </a:rPr>
               <a:t>学校求人応募の流れ</a:t>
             </a:r>
-            <a:endParaRPr kumimoji="1" lang="ja-JP" altLang="en-US" dirty="0"/>
+            <a:endParaRPr kumimoji="1" lang="ja-JP" altLang="en-US" baseline="0" dirty="0">
+              <a:latin typeface="ＭＳ ゴシック" panose="020B0609070205080204" pitchFamily="49" charset="-128"/>
+              <a:ea typeface="ＭＳ ゴシック" panose="020B0609070205080204" pitchFamily="49" charset="-128"/>
+            </a:endParaRPr>
           </a:p>
         </p:txBody>
       </p:sp>
@@ -5238,10 +5452,16 @@
           <a:lstStyle/>
           <a:p>
             <a:r>
-              <a:rPr kumimoji="1" lang="ja-JP" altLang="en-US" dirty="0" smtClean="0"/>
+              <a:rPr kumimoji="1" lang="ja-JP" altLang="en-US" baseline="0" dirty="0" smtClean="0">
+                <a:latin typeface="ＭＳ ゴシック" panose="020B0609070205080204" pitchFamily="49" charset="-128"/>
+                <a:ea typeface="ＭＳ ゴシック" panose="020B0609070205080204" pitchFamily="49" charset="-128"/>
+              </a:rPr>
               <a:t>応募から試験まで</a:t>
             </a:r>
-            <a:endParaRPr kumimoji="1" lang="ja-JP" altLang="en-US" dirty="0"/>
+            <a:endParaRPr kumimoji="1" lang="ja-JP" altLang="en-US" baseline="0" dirty="0">
+              <a:latin typeface="ＭＳ ゴシック" panose="020B0609070205080204" pitchFamily="49" charset="-128"/>
+              <a:ea typeface="ＭＳ ゴシック" panose="020B0609070205080204" pitchFamily="49" charset="-128"/>
+            </a:endParaRPr>
           </a:p>
         </p:txBody>
       </p:sp>
@@ -5291,10 +5511,16 @@
           <a:lstStyle/>
           <a:p>
             <a:r>
-              <a:rPr kumimoji="1" lang="ja-JP" altLang="en-US" dirty="0" smtClean="0"/>
+              <a:rPr kumimoji="1" lang="ja-JP" altLang="en-US" baseline="0" dirty="0" smtClean="0">
+                <a:latin typeface="ＭＳ ゴシック" panose="020B0609070205080204" pitchFamily="49" charset="-128"/>
+                <a:ea typeface="ＭＳ ゴシック" panose="020B0609070205080204" pitchFamily="49" charset="-128"/>
+              </a:rPr>
               <a:t>学校求人応募の流れ（２）</a:t>
             </a:r>
-            <a:endParaRPr kumimoji="1" lang="ja-JP" altLang="en-US" dirty="0"/>
+            <a:endParaRPr kumimoji="1" lang="ja-JP" altLang="en-US" baseline="0" dirty="0">
+              <a:latin typeface="ＭＳ ゴシック" panose="020B0609070205080204" pitchFamily="49" charset="-128"/>
+              <a:ea typeface="ＭＳ ゴシック" panose="020B0609070205080204" pitchFamily="49" charset="-128"/>
+            </a:endParaRPr>
           </a:p>
         </p:txBody>
       </p:sp>
@@ -5314,10 +5540,16 @@
           <a:lstStyle/>
           <a:p>
             <a:r>
-              <a:rPr kumimoji="1" lang="ja-JP" altLang="en-US" dirty="0" smtClean="0"/>
+              <a:rPr kumimoji="1" lang="ja-JP" altLang="en-US" baseline="0" dirty="0" smtClean="0">
+                <a:latin typeface="ＭＳ ゴシック" panose="020B0609070205080204" pitchFamily="49" charset="-128"/>
+                <a:ea typeface="ＭＳ ゴシック" panose="020B0609070205080204" pitchFamily="49" charset="-128"/>
+              </a:rPr>
               <a:t>内定後の処理</a:t>
             </a:r>
-            <a:endParaRPr kumimoji="1" lang="en-US" altLang="ja-JP" dirty="0" smtClean="0"/>
+            <a:endParaRPr kumimoji="1" lang="en-US" altLang="ja-JP" baseline="0" dirty="0" smtClean="0">
+              <a:latin typeface="ＭＳ ゴシック" panose="020B0609070205080204" pitchFamily="49" charset="-128"/>
+              <a:ea typeface="ＭＳ ゴシック" panose="020B0609070205080204" pitchFamily="49" charset="-128"/>
+            </a:endParaRPr>
           </a:p>
         </p:txBody>
       </p:sp>
@@ -5367,10 +5599,16 @@
           <a:lstStyle/>
           <a:p>
             <a:r>
-              <a:rPr kumimoji="1" lang="ja-JP" altLang="en-US" dirty="0" smtClean="0"/>
+              <a:rPr kumimoji="1" lang="ja-JP" altLang="en-US" baseline="0" dirty="0" smtClean="0">
+                <a:latin typeface="ＭＳ ゴシック" panose="020B0609070205080204" pitchFamily="49" charset="-128"/>
+                <a:ea typeface="ＭＳ ゴシック" panose="020B0609070205080204" pitchFamily="49" charset="-128"/>
+              </a:rPr>
               <a:t>就職の応募時に注意する事</a:t>
             </a:r>
-            <a:endParaRPr kumimoji="1" lang="ja-JP" altLang="en-US" dirty="0"/>
+            <a:endParaRPr kumimoji="1" lang="ja-JP" altLang="en-US" baseline="0" dirty="0">
+              <a:latin typeface="ＭＳ ゴシック" panose="020B0609070205080204" pitchFamily="49" charset="-128"/>
+              <a:ea typeface="ＭＳ ゴシック" panose="020B0609070205080204" pitchFamily="49" charset="-128"/>
+            </a:endParaRPr>
           </a:p>
         </p:txBody>
       </p:sp>
@@ -5439,10 +5677,16 @@
           <a:lstStyle/>
           <a:p>
             <a:r>
-              <a:rPr kumimoji="1" lang="ja-JP" altLang="en-US" dirty="0" smtClean="0"/>
+              <a:rPr kumimoji="1" lang="ja-JP" altLang="en-US" baseline="0" dirty="0" smtClean="0">
+                <a:latin typeface="ＭＳ ゴシック" panose="020B0609070205080204" pitchFamily="49" charset="-128"/>
+                <a:ea typeface="ＭＳ ゴシック" panose="020B0609070205080204" pitchFamily="49" charset="-128"/>
+              </a:rPr>
               <a:t>早期出社について</a:t>
             </a:r>
-            <a:endParaRPr kumimoji="1" lang="ja-JP" altLang="en-US" dirty="0"/>
+            <a:endParaRPr kumimoji="1" lang="ja-JP" altLang="en-US" baseline="0" dirty="0">
+              <a:latin typeface="ＭＳ ゴシック" panose="020B0609070205080204" pitchFamily="49" charset="-128"/>
+              <a:ea typeface="ＭＳ ゴシック" panose="020B0609070205080204" pitchFamily="49" charset="-128"/>
+            </a:endParaRPr>
           </a:p>
         </p:txBody>
       </p:sp>
@@ -5462,10 +5706,16 @@
           <a:lstStyle/>
           <a:p>
             <a:r>
-              <a:rPr kumimoji="1" lang="ja-JP" altLang="en-US" dirty="0" smtClean="0"/>
+              <a:rPr kumimoji="1" lang="ja-JP" altLang="en-US" baseline="0" dirty="0" smtClean="0">
+                <a:latin typeface="ＭＳ ゴシック" panose="020B0609070205080204" pitchFamily="49" charset="-128"/>
+                <a:ea typeface="ＭＳ ゴシック" panose="020B0609070205080204" pitchFamily="49" charset="-128"/>
+              </a:rPr>
               <a:t>早期出社はできない為、就職応募時に担任に相談する事。</a:t>
             </a:r>
-            <a:endParaRPr kumimoji="1" lang="en-US" altLang="ja-JP" dirty="0" smtClean="0"/>
+            <a:endParaRPr kumimoji="1" lang="en-US" altLang="ja-JP" baseline="0" dirty="0" smtClean="0">
+              <a:latin typeface="ＭＳ ゴシック" panose="020B0609070205080204" pitchFamily="49" charset="-128"/>
+              <a:ea typeface="ＭＳ ゴシック" panose="020B0609070205080204" pitchFamily="49" charset="-128"/>
+            </a:endParaRPr>
           </a:p>
         </p:txBody>
       </p:sp>
@@ -5516,10 +5766,16 @@
           <a:p>
             <a:pPr lvl="0"/>
             <a:r>
-              <a:rPr kumimoji="1" lang="ja-JP" altLang="en-US" dirty="0" smtClean="0"/>
+              <a:rPr kumimoji="1" lang="ja-JP" altLang="en-US" baseline="0" dirty="0" smtClean="0">
+                <a:latin typeface="ＭＳ ゴシック" panose="020B0609070205080204" pitchFamily="49" charset="-128"/>
+                <a:ea typeface="ＭＳ ゴシック" panose="020B0609070205080204" pitchFamily="49" charset="-128"/>
+              </a:rPr>
               <a:t>証明書の発行期間・条件</a:t>
             </a:r>
-            <a:endParaRPr kumimoji="1" lang="ja-JP" altLang="en-US" dirty="0"/>
+            <a:endParaRPr kumimoji="1" lang="ja-JP" altLang="en-US" baseline="0" dirty="0">
+              <a:latin typeface="ＭＳ ゴシック" panose="020B0609070205080204" pitchFamily="49" charset="-128"/>
+              <a:ea typeface="ＭＳ ゴシック" panose="020B0609070205080204" pitchFamily="49" charset="-128"/>
+            </a:endParaRPr>
           </a:p>
         </p:txBody>
       </p:sp>
@@ -5539,25 +5795,43 @@
           <a:lstStyle/>
           <a:p>
             <a:r>
-              <a:rPr kumimoji="1" lang="ja-JP" altLang="en-US" dirty="0" smtClean="0"/>
+              <a:rPr kumimoji="1" lang="ja-JP" altLang="en-US" baseline="0" dirty="0" smtClean="0">
+                <a:latin typeface="ＭＳ ゴシック" panose="020B0609070205080204" pitchFamily="49" charset="-128"/>
+                <a:ea typeface="ＭＳ ゴシック" panose="020B0609070205080204" pitchFamily="49" charset="-128"/>
+              </a:rPr>
               <a:t>発行に関する期間は最短</a:t>
             </a:r>
             <a:r>
-              <a:rPr kumimoji="1" lang="en-US" altLang="ja-JP" dirty="0" smtClean="0"/>
+              <a:rPr kumimoji="1" lang="en-US" altLang="ja-JP" baseline="0" dirty="0" smtClean="0">
+                <a:latin typeface="ＭＳ ゴシック" panose="020B0609070205080204" pitchFamily="49" charset="-128"/>
+                <a:ea typeface="ＭＳ ゴシック" panose="020B0609070205080204" pitchFamily="49" charset="-128"/>
+              </a:rPr>
               <a:t>1</a:t>
             </a:r>
             <a:r>
-              <a:rPr kumimoji="1" lang="ja-JP" altLang="en-US" dirty="0" smtClean="0"/>
+              <a:rPr kumimoji="1" lang="ja-JP" altLang="en-US" baseline="0" dirty="0" smtClean="0">
+                <a:latin typeface="ＭＳ ゴシック" panose="020B0609070205080204" pitchFamily="49" charset="-128"/>
+                <a:ea typeface="ＭＳ ゴシック" panose="020B0609070205080204" pitchFamily="49" charset="-128"/>
+              </a:rPr>
               <a:t>週間</a:t>
             </a:r>
-            <a:endParaRPr kumimoji="1" lang="en-US" altLang="ja-JP" dirty="0" smtClean="0"/>
-          </a:p>
-          <a:p>
-            <a:r>
-              <a:rPr kumimoji="1" lang="ja-JP" altLang="en-US" dirty="0" smtClean="0"/>
+            <a:endParaRPr kumimoji="1" lang="en-US" altLang="ja-JP" baseline="0" dirty="0" smtClean="0">
+              <a:latin typeface="ＭＳ ゴシック" panose="020B0609070205080204" pitchFamily="49" charset="-128"/>
+              <a:ea typeface="ＭＳ ゴシック" panose="020B0609070205080204" pitchFamily="49" charset="-128"/>
+            </a:endParaRPr>
+          </a:p>
+          <a:p>
+            <a:r>
+              <a:rPr kumimoji="1" lang="ja-JP" altLang="en-US" baseline="0" dirty="0" smtClean="0">
+                <a:latin typeface="ＭＳ ゴシック" panose="020B0609070205080204" pitchFamily="49" charset="-128"/>
+                <a:ea typeface="ＭＳ ゴシック" panose="020B0609070205080204" pitchFamily="49" charset="-128"/>
+              </a:rPr>
               <a:t>学費が支払われている事</a:t>
             </a:r>
-            <a:endParaRPr kumimoji="1" lang="ja-JP" altLang="en-US" dirty="0"/>
+            <a:endParaRPr kumimoji="1" lang="ja-JP" altLang="en-US" baseline="0" dirty="0">
+              <a:latin typeface="ＭＳ ゴシック" panose="020B0609070205080204" pitchFamily="49" charset="-128"/>
+              <a:ea typeface="ＭＳ ゴシック" panose="020B0609070205080204" pitchFamily="49" charset="-128"/>
+            </a:endParaRPr>
           </a:p>
         </p:txBody>
       </p:sp>
@@ -5609,21 +5883,36 @@
           <a:lstStyle/>
           <a:p>
             <a:r>
-              <a:rPr kumimoji="1" lang="ja-JP" altLang="en-US" dirty="0" smtClean="0"/>
+              <a:rPr kumimoji="1" lang="ja-JP" altLang="en-US" baseline="0" dirty="0" smtClean="0">
+                <a:latin typeface="ＭＳ ゴシック" panose="020B0609070205080204" pitchFamily="49" charset="-128"/>
+                <a:ea typeface="ＭＳ ゴシック" panose="020B0609070205080204" pitchFamily="49" charset="-128"/>
+              </a:rPr>
               <a:t>書類の記入の仕方</a:t>
             </a:r>
             <a:r>
-              <a:rPr kumimoji="1" lang="en-US" altLang="ja-JP" dirty="0" smtClean="0"/>
+              <a:rPr kumimoji="1" lang="en-US" altLang="ja-JP" baseline="0" dirty="0" smtClean="0">
+                <a:latin typeface="ＭＳ ゴシック" panose="020B0609070205080204" pitchFamily="49" charset="-128"/>
+                <a:ea typeface="ＭＳ ゴシック" panose="020B0609070205080204" pitchFamily="49" charset="-128"/>
+              </a:rPr>
               <a:t/>
             </a:r>
             <a:br>
-              <a:rPr kumimoji="1" lang="en-US" altLang="ja-JP" dirty="0" smtClean="0"/>
+              <a:rPr kumimoji="1" lang="en-US" altLang="ja-JP" baseline="0" dirty="0" smtClean="0">
+                <a:latin typeface="ＭＳ ゴシック" panose="020B0609070205080204" pitchFamily="49" charset="-128"/>
+                <a:ea typeface="ＭＳ ゴシック" panose="020B0609070205080204" pitchFamily="49" charset="-128"/>
+              </a:rPr>
             </a:br>
             <a:r>
-              <a:rPr kumimoji="1" lang="ja-JP" altLang="en-US" dirty="0" smtClean="0"/>
+              <a:rPr kumimoji="1" lang="ja-JP" altLang="en-US" baseline="0" dirty="0" smtClean="0">
+                <a:latin typeface="ＭＳ ゴシック" panose="020B0609070205080204" pitchFamily="49" charset="-128"/>
+                <a:ea typeface="ＭＳ ゴシック" panose="020B0609070205080204" pitchFamily="49" charset="-128"/>
+              </a:rPr>
               <a:t>証明書の申込</a:t>
             </a:r>
-            <a:endParaRPr kumimoji="1" lang="ja-JP" altLang="en-US" dirty="0"/>
+            <a:endParaRPr kumimoji="1" lang="ja-JP" altLang="en-US" baseline="0" dirty="0">
+              <a:latin typeface="ＭＳ ゴシック" panose="020B0609070205080204" pitchFamily="49" charset="-128"/>
+              <a:ea typeface="ＭＳ ゴシック" panose="020B0609070205080204" pitchFamily="49" charset="-128"/>
+            </a:endParaRPr>
           </a:p>
         </p:txBody>
       </p:sp>
@@ -5694,21 +5983,36 @@
           <a:lstStyle/>
           <a:p>
             <a:r>
-              <a:rPr kumimoji="1" lang="ja-JP" altLang="en-US" dirty="0" smtClean="0"/>
+              <a:rPr kumimoji="1" lang="ja-JP" altLang="en-US" baseline="0" dirty="0" smtClean="0">
+                <a:latin typeface="ＭＳ ゴシック" panose="020B0609070205080204" pitchFamily="49" charset="-128"/>
+                <a:ea typeface="ＭＳ ゴシック" panose="020B0609070205080204" pitchFamily="49" charset="-128"/>
+              </a:rPr>
               <a:t>書類の記入の仕方</a:t>
             </a:r>
             <a:r>
-              <a:rPr kumimoji="1" lang="en-US" altLang="ja-JP" dirty="0" smtClean="0"/>
+              <a:rPr kumimoji="1" lang="en-US" altLang="ja-JP" baseline="0" dirty="0" smtClean="0">
+                <a:latin typeface="ＭＳ ゴシック" panose="020B0609070205080204" pitchFamily="49" charset="-128"/>
+                <a:ea typeface="ＭＳ ゴシック" panose="020B0609070205080204" pitchFamily="49" charset="-128"/>
+              </a:rPr>
               <a:t/>
             </a:r>
             <a:br>
-              <a:rPr kumimoji="1" lang="en-US" altLang="ja-JP" dirty="0" smtClean="0"/>
+              <a:rPr kumimoji="1" lang="en-US" altLang="ja-JP" baseline="0" dirty="0" smtClean="0">
+                <a:latin typeface="ＭＳ ゴシック" panose="020B0609070205080204" pitchFamily="49" charset="-128"/>
+                <a:ea typeface="ＭＳ ゴシック" panose="020B0609070205080204" pitchFamily="49" charset="-128"/>
+              </a:rPr>
             </a:br>
             <a:r>
-              <a:rPr kumimoji="1" lang="ja-JP" altLang="en-US" dirty="0" smtClean="0"/>
+              <a:rPr kumimoji="1" lang="ja-JP" altLang="en-US" baseline="0" dirty="0" smtClean="0">
+                <a:latin typeface="ＭＳ ゴシック" panose="020B0609070205080204" pitchFamily="49" charset="-128"/>
+                <a:ea typeface="ＭＳ ゴシック" panose="020B0609070205080204" pitchFamily="49" charset="-128"/>
+              </a:rPr>
               <a:t>就職申込票</a:t>
             </a:r>
-            <a:endParaRPr kumimoji="1" lang="ja-JP" altLang="en-US" dirty="0"/>
+            <a:endParaRPr kumimoji="1" lang="ja-JP" altLang="en-US" baseline="0" dirty="0">
+              <a:latin typeface="ＭＳ ゴシック" panose="020B0609070205080204" pitchFamily="49" charset="-128"/>
+              <a:ea typeface="ＭＳ ゴシック" panose="020B0609070205080204" pitchFamily="49" charset="-128"/>
+            </a:endParaRPr>
           </a:p>
         </p:txBody>
       </p:sp>
@@ -5779,21 +6083,36 @@
           <a:lstStyle/>
           <a:p>
             <a:r>
-              <a:rPr kumimoji="1" lang="ja-JP" altLang="en-US" dirty="0" smtClean="0"/>
+              <a:rPr kumimoji="1" lang="ja-JP" altLang="en-US" baseline="0" dirty="0" smtClean="0">
+                <a:latin typeface="ＭＳ ゴシック" panose="020B0609070205080204" pitchFamily="49" charset="-128"/>
+                <a:ea typeface="ＭＳ ゴシック" panose="020B0609070205080204" pitchFamily="49" charset="-128"/>
+              </a:rPr>
               <a:t>書類の記入の仕方</a:t>
             </a:r>
             <a:r>
-              <a:rPr kumimoji="1" lang="en-US" altLang="ja-JP" dirty="0" smtClean="0"/>
+              <a:rPr kumimoji="1" lang="en-US" altLang="ja-JP" baseline="0" dirty="0" smtClean="0">
+                <a:latin typeface="ＭＳ ゴシック" panose="020B0609070205080204" pitchFamily="49" charset="-128"/>
+                <a:ea typeface="ＭＳ ゴシック" panose="020B0609070205080204" pitchFamily="49" charset="-128"/>
+              </a:rPr>
               <a:t/>
             </a:r>
             <a:br>
-              <a:rPr kumimoji="1" lang="en-US" altLang="ja-JP" dirty="0" smtClean="0"/>
+              <a:rPr kumimoji="1" lang="en-US" altLang="ja-JP" baseline="0" dirty="0" smtClean="0">
+                <a:latin typeface="ＭＳ ゴシック" panose="020B0609070205080204" pitchFamily="49" charset="-128"/>
+                <a:ea typeface="ＭＳ ゴシック" panose="020B0609070205080204" pitchFamily="49" charset="-128"/>
+              </a:rPr>
             </a:br>
             <a:r>
-              <a:rPr kumimoji="1" lang="ja-JP" altLang="en-US" dirty="0" smtClean="0"/>
+              <a:rPr kumimoji="1" lang="ja-JP" altLang="en-US" baseline="0" dirty="0" smtClean="0">
+                <a:latin typeface="ＭＳ ゴシック" panose="020B0609070205080204" pitchFamily="49" charset="-128"/>
+                <a:ea typeface="ＭＳ ゴシック" panose="020B0609070205080204" pitchFamily="49" charset="-128"/>
+              </a:rPr>
               <a:t>履歴書の記入について</a:t>
             </a:r>
-            <a:endParaRPr kumimoji="1" lang="ja-JP" altLang="en-US" dirty="0"/>
+            <a:endParaRPr kumimoji="1" lang="ja-JP" altLang="en-US" baseline="0" dirty="0">
+              <a:latin typeface="ＭＳ ゴシック" panose="020B0609070205080204" pitchFamily="49" charset="-128"/>
+              <a:ea typeface="ＭＳ ゴシック" panose="020B0609070205080204" pitchFamily="49" charset="-128"/>
+            </a:endParaRPr>
           </a:p>
         </p:txBody>
       </p:sp>
@@ -5864,21 +6183,36 @@
           <a:lstStyle/>
           <a:p>
             <a:r>
-              <a:rPr kumimoji="1" lang="ja-JP" altLang="en-US" dirty="0" smtClean="0"/>
+              <a:rPr kumimoji="1" lang="ja-JP" altLang="en-US" baseline="0" dirty="0" smtClean="0">
+                <a:latin typeface="ＭＳ ゴシック" panose="020B0609070205080204" pitchFamily="49" charset="-128"/>
+                <a:ea typeface="ＭＳ ゴシック" panose="020B0609070205080204" pitchFamily="49" charset="-128"/>
+              </a:rPr>
               <a:t>就職の身だしなみ</a:t>
             </a:r>
             <a:r>
-              <a:rPr kumimoji="1" lang="en-US" altLang="ja-JP" dirty="0" smtClean="0"/>
+              <a:rPr kumimoji="1" lang="en-US" altLang="ja-JP" baseline="0" dirty="0" smtClean="0">
+                <a:latin typeface="ＭＳ ゴシック" panose="020B0609070205080204" pitchFamily="49" charset="-128"/>
+                <a:ea typeface="ＭＳ ゴシック" panose="020B0609070205080204" pitchFamily="49" charset="-128"/>
+              </a:rPr>
               <a:t/>
             </a:r>
             <a:br>
-              <a:rPr kumimoji="1" lang="en-US" altLang="ja-JP" dirty="0" smtClean="0"/>
+              <a:rPr kumimoji="1" lang="en-US" altLang="ja-JP" baseline="0" dirty="0" smtClean="0">
+                <a:latin typeface="ＭＳ ゴシック" panose="020B0609070205080204" pitchFamily="49" charset="-128"/>
+                <a:ea typeface="ＭＳ ゴシック" panose="020B0609070205080204" pitchFamily="49" charset="-128"/>
+              </a:rPr>
             </a:br>
             <a:r>
-              <a:rPr kumimoji="1" lang="ja-JP" altLang="en-US" dirty="0" smtClean="0"/>
+              <a:rPr kumimoji="1" lang="ja-JP" altLang="en-US" baseline="0" dirty="0" smtClean="0">
+                <a:latin typeface="ＭＳ ゴシック" panose="020B0609070205080204" pitchFamily="49" charset="-128"/>
+                <a:ea typeface="ＭＳ ゴシック" panose="020B0609070205080204" pitchFamily="49" charset="-128"/>
+              </a:rPr>
               <a:t>服装・持ち物について</a:t>
             </a:r>
-            <a:endParaRPr kumimoji="1" lang="ja-JP" altLang="en-US" dirty="0"/>
+            <a:endParaRPr kumimoji="1" lang="ja-JP" altLang="en-US" baseline="0" dirty="0">
+              <a:latin typeface="ＭＳ ゴシック" panose="020B0609070205080204" pitchFamily="49" charset="-128"/>
+              <a:ea typeface="ＭＳ ゴシック" panose="020B0609070205080204" pitchFamily="49" charset="-128"/>
+            </a:endParaRPr>
           </a:p>
         </p:txBody>
       </p:sp>
@@ -5947,10 +6281,16 @@
           <a:lstStyle/>
           <a:p>
             <a:r>
-              <a:rPr kumimoji="1" lang="ja-JP" altLang="en-US" dirty="0" smtClean="0"/>
+              <a:rPr kumimoji="1" lang="ja-JP" altLang="en-US" baseline="0" dirty="0" smtClean="0">
+                <a:latin typeface="ＭＳ ゴシック" panose="020B0609070205080204" pitchFamily="49" charset="-128"/>
+                <a:ea typeface="ＭＳ ゴシック" panose="020B0609070205080204" pitchFamily="49" charset="-128"/>
+              </a:rPr>
               <a:t>就職指導週間スケジュール</a:t>
             </a:r>
-            <a:endParaRPr kumimoji="1" lang="ja-JP" altLang="en-US" dirty="0"/>
+            <a:endParaRPr kumimoji="1" lang="ja-JP" altLang="en-US" baseline="0" dirty="0">
+              <a:latin typeface="ＭＳ ゴシック" panose="020B0609070205080204" pitchFamily="49" charset="-128"/>
+              <a:ea typeface="ＭＳ ゴシック" panose="020B0609070205080204" pitchFamily="49" charset="-128"/>
+            </a:endParaRPr>
           </a:p>
         </p:txBody>
       </p:sp>
@@ -6304,14 +6644,30 @@
           <a:lstStyle/>
           <a:p>
             <a:r>
-              <a:rPr kumimoji="1" lang="en-US" altLang="ja-JP" dirty="0" smtClean="0"/>
+              <a:rPr lang="en-US" altLang="ja-JP" baseline="0" dirty="0" smtClean="0">
+                <a:latin typeface="ＭＳ ゴシック" panose="020B0609070205080204" pitchFamily="49" charset="-128"/>
+                <a:ea typeface="ＭＳ ゴシック" panose="020B0609070205080204" pitchFamily="49" charset="-128"/>
+              </a:rPr>
               <a:t>31</a:t>
             </a:r>
             <a:r>
-              <a:rPr kumimoji="1" lang="ja-JP" altLang="en-US" dirty="0" smtClean="0"/>
-              <a:t>日はスーツ着用にて出校</a:t>
-            </a:r>
-            <a:endParaRPr kumimoji="1" lang="ja-JP" altLang="en-US" dirty="0"/>
+              <a:rPr kumimoji="1" lang="ja-JP" altLang="en-US" baseline="0" dirty="0" smtClean="0">
+                <a:latin typeface="ＭＳ ゴシック" panose="020B0609070205080204" pitchFamily="49" charset="-128"/>
+                <a:ea typeface="ＭＳ ゴシック" panose="020B0609070205080204" pitchFamily="49" charset="-128"/>
+              </a:rPr>
+              <a:t>日</a:t>
+            </a:r>
+            <a:r>
+              <a:rPr kumimoji="1" lang="ja-JP" altLang="en-US" baseline="0" dirty="0" smtClean="0">
+                <a:latin typeface="ＭＳ ゴシック" panose="020B0609070205080204" pitchFamily="49" charset="-128"/>
+                <a:ea typeface="ＭＳ ゴシック" panose="020B0609070205080204" pitchFamily="49" charset="-128"/>
+              </a:rPr>
+              <a:t>はスーツ着用にて出校</a:t>
+            </a:r>
+            <a:endParaRPr kumimoji="1" lang="ja-JP" altLang="en-US" baseline="0" dirty="0">
+              <a:latin typeface="ＭＳ ゴシック" panose="020B0609070205080204" pitchFamily="49" charset="-128"/>
+              <a:ea typeface="ＭＳ ゴシック" panose="020B0609070205080204" pitchFamily="49" charset="-128"/>
+            </a:endParaRPr>
           </a:p>
         </p:txBody>
       </p:sp>
@@ -6325,6 +6681,13 @@
   <p:clrMapOvr>
     <a:masterClrMapping/>
   </p:clrMapOvr>
+  <p:timing>
+    <p:tnLst>
+      <p:par>
+        <p:cTn id="1" dur="indefinite" restart="never" nodeType="tmRoot"/>
+      </p:par>
+    </p:tnLst>
+  </p:timing>
 </p:sld>
 </file>
 
@@ -6363,21 +6726,36 @@
           <a:lstStyle/>
           <a:p>
             <a:r>
-              <a:rPr kumimoji="1" lang="ja-JP" altLang="en-US" dirty="0" smtClean="0"/>
+              <a:rPr kumimoji="1" lang="ja-JP" altLang="en-US" baseline="0" dirty="0" smtClean="0">
+                <a:latin typeface="ＭＳ ゴシック" panose="020B0609070205080204" pitchFamily="49" charset="-128"/>
+                <a:ea typeface="ＭＳ ゴシック" panose="020B0609070205080204" pitchFamily="49" charset="-128"/>
+              </a:rPr>
               <a:t>就職の身だしなみ</a:t>
             </a:r>
             <a:r>
-              <a:rPr kumimoji="1" lang="en-US" altLang="ja-JP" dirty="0" smtClean="0"/>
+              <a:rPr kumimoji="1" lang="en-US" altLang="ja-JP" baseline="0" dirty="0" smtClean="0">
+                <a:latin typeface="ＭＳ ゴシック" panose="020B0609070205080204" pitchFamily="49" charset="-128"/>
+                <a:ea typeface="ＭＳ ゴシック" panose="020B0609070205080204" pitchFamily="49" charset="-128"/>
+              </a:rPr>
               <a:t/>
             </a:r>
             <a:br>
-              <a:rPr kumimoji="1" lang="en-US" altLang="ja-JP" dirty="0" smtClean="0"/>
+              <a:rPr kumimoji="1" lang="en-US" altLang="ja-JP" baseline="0" dirty="0" smtClean="0">
+                <a:latin typeface="ＭＳ ゴシック" panose="020B0609070205080204" pitchFamily="49" charset="-128"/>
+                <a:ea typeface="ＭＳ ゴシック" panose="020B0609070205080204" pitchFamily="49" charset="-128"/>
+              </a:rPr>
             </a:br>
             <a:r>
-              <a:rPr kumimoji="1" lang="ja-JP" altLang="en-US" dirty="0" smtClean="0"/>
+              <a:rPr kumimoji="1" lang="ja-JP" altLang="en-US" baseline="0" dirty="0" smtClean="0">
+                <a:latin typeface="ＭＳ ゴシック" panose="020B0609070205080204" pitchFamily="49" charset="-128"/>
+                <a:ea typeface="ＭＳ ゴシック" panose="020B0609070205080204" pitchFamily="49" charset="-128"/>
+              </a:rPr>
               <a:t>男子の服装</a:t>
             </a:r>
-            <a:endParaRPr kumimoji="1" lang="ja-JP" altLang="en-US" dirty="0"/>
+            <a:endParaRPr kumimoji="1" lang="ja-JP" altLang="en-US" baseline="0" dirty="0">
+              <a:latin typeface="ＭＳ ゴシック" panose="020B0609070205080204" pitchFamily="49" charset="-128"/>
+              <a:ea typeface="ＭＳ ゴシック" panose="020B0609070205080204" pitchFamily="49" charset="-128"/>
+            </a:endParaRPr>
           </a:p>
         </p:txBody>
       </p:sp>
@@ -6451,21 +6829,36 @@
           <a:lstStyle/>
           <a:p>
             <a:r>
-              <a:rPr kumimoji="1" lang="ja-JP" altLang="en-US" dirty="0" smtClean="0"/>
+              <a:rPr kumimoji="1" lang="ja-JP" altLang="en-US" baseline="0" dirty="0" smtClean="0">
+                <a:latin typeface="ＭＳ ゴシック" panose="020B0609070205080204" pitchFamily="49" charset="-128"/>
+                <a:ea typeface="ＭＳ ゴシック" panose="020B0609070205080204" pitchFamily="49" charset="-128"/>
+              </a:rPr>
               <a:t>就職の身だしなみ</a:t>
             </a:r>
             <a:r>
-              <a:rPr kumimoji="1" lang="en-US" altLang="ja-JP" dirty="0" smtClean="0"/>
+              <a:rPr kumimoji="1" lang="en-US" altLang="ja-JP" baseline="0" dirty="0" smtClean="0">
+                <a:latin typeface="ＭＳ ゴシック" panose="020B0609070205080204" pitchFamily="49" charset="-128"/>
+                <a:ea typeface="ＭＳ ゴシック" panose="020B0609070205080204" pitchFamily="49" charset="-128"/>
+              </a:rPr>
               <a:t/>
             </a:r>
             <a:br>
-              <a:rPr kumimoji="1" lang="en-US" altLang="ja-JP" dirty="0" smtClean="0"/>
+              <a:rPr kumimoji="1" lang="en-US" altLang="ja-JP" baseline="0" dirty="0" smtClean="0">
+                <a:latin typeface="ＭＳ ゴシック" panose="020B0609070205080204" pitchFamily="49" charset="-128"/>
+                <a:ea typeface="ＭＳ ゴシック" panose="020B0609070205080204" pitchFamily="49" charset="-128"/>
+              </a:rPr>
             </a:br>
             <a:r>
-              <a:rPr kumimoji="1" lang="ja-JP" altLang="en-US" dirty="0" smtClean="0"/>
+              <a:rPr kumimoji="1" lang="ja-JP" altLang="en-US" baseline="0" dirty="0" smtClean="0">
+                <a:latin typeface="ＭＳ ゴシック" panose="020B0609070205080204" pitchFamily="49" charset="-128"/>
+                <a:ea typeface="ＭＳ ゴシック" panose="020B0609070205080204" pitchFamily="49" charset="-128"/>
+              </a:rPr>
               <a:t>女子の服装</a:t>
             </a:r>
-            <a:endParaRPr kumimoji="1" lang="ja-JP" altLang="en-US" dirty="0"/>
+            <a:endParaRPr kumimoji="1" lang="ja-JP" altLang="en-US" baseline="0" dirty="0">
+              <a:latin typeface="ＭＳ ゴシック" panose="020B0609070205080204" pitchFamily="49" charset="-128"/>
+              <a:ea typeface="ＭＳ ゴシック" panose="020B0609070205080204" pitchFamily="49" charset="-128"/>
+            </a:endParaRPr>
           </a:p>
         </p:txBody>
       </p:sp>
@@ -6534,10 +6927,16 @@
           <a:lstStyle/>
           <a:p>
             <a:r>
-              <a:rPr kumimoji="1" lang="ja-JP" altLang="en-US" dirty="0" smtClean="0"/>
+              <a:rPr kumimoji="1" lang="ja-JP" altLang="en-US" baseline="0" dirty="0" smtClean="0">
+                <a:latin typeface="ＭＳ ゴシック" panose="020B0609070205080204" pitchFamily="49" charset="-128"/>
+                <a:ea typeface="ＭＳ ゴシック" panose="020B0609070205080204" pitchFamily="49" charset="-128"/>
+              </a:rPr>
               <a:t>就職の身だしなみ</a:t>
             </a:r>
-            <a:endParaRPr kumimoji="1" lang="ja-JP" altLang="en-US" dirty="0"/>
+            <a:endParaRPr kumimoji="1" lang="ja-JP" altLang="en-US" baseline="0" dirty="0">
+              <a:latin typeface="ＭＳ ゴシック" panose="020B0609070205080204" pitchFamily="49" charset="-128"/>
+              <a:ea typeface="ＭＳ ゴシック" panose="020B0609070205080204" pitchFamily="49" charset="-128"/>
+            </a:endParaRPr>
           </a:p>
         </p:txBody>
       </p:sp>
@@ -6606,10 +7005,16 @@
           <a:lstStyle/>
           <a:p>
             <a:r>
-              <a:rPr kumimoji="1" lang="ja-JP" altLang="en-US" dirty="0" smtClean="0"/>
+              <a:rPr kumimoji="1" lang="ja-JP" altLang="en-US" baseline="0" dirty="0" smtClean="0">
+                <a:latin typeface="ＭＳ ゴシック" panose="020B0609070205080204" pitchFamily="49" charset="-128"/>
+                <a:ea typeface="ＭＳ ゴシック" panose="020B0609070205080204" pitchFamily="49" charset="-128"/>
+              </a:rPr>
               <a:t>特定活動ビザ</a:t>
             </a:r>
-            <a:endParaRPr kumimoji="1" lang="ja-JP" altLang="en-US" dirty="0"/>
+            <a:endParaRPr kumimoji="1" lang="ja-JP" altLang="en-US" baseline="0" dirty="0">
+              <a:latin typeface="ＭＳ ゴシック" panose="020B0609070205080204" pitchFamily="49" charset="-128"/>
+              <a:ea typeface="ＭＳ ゴシック" panose="020B0609070205080204" pitchFamily="49" charset="-128"/>
+            </a:endParaRPr>
           </a:p>
         </p:txBody>
       </p:sp>
@@ -6677,7 +7082,10 @@
           <a:bodyPr/>
           <a:lstStyle/>
           <a:p>
-            <a:endParaRPr kumimoji="1" lang="ja-JP" altLang="en-US" dirty="0"/>
+            <a:endParaRPr kumimoji="1" lang="ja-JP" altLang="en-US" baseline="0" dirty="0">
+              <a:latin typeface="ＭＳ ゴシック" panose="020B0609070205080204" pitchFamily="49" charset="-128"/>
+              <a:ea typeface="ＭＳ ゴシック" panose="020B0609070205080204" pitchFamily="49" charset="-128"/>
+            </a:endParaRPr>
           </a:p>
         </p:txBody>
       </p:sp>
@@ -6746,10 +7154,16 @@
           <a:lstStyle/>
           <a:p>
             <a:r>
-              <a:rPr kumimoji="1" lang="ja-JP" altLang="en-US" dirty="0" smtClean="0"/>
+              <a:rPr kumimoji="1" lang="ja-JP" altLang="en-US" baseline="0" dirty="0" smtClean="0">
+                <a:latin typeface="ＭＳ ゴシック" panose="020B0609070205080204" pitchFamily="49" charset="-128"/>
+                <a:ea typeface="ＭＳ ゴシック" panose="020B0609070205080204" pitchFamily="49" charset="-128"/>
+              </a:rPr>
               <a:t>進学について</a:t>
             </a:r>
-            <a:endParaRPr kumimoji="1" lang="ja-JP" altLang="en-US" dirty="0"/>
+            <a:endParaRPr kumimoji="1" lang="ja-JP" altLang="en-US" baseline="0" dirty="0">
+              <a:latin typeface="ＭＳ ゴシック" panose="020B0609070205080204" pitchFamily="49" charset="-128"/>
+              <a:ea typeface="ＭＳ ゴシック" panose="020B0609070205080204" pitchFamily="49" charset="-128"/>
+            </a:endParaRPr>
           </a:p>
         </p:txBody>
       </p:sp>
@@ -6818,10 +7232,16 @@
           <a:lstStyle/>
           <a:p>
             <a:r>
-              <a:rPr kumimoji="1" lang="ja-JP" altLang="en-US" dirty="0" smtClean="0"/>
+              <a:rPr kumimoji="1" lang="ja-JP" altLang="en-US" baseline="0" dirty="0" smtClean="0">
+                <a:latin typeface="ＭＳ ゴシック" panose="020B0609070205080204" pitchFamily="49" charset="-128"/>
+                <a:ea typeface="ＭＳ ゴシック" panose="020B0609070205080204" pitchFamily="49" charset="-128"/>
+              </a:rPr>
               <a:t>受験上有利になる資格</a:t>
             </a:r>
-            <a:endParaRPr kumimoji="1" lang="ja-JP" altLang="en-US" dirty="0"/>
+            <a:endParaRPr kumimoji="1" lang="ja-JP" altLang="en-US" baseline="0" dirty="0">
+              <a:latin typeface="ＭＳ ゴシック" panose="020B0609070205080204" pitchFamily="49" charset="-128"/>
+              <a:ea typeface="ＭＳ ゴシック" panose="020B0609070205080204" pitchFamily="49" charset="-128"/>
+            </a:endParaRPr>
           </a:p>
         </p:txBody>
       </p:sp>
@@ -6890,10 +7310,16 @@
           <a:lstStyle/>
           <a:p>
             <a:r>
-              <a:rPr kumimoji="1" lang="ja-JP" altLang="en-US" dirty="0" smtClean="0"/>
+              <a:rPr kumimoji="1" lang="ja-JP" altLang="en-US" baseline="0" dirty="0" smtClean="0">
+                <a:latin typeface="ＭＳ ゴシック" panose="020B0609070205080204" pitchFamily="49" charset="-128"/>
+                <a:ea typeface="ＭＳ ゴシック" panose="020B0609070205080204" pitchFamily="49" charset="-128"/>
+              </a:rPr>
               <a:t>担任推薦について</a:t>
             </a:r>
-            <a:endParaRPr kumimoji="1" lang="ja-JP" altLang="en-US" dirty="0"/>
+            <a:endParaRPr kumimoji="1" lang="ja-JP" altLang="en-US" baseline="0" dirty="0">
+              <a:latin typeface="ＭＳ ゴシック" panose="020B0609070205080204" pitchFamily="49" charset="-128"/>
+              <a:ea typeface="ＭＳ ゴシック" panose="020B0609070205080204" pitchFamily="49" charset="-128"/>
+            </a:endParaRPr>
           </a:p>
         </p:txBody>
       </p:sp>
@@ -6962,10 +7388,16 @@
           <a:lstStyle/>
           <a:p>
             <a:r>
-              <a:rPr kumimoji="1" lang="ja-JP" altLang="en-US" dirty="0" smtClean="0"/>
+              <a:rPr kumimoji="1" lang="ja-JP" altLang="en-US" baseline="0" dirty="0" smtClean="0">
+                <a:latin typeface="ＭＳ ゴシック" panose="020B0609070205080204" pitchFamily="49" charset="-128"/>
+                <a:ea typeface="ＭＳ ゴシック" panose="020B0609070205080204" pitchFamily="49" charset="-128"/>
+              </a:rPr>
               <a:t>就職指導週間のスケジュール</a:t>
             </a:r>
-            <a:endParaRPr kumimoji="1" lang="ja-JP" altLang="en-US" dirty="0"/>
+            <a:endParaRPr kumimoji="1" lang="ja-JP" altLang="en-US" baseline="0" dirty="0">
+              <a:latin typeface="ＭＳ ゴシック" panose="020B0609070205080204" pitchFamily="49" charset="-128"/>
+              <a:ea typeface="ＭＳ ゴシック" panose="020B0609070205080204" pitchFamily="49" charset="-128"/>
+            </a:endParaRPr>
           </a:p>
         </p:txBody>
       </p:sp>
@@ -7170,6 +7602,13 @@
   <p:clrMapOvr>
     <a:masterClrMapping/>
   </p:clrMapOvr>
+  <p:timing>
+    <p:tnLst>
+      <p:par>
+        <p:cTn id="1" dur="indefinite" restart="never" nodeType="tmRoot"/>
+      </p:par>
+    </p:tnLst>
+  </p:timing>
 </p:sld>
 </file>
 
@@ -7208,10 +7647,16 @@
           <a:lstStyle/>
           <a:p>
             <a:r>
-              <a:rPr kumimoji="1" lang="ja-JP" altLang="en-US" dirty="0" smtClean="0"/>
+              <a:rPr kumimoji="1" lang="ja-JP" altLang="en-US" baseline="0" dirty="0" smtClean="0">
+                <a:latin typeface="ＭＳ ゴシック" panose="020B0609070205080204" pitchFamily="49" charset="-128"/>
+                <a:ea typeface="ＭＳ ゴシック" panose="020B0609070205080204" pitchFamily="49" charset="-128"/>
+              </a:rPr>
               <a:t>就職指導週間の目的</a:t>
             </a:r>
-            <a:endParaRPr kumimoji="1" lang="ja-JP" altLang="en-US" dirty="0"/>
+            <a:endParaRPr kumimoji="1" lang="ja-JP" altLang="en-US" baseline="0" dirty="0">
+              <a:latin typeface="ＭＳ ゴシック" panose="020B0609070205080204" pitchFamily="49" charset="-128"/>
+              <a:ea typeface="ＭＳ ゴシック" panose="020B0609070205080204" pitchFamily="49" charset="-128"/>
+            </a:endParaRPr>
           </a:p>
         </p:txBody>
       </p:sp>
@@ -7231,56 +7676,98 @@
           <a:lstStyle/>
           <a:p>
             <a:r>
-              <a:rPr kumimoji="1" lang="ja-JP" altLang="en-US" dirty="0" smtClean="0"/>
+              <a:rPr kumimoji="1" lang="ja-JP" altLang="en-US" baseline="0" dirty="0" smtClean="0">
+                <a:latin typeface="ＭＳ ゴシック" panose="020B0609070205080204" pitchFamily="49" charset="-128"/>
+                <a:ea typeface="ＭＳ ゴシック" panose="020B0609070205080204" pitchFamily="49" charset="-128"/>
+              </a:rPr>
               <a:t>就職・進学ともに、意識を変える</a:t>
             </a:r>
-            <a:endParaRPr kumimoji="1" lang="en-US" altLang="ja-JP" dirty="0" smtClean="0"/>
+            <a:endParaRPr kumimoji="1" lang="en-US" altLang="ja-JP" baseline="0" dirty="0" smtClean="0">
+              <a:latin typeface="ＭＳ ゴシック" panose="020B0609070205080204" pitchFamily="49" charset="-128"/>
+              <a:ea typeface="ＭＳ ゴシック" panose="020B0609070205080204" pitchFamily="49" charset="-128"/>
+            </a:endParaRPr>
           </a:p>
           <a:p>
             <a:pPr lvl="1"/>
             <a:r>
-              <a:rPr lang="ja-JP" altLang="en-US" dirty="0"/>
+              <a:rPr lang="ja-JP" altLang="en-US" baseline="0" dirty="0">
+                <a:latin typeface="ＭＳ ゴシック" panose="020B0609070205080204" pitchFamily="49" charset="-128"/>
+                <a:ea typeface="ＭＳ ゴシック" panose="020B0609070205080204" pitchFamily="49" charset="-128"/>
+              </a:rPr>
               <a:t>就職</a:t>
             </a:r>
             <a:r>
-              <a:rPr lang="ja-JP" altLang="en-US" dirty="0" smtClean="0"/>
+              <a:rPr lang="ja-JP" altLang="en-US" baseline="0" dirty="0" smtClean="0">
+                <a:latin typeface="ＭＳ ゴシック" panose="020B0609070205080204" pitchFamily="49" charset="-128"/>
+                <a:ea typeface="ＭＳ ゴシック" panose="020B0609070205080204" pitchFamily="49" charset="-128"/>
+              </a:rPr>
               <a:t>は、「相手があなたを選ぶ」</a:t>
             </a:r>
-            <a:endParaRPr kumimoji="1" lang="en-US" altLang="ja-JP" dirty="0" smtClean="0"/>
-          </a:p>
-          <a:p>
-            <a:r>
-              <a:rPr kumimoji="1" lang="ja-JP" altLang="en-US" dirty="0" smtClean="0"/>
+            <a:endParaRPr kumimoji="1" lang="en-US" altLang="ja-JP" baseline="0" dirty="0" smtClean="0">
+              <a:latin typeface="ＭＳ ゴシック" panose="020B0609070205080204" pitchFamily="49" charset="-128"/>
+              <a:ea typeface="ＭＳ ゴシック" panose="020B0609070205080204" pitchFamily="49" charset="-128"/>
+            </a:endParaRPr>
+          </a:p>
+          <a:p>
+            <a:r>
+              <a:rPr kumimoji="1" lang="ja-JP" altLang="en-US" baseline="0" dirty="0" smtClean="0">
+                <a:latin typeface="ＭＳ ゴシック" panose="020B0609070205080204" pitchFamily="49" charset="-128"/>
+                <a:ea typeface="ＭＳ ゴシック" panose="020B0609070205080204" pitchFamily="49" charset="-128"/>
+              </a:rPr>
               <a:t>就職に必要な知識を持つ</a:t>
             </a:r>
-            <a:endParaRPr kumimoji="1" lang="en-US" altLang="ja-JP" dirty="0" smtClean="0"/>
+            <a:endParaRPr kumimoji="1" lang="en-US" altLang="ja-JP" baseline="0" dirty="0" smtClean="0">
+              <a:latin typeface="ＭＳ ゴシック" panose="020B0609070205080204" pitchFamily="49" charset="-128"/>
+              <a:ea typeface="ＭＳ ゴシック" panose="020B0609070205080204" pitchFamily="49" charset="-128"/>
+            </a:endParaRPr>
           </a:p>
           <a:p>
             <a:pPr lvl="1"/>
             <a:r>
-              <a:rPr kumimoji="1" lang="ja-JP" altLang="en-US" dirty="0" smtClean="0"/>
+              <a:rPr kumimoji="1" lang="ja-JP" altLang="en-US" baseline="0" dirty="0" smtClean="0">
+                <a:latin typeface="ＭＳ ゴシック" panose="020B0609070205080204" pitchFamily="49" charset="-128"/>
+                <a:ea typeface="ＭＳ ゴシック" panose="020B0609070205080204" pitchFamily="49" charset="-128"/>
+              </a:rPr>
               <a:t>就職は日本の基準（自分の国の基準ではない）</a:t>
             </a:r>
-            <a:endParaRPr kumimoji="1" lang="en-US" altLang="ja-JP" dirty="0" smtClean="0"/>
-          </a:p>
-          <a:p>
-            <a:r>
-              <a:rPr kumimoji="1" lang="ja-JP" altLang="en-US" dirty="0" smtClean="0"/>
+            <a:endParaRPr kumimoji="1" lang="en-US" altLang="ja-JP" baseline="0" dirty="0" smtClean="0">
+              <a:latin typeface="ＭＳ ゴシック" panose="020B0609070205080204" pitchFamily="49" charset="-128"/>
+              <a:ea typeface="ＭＳ ゴシック" panose="020B0609070205080204" pitchFamily="49" charset="-128"/>
+            </a:endParaRPr>
+          </a:p>
+          <a:p>
+            <a:r>
+              <a:rPr kumimoji="1" lang="ja-JP" altLang="en-US" baseline="0" dirty="0" smtClean="0">
+                <a:latin typeface="ＭＳ ゴシック" panose="020B0609070205080204" pitchFamily="49" charset="-128"/>
+                <a:ea typeface="ＭＳ ゴシック" panose="020B0609070205080204" pitchFamily="49" charset="-128"/>
+              </a:rPr>
               <a:t>書類作成の知識を学ぶ</a:t>
             </a:r>
-            <a:endParaRPr kumimoji="1" lang="en-US" altLang="ja-JP" dirty="0" smtClean="0"/>
+            <a:endParaRPr kumimoji="1" lang="en-US" altLang="ja-JP" baseline="0" dirty="0" smtClean="0">
+              <a:latin typeface="ＭＳ ゴシック" panose="020B0609070205080204" pitchFamily="49" charset="-128"/>
+              <a:ea typeface="ＭＳ ゴシック" panose="020B0609070205080204" pitchFamily="49" charset="-128"/>
+            </a:endParaRPr>
           </a:p>
           <a:p>
             <a:pPr lvl="1"/>
             <a:r>
-              <a:rPr lang="ja-JP" altLang="en-US" dirty="0"/>
+              <a:rPr lang="ja-JP" altLang="en-US" baseline="0" dirty="0">
+                <a:latin typeface="ＭＳ ゴシック" panose="020B0609070205080204" pitchFamily="49" charset="-128"/>
+                <a:ea typeface="ＭＳ ゴシック" panose="020B0609070205080204" pitchFamily="49" charset="-128"/>
+              </a:rPr>
               <a:t>提出する書類の不備は</a:t>
             </a:r>
             <a:r>
-              <a:rPr lang="ja-JP" altLang="en-US" dirty="0" smtClean="0"/>
+              <a:rPr lang="ja-JP" altLang="en-US" baseline="0" dirty="0" smtClean="0">
+                <a:latin typeface="ＭＳ ゴシック" panose="020B0609070205080204" pitchFamily="49" charset="-128"/>
+                <a:ea typeface="ＭＳ ゴシック" panose="020B0609070205080204" pitchFamily="49" charset="-128"/>
+              </a:rPr>
               <a:t>不合格</a:t>
             </a:r>
-            <a:endParaRPr lang="en-US" altLang="ja-JP" dirty="0" smtClean="0"/>
+            <a:endParaRPr lang="en-US" altLang="ja-JP" baseline="0" dirty="0" smtClean="0">
+              <a:latin typeface="ＭＳ ゴシック" panose="020B0609070205080204" pitchFamily="49" charset="-128"/>
+              <a:ea typeface="ＭＳ ゴシック" panose="020B0609070205080204" pitchFamily="49" charset="-128"/>
+            </a:endParaRPr>
           </a:p>
         </p:txBody>
       </p:sp>
@@ -7294,6 +7781,13 @@
   <p:clrMapOvr>
     <a:masterClrMapping/>
   </p:clrMapOvr>
+  <p:timing>
+    <p:tnLst>
+      <p:par>
+        <p:cTn id="1" dur="indefinite" restart="never" nodeType="tmRoot"/>
+      </p:par>
+    </p:tnLst>
+  </p:timing>
 </p:sld>
 </file>
 
@@ -7332,10 +7826,16 @@
           <a:lstStyle/>
           <a:p>
             <a:r>
-              <a:rPr kumimoji="1" lang="ja-JP" altLang="en-US" dirty="0" smtClean="0"/>
+              <a:rPr kumimoji="1" lang="ja-JP" altLang="en-US" baseline="0" dirty="0" smtClean="0">
+                <a:latin typeface="ＭＳ ゴシック" panose="020B0609070205080204" pitchFamily="49" charset="-128"/>
+                <a:ea typeface="ＭＳ ゴシック" panose="020B0609070205080204" pitchFamily="49" charset="-128"/>
+              </a:rPr>
               <a:t>就職指導週間の約束</a:t>
             </a:r>
-            <a:endParaRPr kumimoji="1" lang="ja-JP" altLang="en-US" dirty="0"/>
+            <a:endParaRPr kumimoji="1" lang="ja-JP" altLang="en-US" baseline="0" dirty="0">
+              <a:latin typeface="ＭＳ ゴシック" panose="020B0609070205080204" pitchFamily="49" charset="-128"/>
+              <a:ea typeface="ＭＳ ゴシック" panose="020B0609070205080204" pitchFamily="49" charset="-128"/>
+            </a:endParaRPr>
           </a:p>
         </p:txBody>
       </p:sp>
@@ -7357,54 +7857,96 @@
           <a:lstStyle/>
           <a:p>
             <a:r>
-              <a:rPr kumimoji="1" lang="ja-JP" altLang="en-US" dirty="0" smtClean="0"/>
+              <a:rPr kumimoji="1" lang="ja-JP" altLang="en-US" baseline="0" dirty="0" smtClean="0">
+                <a:latin typeface="ＭＳ ゴシック" panose="020B0609070205080204" pitchFamily="49" charset="-128"/>
+                <a:ea typeface="ＭＳ ゴシック" panose="020B0609070205080204" pitchFamily="49" charset="-128"/>
+              </a:rPr>
               <a:t>「あいさつ」をする。</a:t>
             </a:r>
-            <a:endParaRPr kumimoji="1" lang="en-US" altLang="ja-JP" dirty="0" smtClean="0"/>
-          </a:p>
-          <a:p>
-            <a:endParaRPr kumimoji="1" lang="en-US" altLang="ja-JP" dirty="0" smtClean="0"/>
-          </a:p>
-          <a:p>
-            <a:r>
-              <a:rPr lang="ja-JP" altLang="en-US" dirty="0" smtClean="0"/>
+            <a:endParaRPr kumimoji="1" lang="en-US" altLang="ja-JP" baseline="0" dirty="0" smtClean="0">
+              <a:latin typeface="ＭＳ ゴシック" panose="020B0609070205080204" pitchFamily="49" charset="-128"/>
+              <a:ea typeface="ＭＳ ゴシック" panose="020B0609070205080204" pitchFamily="49" charset="-128"/>
+            </a:endParaRPr>
+          </a:p>
+          <a:p>
+            <a:endParaRPr kumimoji="1" lang="en-US" altLang="ja-JP" baseline="0" dirty="0" smtClean="0">
+              <a:latin typeface="ＭＳ ゴシック" panose="020B0609070205080204" pitchFamily="49" charset="-128"/>
+              <a:ea typeface="ＭＳ ゴシック" panose="020B0609070205080204" pitchFamily="49" charset="-128"/>
+            </a:endParaRPr>
+          </a:p>
+          <a:p>
+            <a:r>
+              <a:rPr lang="ja-JP" altLang="en-US" baseline="0" dirty="0" smtClean="0">
+                <a:latin typeface="ＭＳ ゴシック" panose="020B0609070205080204" pitchFamily="49" charset="-128"/>
+                <a:ea typeface="ＭＳ ゴシック" panose="020B0609070205080204" pitchFamily="49" charset="-128"/>
+              </a:rPr>
               <a:t>「えがお」</a:t>
             </a:r>
-            <a:endParaRPr lang="en-US" altLang="ja-JP" dirty="0" smtClean="0"/>
+            <a:endParaRPr lang="en-US" altLang="ja-JP" baseline="0" dirty="0" smtClean="0">
+              <a:latin typeface="ＭＳ ゴシック" panose="020B0609070205080204" pitchFamily="49" charset="-128"/>
+              <a:ea typeface="ＭＳ ゴシック" panose="020B0609070205080204" pitchFamily="49" charset="-128"/>
+            </a:endParaRPr>
           </a:p>
           <a:p>
             <a:pPr lvl="1"/>
             <a:r>
-              <a:rPr lang="ja-JP" altLang="en-US" dirty="0" smtClean="0"/>
+              <a:rPr lang="ja-JP" altLang="en-US" baseline="0" dirty="0" smtClean="0">
+                <a:latin typeface="ＭＳ ゴシック" panose="020B0609070205080204" pitchFamily="49" charset="-128"/>
+                <a:ea typeface="ＭＳ ゴシック" panose="020B0609070205080204" pitchFamily="49" charset="-128"/>
+              </a:rPr>
               <a:t>はなしかけやすい人＝面接で有利</a:t>
             </a:r>
-            <a:endParaRPr lang="en-US" altLang="ja-JP" dirty="0"/>
-          </a:p>
-          <a:p>
-            <a:endParaRPr lang="en-US" altLang="ja-JP" dirty="0" smtClean="0"/>
-          </a:p>
-          <a:p>
-            <a:r>
-              <a:rPr lang="ja-JP" altLang="en-US" dirty="0" smtClean="0"/>
+            <a:endParaRPr lang="en-US" altLang="ja-JP" baseline="0" dirty="0">
+              <a:latin typeface="ＭＳ ゴシック" panose="020B0609070205080204" pitchFamily="49" charset="-128"/>
+              <a:ea typeface="ＭＳ ゴシック" panose="020B0609070205080204" pitchFamily="49" charset="-128"/>
+            </a:endParaRPr>
+          </a:p>
+          <a:p>
+            <a:endParaRPr lang="en-US" altLang="ja-JP" baseline="0" dirty="0" smtClean="0">
+              <a:latin typeface="ＭＳ ゴシック" panose="020B0609070205080204" pitchFamily="49" charset="-128"/>
+              <a:ea typeface="ＭＳ ゴシック" panose="020B0609070205080204" pitchFamily="49" charset="-128"/>
+            </a:endParaRPr>
+          </a:p>
+          <a:p>
+            <a:r>
+              <a:rPr lang="ja-JP" altLang="en-US" baseline="0" dirty="0" smtClean="0">
+                <a:latin typeface="ＭＳ ゴシック" panose="020B0609070205080204" pitchFamily="49" charset="-128"/>
+                <a:ea typeface="ＭＳ ゴシック" panose="020B0609070205080204" pitchFamily="49" charset="-128"/>
+              </a:rPr>
               <a:t>自己</a:t>
             </a:r>
             <a:r>
-              <a:rPr lang="ja-JP" altLang="en-US" dirty="0"/>
+              <a:rPr lang="ja-JP" altLang="en-US" baseline="0" dirty="0">
+                <a:latin typeface="ＭＳ ゴシック" panose="020B0609070205080204" pitchFamily="49" charset="-128"/>
+                <a:ea typeface="ＭＳ ゴシック" panose="020B0609070205080204" pitchFamily="49" charset="-128"/>
+              </a:rPr>
               <a:t>中心的な行動は</a:t>
             </a:r>
             <a:r>
-              <a:rPr lang="ja-JP" altLang="en-US" dirty="0" smtClean="0"/>
+              <a:rPr lang="ja-JP" altLang="en-US" baseline="0" dirty="0" smtClean="0">
+                <a:latin typeface="ＭＳ ゴシック" panose="020B0609070205080204" pitchFamily="49" charset="-128"/>
+                <a:ea typeface="ＭＳ ゴシック" panose="020B0609070205080204" pitchFamily="49" charset="-128"/>
+              </a:rPr>
               <a:t>慎む</a:t>
             </a:r>
-            <a:endParaRPr lang="en-US" altLang="ja-JP" dirty="0" smtClean="0"/>
+            <a:endParaRPr lang="en-US" altLang="ja-JP" baseline="0" dirty="0" smtClean="0">
+              <a:latin typeface="ＭＳ ゴシック" panose="020B0609070205080204" pitchFamily="49" charset="-128"/>
+              <a:ea typeface="ＭＳ ゴシック" panose="020B0609070205080204" pitchFamily="49" charset="-128"/>
+            </a:endParaRPr>
           </a:p>
           <a:p>
             <a:pPr lvl="1"/>
             <a:r>
-              <a:rPr lang="ja-JP" altLang="en-US" dirty="0" smtClean="0"/>
+              <a:rPr lang="ja-JP" altLang="en-US" baseline="0" dirty="0" smtClean="0">
+                <a:latin typeface="ＭＳ ゴシック" panose="020B0609070205080204" pitchFamily="49" charset="-128"/>
+                <a:ea typeface="ＭＳ ゴシック" panose="020B0609070205080204" pitchFamily="49" charset="-128"/>
+              </a:rPr>
               <a:t>面接で嫌われる人</a:t>
             </a:r>
-            <a:endParaRPr lang="en-US" altLang="ja-JP" dirty="0" smtClean="0"/>
+            <a:endParaRPr lang="en-US" altLang="ja-JP" baseline="0" dirty="0" smtClean="0">
+              <a:latin typeface="ＭＳ ゴシック" panose="020B0609070205080204" pitchFamily="49" charset="-128"/>
+              <a:ea typeface="ＭＳ ゴシック" panose="020B0609070205080204" pitchFamily="49" charset="-128"/>
+            </a:endParaRPr>
           </a:p>
         </p:txBody>
       </p:sp>
@@ -7456,10 +7998,16 @@
           <a:lstStyle/>
           <a:p>
             <a:r>
-              <a:rPr kumimoji="1" lang="ja-JP" altLang="en-US" dirty="0" smtClean="0"/>
+              <a:rPr kumimoji="1" lang="ja-JP" altLang="en-US" baseline="0" dirty="0" smtClean="0">
+                <a:latin typeface="ＭＳ ゴシック" panose="020B0609070205080204" pitchFamily="49" charset="-128"/>
+                <a:ea typeface="ＭＳ ゴシック" panose="020B0609070205080204" pitchFamily="49" charset="-128"/>
+              </a:rPr>
               <a:t>就職指導週間の約束（２）</a:t>
             </a:r>
-            <a:endParaRPr kumimoji="1" lang="ja-JP" altLang="en-US" dirty="0"/>
+            <a:endParaRPr kumimoji="1" lang="ja-JP" altLang="en-US" baseline="0" dirty="0">
+              <a:latin typeface="ＭＳ ゴシック" panose="020B0609070205080204" pitchFamily="49" charset="-128"/>
+              <a:ea typeface="ＭＳ ゴシック" panose="020B0609070205080204" pitchFamily="49" charset="-128"/>
+            </a:endParaRPr>
           </a:p>
         </p:txBody>
       </p:sp>
@@ -7479,71 +8027,111 @@
           <a:lstStyle/>
           <a:p>
             <a:r>
-              <a:rPr lang="ja-JP" altLang="en-US" dirty="0" smtClean="0"/>
+              <a:rPr lang="ja-JP" altLang="en-US" baseline="0" dirty="0" smtClean="0">
+                <a:latin typeface="ＭＳ ゴシック" panose="020B0609070205080204" pitchFamily="49" charset="-128"/>
+                <a:ea typeface="ＭＳ ゴシック" panose="020B0609070205080204" pitchFamily="49" charset="-128"/>
+              </a:rPr>
               <a:t>ルールは守る</a:t>
             </a:r>
-            <a:endParaRPr lang="en-US" altLang="ja-JP" dirty="0" smtClean="0"/>
+            <a:endParaRPr lang="en-US" altLang="ja-JP" baseline="0" dirty="0" smtClean="0">
+              <a:latin typeface="ＭＳ ゴシック" panose="020B0609070205080204" pitchFamily="49" charset="-128"/>
+              <a:ea typeface="ＭＳ ゴシック" panose="020B0609070205080204" pitchFamily="49" charset="-128"/>
+            </a:endParaRPr>
           </a:p>
           <a:p>
             <a:pPr lvl="1"/>
             <a:r>
-              <a:rPr lang="ja-JP" altLang="en-US" dirty="0" smtClean="0"/>
+              <a:rPr lang="ja-JP" altLang="en-US" baseline="0" dirty="0" smtClean="0">
+                <a:latin typeface="ＭＳ ゴシック" panose="020B0609070205080204" pitchFamily="49" charset="-128"/>
+                <a:ea typeface="ＭＳ ゴシック" panose="020B0609070205080204" pitchFamily="49" charset="-128"/>
+              </a:rPr>
               <a:t>質問時は挙手で行う</a:t>
             </a:r>
-            <a:endParaRPr lang="en-US" altLang="ja-JP" dirty="0" smtClean="0"/>
+            <a:endParaRPr lang="en-US" altLang="ja-JP" baseline="0" dirty="0" smtClean="0">
+              <a:latin typeface="ＭＳ ゴシック" panose="020B0609070205080204" pitchFamily="49" charset="-128"/>
+              <a:ea typeface="ＭＳ ゴシック" panose="020B0609070205080204" pitchFamily="49" charset="-128"/>
+            </a:endParaRPr>
           </a:p>
           <a:p>
             <a:pPr lvl="1"/>
             <a:r>
-              <a:rPr lang="ja-JP" altLang="en-US" dirty="0" smtClean="0"/>
+              <a:rPr lang="ja-JP" altLang="en-US" baseline="0" dirty="0" smtClean="0">
+                <a:latin typeface="ＭＳ ゴシック" panose="020B0609070205080204" pitchFamily="49" charset="-128"/>
+                <a:ea typeface="ＭＳ ゴシック" panose="020B0609070205080204" pitchFamily="49" charset="-128"/>
+              </a:rPr>
               <a:t>提出物の納期</a:t>
             </a:r>
             <a:r>
-              <a:rPr lang="en-US" altLang="ja-JP" dirty="0" smtClean="0"/>
+              <a:rPr lang="en-US" altLang="ja-JP" baseline="0" dirty="0" smtClean="0">
+                <a:latin typeface="ＭＳ ゴシック" panose="020B0609070205080204" pitchFamily="49" charset="-128"/>
+                <a:ea typeface="ＭＳ ゴシック" panose="020B0609070205080204" pitchFamily="49" charset="-128"/>
+              </a:rPr>
               <a:t>(</a:t>
             </a:r>
             <a:r>
-              <a:rPr lang="ja-JP" altLang="en-US" dirty="0" smtClean="0"/>
+              <a:rPr lang="ja-JP" altLang="en-US" baseline="0" dirty="0" smtClean="0">
+                <a:latin typeface="ＭＳ ゴシック" panose="020B0609070205080204" pitchFamily="49" charset="-128"/>
+                <a:ea typeface="ＭＳ ゴシック" panose="020B0609070205080204" pitchFamily="49" charset="-128"/>
+              </a:rPr>
               <a:t>課題提出</a:t>
             </a:r>
             <a:r>
-              <a:rPr lang="en-US" altLang="ja-JP" dirty="0" smtClean="0"/>
+              <a:rPr lang="en-US" altLang="ja-JP" baseline="0" dirty="0" smtClean="0">
+                <a:latin typeface="ＭＳ ゴシック" panose="020B0609070205080204" pitchFamily="49" charset="-128"/>
+                <a:ea typeface="ＭＳ ゴシック" panose="020B0609070205080204" pitchFamily="49" charset="-128"/>
+              </a:rPr>
               <a:t>)</a:t>
             </a:r>
           </a:p>
           <a:p>
             <a:pPr lvl="1"/>
             <a:r>
-              <a:rPr lang="ja-JP" altLang="en-US" dirty="0" smtClean="0"/>
+              <a:rPr lang="ja-JP" altLang="en-US" baseline="0" dirty="0" smtClean="0">
+                <a:latin typeface="ＭＳ ゴシック" panose="020B0609070205080204" pitchFamily="49" charset="-128"/>
+                <a:ea typeface="ＭＳ ゴシック" panose="020B0609070205080204" pitchFamily="49" charset="-128"/>
+              </a:rPr>
               <a:t>遅刻・欠席時の連絡</a:t>
             </a:r>
             <a:r>
-              <a:rPr lang="en-US" altLang="ja-JP" dirty="0" smtClean="0"/>
+              <a:rPr lang="en-US" altLang="ja-JP" baseline="0" dirty="0" smtClean="0">
+                <a:latin typeface="ＭＳ ゴシック" panose="020B0609070205080204" pitchFamily="49" charset="-128"/>
+                <a:ea typeface="ＭＳ ゴシック" panose="020B0609070205080204" pitchFamily="49" charset="-128"/>
+              </a:rPr>
               <a:t>(</a:t>
             </a:r>
             <a:r>
-              <a:rPr lang="ja-JP" altLang="en-US" dirty="0" smtClean="0"/>
+              <a:rPr lang="ja-JP" altLang="en-US" baseline="0" dirty="0" smtClean="0">
+                <a:latin typeface="ＭＳ ゴシック" panose="020B0609070205080204" pitchFamily="49" charset="-128"/>
+                <a:ea typeface="ＭＳ ゴシック" panose="020B0609070205080204" pitchFamily="49" charset="-128"/>
+              </a:rPr>
               <a:t>大橋校へ電話連絡を行い、メールや友人伝達は禁止</a:t>
             </a:r>
             <a:r>
-              <a:rPr lang="en-US" altLang="ja-JP" dirty="0" smtClean="0"/>
+              <a:rPr lang="en-US" altLang="ja-JP" baseline="0" dirty="0" smtClean="0">
+                <a:latin typeface="ＭＳ ゴシック" panose="020B0609070205080204" pitchFamily="49" charset="-128"/>
+                <a:ea typeface="ＭＳ ゴシック" panose="020B0609070205080204" pitchFamily="49" charset="-128"/>
+              </a:rPr>
               <a:t>)</a:t>
             </a:r>
           </a:p>
           <a:p>
             <a:pPr lvl="2"/>
             <a:r>
-              <a:rPr lang="en-US" altLang="ja-JP" dirty="0" smtClean="0">
+              <a:rPr lang="en-US" altLang="ja-JP" baseline="0" dirty="0" smtClean="0">
                 <a:solidFill>
                   <a:srgbClr val="FF0000"/>
                 </a:solidFill>
+                <a:latin typeface="ＭＳ ゴシック" panose="020B0609070205080204" pitchFamily="49" charset="-128"/>
+                <a:ea typeface="ＭＳ ゴシック" panose="020B0609070205080204" pitchFamily="49" charset="-128"/>
               </a:rPr>
               <a:t>TEL:092-512-7879</a:t>
             </a:r>
-            <a:endParaRPr lang="ja-JP" altLang="en-US" dirty="0" smtClean="0">
+            <a:endParaRPr lang="ja-JP" altLang="en-US" baseline="0" dirty="0" smtClean="0">
               <a:solidFill>
                 <a:srgbClr val="FF0000"/>
               </a:solidFill>
+              <a:latin typeface="ＭＳ ゴシック" panose="020B0609070205080204" pitchFamily="49" charset="-128"/>
+              <a:ea typeface="ＭＳ ゴシック" panose="020B0609070205080204" pitchFamily="49" charset="-128"/>
             </a:endParaRPr>
           </a:p>
         </p:txBody>
@@ -7596,18 +8184,16 @@
           <a:lstStyle/>
           <a:p>
             <a:r>
-              <a:rPr kumimoji="1" lang="ja-JP" altLang="en-US" dirty="0" smtClean="0"/>
-              <a:t>就職の</a:t>
-            </a:r>
-            <a:r>
-              <a:rPr kumimoji="1" lang="ja-JP" altLang="en-US" dirty="0" smtClean="0"/>
-              <a:t>意識に</a:t>
-            </a:r>
-            <a:r>
-              <a:rPr kumimoji="1" lang="ja-JP" altLang="en-US" dirty="0" smtClean="0"/>
-              <a:t>ついて</a:t>
-            </a:r>
-            <a:endParaRPr kumimoji="1" lang="ja-JP" altLang="en-US" dirty="0"/>
+              <a:rPr kumimoji="1" lang="ja-JP" altLang="en-US" baseline="0" dirty="0" smtClean="0">
+                <a:latin typeface="ＭＳ ゴシック" panose="020B0609070205080204" pitchFamily="49" charset="-128"/>
+                <a:ea typeface="ＭＳ ゴシック" panose="020B0609070205080204" pitchFamily="49" charset="-128"/>
+              </a:rPr>
+              <a:t>就職の意識について</a:t>
+            </a:r>
+            <a:endParaRPr kumimoji="1" lang="ja-JP" altLang="en-US" baseline="0" dirty="0">
+              <a:latin typeface="ＭＳ ゴシック" panose="020B0609070205080204" pitchFamily="49" charset="-128"/>
+              <a:ea typeface="ＭＳ ゴシック" panose="020B0609070205080204" pitchFamily="49" charset="-128"/>
+            </a:endParaRPr>
           </a:p>
         </p:txBody>
       </p:sp>
@@ -7627,31 +8213,55 @@
           <a:lstStyle/>
           <a:p>
             <a:r>
-              <a:rPr kumimoji="1" lang="ja-JP" altLang="en-US" dirty="0" smtClean="0"/>
+              <a:rPr kumimoji="1" lang="ja-JP" altLang="en-US" baseline="0" dirty="0" smtClean="0">
+                <a:latin typeface="ＭＳ ゴシック" panose="020B0609070205080204" pitchFamily="49" charset="-128"/>
+                <a:ea typeface="ＭＳ ゴシック" panose="020B0609070205080204" pitchFamily="49" charset="-128"/>
+              </a:rPr>
               <a:t>時間について</a:t>
             </a:r>
-            <a:endParaRPr kumimoji="1" lang="en-US" altLang="ja-JP" dirty="0" smtClean="0"/>
-          </a:p>
-          <a:p>
-            <a:r>
-              <a:rPr kumimoji="1" lang="ja-JP" altLang="en-US" dirty="0" smtClean="0"/>
+            <a:endParaRPr kumimoji="1" lang="en-US" altLang="ja-JP" baseline="0" dirty="0" smtClean="0">
+              <a:latin typeface="ＭＳ ゴシック" panose="020B0609070205080204" pitchFamily="49" charset="-128"/>
+              <a:ea typeface="ＭＳ ゴシック" panose="020B0609070205080204" pitchFamily="49" charset="-128"/>
+            </a:endParaRPr>
+          </a:p>
+          <a:p>
+            <a:r>
+              <a:rPr kumimoji="1" lang="ja-JP" altLang="en-US" baseline="0" dirty="0" smtClean="0">
+                <a:latin typeface="ＭＳ ゴシック" panose="020B0609070205080204" pitchFamily="49" charset="-128"/>
+                <a:ea typeface="ＭＳ ゴシック" panose="020B0609070205080204" pitchFamily="49" charset="-128"/>
+              </a:rPr>
               <a:t>休暇について</a:t>
             </a:r>
-            <a:endParaRPr kumimoji="1" lang="en-US" altLang="ja-JP" dirty="0" smtClean="0"/>
-          </a:p>
-          <a:p>
-            <a:r>
-              <a:rPr kumimoji="1" lang="ja-JP" altLang="en-US" dirty="0" smtClean="0"/>
+            <a:endParaRPr kumimoji="1" lang="en-US" altLang="ja-JP" baseline="0" dirty="0" smtClean="0">
+              <a:latin typeface="ＭＳ ゴシック" panose="020B0609070205080204" pitchFamily="49" charset="-128"/>
+              <a:ea typeface="ＭＳ ゴシック" panose="020B0609070205080204" pitchFamily="49" charset="-128"/>
+            </a:endParaRPr>
+          </a:p>
+          <a:p>
+            <a:r>
+              <a:rPr kumimoji="1" lang="ja-JP" altLang="en-US" baseline="0" dirty="0" smtClean="0">
+                <a:latin typeface="ＭＳ ゴシック" panose="020B0609070205080204" pitchFamily="49" charset="-128"/>
+                <a:ea typeface="ＭＳ ゴシック" panose="020B0609070205080204" pitchFamily="49" charset="-128"/>
+              </a:rPr>
               <a:t>出席について</a:t>
             </a:r>
-            <a:endParaRPr kumimoji="1" lang="en-US" altLang="ja-JP" dirty="0" smtClean="0"/>
-          </a:p>
-          <a:p>
-            <a:r>
-              <a:rPr kumimoji="1" lang="ja-JP" altLang="en-US" dirty="0" smtClean="0"/>
+            <a:endParaRPr kumimoji="1" lang="en-US" altLang="ja-JP" baseline="0" dirty="0" smtClean="0">
+              <a:latin typeface="ＭＳ ゴシック" panose="020B0609070205080204" pitchFamily="49" charset="-128"/>
+              <a:ea typeface="ＭＳ ゴシック" panose="020B0609070205080204" pitchFamily="49" charset="-128"/>
+            </a:endParaRPr>
+          </a:p>
+          <a:p>
+            <a:r>
+              <a:rPr kumimoji="1" lang="ja-JP" altLang="en-US" baseline="0" dirty="0" smtClean="0">
+                <a:latin typeface="ＭＳ ゴシック" panose="020B0609070205080204" pitchFamily="49" charset="-128"/>
+                <a:ea typeface="ＭＳ ゴシック" panose="020B0609070205080204" pitchFamily="49" charset="-128"/>
+              </a:rPr>
               <a:t>帰国のリスクについて</a:t>
             </a:r>
-            <a:endParaRPr kumimoji="1" lang="en-US" altLang="ja-JP" dirty="0" smtClean="0"/>
+            <a:endParaRPr kumimoji="1" lang="en-US" altLang="ja-JP" baseline="0" dirty="0" smtClean="0">
+              <a:latin typeface="ＭＳ ゴシック" panose="020B0609070205080204" pitchFamily="49" charset="-128"/>
+              <a:ea typeface="ＭＳ ゴシック" panose="020B0609070205080204" pitchFamily="49" charset="-128"/>
+            </a:endParaRPr>
           </a:p>
         </p:txBody>
       </p:sp>
@@ -7701,10 +8311,16 @@
           <a:lstStyle/>
           <a:p>
             <a:r>
-              <a:rPr kumimoji="1" lang="ja-JP" altLang="en-US" dirty="0" smtClean="0"/>
+              <a:rPr kumimoji="1" lang="ja-JP" altLang="en-US" baseline="0" dirty="0" smtClean="0">
+                <a:latin typeface="ＭＳ ゴシック" panose="020B0609070205080204" pitchFamily="49" charset="-128"/>
+                <a:ea typeface="ＭＳ ゴシック" panose="020B0609070205080204" pitchFamily="49" charset="-128"/>
+              </a:rPr>
               <a:t>学校求人とは</a:t>
             </a:r>
-            <a:endParaRPr kumimoji="1" lang="ja-JP" altLang="en-US" dirty="0"/>
+            <a:endParaRPr kumimoji="1" lang="ja-JP" altLang="en-US" baseline="0" dirty="0">
+              <a:latin typeface="ＭＳ ゴシック" panose="020B0609070205080204" pitchFamily="49" charset="-128"/>
+              <a:ea typeface="ＭＳ ゴシック" panose="020B0609070205080204" pitchFamily="49" charset="-128"/>
+            </a:endParaRPr>
           </a:p>
         </p:txBody>
       </p:sp>
@@ -7773,10 +8389,16 @@
           <a:lstStyle/>
           <a:p>
             <a:r>
-              <a:rPr kumimoji="1" lang="ja-JP" altLang="en-US" dirty="0" smtClean="0"/>
+              <a:rPr kumimoji="1" lang="ja-JP" altLang="en-US" baseline="0" dirty="0" smtClean="0">
+                <a:latin typeface="ＭＳ ゴシック" panose="020B0609070205080204" pitchFamily="49" charset="-128"/>
+                <a:ea typeface="ＭＳ ゴシック" panose="020B0609070205080204" pitchFamily="49" charset="-128"/>
+              </a:rPr>
               <a:t>学校推薦（推薦書）</a:t>
             </a:r>
-            <a:endParaRPr kumimoji="1" lang="ja-JP" altLang="en-US" dirty="0"/>
+            <a:endParaRPr kumimoji="1" lang="ja-JP" altLang="en-US" baseline="0" dirty="0">
+              <a:latin typeface="ＭＳ ゴシック" panose="020B0609070205080204" pitchFamily="49" charset="-128"/>
+              <a:ea typeface="ＭＳ ゴシック" panose="020B0609070205080204" pitchFamily="49" charset="-128"/>
+            </a:endParaRPr>
           </a:p>
         </p:txBody>
       </p:sp>
@@ -7796,72 +8418,126 @@
           <a:lstStyle/>
           <a:p>
             <a:r>
-              <a:rPr kumimoji="1" lang="ja-JP" altLang="en-US" dirty="0" smtClean="0"/>
+              <a:rPr kumimoji="1" lang="ja-JP" altLang="en-US" baseline="0" dirty="0" smtClean="0">
+                <a:latin typeface="ＭＳ ゴシック" panose="020B0609070205080204" pitchFamily="49" charset="-128"/>
+                <a:ea typeface="ＭＳ ゴシック" panose="020B0609070205080204" pitchFamily="49" charset="-128"/>
+              </a:rPr>
               <a:t>出席率８５％以上</a:t>
             </a:r>
-            <a:endParaRPr kumimoji="1" lang="en-US" altLang="ja-JP" dirty="0" smtClean="0"/>
-          </a:p>
-          <a:p>
-            <a:r>
-              <a:rPr kumimoji="1" lang="ja-JP" altLang="en-US" dirty="0" smtClean="0"/>
+            <a:endParaRPr kumimoji="1" lang="en-US" altLang="ja-JP" baseline="0" dirty="0" smtClean="0">
+              <a:latin typeface="ＭＳ ゴシック" panose="020B0609070205080204" pitchFamily="49" charset="-128"/>
+              <a:ea typeface="ＭＳ ゴシック" panose="020B0609070205080204" pitchFamily="49" charset="-128"/>
+            </a:endParaRPr>
+          </a:p>
+          <a:p>
+            <a:r>
+              <a:rPr kumimoji="1" lang="ja-JP" altLang="en-US" baseline="0" dirty="0" smtClean="0">
+                <a:latin typeface="ＭＳ ゴシック" panose="020B0609070205080204" pitchFamily="49" charset="-128"/>
+                <a:ea typeface="ＭＳ ゴシック" panose="020B0609070205080204" pitchFamily="49" charset="-128"/>
+              </a:rPr>
               <a:t>成績の平均３．５以上</a:t>
             </a:r>
-            <a:endParaRPr kumimoji="1" lang="en-US" altLang="ja-JP" dirty="0" smtClean="0"/>
-          </a:p>
-          <a:p>
-            <a:r>
-              <a:rPr kumimoji="1" lang="ja-JP" altLang="en-US" dirty="0" smtClean="0"/>
+            <a:endParaRPr kumimoji="1" lang="en-US" altLang="ja-JP" baseline="0" dirty="0" smtClean="0">
+              <a:latin typeface="ＭＳ ゴシック" panose="020B0609070205080204" pitchFamily="49" charset="-128"/>
+              <a:ea typeface="ＭＳ ゴシック" panose="020B0609070205080204" pitchFamily="49" charset="-128"/>
+            </a:endParaRPr>
+          </a:p>
+          <a:p>
+            <a:r>
+              <a:rPr kumimoji="1" lang="ja-JP" altLang="en-US" baseline="0" dirty="0" smtClean="0">
+                <a:latin typeface="ＭＳ ゴシック" panose="020B0609070205080204" pitchFamily="49" charset="-128"/>
+                <a:ea typeface="ＭＳ ゴシック" panose="020B0609070205080204" pitchFamily="49" charset="-128"/>
+              </a:rPr>
               <a:t>評価点２（４４点がない事）</a:t>
             </a:r>
-            <a:endParaRPr kumimoji="1" lang="en-US" altLang="ja-JP" dirty="0" smtClean="0"/>
-          </a:p>
-          <a:p>
-            <a:r>
-              <a:rPr kumimoji="1" lang="ja-JP" altLang="en-US" dirty="0" smtClean="0"/>
+            <a:endParaRPr kumimoji="1" lang="en-US" altLang="ja-JP" baseline="0" dirty="0" smtClean="0">
+              <a:latin typeface="ＭＳ ゴシック" panose="020B0609070205080204" pitchFamily="49" charset="-128"/>
+              <a:ea typeface="ＭＳ ゴシック" panose="020B0609070205080204" pitchFamily="49" charset="-128"/>
+            </a:endParaRPr>
+          </a:p>
+          <a:p>
+            <a:r>
+              <a:rPr kumimoji="1" lang="ja-JP" altLang="en-US" baseline="0" dirty="0" smtClean="0">
+                <a:latin typeface="ＭＳ ゴシック" panose="020B0609070205080204" pitchFamily="49" charset="-128"/>
+                <a:ea typeface="ＭＳ ゴシック" panose="020B0609070205080204" pitchFamily="49" charset="-128"/>
+              </a:rPr>
               <a:t>日本語能力認定試験</a:t>
             </a:r>
             <a:r>
-              <a:rPr kumimoji="1" lang="en-US" altLang="ja-JP" dirty="0" smtClean="0"/>
+              <a:rPr kumimoji="1" lang="en-US" altLang="ja-JP" baseline="0" dirty="0" smtClean="0">
+                <a:latin typeface="ＭＳ ゴシック" panose="020B0609070205080204" pitchFamily="49" charset="-128"/>
+                <a:ea typeface="ＭＳ ゴシック" panose="020B0609070205080204" pitchFamily="49" charset="-128"/>
+              </a:rPr>
               <a:t>N1</a:t>
             </a:r>
             <a:r>
-              <a:rPr kumimoji="1" lang="ja-JP" altLang="en-US" dirty="0" err="1" smtClean="0"/>
+              <a:rPr kumimoji="1" lang="ja-JP" altLang="en-US" baseline="0" dirty="0" err="1" smtClean="0">
+                <a:latin typeface="ＭＳ ゴシック" panose="020B0609070205080204" pitchFamily="49" charset="-128"/>
+                <a:ea typeface="ＭＳ ゴシック" panose="020B0609070205080204" pitchFamily="49" charset="-128"/>
+              </a:rPr>
               <a:t>、</a:t>
             </a:r>
             <a:r>
-              <a:rPr kumimoji="1" lang="en-US" altLang="ja-JP" dirty="0" smtClean="0"/>
+              <a:rPr kumimoji="1" lang="en-US" altLang="ja-JP" baseline="0" dirty="0" smtClean="0">
+                <a:latin typeface="ＭＳ ゴシック" panose="020B0609070205080204" pitchFamily="49" charset="-128"/>
+                <a:ea typeface="ＭＳ ゴシック" panose="020B0609070205080204" pitchFamily="49" charset="-128"/>
+              </a:rPr>
               <a:t>N2</a:t>
             </a:r>
             <a:r>
-              <a:rPr kumimoji="1" lang="ja-JP" altLang="en-US" dirty="0" smtClean="0"/>
+              <a:rPr kumimoji="1" lang="ja-JP" altLang="en-US" baseline="0" dirty="0" smtClean="0">
+                <a:latin typeface="ＭＳ ゴシック" panose="020B0609070205080204" pitchFamily="49" charset="-128"/>
+                <a:ea typeface="ＭＳ ゴシック" panose="020B0609070205080204" pitchFamily="49" charset="-128"/>
+              </a:rPr>
               <a:t>に合格している事</a:t>
             </a:r>
-            <a:endParaRPr kumimoji="1" lang="en-US" altLang="ja-JP" dirty="0" smtClean="0"/>
-          </a:p>
-          <a:p>
-            <a:r>
-              <a:rPr kumimoji="1" lang="ja-JP" altLang="en-US" dirty="0" smtClean="0"/>
+            <a:endParaRPr kumimoji="1" lang="en-US" altLang="ja-JP" baseline="0" dirty="0" smtClean="0">
+              <a:latin typeface="ＭＳ ゴシック" panose="020B0609070205080204" pitchFamily="49" charset="-128"/>
+              <a:ea typeface="ＭＳ ゴシック" panose="020B0609070205080204" pitchFamily="49" charset="-128"/>
+            </a:endParaRPr>
+          </a:p>
+          <a:p>
+            <a:r>
+              <a:rPr kumimoji="1" lang="ja-JP" altLang="en-US" baseline="0" dirty="0" smtClean="0">
+                <a:latin typeface="ＭＳ ゴシック" panose="020B0609070205080204" pitchFamily="49" charset="-128"/>
+                <a:ea typeface="ＭＳ ゴシック" panose="020B0609070205080204" pitchFamily="49" charset="-128"/>
+              </a:rPr>
               <a:t>素行に問題が無い事</a:t>
             </a:r>
-            <a:endParaRPr kumimoji="1" lang="en-US" altLang="ja-JP" dirty="0" smtClean="0"/>
+            <a:endParaRPr kumimoji="1" lang="en-US" altLang="ja-JP" baseline="0" dirty="0" smtClean="0">
+              <a:latin typeface="ＭＳ ゴシック" panose="020B0609070205080204" pitchFamily="49" charset="-128"/>
+              <a:ea typeface="ＭＳ ゴシック" panose="020B0609070205080204" pitchFamily="49" charset="-128"/>
+            </a:endParaRPr>
           </a:p>
           <a:p>
             <a:pPr marL="0" indent="0" algn="r">
               <a:buNone/>
             </a:pPr>
             <a:r>
-              <a:rPr kumimoji="1" lang="ja-JP" altLang="en-US" dirty="0" smtClean="0"/>
+              <a:rPr kumimoji="1" lang="ja-JP" altLang="en-US" baseline="0" dirty="0" smtClean="0">
+                <a:latin typeface="ＭＳ ゴシック" panose="020B0609070205080204" pitchFamily="49" charset="-128"/>
+                <a:ea typeface="ＭＳ ゴシック" panose="020B0609070205080204" pitchFamily="49" charset="-128"/>
+              </a:rPr>
               <a:t>学則</a:t>
             </a:r>
             <a:r>
-              <a:rPr kumimoji="1" lang="en-US" altLang="ja-JP" dirty="0" smtClean="0"/>
+              <a:rPr kumimoji="1" lang="en-US" altLang="ja-JP" baseline="0" dirty="0" smtClean="0">
+                <a:latin typeface="ＭＳ ゴシック" panose="020B0609070205080204" pitchFamily="49" charset="-128"/>
+                <a:ea typeface="ＭＳ ゴシック" panose="020B0609070205080204" pitchFamily="49" charset="-128"/>
+              </a:rPr>
               <a:t>2016</a:t>
             </a:r>
             <a:r>
-              <a:rPr kumimoji="1" lang="ja-JP" altLang="en-US" dirty="0" smtClean="0"/>
+              <a:rPr kumimoji="1" lang="ja-JP" altLang="en-US" baseline="0" dirty="0" smtClean="0">
+                <a:latin typeface="ＭＳ ゴシック" panose="020B0609070205080204" pitchFamily="49" charset="-128"/>
+                <a:ea typeface="ＭＳ ゴシック" panose="020B0609070205080204" pitchFamily="49" charset="-128"/>
+              </a:rPr>
               <a:t>年度版より</a:t>
             </a:r>
-            <a:endParaRPr kumimoji="1" lang="en-US" altLang="ja-JP" dirty="0" smtClean="0"/>
+            <a:endParaRPr kumimoji="1" lang="en-US" altLang="ja-JP" baseline="0" dirty="0" smtClean="0">
+              <a:latin typeface="ＭＳ ゴシック" panose="020B0609070205080204" pitchFamily="49" charset="-128"/>
+              <a:ea typeface="ＭＳ ゴシック" panose="020B0609070205080204" pitchFamily="49" charset="-128"/>
+            </a:endParaRPr>
           </a:p>
         </p:txBody>
       </p:sp>
@@ -8443,4 +9119,289 @@
   <a:objectDefaults/>
   <a:extraClrSchemeLst/>
 </a:theme>
+</file>
+
+<file path=ppt/theme/theme3.xml><?xml version="1.0" encoding="utf-8"?>
+<a:theme xmlns:a="http://schemas.openxmlformats.org/drawingml/2006/main" name="Office ​​テーマ">
+  <a:themeElements>
+    <a:clrScheme name="Office">
+      <a:dk1>
+        <a:sysClr val="windowText" lastClr="000000"/>
+      </a:dk1>
+      <a:lt1>
+        <a:sysClr val="window" lastClr="FFFFFF"/>
+      </a:lt1>
+      <a:dk2>
+        <a:srgbClr val="1F497D"/>
+      </a:dk2>
+      <a:lt2>
+        <a:srgbClr val="EEECE1"/>
+      </a:lt2>
+      <a:accent1>
+        <a:srgbClr val="4F81BD"/>
+      </a:accent1>
+      <a:accent2>
+        <a:srgbClr val="C0504D"/>
+      </a:accent2>
+      <a:accent3>
+        <a:srgbClr val="9BBB59"/>
+      </a:accent3>
+      <a:accent4>
+        <a:srgbClr val="8064A2"/>
+      </a:accent4>
+      <a:accent5>
+        <a:srgbClr val="4BACC6"/>
+      </a:accent5>
+      <a:accent6>
+        <a:srgbClr val="F79646"/>
+      </a:accent6>
+      <a:hlink>
+        <a:srgbClr val="0000FF"/>
+      </a:hlink>
+      <a:folHlink>
+        <a:srgbClr val="800080"/>
+      </a:folHlink>
+    </a:clrScheme>
+    <a:fontScheme name="Office">
+      <a:majorFont>
+        <a:latin typeface="Calibri"/>
+        <a:ea typeface=""/>
+        <a:cs typeface=""/>
+        <a:font script="Jpan" typeface="ＭＳ Ｐゴシック"/>
+        <a:font script="Hang" typeface="맑은 고딕"/>
+        <a:font script="Hans" typeface="宋体"/>
+        <a:font script="Hant" typeface="新細明體"/>
+        <a:font script="Arab" typeface="Times New Roman"/>
+        <a:font script="Hebr" typeface="Times New Roman"/>
+        <a:font script="Thai" typeface="Angsana New"/>
+        <a:font script="Ethi" typeface="Nyala"/>
+        <a:font script="Beng" typeface="Vrinda"/>
+        <a:font script="Gujr" typeface="Shruti"/>
+        <a:font script="Khmr" typeface="MoolBoran"/>
+        <a:font script="Knda" typeface="Tunga"/>
+        <a:font script="Guru" typeface="Raavi"/>
+        <a:font script="Cans" typeface="Euphemia"/>
+        <a:font script="Cher" typeface="Plantagenet Cherokee"/>
+        <a:font script="Yiii" typeface="Microsoft Yi Baiti"/>
+        <a:font script="Tibt" typeface="Microsoft Himalaya"/>
+        <a:font script="Thaa" typeface="MV Boli"/>
+        <a:font script="Deva" typeface="Mangal"/>
+        <a:font script="Telu" typeface="Gautami"/>
+        <a:font script="Taml" typeface="Latha"/>
+        <a:font script="Syrc" typeface="Estrangelo Edessa"/>
+        <a:font script="Orya" typeface="Kalinga"/>
+        <a:font script="Mlym" typeface="Kartika"/>
+        <a:font script="Laoo" typeface="DokChampa"/>
+        <a:font script="Sinh" typeface="Iskoola Pota"/>
+        <a:font script="Mong" typeface="Mongolian Baiti"/>
+        <a:font script="Viet" typeface="Times New Roman"/>
+        <a:font script="Uigh" typeface="Microsoft Uighur"/>
+        <a:font script="Geor" typeface="Sylfaen"/>
+      </a:majorFont>
+      <a:minorFont>
+        <a:latin typeface="Calibri"/>
+        <a:ea typeface=""/>
+        <a:cs typeface=""/>
+        <a:font script="Jpan" typeface="ＭＳ Ｐゴシック"/>
+        <a:font script="Hang" typeface="맑은 고딕"/>
+        <a:font script="Hans" typeface="宋体"/>
+        <a:font script="Hant" typeface="新細明體"/>
+        <a:font script="Arab" typeface="Arial"/>
+        <a:font script="Hebr" typeface="Arial"/>
+        <a:font script="Thai" typeface="Cordia New"/>
+        <a:font script="Ethi" typeface="Nyala"/>
+        <a:font script="Beng" typeface="Vrinda"/>
+        <a:font script="Gujr" typeface="Shruti"/>
+        <a:font script="Khmr" typeface="DaunPenh"/>
+        <a:font script="Knda" typeface="Tunga"/>
+        <a:font script="Guru" typeface="Raavi"/>
+        <a:font script="Cans" typeface="Euphemia"/>
+        <a:font script="Cher" typeface="Plantagenet Cherokee"/>
+        <a:font script="Yiii" typeface="Microsoft Yi Baiti"/>
+        <a:font script="Tibt" typeface="Microsoft Himalaya"/>
+        <a:font script="Thaa" typeface="MV Boli"/>
+        <a:font script="Deva" typeface="Mangal"/>
+        <a:font script="Telu" typeface="Gautami"/>
+        <a:font script="Taml" typeface="Latha"/>
+        <a:font script="Syrc" typeface="Estrangelo Edessa"/>
+        <a:font script="Orya" typeface="Kalinga"/>
+        <a:font script="Mlym" typeface="Kartika"/>
+        <a:font script="Laoo" typeface="DokChampa"/>
+        <a:font script="Sinh" typeface="Iskoola Pota"/>
+        <a:font script="Mong" typeface="Mongolian Baiti"/>
+        <a:font script="Viet" typeface="Arial"/>
+        <a:font script="Uigh" typeface="Microsoft Uighur"/>
+        <a:font script="Geor" typeface="Sylfaen"/>
+      </a:minorFont>
+    </a:fontScheme>
+    <a:fmtScheme name="Office">
+      <a:fillStyleLst>
+        <a:solidFill>
+          <a:schemeClr val="phClr"/>
+        </a:solidFill>
+        <a:gradFill rotWithShape="1">
+          <a:gsLst>
+            <a:gs pos="0">
+              <a:schemeClr val="phClr">
+                <a:tint val="50000"/>
+                <a:satMod val="300000"/>
+              </a:schemeClr>
+            </a:gs>
+            <a:gs pos="35000">
+              <a:schemeClr val="phClr">
+                <a:tint val="37000"/>
+                <a:satMod val="300000"/>
+              </a:schemeClr>
+            </a:gs>
+            <a:gs pos="100000">
+              <a:schemeClr val="phClr">
+                <a:tint val="15000"/>
+                <a:satMod val="350000"/>
+              </a:schemeClr>
+            </a:gs>
+          </a:gsLst>
+          <a:lin ang="16200000" scaled="1"/>
+        </a:gradFill>
+        <a:gradFill rotWithShape="1">
+          <a:gsLst>
+            <a:gs pos="0">
+              <a:schemeClr val="phClr">
+                <a:shade val="51000"/>
+                <a:satMod val="130000"/>
+              </a:schemeClr>
+            </a:gs>
+            <a:gs pos="80000">
+              <a:schemeClr val="phClr">
+                <a:shade val="93000"/>
+                <a:satMod val="130000"/>
+              </a:schemeClr>
+            </a:gs>
+            <a:gs pos="100000">
+              <a:schemeClr val="phClr">
+                <a:shade val="94000"/>
+                <a:satMod val="135000"/>
+              </a:schemeClr>
+            </a:gs>
+          </a:gsLst>
+          <a:lin ang="16200000" scaled="0"/>
+        </a:gradFill>
+      </a:fillStyleLst>
+      <a:lnStyleLst>
+        <a:ln w="9525" cap="flat" cmpd="sng" algn="ctr">
+          <a:solidFill>
+            <a:schemeClr val="phClr">
+              <a:shade val="95000"/>
+              <a:satMod val="105000"/>
+            </a:schemeClr>
+          </a:solidFill>
+          <a:prstDash val="solid"/>
+        </a:ln>
+        <a:ln w="25400" cap="flat" cmpd="sng" algn="ctr">
+          <a:solidFill>
+            <a:schemeClr val="phClr"/>
+          </a:solidFill>
+          <a:prstDash val="solid"/>
+        </a:ln>
+        <a:ln w="38100" cap="flat" cmpd="sng" algn="ctr">
+          <a:solidFill>
+            <a:schemeClr val="phClr"/>
+          </a:solidFill>
+          <a:prstDash val="solid"/>
+        </a:ln>
+      </a:lnStyleLst>
+      <a:effectStyleLst>
+        <a:effectStyle>
+          <a:effectLst>
+            <a:outerShdw blurRad="40000" dist="20000" dir="5400000" rotWithShape="0">
+              <a:srgbClr val="000000">
+                <a:alpha val="38000"/>
+              </a:srgbClr>
+            </a:outerShdw>
+          </a:effectLst>
+        </a:effectStyle>
+        <a:effectStyle>
+          <a:effectLst>
+            <a:outerShdw blurRad="40000" dist="23000" dir="5400000" rotWithShape="0">
+              <a:srgbClr val="000000">
+                <a:alpha val="35000"/>
+              </a:srgbClr>
+            </a:outerShdw>
+          </a:effectLst>
+        </a:effectStyle>
+        <a:effectStyle>
+          <a:effectLst>
+            <a:outerShdw blurRad="40000" dist="23000" dir="5400000" rotWithShape="0">
+              <a:srgbClr val="000000">
+                <a:alpha val="35000"/>
+              </a:srgbClr>
+            </a:outerShdw>
+          </a:effectLst>
+          <a:scene3d>
+            <a:camera prst="orthographicFront">
+              <a:rot lat="0" lon="0" rev="0"/>
+            </a:camera>
+            <a:lightRig rig="threePt" dir="t">
+              <a:rot lat="0" lon="0" rev="1200000"/>
+            </a:lightRig>
+          </a:scene3d>
+          <a:sp3d>
+            <a:bevelT w="63500" h="25400"/>
+          </a:sp3d>
+        </a:effectStyle>
+      </a:effectStyleLst>
+      <a:bgFillStyleLst>
+        <a:solidFill>
+          <a:schemeClr val="phClr"/>
+        </a:solidFill>
+        <a:gradFill rotWithShape="1">
+          <a:gsLst>
+            <a:gs pos="0">
+              <a:schemeClr val="phClr">
+                <a:tint val="40000"/>
+                <a:satMod val="350000"/>
+              </a:schemeClr>
+            </a:gs>
+            <a:gs pos="40000">
+              <a:schemeClr val="phClr">
+                <a:tint val="45000"/>
+                <a:shade val="99000"/>
+                <a:satMod val="350000"/>
+              </a:schemeClr>
+            </a:gs>
+            <a:gs pos="100000">
+              <a:schemeClr val="phClr">
+                <a:shade val="20000"/>
+                <a:satMod val="255000"/>
+              </a:schemeClr>
+            </a:gs>
+          </a:gsLst>
+          <a:path path="circle">
+            <a:fillToRect l="50000" t="-80000" r="50000" b="180000"/>
+          </a:path>
+        </a:gradFill>
+        <a:gradFill rotWithShape="1">
+          <a:gsLst>
+            <a:gs pos="0">
+              <a:schemeClr val="phClr">
+                <a:tint val="80000"/>
+                <a:satMod val="300000"/>
+              </a:schemeClr>
+            </a:gs>
+            <a:gs pos="100000">
+              <a:schemeClr val="phClr">
+                <a:shade val="30000"/>
+                <a:satMod val="200000"/>
+              </a:schemeClr>
+            </a:gs>
+          </a:gsLst>
+          <a:path path="circle">
+            <a:fillToRect l="50000" t="50000" r="50000" b="50000"/>
+          </a:path>
+        </a:gradFill>
+      </a:bgFillStyleLst>
+    </a:fmtScheme>
+  </a:themeElements>
+  <a:objectDefaults/>
+  <a:extraClrSchemeLst/>
+</a:theme>
 </file>
--- a/就職指導週間（大橋校講義用PP）.pptx
+++ b/就職指導週間（大橋校講義用PP）.pptx
@@ -5,10 +5,10 @@
     <p:sldMasterId id="2147483732" r:id="rId1"/>
   </p:sldMasterIdLst>
   <p:notesMasterIdLst>
-    <p:notesMasterId r:id="rId29"/>
+    <p:notesMasterId r:id="rId30"/>
   </p:notesMasterIdLst>
   <p:handoutMasterIdLst>
-    <p:handoutMasterId r:id="rId30"/>
+    <p:handoutMasterId r:id="rId31"/>
   </p:handoutMasterIdLst>
   <p:sldIdLst>
     <p:sldId id="256" r:id="rId2"/>
@@ -18,26 +18,27 @@
     <p:sldId id="282" r:id="rId6"/>
     <p:sldId id="283" r:id="rId7"/>
     <p:sldId id="264" r:id="rId8"/>
-    <p:sldId id="265" r:id="rId9"/>
-    <p:sldId id="260" r:id="rId10"/>
-    <p:sldId id="259" r:id="rId11"/>
-    <p:sldId id="261" r:id="rId12"/>
-    <p:sldId id="262" r:id="rId13"/>
-    <p:sldId id="263" r:id="rId14"/>
-    <p:sldId id="278" r:id="rId15"/>
-    <p:sldId id="279" r:id="rId16"/>
-    <p:sldId id="266" r:id="rId17"/>
-    <p:sldId id="267" r:id="rId18"/>
-    <p:sldId id="268" r:id="rId19"/>
-    <p:sldId id="274" r:id="rId20"/>
-    <p:sldId id="270" r:id="rId21"/>
-    <p:sldId id="271" r:id="rId22"/>
-    <p:sldId id="273" r:id="rId23"/>
-    <p:sldId id="258" r:id="rId24"/>
-    <p:sldId id="277" r:id="rId25"/>
-    <p:sldId id="272" r:id="rId26"/>
-    <p:sldId id="275" r:id="rId27"/>
-    <p:sldId id="276" r:id="rId28"/>
+    <p:sldId id="284" r:id="rId9"/>
+    <p:sldId id="265" r:id="rId10"/>
+    <p:sldId id="260" r:id="rId11"/>
+    <p:sldId id="259" r:id="rId12"/>
+    <p:sldId id="261" r:id="rId13"/>
+    <p:sldId id="262" r:id="rId14"/>
+    <p:sldId id="263" r:id="rId15"/>
+    <p:sldId id="278" r:id="rId16"/>
+    <p:sldId id="279" r:id="rId17"/>
+    <p:sldId id="266" r:id="rId18"/>
+    <p:sldId id="267" r:id="rId19"/>
+    <p:sldId id="268" r:id="rId20"/>
+    <p:sldId id="274" r:id="rId21"/>
+    <p:sldId id="270" r:id="rId22"/>
+    <p:sldId id="271" r:id="rId23"/>
+    <p:sldId id="273" r:id="rId24"/>
+    <p:sldId id="258" r:id="rId25"/>
+    <p:sldId id="277" r:id="rId26"/>
+    <p:sldId id="272" r:id="rId27"/>
+    <p:sldId id="275" r:id="rId28"/>
+    <p:sldId id="276" r:id="rId29"/>
   </p:sldIdLst>
   <p:sldSz cx="9144000" cy="6858000" type="screen4x3"/>
   <p:notesSz cx="6797675" cy="9926638"/>
@@ -148,6 +149,7 @@
             <p14:sldId id="282"/>
             <p14:sldId id="283"/>
             <p14:sldId id="264"/>
+            <p14:sldId id="284"/>
           </p14:sldIdLst>
         </p14:section>
         <p14:section name="タイトルなしのセクション" id="{B3D920F1-7EDC-47B8-8167-D1AE14591E27}">
@@ -5347,7 +5349,7 @@
                 <a:latin typeface="ＭＳ ゴシック" panose="020B0609070205080204" pitchFamily="49" charset="-128"/>
                 <a:ea typeface="ＭＳ ゴシック" panose="020B0609070205080204" pitchFamily="49" charset="-128"/>
               </a:rPr>
-              <a:t>学内求人の基準</a:t>
+              <a:t>学校推薦（推薦書）</a:t>
             </a:r>
             <a:endParaRPr kumimoji="1" lang="ja-JP" altLang="en-US" baseline="0" dirty="0">
               <a:latin typeface="ＭＳ ゴシック" panose="020B0609070205080204" pitchFamily="49" charset="-128"/>
@@ -5371,14 +5373,134 @@
           <a:bodyPr/>
           <a:lstStyle/>
           <a:p>
-            <a:endParaRPr kumimoji="1" lang="ja-JP" altLang="en-US"/>
+            <a:r>
+              <a:rPr kumimoji="1" lang="ja-JP" altLang="en-US" baseline="0" dirty="0" smtClean="0">
+                <a:latin typeface="ＭＳ ゴシック" panose="020B0609070205080204" pitchFamily="49" charset="-128"/>
+                <a:ea typeface="ＭＳ ゴシック" panose="020B0609070205080204" pitchFamily="49" charset="-128"/>
+              </a:rPr>
+              <a:t>出席率８５％以上</a:t>
+            </a:r>
+            <a:endParaRPr kumimoji="1" lang="en-US" altLang="ja-JP" baseline="0" dirty="0" smtClean="0">
+              <a:latin typeface="ＭＳ ゴシック" panose="020B0609070205080204" pitchFamily="49" charset="-128"/>
+              <a:ea typeface="ＭＳ ゴシック" panose="020B0609070205080204" pitchFamily="49" charset="-128"/>
+            </a:endParaRPr>
+          </a:p>
+          <a:p>
+            <a:r>
+              <a:rPr kumimoji="1" lang="ja-JP" altLang="en-US" baseline="0" dirty="0" smtClean="0">
+                <a:latin typeface="ＭＳ ゴシック" panose="020B0609070205080204" pitchFamily="49" charset="-128"/>
+                <a:ea typeface="ＭＳ ゴシック" panose="020B0609070205080204" pitchFamily="49" charset="-128"/>
+              </a:rPr>
+              <a:t>成績の平均３．５以上</a:t>
+            </a:r>
+            <a:endParaRPr kumimoji="1" lang="en-US" altLang="ja-JP" baseline="0" dirty="0" smtClean="0">
+              <a:latin typeface="ＭＳ ゴシック" panose="020B0609070205080204" pitchFamily="49" charset="-128"/>
+              <a:ea typeface="ＭＳ ゴシック" panose="020B0609070205080204" pitchFamily="49" charset="-128"/>
+            </a:endParaRPr>
+          </a:p>
+          <a:p>
+            <a:r>
+              <a:rPr kumimoji="1" lang="ja-JP" altLang="en-US" baseline="0" dirty="0" smtClean="0">
+                <a:latin typeface="ＭＳ ゴシック" panose="020B0609070205080204" pitchFamily="49" charset="-128"/>
+                <a:ea typeface="ＭＳ ゴシック" panose="020B0609070205080204" pitchFamily="49" charset="-128"/>
+              </a:rPr>
+              <a:t>評価点２（４４点がない事）</a:t>
+            </a:r>
+            <a:endParaRPr kumimoji="1" lang="en-US" altLang="ja-JP" baseline="0" dirty="0" smtClean="0">
+              <a:latin typeface="ＭＳ ゴシック" panose="020B0609070205080204" pitchFamily="49" charset="-128"/>
+              <a:ea typeface="ＭＳ ゴシック" panose="020B0609070205080204" pitchFamily="49" charset="-128"/>
+            </a:endParaRPr>
+          </a:p>
+          <a:p>
+            <a:r>
+              <a:rPr kumimoji="1" lang="ja-JP" altLang="en-US" baseline="0" dirty="0" smtClean="0">
+                <a:latin typeface="ＭＳ ゴシック" panose="020B0609070205080204" pitchFamily="49" charset="-128"/>
+                <a:ea typeface="ＭＳ ゴシック" panose="020B0609070205080204" pitchFamily="49" charset="-128"/>
+              </a:rPr>
+              <a:t>日本語能力認定試験</a:t>
+            </a:r>
+            <a:r>
+              <a:rPr kumimoji="1" lang="en-US" altLang="ja-JP" baseline="0" dirty="0" smtClean="0">
+                <a:latin typeface="ＭＳ ゴシック" panose="020B0609070205080204" pitchFamily="49" charset="-128"/>
+                <a:ea typeface="ＭＳ ゴシック" panose="020B0609070205080204" pitchFamily="49" charset="-128"/>
+              </a:rPr>
+              <a:t>N1</a:t>
+            </a:r>
+            <a:r>
+              <a:rPr kumimoji="1" lang="ja-JP" altLang="en-US" baseline="0" dirty="0" err="1" smtClean="0">
+                <a:latin typeface="ＭＳ ゴシック" panose="020B0609070205080204" pitchFamily="49" charset="-128"/>
+                <a:ea typeface="ＭＳ ゴシック" panose="020B0609070205080204" pitchFamily="49" charset="-128"/>
+              </a:rPr>
+              <a:t>、</a:t>
+            </a:r>
+            <a:r>
+              <a:rPr kumimoji="1" lang="en-US" altLang="ja-JP" baseline="0" dirty="0" smtClean="0">
+                <a:latin typeface="ＭＳ ゴシック" panose="020B0609070205080204" pitchFamily="49" charset="-128"/>
+                <a:ea typeface="ＭＳ ゴシック" panose="020B0609070205080204" pitchFamily="49" charset="-128"/>
+              </a:rPr>
+              <a:t>N2</a:t>
+            </a:r>
+            <a:r>
+              <a:rPr kumimoji="1" lang="ja-JP" altLang="en-US" baseline="0" dirty="0" smtClean="0">
+                <a:latin typeface="ＭＳ ゴシック" panose="020B0609070205080204" pitchFamily="49" charset="-128"/>
+                <a:ea typeface="ＭＳ ゴシック" panose="020B0609070205080204" pitchFamily="49" charset="-128"/>
+              </a:rPr>
+              <a:t>に合格している事</a:t>
+            </a:r>
+            <a:endParaRPr kumimoji="1" lang="en-US" altLang="ja-JP" baseline="0" dirty="0" smtClean="0">
+              <a:latin typeface="ＭＳ ゴシック" panose="020B0609070205080204" pitchFamily="49" charset="-128"/>
+              <a:ea typeface="ＭＳ ゴシック" panose="020B0609070205080204" pitchFamily="49" charset="-128"/>
+            </a:endParaRPr>
+          </a:p>
+          <a:p>
+            <a:r>
+              <a:rPr kumimoji="1" lang="ja-JP" altLang="en-US" baseline="0" dirty="0" smtClean="0">
+                <a:latin typeface="ＭＳ ゴシック" panose="020B0609070205080204" pitchFamily="49" charset="-128"/>
+                <a:ea typeface="ＭＳ ゴシック" panose="020B0609070205080204" pitchFamily="49" charset="-128"/>
+              </a:rPr>
+              <a:t>素行に問題が無い事</a:t>
+            </a:r>
+            <a:endParaRPr kumimoji="1" lang="en-US" altLang="ja-JP" baseline="0" dirty="0" smtClean="0">
+              <a:latin typeface="ＭＳ ゴシック" panose="020B0609070205080204" pitchFamily="49" charset="-128"/>
+              <a:ea typeface="ＭＳ ゴシック" panose="020B0609070205080204" pitchFamily="49" charset="-128"/>
+            </a:endParaRPr>
+          </a:p>
+          <a:p>
+            <a:pPr marL="0" indent="0" algn="r">
+              <a:buNone/>
+            </a:pPr>
+            <a:r>
+              <a:rPr kumimoji="1" lang="ja-JP" altLang="en-US" baseline="0" dirty="0" smtClean="0">
+                <a:latin typeface="ＭＳ ゴシック" panose="020B0609070205080204" pitchFamily="49" charset="-128"/>
+                <a:ea typeface="ＭＳ ゴシック" panose="020B0609070205080204" pitchFamily="49" charset="-128"/>
+              </a:rPr>
+              <a:t>学則</a:t>
+            </a:r>
+            <a:r>
+              <a:rPr kumimoji="1" lang="en-US" altLang="ja-JP" baseline="0" dirty="0" smtClean="0">
+                <a:latin typeface="ＭＳ ゴシック" panose="020B0609070205080204" pitchFamily="49" charset="-128"/>
+                <a:ea typeface="ＭＳ ゴシック" panose="020B0609070205080204" pitchFamily="49" charset="-128"/>
+              </a:rPr>
+              <a:t>2016</a:t>
+            </a:r>
+            <a:r>
+              <a:rPr kumimoji="1" lang="ja-JP" altLang="en-US" baseline="0" dirty="0" smtClean="0">
+                <a:latin typeface="ＭＳ ゴシック" panose="020B0609070205080204" pitchFamily="49" charset="-128"/>
+                <a:ea typeface="ＭＳ ゴシック" panose="020B0609070205080204" pitchFamily="49" charset="-128"/>
+              </a:rPr>
+              <a:t>年度版より</a:t>
+            </a:r>
+            <a:endParaRPr kumimoji="1" lang="en-US" altLang="ja-JP" baseline="0" dirty="0" smtClean="0">
+              <a:latin typeface="ＭＳ ゴシック" panose="020B0609070205080204" pitchFamily="49" charset="-128"/>
+              <a:ea typeface="ＭＳ ゴシック" panose="020B0609070205080204" pitchFamily="49" charset="-128"/>
+            </a:endParaRPr>
           </a:p>
         </p:txBody>
       </p:sp>
     </p:spTree>
     <p:extLst>
       <p:ext uri="{BB962C8B-B14F-4D97-AF65-F5344CB8AC3E}">
-        <p14:creationId xmlns:p14="http://schemas.microsoft.com/office/powerpoint/2010/main" val="3506621631"/>
+        <p14:creationId xmlns:p14="http://schemas.microsoft.com/office/powerpoint/2010/main" val="3983144682"/>
       </p:ext>
     </p:extLst>
   </p:cSld>
@@ -5417,9 +5539,7 @@
         </p:nvSpPr>
         <p:spPr/>
         <p:txBody>
-          <a:bodyPr>
-            <a:normAutofit/>
-          </a:bodyPr>
+          <a:bodyPr/>
           <a:lstStyle/>
           <a:p>
             <a:r>
@@ -5427,7 +5547,7 @@
                 <a:latin typeface="ＭＳ ゴシック" panose="020B0609070205080204" pitchFamily="49" charset="-128"/>
                 <a:ea typeface="ＭＳ ゴシック" panose="020B0609070205080204" pitchFamily="49" charset="-128"/>
               </a:rPr>
-              <a:t>学校求人応募の流れ</a:t>
+              <a:t>学内求人の基準</a:t>
             </a:r>
             <a:endParaRPr kumimoji="1" lang="ja-JP" altLang="en-US" baseline="0" dirty="0">
               <a:latin typeface="ＭＳ ゴシック" panose="020B0609070205080204" pitchFamily="49" charset="-128"/>
@@ -5451,24 +5571,14 @@
           <a:bodyPr/>
           <a:lstStyle/>
           <a:p>
-            <a:r>
-              <a:rPr kumimoji="1" lang="ja-JP" altLang="en-US" baseline="0" dirty="0" smtClean="0">
-                <a:latin typeface="ＭＳ ゴシック" panose="020B0609070205080204" pitchFamily="49" charset="-128"/>
-                <a:ea typeface="ＭＳ ゴシック" panose="020B0609070205080204" pitchFamily="49" charset="-128"/>
-              </a:rPr>
-              <a:t>応募から試験まで</a:t>
-            </a:r>
-            <a:endParaRPr kumimoji="1" lang="ja-JP" altLang="en-US" baseline="0" dirty="0">
-              <a:latin typeface="ＭＳ ゴシック" panose="020B0609070205080204" pitchFamily="49" charset="-128"/>
-              <a:ea typeface="ＭＳ ゴシック" panose="020B0609070205080204" pitchFamily="49" charset="-128"/>
-            </a:endParaRPr>
+            <a:endParaRPr kumimoji="1" lang="ja-JP" altLang="en-US"/>
           </a:p>
         </p:txBody>
       </p:sp>
     </p:spTree>
     <p:extLst>
       <p:ext uri="{BB962C8B-B14F-4D97-AF65-F5344CB8AC3E}">
-        <p14:creationId xmlns:p14="http://schemas.microsoft.com/office/powerpoint/2010/main" val="291963588"/>
+        <p14:creationId xmlns:p14="http://schemas.microsoft.com/office/powerpoint/2010/main" val="3506621631"/>
       </p:ext>
     </p:extLst>
   </p:cSld>
@@ -5507,7 +5617,9 @@
         </p:nvSpPr>
         <p:spPr/>
         <p:txBody>
-          <a:bodyPr/>
+          <a:bodyPr>
+            <a:normAutofit/>
+          </a:bodyPr>
           <a:lstStyle/>
           <a:p>
             <a:r>
@@ -5515,7 +5627,7 @@
                 <a:latin typeface="ＭＳ ゴシック" panose="020B0609070205080204" pitchFamily="49" charset="-128"/>
                 <a:ea typeface="ＭＳ ゴシック" panose="020B0609070205080204" pitchFamily="49" charset="-128"/>
               </a:rPr>
-              <a:t>学校求人応募の流れ（２）</a:t>
+              <a:t>学校求人応募の流れ</a:t>
             </a:r>
             <a:endParaRPr kumimoji="1" lang="ja-JP" altLang="en-US" baseline="0" dirty="0">
               <a:latin typeface="ＭＳ ゴシック" panose="020B0609070205080204" pitchFamily="49" charset="-128"/>
@@ -5544,9 +5656,9 @@
                 <a:latin typeface="ＭＳ ゴシック" panose="020B0609070205080204" pitchFamily="49" charset="-128"/>
                 <a:ea typeface="ＭＳ ゴシック" panose="020B0609070205080204" pitchFamily="49" charset="-128"/>
               </a:rPr>
-              <a:t>内定後の処理</a:t>
-            </a:r>
-            <a:endParaRPr kumimoji="1" lang="en-US" altLang="ja-JP" baseline="0" dirty="0" smtClean="0">
+              <a:t>応募から試験まで</a:t>
+            </a:r>
+            <a:endParaRPr kumimoji="1" lang="ja-JP" altLang="en-US" baseline="0" dirty="0">
               <a:latin typeface="ＭＳ ゴシック" panose="020B0609070205080204" pitchFamily="49" charset="-128"/>
               <a:ea typeface="ＭＳ ゴシック" panose="020B0609070205080204" pitchFamily="49" charset="-128"/>
             </a:endParaRPr>
@@ -5556,7 +5668,7 @@
     </p:spTree>
     <p:extLst>
       <p:ext uri="{BB962C8B-B14F-4D97-AF65-F5344CB8AC3E}">
-        <p14:creationId xmlns:p14="http://schemas.microsoft.com/office/powerpoint/2010/main" val="679332612"/>
+        <p14:creationId xmlns:p14="http://schemas.microsoft.com/office/powerpoint/2010/main" val="291963588"/>
       </p:ext>
     </p:extLst>
   </p:cSld>
@@ -5603,7 +5715,7 @@
                 <a:latin typeface="ＭＳ ゴシック" panose="020B0609070205080204" pitchFamily="49" charset="-128"/>
                 <a:ea typeface="ＭＳ ゴシック" panose="020B0609070205080204" pitchFamily="49" charset="-128"/>
               </a:rPr>
-              <a:t>就職の応募時に注意する事</a:t>
+              <a:t>学校求人応募の流れ（２）</a:t>
             </a:r>
             <a:endParaRPr kumimoji="1" lang="ja-JP" altLang="en-US" baseline="0" dirty="0">
               <a:latin typeface="ＭＳ ゴシック" panose="020B0609070205080204" pitchFamily="49" charset="-128"/>
@@ -5627,14 +5739,24 @@
           <a:bodyPr/>
           <a:lstStyle/>
           <a:p>
-            <a:endParaRPr kumimoji="1" lang="ja-JP" altLang="en-US"/>
+            <a:r>
+              <a:rPr kumimoji="1" lang="ja-JP" altLang="en-US" baseline="0" dirty="0" smtClean="0">
+                <a:latin typeface="ＭＳ ゴシック" panose="020B0609070205080204" pitchFamily="49" charset="-128"/>
+                <a:ea typeface="ＭＳ ゴシック" panose="020B0609070205080204" pitchFamily="49" charset="-128"/>
+              </a:rPr>
+              <a:t>内定後の処理</a:t>
+            </a:r>
+            <a:endParaRPr kumimoji="1" lang="en-US" altLang="ja-JP" baseline="0" dirty="0" smtClean="0">
+              <a:latin typeface="ＭＳ ゴシック" panose="020B0609070205080204" pitchFamily="49" charset="-128"/>
+              <a:ea typeface="ＭＳ ゴシック" panose="020B0609070205080204" pitchFamily="49" charset="-128"/>
+            </a:endParaRPr>
           </a:p>
         </p:txBody>
       </p:sp>
     </p:spTree>
     <p:extLst>
       <p:ext uri="{BB962C8B-B14F-4D97-AF65-F5344CB8AC3E}">
-        <p14:creationId xmlns:p14="http://schemas.microsoft.com/office/powerpoint/2010/main" val="1520507147"/>
+        <p14:creationId xmlns:p14="http://schemas.microsoft.com/office/powerpoint/2010/main" val="679332612"/>
       </p:ext>
     </p:extLst>
   </p:cSld>
@@ -5681,7 +5803,7 @@
                 <a:latin typeface="ＭＳ ゴシック" panose="020B0609070205080204" pitchFamily="49" charset="-128"/>
                 <a:ea typeface="ＭＳ ゴシック" panose="020B0609070205080204" pitchFamily="49" charset="-128"/>
               </a:rPr>
-              <a:t>早期出社について</a:t>
+              <a:t>就職の応募時に注意する事</a:t>
             </a:r>
             <a:endParaRPr kumimoji="1" lang="ja-JP" altLang="en-US" baseline="0" dirty="0">
               <a:latin typeface="ＭＳ ゴシック" panose="020B0609070205080204" pitchFamily="49" charset="-128"/>
@@ -5705,24 +5827,14 @@
           <a:bodyPr/>
           <a:lstStyle/>
           <a:p>
-            <a:r>
-              <a:rPr kumimoji="1" lang="ja-JP" altLang="en-US" baseline="0" dirty="0" smtClean="0">
-                <a:latin typeface="ＭＳ ゴシック" panose="020B0609070205080204" pitchFamily="49" charset="-128"/>
-                <a:ea typeface="ＭＳ ゴシック" panose="020B0609070205080204" pitchFamily="49" charset="-128"/>
-              </a:rPr>
-              <a:t>早期出社はできない為、就職応募時に担任に相談する事。</a:t>
-            </a:r>
-            <a:endParaRPr kumimoji="1" lang="en-US" altLang="ja-JP" baseline="0" dirty="0" smtClean="0">
-              <a:latin typeface="ＭＳ ゴシック" panose="020B0609070205080204" pitchFamily="49" charset="-128"/>
-              <a:ea typeface="ＭＳ ゴシック" panose="020B0609070205080204" pitchFamily="49" charset="-128"/>
-            </a:endParaRPr>
+            <a:endParaRPr kumimoji="1" lang="ja-JP" altLang="en-US"/>
           </a:p>
         </p:txBody>
       </p:sp>
     </p:spTree>
     <p:extLst>
       <p:ext uri="{BB962C8B-B14F-4D97-AF65-F5344CB8AC3E}">
-        <p14:creationId xmlns:p14="http://schemas.microsoft.com/office/powerpoint/2010/main" val="1436563834"/>
+        <p14:creationId xmlns:p14="http://schemas.microsoft.com/office/powerpoint/2010/main" val="1520507147"/>
       </p:ext>
     </p:extLst>
   </p:cSld>
@@ -5764,13 +5876,12 @@
           <a:bodyPr/>
           <a:lstStyle/>
           <a:p>
-            <a:pPr lvl="0"/>
             <a:r>
               <a:rPr kumimoji="1" lang="ja-JP" altLang="en-US" baseline="0" dirty="0" smtClean="0">
                 <a:latin typeface="ＭＳ ゴシック" panose="020B0609070205080204" pitchFamily="49" charset="-128"/>
                 <a:ea typeface="ＭＳ ゴシック" panose="020B0609070205080204" pitchFamily="49" charset="-128"/>
               </a:rPr>
-              <a:t>証明書の発行期間・条件</a:t>
+              <a:t>早期出社について</a:t>
             </a:r>
             <a:endParaRPr kumimoji="1" lang="ja-JP" altLang="en-US" baseline="0" dirty="0">
               <a:latin typeface="ＭＳ ゴシック" panose="020B0609070205080204" pitchFamily="49" charset="-128"/>
@@ -5799,46 +5910,19 @@
                 <a:latin typeface="ＭＳ ゴシック" panose="020B0609070205080204" pitchFamily="49" charset="-128"/>
                 <a:ea typeface="ＭＳ ゴシック" panose="020B0609070205080204" pitchFamily="49" charset="-128"/>
               </a:rPr>
-              <a:t>発行に関する期間は最短</a:t>
-            </a:r>
-            <a:r>
-              <a:rPr kumimoji="1" lang="en-US" altLang="ja-JP" baseline="0" dirty="0" smtClean="0">
-                <a:latin typeface="ＭＳ ゴシック" panose="020B0609070205080204" pitchFamily="49" charset="-128"/>
-                <a:ea typeface="ＭＳ ゴシック" panose="020B0609070205080204" pitchFamily="49" charset="-128"/>
-              </a:rPr>
-              <a:t>1</a:t>
-            </a:r>
-            <a:r>
-              <a:rPr kumimoji="1" lang="ja-JP" altLang="en-US" baseline="0" dirty="0" smtClean="0">
-                <a:latin typeface="ＭＳ ゴシック" panose="020B0609070205080204" pitchFamily="49" charset="-128"/>
-                <a:ea typeface="ＭＳ ゴシック" panose="020B0609070205080204" pitchFamily="49" charset="-128"/>
-              </a:rPr>
-              <a:t>週間</a:t>
+              <a:t>早期出社はできない為、就職応募時に担任に相談する事。</a:t>
             </a:r>
             <a:endParaRPr kumimoji="1" lang="en-US" altLang="ja-JP" baseline="0" dirty="0" smtClean="0">
               <a:latin typeface="ＭＳ ゴシック" panose="020B0609070205080204" pitchFamily="49" charset="-128"/>
               <a:ea typeface="ＭＳ ゴシック" panose="020B0609070205080204" pitchFamily="49" charset="-128"/>
             </a:endParaRPr>
           </a:p>
-          <a:p>
-            <a:r>
-              <a:rPr kumimoji="1" lang="ja-JP" altLang="en-US" baseline="0" dirty="0" smtClean="0">
-                <a:latin typeface="ＭＳ ゴシック" panose="020B0609070205080204" pitchFamily="49" charset="-128"/>
-                <a:ea typeface="ＭＳ ゴシック" panose="020B0609070205080204" pitchFamily="49" charset="-128"/>
-              </a:rPr>
-              <a:t>学費が支払われている事</a:t>
-            </a:r>
-            <a:endParaRPr kumimoji="1" lang="ja-JP" altLang="en-US" baseline="0" dirty="0">
-              <a:latin typeface="ＭＳ ゴシック" panose="020B0609070205080204" pitchFamily="49" charset="-128"/>
-              <a:ea typeface="ＭＳ ゴシック" panose="020B0609070205080204" pitchFamily="49" charset="-128"/>
-            </a:endParaRPr>
-          </a:p>
         </p:txBody>
       </p:sp>
     </p:spTree>
     <p:extLst>
       <p:ext uri="{BB962C8B-B14F-4D97-AF65-F5344CB8AC3E}">
-        <p14:creationId xmlns:p14="http://schemas.microsoft.com/office/powerpoint/2010/main" val="4073903063"/>
+        <p14:creationId xmlns:p14="http://schemas.microsoft.com/office/powerpoint/2010/main" val="1436563834"/>
       </p:ext>
     </p:extLst>
   </p:cSld>
@@ -5877,37 +5961,16 @@
         </p:nvSpPr>
         <p:spPr/>
         <p:txBody>
-          <a:bodyPr>
-            <a:normAutofit fontScale="90000"/>
-          </a:bodyPr>
-          <a:lstStyle/>
-          <a:p>
+          <a:bodyPr/>
+          <a:lstStyle/>
+          <a:p>
+            <a:pPr lvl="0"/>
             <a:r>
               <a:rPr kumimoji="1" lang="ja-JP" altLang="en-US" baseline="0" dirty="0" smtClean="0">
                 <a:latin typeface="ＭＳ ゴシック" panose="020B0609070205080204" pitchFamily="49" charset="-128"/>
                 <a:ea typeface="ＭＳ ゴシック" panose="020B0609070205080204" pitchFamily="49" charset="-128"/>
               </a:rPr>
-              <a:t>書類の記入の仕方</a:t>
-            </a:r>
-            <a:r>
-              <a:rPr kumimoji="1" lang="en-US" altLang="ja-JP" baseline="0" dirty="0" smtClean="0">
-                <a:latin typeface="ＭＳ ゴシック" panose="020B0609070205080204" pitchFamily="49" charset="-128"/>
-                <a:ea typeface="ＭＳ ゴシック" panose="020B0609070205080204" pitchFamily="49" charset="-128"/>
-              </a:rPr>
-              <a:t/>
-            </a:r>
-            <a:br>
-              <a:rPr kumimoji="1" lang="en-US" altLang="ja-JP" baseline="0" dirty="0" smtClean="0">
-                <a:latin typeface="ＭＳ ゴシック" panose="020B0609070205080204" pitchFamily="49" charset="-128"/>
-                <a:ea typeface="ＭＳ ゴシック" panose="020B0609070205080204" pitchFamily="49" charset="-128"/>
-              </a:rPr>
-            </a:br>
-            <a:r>
-              <a:rPr kumimoji="1" lang="ja-JP" altLang="en-US" baseline="0" dirty="0" smtClean="0">
-                <a:latin typeface="ＭＳ ゴシック" panose="020B0609070205080204" pitchFamily="49" charset="-128"/>
-                <a:ea typeface="ＭＳ ゴシック" panose="020B0609070205080204" pitchFamily="49" charset="-128"/>
-              </a:rPr>
-              <a:t>証明書の申込</a:t>
+              <a:t>証明書の発行期間・条件</a:t>
             </a:r>
             <a:endParaRPr kumimoji="1" lang="ja-JP" altLang="en-US" baseline="0" dirty="0">
               <a:latin typeface="ＭＳ ゴシック" panose="020B0609070205080204" pitchFamily="49" charset="-128"/>
@@ -5931,14 +5994,51 @@
           <a:bodyPr/>
           <a:lstStyle/>
           <a:p>
-            <a:endParaRPr kumimoji="1" lang="ja-JP" altLang="en-US"/>
+            <a:r>
+              <a:rPr kumimoji="1" lang="ja-JP" altLang="en-US" baseline="0" dirty="0" smtClean="0">
+                <a:latin typeface="ＭＳ ゴシック" panose="020B0609070205080204" pitchFamily="49" charset="-128"/>
+                <a:ea typeface="ＭＳ ゴシック" panose="020B0609070205080204" pitchFamily="49" charset="-128"/>
+              </a:rPr>
+              <a:t>発行に関する期間は最短</a:t>
+            </a:r>
+            <a:r>
+              <a:rPr kumimoji="1" lang="en-US" altLang="ja-JP" baseline="0" dirty="0" smtClean="0">
+                <a:latin typeface="ＭＳ ゴシック" panose="020B0609070205080204" pitchFamily="49" charset="-128"/>
+                <a:ea typeface="ＭＳ ゴシック" panose="020B0609070205080204" pitchFamily="49" charset="-128"/>
+              </a:rPr>
+              <a:t>1</a:t>
+            </a:r>
+            <a:r>
+              <a:rPr kumimoji="1" lang="ja-JP" altLang="en-US" baseline="0" dirty="0" smtClean="0">
+                <a:latin typeface="ＭＳ ゴシック" panose="020B0609070205080204" pitchFamily="49" charset="-128"/>
+                <a:ea typeface="ＭＳ ゴシック" panose="020B0609070205080204" pitchFamily="49" charset="-128"/>
+              </a:rPr>
+              <a:t>週間</a:t>
+            </a:r>
+            <a:endParaRPr kumimoji="1" lang="en-US" altLang="ja-JP" baseline="0" dirty="0" smtClean="0">
+              <a:latin typeface="ＭＳ ゴシック" panose="020B0609070205080204" pitchFamily="49" charset="-128"/>
+              <a:ea typeface="ＭＳ ゴシック" panose="020B0609070205080204" pitchFamily="49" charset="-128"/>
+            </a:endParaRPr>
+          </a:p>
+          <a:p>
+            <a:r>
+              <a:rPr kumimoji="1" lang="ja-JP" altLang="en-US" baseline="0" dirty="0" smtClean="0">
+                <a:latin typeface="ＭＳ ゴシック" panose="020B0609070205080204" pitchFamily="49" charset="-128"/>
+                <a:ea typeface="ＭＳ ゴシック" panose="020B0609070205080204" pitchFamily="49" charset="-128"/>
+              </a:rPr>
+              <a:t>学費が支払われている事</a:t>
+            </a:r>
+            <a:endParaRPr kumimoji="1" lang="ja-JP" altLang="en-US" baseline="0" dirty="0">
+              <a:latin typeface="ＭＳ ゴシック" panose="020B0609070205080204" pitchFamily="49" charset="-128"/>
+              <a:ea typeface="ＭＳ ゴシック" panose="020B0609070205080204" pitchFamily="49" charset="-128"/>
+            </a:endParaRPr>
           </a:p>
         </p:txBody>
       </p:sp>
     </p:spTree>
     <p:extLst>
       <p:ext uri="{BB962C8B-B14F-4D97-AF65-F5344CB8AC3E}">
-        <p14:creationId xmlns:p14="http://schemas.microsoft.com/office/powerpoint/2010/main" val="2308500024"/>
+        <p14:creationId xmlns:p14="http://schemas.microsoft.com/office/powerpoint/2010/main" val="4073903063"/>
       </p:ext>
     </p:extLst>
   </p:cSld>
@@ -6007,7 +6107,7 @@
                 <a:latin typeface="ＭＳ ゴシック" panose="020B0609070205080204" pitchFamily="49" charset="-128"/>
                 <a:ea typeface="ＭＳ ゴシック" panose="020B0609070205080204" pitchFamily="49" charset="-128"/>
               </a:rPr>
-              <a:t>就職申込票</a:t>
+              <a:t>証明書の申込</a:t>
             </a:r>
             <a:endParaRPr kumimoji="1" lang="ja-JP" altLang="en-US" baseline="0" dirty="0">
               <a:latin typeface="ＭＳ ゴシック" panose="020B0609070205080204" pitchFamily="49" charset="-128"/>
@@ -6038,7 +6138,7 @@
     </p:spTree>
     <p:extLst>
       <p:ext uri="{BB962C8B-B14F-4D97-AF65-F5344CB8AC3E}">
-        <p14:creationId xmlns:p14="http://schemas.microsoft.com/office/powerpoint/2010/main" val="3255243437"/>
+        <p14:creationId xmlns:p14="http://schemas.microsoft.com/office/powerpoint/2010/main" val="2308500024"/>
       </p:ext>
     </p:extLst>
   </p:cSld>
@@ -6107,7 +6207,7 @@
                 <a:latin typeface="ＭＳ ゴシック" panose="020B0609070205080204" pitchFamily="49" charset="-128"/>
                 <a:ea typeface="ＭＳ ゴシック" panose="020B0609070205080204" pitchFamily="49" charset="-128"/>
               </a:rPr>
-              <a:t>履歴書の記入について</a:t>
+              <a:t>就職申込票</a:t>
             </a:r>
             <a:endParaRPr kumimoji="1" lang="ja-JP" altLang="en-US" baseline="0" dirty="0">
               <a:latin typeface="ＭＳ ゴシック" panose="020B0609070205080204" pitchFamily="49" charset="-128"/>
@@ -6138,7 +6238,7 @@
     </p:spTree>
     <p:extLst>
       <p:ext uri="{BB962C8B-B14F-4D97-AF65-F5344CB8AC3E}">
-        <p14:creationId xmlns:p14="http://schemas.microsoft.com/office/powerpoint/2010/main" val="3421337624"/>
+        <p14:creationId xmlns:p14="http://schemas.microsoft.com/office/powerpoint/2010/main" val="3255243437"/>
       </p:ext>
     </p:extLst>
   </p:cSld>
@@ -6187,7 +6287,7 @@
                 <a:latin typeface="ＭＳ ゴシック" panose="020B0609070205080204" pitchFamily="49" charset="-128"/>
                 <a:ea typeface="ＭＳ ゴシック" panose="020B0609070205080204" pitchFamily="49" charset="-128"/>
               </a:rPr>
-              <a:t>就職の身だしなみ</a:t>
+              <a:t>書類の記入の仕方</a:t>
             </a:r>
             <a:r>
               <a:rPr kumimoji="1" lang="en-US" altLang="ja-JP" baseline="0" dirty="0" smtClean="0">
@@ -6207,7 +6307,7 @@
                 <a:latin typeface="ＭＳ ゴシック" panose="020B0609070205080204" pitchFamily="49" charset="-128"/>
                 <a:ea typeface="ＭＳ ゴシック" panose="020B0609070205080204" pitchFamily="49" charset="-128"/>
               </a:rPr>
-              <a:t>服装・持ち物について</a:t>
+              <a:t>履歴書の記入について</a:t>
             </a:r>
             <a:endParaRPr kumimoji="1" lang="ja-JP" altLang="en-US" baseline="0" dirty="0">
               <a:latin typeface="ＭＳ ゴシック" panose="020B0609070205080204" pitchFamily="49" charset="-128"/>
@@ -6238,7 +6338,7 @@
     </p:spTree>
     <p:extLst>
       <p:ext uri="{BB962C8B-B14F-4D97-AF65-F5344CB8AC3E}">
-        <p14:creationId xmlns:p14="http://schemas.microsoft.com/office/powerpoint/2010/main" val="751743570"/>
+        <p14:creationId xmlns:p14="http://schemas.microsoft.com/office/powerpoint/2010/main" val="3421337624"/>
       </p:ext>
     </p:extLst>
   </p:cSld>
@@ -6655,14 +6755,7 @@
                 <a:latin typeface="ＭＳ ゴシック" panose="020B0609070205080204" pitchFamily="49" charset="-128"/>
                 <a:ea typeface="ＭＳ ゴシック" panose="020B0609070205080204" pitchFamily="49" charset="-128"/>
               </a:rPr>
-              <a:t>日</a:t>
-            </a:r>
-            <a:r>
-              <a:rPr kumimoji="1" lang="ja-JP" altLang="en-US" baseline="0" dirty="0" smtClean="0">
-                <a:latin typeface="ＭＳ ゴシック" panose="020B0609070205080204" pitchFamily="49" charset="-128"/>
-                <a:ea typeface="ＭＳ ゴシック" panose="020B0609070205080204" pitchFamily="49" charset="-128"/>
-              </a:rPr>
-              <a:t>はスーツ着用にて出校</a:t>
+              <a:t>日はスーツ着用にて出校</a:t>
             </a:r>
             <a:endParaRPr kumimoji="1" lang="ja-JP" altLang="en-US" baseline="0" dirty="0">
               <a:latin typeface="ＭＳ ゴシック" panose="020B0609070205080204" pitchFamily="49" charset="-128"/>
@@ -6750,7 +6843,7 @@
                 <a:latin typeface="ＭＳ ゴシック" panose="020B0609070205080204" pitchFamily="49" charset="-128"/>
                 <a:ea typeface="ＭＳ ゴシック" panose="020B0609070205080204" pitchFamily="49" charset="-128"/>
               </a:rPr>
-              <a:t>男子の服装</a:t>
+              <a:t>服装・持ち物について</a:t>
             </a:r>
             <a:endParaRPr kumimoji="1" lang="ja-JP" altLang="en-US" baseline="0" dirty="0">
               <a:latin typeface="ＭＳ ゴシック" panose="020B0609070205080204" pitchFamily="49" charset="-128"/>
@@ -6774,17 +6867,14 @@
           <a:bodyPr/>
           <a:lstStyle/>
           <a:p>
-            <a:pPr marL="0" indent="0">
-              <a:buNone/>
-            </a:pPr>
-            <a:endParaRPr kumimoji="1" lang="ja-JP" altLang="en-US" dirty="0"/>
+            <a:endParaRPr kumimoji="1" lang="ja-JP" altLang="en-US"/>
           </a:p>
         </p:txBody>
       </p:sp>
     </p:spTree>
     <p:extLst>
       <p:ext uri="{BB962C8B-B14F-4D97-AF65-F5344CB8AC3E}">
-        <p14:creationId xmlns:p14="http://schemas.microsoft.com/office/powerpoint/2010/main" val="1140429650"/>
+        <p14:creationId xmlns:p14="http://schemas.microsoft.com/office/powerpoint/2010/main" val="751743570"/>
       </p:ext>
     </p:extLst>
   </p:cSld>
@@ -6853,7 +6943,7 @@
                 <a:latin typeface="ＭＳ ゴシック" panose="020B0609070205080204" pitchFamily="49" charset="-128"/>
                 <a:ea typeface="ＭＳ ゴシック" panose="020B0609070205080204" pitchFamily="49" charset="-128"/>
               </a:rPr>
-              <a:t>女子の服装</a:t>
+              <a:t>男子の服装</a:t>
             </a:r>
             <a:endParaRPr kumimoji="1" lang="ja-JP" altLang="en-US" baseline="0" dirty="0">
               <a:latin typeface="ＭＳ ゴシック" panose="020B0609070205080204" pitchFamily="49" charset="-128"/>
@@ -6877,14 +6967,17 @@
           <a:bodyPr/>
           <a:lstStyle/>
           <a:p>
-            <a:endParaRPr kumimoji="1" lang="ja-JP" altLang="en-US"/>
+            <a:pPr marL="0" indent="0">
+              <a:buNone/>
+            </a:pPr>
+            <a:endParaRPr kumimoji="1" lang="ja-JP" altLang="en-US" dirty="0"/>
           </a:p>
         </p:txBody>
       </p:sp>
     </p:spTree>
     <p:extLst>
       <p:ext uri="{BB962C8B-B14F-4D97-AF65-F5344CB8AC3E}">
-        <p14:creationId xmlns:p14="http://schemas.microsoft.com/office/powerpoint/2010/main" val="468214323"/>
+        <p14:creationId xmlns:p14="http://schemas.microsoft.com/office/powerpoint/2010/main" val="1140429650"/>
       </p:ext>
     </p:extLst>
   </p:cSld>
@@ -6923,7 +7016,9 @@
         </p:nvSpPr>
         <p:spPr/>
         <p:txBody>
-          <a:bodyPr/>
+          <a:bodyPr>
+            <a:normAutofit fontScale="90000"/>
+          </a:bodyPr>
           <a:lstStyle/>
           <a:p>
             <a:r>
@@ -6932,6 +7027,26 @@
                 <a:ea typeface="ＭＳ ゴシック" panose="020B0609070205080204" pitchFamily="49" charset="-128"/>
               </a:rPr>
               <a:t>就職の身だしなみ</a:t>
+            </a:r>
+            <a:r>
+              <a:rPr kumimoji="1" lang="en-US" altLang="ja-JP" baseline="0" dirty="0" smtClean="0">
+                <a:latin typeface="ＭＳ ゴシック" panose="020B0609070205080204" pitchFamily="49" charset="-128"/>
+                <a:ea typeface="ＭＳ ゴシック" panose="020B0609070205080204" pitchFamily="49" charset="-128"/>
+              </a:rPr>
+              <a:t/>
+            </a:r>
+            <a:br>
+              <a:rPr kumimoji="1" lang="en-US" altLang="ja-JP" baseline="0" dirty="0" smtClean="0">
+                <a:latin typeface="ＭＳ ゴシック" panose="020B0609070205080204" pitchFamily="49" charset="-128"/>
+                <a:ea typeface="ＭＳ ゴシック" panose="020B0609070205080204" pitchFamily="49" charset="-128"/>
+              </a:rPr>
+            </a:br>
+            <a:r>
+              <a:rPr kumimoji="1" lang="ja-JP" altLang="en-US" baseline="0" dirty="0" smtClean="0">
+                <a:latin typeface="ＭＳ ゴシック" panose="020B0609070205080204" pitchFamily="49" charset="-128"/>
+                <a:ea typeface="ＭＳ ゴシック" panose="020B0609070205080204" pitchFamily="49" charset="-128"/>
+              </a:rPr>
+              <a:t>女子の服装</a:t>
             </a:r>
             <a:endParaRPr kumimoji="1" lang="ja-JP" altLang="en-US" baseline="0" dirty="0">
               <a:latin typeface="ＭＳ ゴシック" panose="020B0609070205080204" pitchFamily="49" charset="-128"/>
@@ -6962,7 +7077,7 @@
     </p:spTree>
     <p:extLst>
       <p:ext uri="{BB962C8B-B14F-4D97-AF65-F5344CB8AC3E}">
-        <p14:creationId xmlns:p14="http://schemas.microsoft.com/office/powerpoint/2010/main" val="2135424682"/>
+        <p14:creationId xmlns:p14="http://schemas.microsoft.com/office/powerpoint/2010/main" val="468214323"/>
       </p:ext>
     </p:extLst>
   </p:cSld>
@@ -7009,7 +7124,7 @@
                 <a:latin typeface="ＭＳ ゴシック" panose="020B0609070205080204" pitchFamily="49" charset="-128"/>
                 <a:ea typeface="ＭＳ ゴシック" panose="020B0609070205080204" pitchFamily="49" charset="-128"/>
               </a:rPr>
-              <a:t>特定活動ビザ</a:t>
+              <a:t>就職の身だしなみ</a:t>
             </a:r>
             <a:endParaRPr kumimoji="1" lang="ja-JP" altLang="en-US" baseline="0" dirty="0">
               <a:latin typeface="ＭＳ ゴシック" panose="020B0609070205080204" pitchFamily="49" charset="-128"/>
@@ -7040,7 +7155,7 @@
     </p:spTree>
     <p:extLst>
       <p:ext uri="{BB962C8B-B14F-4D97-AF65-F5344CB8AC3E}">
-        <p14:creationId xmlns:p14="http://schemas.microsoft.com/office/powerpoint/2010/main" val="2364768434"/>
+        <p14:creationId xmlns:p14="http://schemas.microsoft.com/office/powerpoint/2010/main" val="2135424682"/>
       </p:ext>
     </p:extLst>
   </p:cSld>
@@ -7082,6 +7197,13 @@
           <a:bodyPr/>
           <a:lstStyle/>
           <a:p>
+            <a:r>
+              <a:rPr kumimoji="1" lang="ja-JP" altLang="en-US" baseline="0" dirty="0" smtClean="0">
+                <a:latin typeface="ＭＳ ゴシック" panose="020B0609070205080204" pitchFamily="49" charset="-128"/>
+                <a:ea typeface="ＭＳ ゴシック" panose="020B0609070205080204" pitchFamily="49" charset="-128"/>
+              </a:rPr>
+              <a:t>特定活動ビザ</a:t>
+            </a:r>
             <a:endParaRPr kumimoji="1" lang="ja-JP" altLang="en-US" baseline="0" dirty="0">
               <a:latin typeface="ＭＳ ゴシック" panose="020B0609070205080204" pitchFamily="49" charset="-128"/>
               <a:ea typeface="ＭＳ ゴシック" panose="020B0609070205080204" pitchFamily="49" charset="-128"/>
@@ -7111,7 +7233,7 @@
     </p:spTree>
     <p:extLst>
       <p:ext uri="{BB962C8B-B14F-4D97-AF65-F5344CB8AC3E}">
-        <p14:creationId xmlns:p14="http://schemas.microsoft.com/office/powerpoint/2010/main" val="22061644"/>
+        <p14:creationId xmlns:p14="http://schemas.microsoft.com/office/powerpoint/2010/main" val="2364768434"/>
       </p:ext>
     </p:extLst>
   </p:cSld>
@@ -7153,13 +7275,6 @@
           <a:bodyPr/>
           <a:lstStyle/>
           <a:p>
-            <a:r>
-              <a:rPr kumimoji="1" lang="ja-JP" altLang="en-US" baseline="0" dirty="0" smtClean="0">
-                <a:latin typeface="ＭＳ ゴシック" panose="020B0609070205080204" pitchFamily="49" charset="-128"/>
-                <a:ea typeface="ＭＳ ゴシック" panose="020B0609070205080204" pitchFamily="49" charset="-128"/>
-              </a:rPr>
-              <a:t>進学について</a:t>
-            </a:r>
             <a:endParaRPr kumimoji="1" lang="ja-JP" altLang="en-US" baseline="0" dirty="0">
               <a:latin typeface="ＭＳ ゴシック" panose="020B0609070205080204" pitchFamily="49" charset="-128"/>
               <a:ea typeface="ＭＳ ゴシック" panose="020B0609070205080204" pitchFamily="49" charset="-128"/>
@@ -7189,7 +7304,7 @@
     </p:spTree>
     <p:extLst>
       <p:ext uri="{BB962C8B-B14F-4D97-AF65-F5344CB8AC3E}">
-        <p14:creationId xmlns:p14="http://schemas.microsoft.com/office/powerpoint/2010/main" val="3976710618"/>
+        <p14:creationId xmlns:p14="http://schemas.microsoft.com/office/powerpoint/2010/main" val="22061644"/>
       </p:ext>
     </p:extLst>
   </p:cSld>
@@ -7236,6 +7351,84 @@
                 <a:latin typeface="ＭＳ ゴシック" panose="020B0609070205080204" pitchFamily="49" charset="-128"/>
                 <a:ea typeface="ＭＳ ゴシック" panose="020B0609070205080204" pitchFamily="49" charset="-128"/>
               </a:rPr>
+              <a:t>進学について</a:t>
+            </a:r>
+            <a:endParaRPr kumimoji="1" lang="ja-JP" altLang="en-US" baseline="0" dirty="0">
+              <a:latin typeface="ＭＳ ゴシック" panose="020B0609070205080204" pitchFamily="49" charset="-128"/>
+              <a:ea typeface="ＭＳ ゴシック" panose="020B0609070205080204" pitchFamily="49" charset="-128"/>
+            </a:endParaRPr>
+          </a:p>
+        </p:txBody>
+      </p:sp>
+      <p:sp>
+        <p:nvSpPr>
+          <p:cNvPr id="3" name="コンテンツ プレースホルダー 2"/>
+          <p:cNvSpPr>
+            <a:spLocks noGrp="1"/>
+          </p:cNvSpPr>
+          <p:nvPr>
+            <p:ph idx="1"/>
+          </p:nvPr>
+        </p:nvSpPr>
+        <p:spPr/>
+        <p:txBody>
+          <a:bodyPr/>
+          <a:lstStyle/>
+          <a:p>
+            <a:endParaRPr kumimoji="1" lang="ja-JP" altLang="en-US"/>
+          </a:p>
+        </p:txBody>
+      </p:sp>
+    </p:spTree>
+    <p:extLst>
+      <p:ext uri="{BB962C8B-B14F-4D97-AF65-F5344CB8AC3E}">
+        <p14:creationId xmlns:p14="http://schemas.microsoft.com/office/powerpoint/2010/main" val="3976710618"/>
+      </p:ext>
+    </p:extLst>
+  </p:cSld>
+  <p:clrMapOvr>
+    <a:masterClrMapping/>
+  </p:clrMapOvr>
+</p:sld>
+</file>
+
+<file path=ppt/slides/slide27.xml><?xml version="1.0" encoding="utf-8"?>
+<p:sld xmlns:a="http://schemas.openxmlformats.org/drawingml/2006/main" xmlns:r="http://schemas.openxmlformats.org/officeDocument/2006/relationships" xmlns:p="http://schemas.openxmlformats.org/presentationml/2006/main">
+  <p:cSld>
+    <p:spTree>
+      <p:nvGrpSpPr>
+        <p:cNvPr id="1" name=""/>
+        <p:cNvGrpSpPr/>
+        <p:nvPr/>
+      </p:nvGrpSpPr>
+      <p:grpSpPr>
+        <a:xfrm>
+          <a:off x="0" y="0"/>
+          <a:ext cx="0" cy="0"/>
+          <a:chOff x="0" y="0"/>
+          <a:chExt cx="0" cy="0"/>
+        </a:xfrm>
+      </p:grpSpPr>
+      <p:sp>
+        <p:nvSpPr>
+          <p:cNvPr id="2" name="タイトル 1"/>
+          <p:cNvSpPr>
+            <a:spLocks noGrp="1"/>
+          </p:cNvSpPr>
+          <p:nvPr>
+            <p:ph type="title"/>
+          </p:nvPr>
+        </p:nvSpPr>
+        <p:spPr/>
+        <p:txBody>
+          <a:bodyPr/>
+          <a:lstStyle/>
+          <a:p>
+            <a:r>
+              <a:rPr kumimoji="1" lang="ja-JP" altLang="en-US" baseline="0" dirty="0" smtClean="0">
+                <a:latin typeface="ＭＳ ゴシック" panose="020B0609070205080204" pitchFamily="49" charset="-128"/>
+                <a:ea typeface="ＭＳ ゴシック" panose="020B0609070205080204" pitchFamily="49" charset="-128"/>
+              </a:rPr>
               <a:t>受験上有利になる資格</a:t>
             </a:r>
             <a:endParaRPr kumimoji="1" lang="ja-JP" altLang="en-US" baseline="0" dirty="0">
@@ -7277,7 +7470,7 @@
 </p:sld>
 </file>
 
-<file path=ppt/slides/slide27.xml><?xml version="1.0" encoding="utf-8"?>
+<file path=ppt/slides/slide28.xml><?xml version="1.0" encoding="utf-8"?>
 <p:sld xmlns:a="http://schemas.openxmlformats.org/drawingml/2006/main" xmlns:r="http://schemas.openxmlformats.org/officeDocument/2006/relationships" xmlns:p="http://schemas.openxmlformats.org/presentationml/2006/main">
   <p:cSld>
     <p:spTree>
@@ -8217,7 +8410,7 @@
                 <a:latin typeface="ＭＳ ゴシック" panose="020B0609070205080204" pitchFamily="49" charset="-128"/>
                 <a:ea typeface="ＭＳ ゴシック" panose="020B0609070205080204" pitchFamily="49" charset="-128"/>
               </a:rPr>
-              <a:t>時間について</a:t>
+              <a:t>日本企業で働くときには、日本企業を理解する。</a:t>
             </a:r>
             <a:endParaRPr kumimoji="1" lang="en-US" altLang="ja-JP" baseline="0" dirty="0" smtClean="0">
               <a:latin typeface="ＭＳ ゴシック" panose="020B0609070205080204" pitchFamily="49" charset="-128"/>
@@ -8230,34 +8423,30 @@
                 <a:latin typeface="ＭＳ ゴシック" panose="020B0609070205080204" pitchFamily="49" charset="-128"/>
                 <a:ea typeface="ＭＳ ゴシック" panose="020B0609070205080204" pitchFamily="49" charset="-128"/>
               </a:rPr>
-              <a:t>休暇について</a:t>
-            </a:r>
-            <a:endParaRPr kumimoji="1" lang="en-US" altLang="ja-JP" baseline="0" dirty="0" smtClean="0">
-              <a:latin typeface="ＭＳ ゴシック" panose="020B0609070205080204" pitchFamily="49" charset="-128"/>
-              <a:ea typeface="ＭＳ ゴシック" panose="020B0609070205080204" pitchFamily="49" charset="-128"/>
-            </a:endParaRPr>
-          </a:p>
-          <a:p>
+              <a:t>時間・約束・休みについての考え方が違う。</a:t>
+            </a:r>
+            <a:r>
+              <a:rPr kumimoji="1" lang="en-US" altLang="ja-JP" baseline="0" dirty="0" smtClean="0">
+                <a:latin typeface="ＭＳ ゴシック" panose="020B0609070205080204" pitchFamily="49" charset="-128"/>
+                <a:ea typeface="ＭＳ ゴシック" panose="020B0609070205080204" pitchFamily="49" charset="-128"/>
+              </a:rPr>
+              <a:t/>
+            </a:r>
+            <a:br>
+              <a:rPr kumimoji="1" lang="en-US" altLang="ja-JP" baseline="0" dirty="0" smtClean="0">
+                <a:latin typeface="ＭＳ ゴシック" panose="020B0609070205080204" pitchFamily="49" charset="-128"/>
+                <a:ea typeface="ＭＳ ゴシック" panose="020B0609070205080204" pitchFamily="49" charset="-128"/>
+              </a:rPr>
+            </a:br>
             <a:r>
               <a:rPr kumimoji="1" lang="ja-JP" altLang="en-US" baseline="0" dirty="0" smtClean="0">
                 <a:latin typeface="ＭＳ ゴシック" panose="020B0609070205080204" pitchFamily="49" charset="-128"/>
                 <a:ea typeface="ＭＳ ゴシック" panose="020B0609070205080204" pitchFamily="49" charset="-128"/>
               </a:rPr>
-              <a:t>出席について</a:t>
-            </a:r>
-            <a:endParaRPr kumimoji="1" lang="en-US" altLang="ja-JP" baseline="0" dirty="0" smtClean="0">
-              <a:latin typeface="ＭＳ ゴシック" panose="020B0609070205080204" pitchFamily="49" charset="-128"/>
-              <a:ea typeface="ＭＳ ゴシック" panose="020B0609070205080204" pitchFamily="49" charset="-128"/>
-            </a:endParaRPr>
-          </a:p>
-          <a:p>
-            <a:r>
-              <a:rPr kumimoji="1" lang="ja-JP" altLang="en-US" baseline="0" dirty="0" smtClean="0">
-                <a:latin typeface="ＭＳ ゴシック" panose="020B0609070205080204" pitchFamily="49" charset="-128"/>
-                <a:ea typeface="ＭＳ ゴシック" panose="020B0609070205080204" pitchFamily="49" charset="-128"/>
-              </a:rPr>
-              <a:t>帰国のリスクについて</a:t>
-            </a:r>
+              <a:t>アルバイトと同じ気持ちでは、就職できない。</a:t>
+            </a:r>
+          </a:p>
+          <a:p>
             <a:endParaRPr kumimoji="1" lang="en-US" altLang="ja-JP" baseline="0" dirty="0" smtClean="0">
               <a:latin typeface="ＭＳ ゴシック" panose="020B0609070205080204" pitchFamily="49" charset="-128"/>
               <a:ea typeface="ＭＳ ゴシック" panose="020B0609070205080204" pitchFamily="49" charset="-128"/>
@@ -8310,43 +8499,268 @@
           <a:bodyPr/>
           <a:lstStyle/>
           <a:p>
+            <a:pPr lvl="0"/>
             <a:r>
               <a:rPr kumimoji="1" lang="ja-JP" altLang="en-US" baseline="0" dirty="0" smtClean="0">
                 <a:latin typeface="ＭＳ ゴシック" panose="020B0609070205080204" pitchFamily="49" charset="-128"/>
                 <a:ea typeface="ＭＳ ゴシック" panose="020B0609070205080204" pitchFamily="49" charset="-128"/>
               </a:rPr>
-              <a:t>学校求人とは</a:t>
-            </a:r>
-            <a:endParaRPr kumimoji="1" lang="ja-JP" altLang="en-US" baseline="0" dirty="0">
+              <a:t>休みについて</a:t>
+            </a:r>
+            <a:endParaRPr kumimoji="1" lang="ja-JP" altLang="en-US" dirty="0"/>
+          </a:p>
+        </p:txBody>
+      </p:sp>
+      <p:sp>
+        <p:nvSpPr>
+          <p:cNvPr id="3" name="コンテンツ プレースホルダー 2"/>
+          <p:cNvSpPr>
+            <a:spLocks noGrp="1"/>
+          </p:cNvSpPr>
+          <p:nvPr>
+            <p:ph idx="1"/>
+          </p:nvPr>
+        </p:nvSpPr>
+        <p:spPr/>
+        <p:txBody>
+          <a:bodyPr>
+            <a:normAutofit fontScale="70000" lnSpcReduction="20000"/>
+          </a:bodyPr>
+          <a:lstStyle/>
+          <a:p>
+            <a:pPr lvl="0"/>
+            <a:r>
+              <a:rPr kumimoji="1" lang="ja-JP" altLang="en-US" baseline="0" dirty="0" smtClean="0">
+                <a:latin typeface="ＭＳ ゴシック" panose="020B0609070205080204" pitchFamily="49" charset="-128"/>
+                <a:ea typeface="ＭＳ ゴシック" panose="020B0609070205080204" pitchFamily="49" charset="-128"/>
+              </a:rPr>
+              <a:t>日本の会社では、時間の約束は、その時間に内容を始められること。</a:t>
+            </a:r>
+            <a:endParaRPr kumimoji="1" lang="en-US" altLang="ja-JP" baseline="0" dirty="0" smtClean="0">
               <a:latin typeface="ＭＳ ゴシック" panose="020B0609070205080204" pitchFamily="49" charset="-128"/>
               <a:ea typeface="ＭＳ ゴシック" panose="020B0609070205080204" pitchFamily="49" charset="-128"/>
             </a:endParaRPr>
           </a:p>
-        </p:txBody>
-      </p:sp>
-      <p:sp>
-        <p:nvSpPr>
-          <p:cNvPr id="3" name="コンテンツ プレースホルダー 2"/>
-          <p:cNvSpPr>
-            <a:spLocks noGrp="1"/>
-          </p:cNvSpPr>
-          <p:nvPr>
-            <p:ph idx="1"/>
-          </p:nvPr>
-        </p:nvSpPr>
-        <p:spPr/>
-        <p:txBody>
-          <a:bodyPr/>
-          <a:lstStyle/>
-          <a:p>
-            <a:endParaRPr kumimoji="1" lang="ja-JP" altLang="en-US"/>
+          <a:p>
+            <a:pPr marL="402336" lvl="1" indent="0">
+              <a:buNone/>
+            </a:pPr>
+            <a:r>
+              <a:rPr kumimoji="1" lang="ja-JP" altLang="en-US" baseline="0" dirty="0" smtClean="0">
+                <a:latin typeface="ＭＳ ゴシック" panose="020B0609070205080204" pitchFamily="49" charset="-128"/>
+                <a:ea typeface="ＭＳ ゴシック" panose="020B0609070205080204" pitchFamily="49" charset="-128"/>
+              </a:rPr>
+              <a:t>例</a:t>
+            </a:r>
+            <a:endParaRPr kumimoji="1" lang="en-US" altLang="ja-JP" baseline="0" dirty="0" smtClean="0">
+              <a:latin typeface="ＭＳ ゴシック" panose="020B0609070205080204" pitchFamily="49" charset="-128"/>
+              <a:ea typeface="ＭＳ ゴシック" panose="020B0609070205080204" pitchFamily="49" charset="-128"/>
+            </a:endParaRPr>
+          </a:p>
+          <a:p>
+            <a:pPr marL="667512" lvl="2" indent="0">
+              <a:buNone/>
+            </a:pPr>
+            <a:r>
+              <a:rPr kumimoji="1" lang="ja-JP" altLang="en-US" baseline="0" dirty="0" smtClean="0">
+                <a:latin typeface="ＭＳ ゴシック" panose="020B0609070205080204" pitchFamily="49" charset="-128"/>
+                <a:ea typeface="ＭＳ ゴシック" panose="020B0609070205080204" pitchFamily="49" charset="-128"/>
+              </a:rPr>
+              <a:t>「　９：１０　朝</a:t>
+            </a:r>
+            <a:r>
+              <a:rPr kumimoji="1" lang="en-US" altLang="ja-JP" baseline="0" dirty="0" smtClean="0">
+                <a:latin typeface="ＭＳ ゴシック" panose="020B0609070205080204" pitchFamily="49" charset="-128"/>
+                <a:ea typeface="ＭＳ ゴシック" panose="020B0609070205080204" pitchFamily="49" charset="-128"/>
+              </a:rPr>
+              <a:t>HR</a:t>
+            </a:r>
+            <a:r>
+              <a:rPr kumimoji="1" lang="ja-JP" altLang="en-US" baseline="0" dirty="0" smtClean="0">
+                <a:latin typeface="ＭＳ ゴシック" panose="020B0609070205080204" pitchFamily="49" charset="-128"/>
+                <a:ea typeface="ＭＳ ゴシック" panose="020B0609070205080204" pitchFamily="49" charset="-128"/>
+              </a:rPr>
+              <a:t>　　」の約束</a:t>
+            </a:r>
+            <a:endParaRPr kumimoji="1" lang="en-US" altLang="ja-JP" baseline="0" dirty="0" smtClean="0">
+              <a:latin typeface="ＭＳ ゴシック" panose="020B0609070205080204" pitchFamily="49" charset="-128"/>
+              <a:ea typeface="ＭＳ ゴシック" panose="020B0609070205080204" pitchFamily="49" charset="-128"/>
+            </a:endParaRPr>
+          </a:p>
+          <a:p>
+            <a:pPr marL="667512" lvl="2" indent="0">
+              <a:buNone/>
+            </a:pPr>
+            <a:r>
+              <a:rPr kumimoji="1" lang="ja-JP" altLang="en-US" baseline="0" dirty="0" smtClean="0">
+                <a:latin typeface="ＭＳ ゴシック" panose="020B0609070205080204" pitchFamily="49" charset="-128"/>
+                <a:ea typeface="ＭＳ ゴシック" panose="020B0609070205080204" pitchFamily="49" charset="-128"/>
+              </a:rPr>
+              <a:t>　９：０５　に</a:t>
+            </a:r>
+            <a:r>
+              <a:rPr kumimoji="1" lang="en-US" altLang="ja-JP" baseline="0" dirty="0" smtClean="0">
+                <a:latin typeface="ＭＳ ゴシック" panose="020B0609070205080204" pitchFamily="49" charset="-128"/>
+                <a:ea typeface="ＭＳ ゴシック" panose="020B0609070205080204" pitchFamily="49" charset="-128"/>
+              </a:rPr>
+              <a:t>HR</a:t>
+            </a:r>
+            <a:r>
+              <a:rPr kumimoji="1" lang="ja-JP" altLang="en-US" baseline="0" dirty="0" smtClean="0">
+                <a:latin typeface="ＭＳ ゴシック" panose="020B0609070205080204" pitchFamily="49" charset="-128"/>
+                <a:ea typeface="ＭＳ ゴシック" panose="020B0609070205080204" pitchFamily="49" charset="-128"/>
+              </a:rPr>
+              <a:t>が始められると言う事。</a:t>
+            </a:r>
+            <a:endParaRPr kumimoji="1" lang="en-US" altLang="ja-JP" baseline="0" dirty="0" smtClean="0">
+              <a:latin typeface="ＭＳ ゴシック" panose="020B0609070205080204" pitchFamily="49" charset="-128"/>
+              <a:ea typeface="ＭＳ ゴシック" panose="020B0609070205080204" pitchFamily="49" charset="-128"/>
+            </a:endParaRPr>
+          </a:p>
+          <a:p>
+            <a:pPr marL="667512" lvl="2" indent="0">
+              <a:buNone/>
+            </a:pPr>
+            <a:endParaRPr kumimoji="1" lang="en-US" altLang="ja-JP" baseline="0" dirty="0" smtClean="0">
+              <a:latin typeface="ＭＳ ゴシック" panose="020B0609070205080204" pitchFamily="49" charset="-128"/>
+              <a:ea typeface="ＭＳ ゴシック" panose="020B0609070205080204" pitchFamily="49" charset="-128"/>
+            </a:endParaRPr>
+          </a:p>
+          <a:p>
+            <a:pPr lvl="0"/>
+            <a:r>
+              <a:rPr kumimoji="1" lang="ja-JP" altLang="en-US" baseline="0" dirty="0" smtClean="0">
+                <a:latin typeface="ＭＳ ゴシック" panose="020B0609070205080204" pitchFamily="49" charset="-128"/>
+                <a:ea typeface="ＭＳ ゴシック" panose="020B0609070205080204" pitchFamily="49" charset="-128"/>
+              </a:rPr>
+              <a:t>休暇</a:t>
+            </a:r>
+            <a:r>
+              <a:rPr kumimoji="1" lang="en-US" altLang="ja-JP" baseline="0" dirty="0" smtClean="0">
+                <a:latin typeface="ＭＳ ゴシック" panose="020B0609070205080204" pitchFamily="49" charset="-128"/>
+                <a:ea typeface="ＭＳ ゴシック" panose="020B0609070205080204" pitchFamily="49" charset="-128"/>
+              </a:rPr>
+              <a:t/>
+            </a:r>
+            <a:br>
+              <a:rPr kumimoji="1" lang="en-US" altLang="ja-JP" baseline="0" dirty="0" smtClean="0">
+                <a:latin typeface="ＭＳ ゴシック" panose="020B0609070205080204" pitchFamily="49" charset="-128"/>
+                <a:ea typeface="ＭＳ ゴシック" panose="020B0609070205080204" pitchFamily="49" charset="-128"/>
+              </a:rPr>
+            </a:br>
+            <a:r>
+              <a:rPr kumimoji="1" lang="ja-JP" altLang="en-US" baseline="0" dirty="0" smtClean="0">
+                <a:latin typeface="ＭＳ ゴシック" panose="020B0609070205080204" pitchFamily="49" charset="-128"/>
+                <a:ea typeface="ＭＳ ゴシック" panose="020B0609070205080204" pitchFamily="49" charset="-128"/>
+              </a:rPr>
+              <a:t>日本の会社の休みは、指定された休みの日だけ。</a:t>
+            </a:r>
+            <a:r>
+              <a:rPr kumimoji="1" lang="en-US" altLang="ja-JP" baseline="0" dirty="0" smtClean="0">
+                <a:latin typeface="ＭＳ ゴシック" panose="020B0609070205080204" pitchFamily="49" charset="-128"/>
+                <a:ea typeface="ＭＳ ゴシック" panose="020B0609070205080204" pitchFamily="49" charset="-128"/>
+              </a:rPr>
+              <a:t/>
+            </a:r>
+            <a:br>
+              <a:rPr kumimoji="1" lang="en-US" altLang="ja-JP" baseline="0" dirty="0" smtClean="0">
+                <a:latin typeface="ＭＳ ゴシック" panose="020B0609070205080204" pitchFamily="49" charset="-128"/>
+                <a:ea typeface="ＭＳ ゴシック" panose="020B0609070205080204" pitchFamily="49" charset="-128"/>
+              </a:rPr>
+            </a:br>
+            <a:r>
+              <a:rPr kumimoji="1" lang="ja-JP" altLang="en-US" baseline="0" dirty="0" smtClean="0">
+                <a:latin typeface="ＭＳ ゴシック" panose="020B0609070205080204" pitchFamily="49" charset="-128"/>
+                <a:ea typeface="ＭＳ ゴシック" panose="020B0609070205080204" pitchFamily="49" charset="-128"/>
+              </a:rPr>
+              <a:t>自分勝手に休みをとるのは、ペナルティの対象になる</a:t>
+            </a:r>
+            <a:endParaRPr kumimoji="1" lang="en-US" altLang="ja-JP" baseline="0" dirty="0" smtClean="0">
+              <a:latin typeface="ＭＳ ゴシック" panose="020B0609070205080204" pitchFamily="49" charset="-128"/>
+              <a:ea typeface="ＭＳ ゴシック" panose="020B0609070205080204" pitchFamily="49" charset="-128"/>
+            </a:endParaRPr>
+          </a:p>
+          <a:p>
+            <a:pPr lvl="0"/>
+            <a:endParaRPr kumimoji="1" lang="en-US" altLang="ja-JP" baseline="0" dirty="0" smtClean="0">
+              <a:latin typeface="ＭＳ ゴシック" panose="020B0609070205080204" pitchFamily="49" charset="-128"/>
+              <a:ea typeface="ＭＳ ゴシック" panose="020B0609070205080204" pitchFamily="49" charset="-128"/>
+            </a:endParaRPr>
+          </a:p>
+          <a:p>
+            <a:pPr marL="109728" lvl="0" indent="0">
+              <a:buNone/>
+            </a:pPr>
+            <a:r>
+              <a:rPr kumimoji="1" lang="ja-JP" altLang="en-US" baseline="0" dirty="0" smtClean="0">
+                <a:latin typeface="ＭＳ ゴシック" panose="020B0609070205080204" pitchFamily="49" charset="-128"/>
+                <a:ea typeface="ＭＳ ゴシック" panose="020B0609070205080204" pitchFamily="49" charset="-128"/>
+              </a:rPr>
+              <a:t>⇒「長期休暇」は、ない。</a:t>
+            </a:r>
+            <a:endParaRPr kumimoji="1" lang="en-US" altLang="ja-JP" baseline="0" dirty="0" smtClean="0">
+              <a:latin typeface="ＭＳ ゴシック" panose="020B0609070205080204" pitchFamily="49" charset="-128"/>
+              <a:ea typeface="ＭＳ ゴシック" panose="020B0609070205080204" pitchFamily="49" charset="-128"/>
+            </a:endParaRPr>
+          </a:p>
+          <a:p>
+            <a:pPr marL="109728" lvl="0" indent="0">
+              <a:buNone/>
+            </a:pPr>
+            <a:r>
+              <a:rPr kumimoji="1" lang="ja-JP" altLang="en-US" baseline="0" dirty="0" smtClean="0">
+                <a:latin typeface="ＭＳ ゴシック" panose="020B0609070205080204" pitchFamily="49" charset="-128"/>
+                <a:ea typeface="ＭＳ ゴシック" panose="020B0609070205080204" pitchFamily="49" charset="-128"/>
+              </a:rPr>
+              <a:t>⇒「自分の都合で休み」は、ない</a:t>
+            </a:r>
+            <a:endParaRPr kumimoji="1" lang="en-US" altLang="ja-JP" baseline="0" dirty="0" smtClean="0">
+              <a:latin typeface="ＭＳ ゴシック" panose="020B0609070205080204" pitchFamily="49" charset="-128"/>
+              <a:ea typeface="ＭＳ ゴシック" panose="020B0609070205080204" pitchFamily="49" charset="-128"/>
+            </a:endParaRPr>
+          </a:p>
+          <a:p>
+            <a:pPr lvl="0"/>
+            <a:r>
+              <a:rPr kumimoji="1" lang="ja-JP" altLang="en-US" baseline="0" dirty="0" smtClean="0">
+                <a:latin typeface="ＭＳ ゴシック" panose="020B0609070205080204" pitchFamily="49" charset="-128"/>
+                <a:ea typeface="ＭＳ ゴシック" panose="020B0609070205080204" pitchFamily="49" charset="-128"/>
+              </a:rPr>
+              <a:t>休暇について</a:t>
+            </a:r>
+          </a:p>
+          <a:p>
+            <a:r>
+              <a:rPr kumimoji="1" lang="ja-JP" altLang="en-US" baseline="0" dirty="0" smtClean="0">
+                <a:latin typeface="ＭＳ ゴシック" panose="020B0609070205080204" pitchFamily="49" charset="-128"/>
+                <a:ea typeface="ＭＳ ゴシック" panose="020B0609070205080204" pitchFamily="49" charset="-128"/>
+              </a:rPr>
+              <a:t>出席について</a:t>
+            </a:r>
+            <a:endParaRPr kumimoji="1" lang="en-US" altLang="ja-JP" baseline="0" dirty="0" smtClean="0">
+              <a:latin typeface="ＭＳ ゴシック" panose="020B0609070205080204" pitchFamily="49" charset="-128"/>
+              <a:ea typeface="ＭＳ ゴシック" panose="020B0609070205080204" pitchFamily="49" charset="-128"/>
+            </a:endParaRPr>
+          </a:p>
+          <a:p>
+            <a:r>
+              <a:rPr kumimoji="1" lang="ja-JP" altLang="en-US" baseline="0" dirty="0" smtClean="0">
+                <a:latin typeface="ＭＳ ゴシック" panose="020B0609070205080204" pitchFamily="49" charset="-128"/>
+                <a:ea typeface="ＭＳ ゴシック" panose="020B0609070205080204" pitchFamily="49" charset="-128"/>
+              </a:rPr>
+              <a:t>帰国のリスクについて</a:t>
+            </a:r>
+            <a:endParaRPr kumimoji="1" lang="en-US" altLang="ja-JP" baseline="0" dirty="0" smtClean="0">
+              <a:latin typeface="ＭＳ ゴシック" panose="020B0609070205080204" pitchFamily="49" charset="-128"/>
+              <a:ea typeface="ＭＳ ゴシック" panose="020B0609070205080204" pitchFamily="49" charset="-128"/>
+            </a:endParaRPr>
           </a:p>
         </p:txBody>
       </p:sp>
     </p:spTree>
     <p:extLst>
       <p:ext uri="{BB962C8B-B14F-4D97-AF65-F5344CB8AC3E}">
-        <p14:creationId xmlns:p14="http://schemas.microsoft.com/office/powerpoint/2010/main" val="1744885755"/>
+        <p14:creationId xmlns:p14="http://schemas.microsoft.com/office/powerpoint/2010/main" val="3785107184"/>
       </p:ext>
     </p:extLst>
   </p:cSld>
@@ -8393,7 +8807,7 @@
                 <a:latin typeface="ＭＳ ゴシック" panose="020B0609070205080204" pitchFamily="49" charset="-128"/>
                 <a:ea typeface="ＭＳ ゴシック" panose="020B0609070205080204" pitchFamily="49" charset="-128"/>
               </a:rPr>
-              <a:t>学校推薦（推薦書）</a:t>
+              <a:t>学校求人とは</a:t>
             </a:r>
             <a:endParaRPr kumimoji="1" lang="ja-JP" altLang="en-US" baseline="0" dirty="0">
               <a:latin typeface="ＭＳ ゴシック" panose="020B0609070205080204" pitchFamily="49" charset="-128"/>
@@ -8417,134 +8831,14 @@
           <a:bodyPr/>
           <a:lstStyle/>
           <a:p>
-            <a:r>
-              <a:rPr kumimoji="1" lang="ja-JP" altLang="en-US" baseline="0" dirty="0" smtClean="0">
-                <a:latin typeface="ＭＳ ゴシック" panose="020B0609070205080204" pitchFamily="49" charset="-128"/>
-                <a:ea typeface="ＭＳ ゴシック" panose="020B0609070205080204" pitchFamily="49" charset="-128"/>
-              </a:rPr>
-              <a:t>出席率８５％以上</a:t>
-            </a:r>
-            <a:endParaRPr kumimoji="1" lang="en-US" altLang="ja-JP" baseline="0" dirty="0" smtClean="0">
-              <a:latin typeface="ＭＳ ゴシック" panose="020B0609070205080204" pitchFamily="49" charset="-128"/>
-              <a:ea typeface="ＭＳ ゴシック" panose="020B0609070205080204" pitchFamily="49" charset="-128"/>
-            </a:endParaRPr>
-          </a:p>
-          <a:p>
-            <a:r>
-              <a:rPr kumimoji="1" lang="ja-JP" altLang="en-US" baseline="0" dirty="0" smtClean="0">
-                <a:latin typeface="ＭＳ ゴシック" panose="020B0609070205080204" pitchFamily="49" charset="-128"/>
-                <a:ea typeface="ＭＳ ゴシック" panose="020B0609070205080204" pitchFamily="49" charset="-128"/>
-              </a:rPr>
-              <a:t>成績の平均３．５以上</a:t>
-            </a:r>
-            <a:endParaRPr kumimoji="1" lang="en-US" altLang="ja-JP" baseline="0" dirty="0" smtClean="0">
-              <a:latin typeface="ＭＳ ゴシック" panose="020B0609070205080204" pitchFamily="49" charset="-128"/>
-              <a:ea typeface="ＭＳ ゴシック" panose="020B0609070205080204" pitchFamily="49" charset="-128"/>
-            </a:endParaRPr>
-          </a:p>
-          <a:p>
-            <a:r>
-              <a:rPr kumimoji="1" lang="ja-JP" altLang="en-US" baseline="0" dirty="0" smtClean="0">
-                <a:latin typeface="ＭＳ ゴシック" panose="020B0609070205080204" pitchFamily="49" charset="-128"/>
-                <a:ea typeface="ＭＳ ゴシック" panose="020B0609070205080204" pitchFamily="49" charset="-128"/>
-              </a:rPr>
-              <a:t>評価点２（４４点がない事）</a:t>
-            </a:r>
-            <a:endParaRPr kumimoji="1" lang="en-US" altLang="ja-JP" baseline="0" dirty="0" smtClean="0">
-              <a:latin typeface="ＭＳ ゴシック" panose="020B0609070205080204" pitchFamily="49" charset="-128"/>
-              <a:ea typeface="ＭＳ ゴシック" panose="020B0609070205080204" pitchFamily="49" charset="-128"/>
-            </a:endParaRPr>
-          </a:p>
-          <a:p>
-            <a:r>
-              <a:rPr kumimoji="1" lang="ja-JP" altLang="en-US" baseline="0" dirty="0" smtClean="0">
-                <a:latin typeface="ＭＳ ゴシック" panose="020B0609070205080204" pitchFamily="49" charset="-128"/>
-                <a:ea typeface="ＭＳ ゴシック" panose="020B0609070205080204" pitchFamily="49" charset="-128"/>
-              </a:rPr>
-              <a:t>日本語能力認定試験</a:t>
-            </a:r>
-            <a:r>
-              <a:rPr kumimoji="1" lang="en-US" altLang="ja-JP" baseline="0" dirty="0" smtClean="0">
-                <a:latin typeface="ＭＳ ゴシック" panose="020B0609070205080204" pitchFamily="49" charset="-128"/>
-                <a:ea typeface="ＭＳ ゴシック" panose="020B0609070205080204" pitchFamily="49" charset="-128"/>
-              </a:rPr>
-              <a:t>N1</a:t>
-            </a:r>
-            <a:r>
-              <a:rPr kumimoji="1" lang="ja-JP" altLang="en-US" baseline="0" dirty="0" err="1" smtClean="0">
-                <a:latin typeface="ＭＳ ゴシック" panose="020B0609070205080204" pitchFamily="49" charset="-128"/>
-                <a:ea typeface="ＭＳ ゴシック" panose="020B0609070205080204" pitchFamily="49" charset="-128"/>
-              </a:rPr>
-              <a:t>、</a:t>
-            </a:r>
-            <a:r>
-              <a:rPr kumimoji="1" lang="en-US" altLang="ja-JP" baseline="0" dirty="0" smtClean="0">
-                <a:latin typeface="ＭＳ ゴシック" panose="020B0609070205080204" pitchFamily="49" charset="-128"/>
-                <a:ea typeface="ＭＳ ゴシック" panose="020B0609070205080204" pitchFamily="49" charset="-128"/>
-              </a:rPr>
-              <a:t>N2</a:t>
-            </a:r>
-            <a:r>
-              <a:rPr kumimoji="1" lang="ja-JP" altLang="en-US" baseline="0" dirty="0" smtClean="0">
-                <a:latin typeface="ＭＳ ゴシック" panose="020B0609070205080204" pitchFamily="49" charset="-128"/>
-                <a:ea typeface="ＭＳ ゴシック" panose="020B0609070205080204" pitchFamily="49" charset="-128"/>
-              </a:rPr>
-              <a:t>に合格している事</a:t>
-            </a:r>
-            <a:endParaRPr kumimoji="1" lang="en-US" altLang="ja-JP" baseline="0" dirty="0" smtClean="0">
-              <a:latin typeface="ＭＳ ゴシック" panose="020B0609070205080204" pitchFamily="49" charset="-128"/>
-              <a:ea typeface="ＭＳ ゴシック" panose="020B0609070205080204" pitchFamily="49" charset="-128"/>
-            </a:endParaRPr>
-          </a:p>
-          <a:p>
-            <a:r>
-              <a:rPr kumimoji="1" lang="ja-JP" altLang="en-US" baseline="0" dirty="0" smtClean="0">
-                <a:latin typeface="ＭＳ ゴシック" panose="020B0609070205080204" pitchFamily="49" charset="-128"/>
-                <a:ea typeface="ＭＳ ゴシック" panose="020B0609070205080204" pitchFamily="49" charset="-128"/>
-              </a:rPr>
-              <a:t>素行に問題が無い事</a:t>
-            </a:r>
-            <a:endParaRPr kumimoji="1" lang="en-US" altLang="ja-JP" baseline="0" dirty="0" smtClean="0">
-              <a:latin typeface="ＭＳ ゴシック" panose="020B0609070205080204" pitchFamily="49" charset="-128"/>
-              <a:ea typeface="ＭＳ ゴシック" panose="020B0609070205080204" pitchFamily="49" charset="-128"/>
-            </a:endParaRPr>
-          </a:p>
-          <a:p>
-            <a:pPr marL="0" indent="0" algn="r">
-              <a:buNone/>
-            </a:pPr>
-            <a:r>
-              <a:rPr kumimoji="1" lang="ja-JP" altLang="en-US" baseline="0" dirty="0" smtClean="0">
-                <a:latin typeface="ＭＳ ゴシック" panose="020B0609070205080204" pitchFamily="49" charset="-128"/>
-                <a:ea typeface="ＭＳ ゴシック" panose="020B0609070205080204" pitchFamily="49" charset="-128"/>
-              </a:rPr>
-              <a:t>学則</a:t>
-            </a:r>
-            <a:r>
-              <a:rPr kumimoji="1" lang="en-US" altLang="ja-JP" baseline="0" dirty="0" smtClean="0">
-                <a:latin typeface="ＭＳ ゴシック" panose="020B0609070205080204" pitchFamily="49" charset="-128"/>
-                <a:ea typeface="ＭＳ ゴシック" panose="020B0609070205080204" pitchFamily="49" charset="-128"/>
-              </a:rPr>
-              <a:t>2016</a:t>
-            </a:r>
-            <a:r>
-              <a:rPr kumimoji="1" lang="ja-JP" altLang="en-US" baseline="0" dirty="0" smtClean="0">
-                <a:latin typeface="ＭＳ ゴシック" panose="020B0609070205080204" pitchFamily="49" charset="-128"/>
-                <a:ea typeface="ＭＳ ゴシック" panose="020B0609070205080204" pitchFamily="49" charset="-128"/>
-              </a:rPr>
-              <a:t>年度版より</a:t>
-            </a:r>
-            <a:endParaRPr kumimoji="1" lang="en-US" altLang="ja-JP" baseline="0" dirty="0" smtClean="0">
-              <a:latin typeface="ＭＳ ゴシック" panose="020B0609070205080204" pitchFamily="49" charset="-128"/>
-              <a:ea typeface="ＭＳ ゴシック" panose="020B0609070205080204" pitchFamily="49" charset="-128"/>
-            </a:endParaRPr>
+            <a:endParaRPr kumimoji="1" lang="ja-JP" altLang="en-US"/>
           </a:p>
         </p:txBody>
       </p:sp>
     </p:spTree>
     <p:extLst>
       <p:ext uri="{BB962C8B-B14F-4D97-AF65-F5344CB8AC3E}">
-        <p14:creationId xmlns:p14="http://schemas.microsoft.com/office/powerpoint/2010/main" val="3983144682"/>
+        <p14:creationId xmlns:p14="http://schemas.microsoft.com/office/powerpoint/2010/main" val="1744885755"/>
       </p:ext>
     </p:extLst>
   </p:cSld>
